--- a/ConfigNDThrougk8s.pptx
+++ b/ConfigNDThrougk8s.pptx
@@ -6,10 +6,10 @@
     <p:sldMasterId id="2147483684" r:id="rId2"/>
   </p:sldMasterIdLst>
   <p:notesMasterIdLst>
-    <p:notesMasterId r:id="rId12"/>
+    <p:notesMasterId r:id="rId13"/>
   </p:notesMasterIdLst>
   <p:handoutMasterIdLst>
-    <p:handoutMasterId r:id="rId13"/>
+    <p:handoutMasterId r:id="rId14"/>
   </p:handoutMasterIdLst>
   <p:sldIdLst>
     <p:sldId id="256" r:id="rId3"/>
@@ -21,6 +21,7 @@
     <p:sldId id="337" r:id="rId9"/>
     <p:sldId id="269" r:id="rId10"/>
     <p:sldId id="270" r:id="rId11"/>
+    <p:sldId id="338" r:id="rId12"/>
   </p:sldIdLst>
   <p:sldSz cx="12192000" cy="6858000"/>
   <p:notesSz cx="6858000" cy="9144000"/>
@@ -495,6 +496,29 @@
     </pc:docChg>
   </pc:docChgLst>
   <pc:docChgLst>
+    <pc:chgData name="Florian Löhden" userId="014a96ef-d6b1-4a57-ba9a-c5734abd16b2" providerId="ADAL" clId="{204C8E0B-A51E-6843-A054-CE73F37CDDBB}"/>
+    <pc:docChg chg="custSel modSld">
+      <pc:chgData name="Florian Löhden" userId="014a96ef-d6b1-4a57-ba9a-c5734abd16b2" providerId="ADAL" clId="{204C8E0B-A51E-6843-A054-CE73F37CDDBB}" dt="2025-04-28T19:47:17.492" v="20" actId="20577"/>
+      <pc:docMkLst>
+        <pc:docMk/>
+      </pc:docMkLst>
+      <pc:sldChg chg="modSp">
+        <pc:chgData name="Florian Löhden" userId="014a96ef-d6b1-4a57-ba9a-c5734abd16b2" providerId="ADAL" clId="{204C8E0B-A51E-6843-A054-CE73F37CDDBB}" dt="2025-04-28T19:47:17.492" v="20" actId="20577"/>
+        <pc:sldMkLst>
+          <pc:docMk/>
+          <pc:sldMk cId="2674912035" sldId="265"/>
+        </pc:sldMkLst>
+      </pc:sldChg>
+      <pc:sldChg chg="addSp delSp modSp mod">
+        <pc:chgData name="Florian Löhden" userId="014a96ef-d6b1-4a57-ba9a-c5734abd16b2" providerId="ADAL" clId="{204C8E0B-A51E-6843-A054-CE73F37CDDBB}" dt="2025-04-28T19:45:48.422" v="19" actId="1076"/>
+        <pc:sldMkLst>
+          <pc:docMk/>
+          <pc:sldMk cId="3796196036" sldId="266"/>
+        </pc:sldMkLst>
+      </pc:sldChg>
+    </pc:docChg>
+  </pc:docChgLst>
+  <pc:docChgLst>
     <pc:chgData name="Florian Löhden" userId="014a96ef-d6b1-4a57-ba9a-c5734abd16b2" providerId="ADAL" clId="{BFE6BE9C-136E-432F-8399-C68A420E4A3C}"/>
     <pc:docChg chg="undo custSel addSld delSld modSld sldOrd">
       <pc:chgData name="Florian Löhden" userId="014a96ef-d6b1-4a57-ba9a-c5734abd16b2" providerId="ADAL" clId="{BFE6BE9C-136E-432F-8399-C68A420E4A3C}" dt="2025-04-29T12:50:58.399" v="416" actId="20577"/>
@@ -598,29 +622,6 @@
     </pc:docChg>
   </pc:docChgLst>
   <pc:docChgLst>
-    <pc:chgData name="Florian Löhden" userId="014a96ef-d6b1-4a57-ba9a-c5734abd16b2" providerId="ADAL" clId="{204C8E0B-A51E-6843-A054-CE73F37CDDBB}"/>
-    <pc:docChg chg="custSel modSld">
-      <pc:chgData name="Florian Löhden" userId="014a96ef-d6b1-4a57-ba9a-c5734abd16b2" providerId="ADAL" clId="{204C8E0B-A51E-6843-A054-CE73F37CDDBB}" dt="2025-04-28T19:47:17.492" v="20" actId="20577"/>
-      <pc:docMkLst>
-        <pc:docMk/>
-      </pc:docMkLst>
-      <pc:sldChg chg="modSp">
-        <pc:chgData name="Florian Löhden" userId="014a96ef-d6b1-4a57-ba9a-c5734abd16b2" providerId="ADAL" clId="{204C8E0B-A51E-6843-A054-CE73F37CDDBB}" dt="2025-04-28T19:47:17.492" v="20" actId="20577"/>
-        <pc:sldMkLst>
-          <pc:docMk/>
-          <pc:sldMk cId="2674912035" sldId="265"/>
-        </pc:sldMkLst>
-      </pc:sldChg>
-      <pc:sldChg chg="addSp delSp modSp mod">
-        <pc:chgData name="Florian Löhden" userId="014a96ef-d6b1-4a57-ba9a-c5734abd16b2" providerId="ADAL" clId="{204C8E0B-A51E-6843-A054-CE73F37CDDBB}" dt="2025-04-28T19:45:48.422" v="19" actId="1076"/>
-        <pc:sldMkLst>
-          <pc:docMk/>
-          <pc:sldMk cId="3796196036" sldId="266"/>
-        </pc:sldMkLst>
-      </pc:sldChg>
-    </pc:docChg>
-  </pc:docChgLst>
-  <pc:docChgLst>
     <pc:chgData name="Florian Löhden" userId="014a96ef-d6b1-4a57-ba9a-c5734abd16b2" providerId="ADAL" clId="{C39D87BC-C6C0-4B79-A5C1-8A20DCD9608A}"/>
     <pc:docChg chg="addSld delSld modSld">
       <pc:chgData name="Florian Löhden" userId="014a96ef-d6b1-4a57-ba9a-c5734abd16b2" providerId="ADAL" clId="{C39D87BC-C6C0-4B79-A5C1-8A20DCD9608A}" dt="2025-06-03T08:23:12.902" v="34" actId="47"/>
@@ -658,6 +659,6865 @@
     </pc:docChg>
   </pc:docChgLst>
 </pc:chgInfo>
+</file>
+
+<file path=ppt/diagrams/colors1.xml><?xml version="1.0" encoding="utf-8"?>
+<dgm:colorsDef xmlns:dgm="http://schemas.openxmlformats.org/drawingml/2006/diagram" xmlns:a="http://schemas.openxmlformats.org/drawingml/2006/main" uniqueId="urn:microsoft.com/office/officeart/2005/8/colors/accent3_2">
+  <dgm:title val=""/>
+  <dgm:desc val=""/>
+  <dgm:catLst>
+    <dgm:cat type="accent3" pri="11200"/>
+  </dgm:catLst>
+  <dgm:styleLbl name="node0">
+    <dgm:fillClrLst meth="repeat">
+      <a:schemeClr val="accent3"/>
+    </dgm:fillClrLst>
+    <dgm:linClrLst meth="repeat">
+      <a:schemeClr val="lt1"/>
+    </dgm:linClrLst>
+    <dgm:effectClrLst/>
+    <dgm:txLinClrLst/>
+    <dgm:txFillClrLst/>
+    <dgm:txEffectClrLst/>
+  </dgm:styleLbl>
+  <dgm:styleLbl name="node1">
+    <dgm:fillClrLst meth="repeat">
+      <a:schemeClr val="accent3"/>
+    </dgm:fillClrLst>
+    <dgm:linClrLst meth="repeat">
+      <a:schemeClr val="lt1"/>
+    </dgm:linClrLst>
+    <dgm:effectClrLst/>
+    <dgm:txLinClrLst/>
+    <dgm:txFillClrLst/>
+    <dgm:txEffectClrLst/>
+  </dgm:styleLbl>
+  <dgm:styleLbl name="alignNode1">
+    <dgm:fillClrLst meth="repeat">
+      <a:schemeClr val="accent3"/>
+    </dgm:fillClrLst>
+    <dgm:linClrLst meth="repeat">
+      <a:schemeClr val="accent3"/>
+    </dgm:linClrLst>
+    <dgm:effectClrLst/>
+    <dgm:txLinClrLst/>
+    <dgm:txFillClrLst/>
+    <dgm:txEffectClrLst/>
+  </dgm:styleLbl>
+  <dgm:styleLbl name="lnNode1">
+    <dgm:fillClrLst meth="repeat">
+      <a:schemeClr val="accent3"/>
+    </dgm:fillClrLst>
+    <dgm:linClrLst meth="repeat">
+      <a:schemeClr val="lt1"/>
+    </dgm:linClrLst>
+    <dgm:effectClrLst/>
+    <dgm:txLinClrLst/>
+    <dgm:txFillClrLst/>
+    <dgm:txEffectClrLst/>
+  </dgm:styleLbl>
+  <dgm:styleLbl name="vennNode1">
+    <dgm:fillClrLst meth="repeat">
+      <a:schemeClr val="accent3">
+        <a:alpha val="50000"/>
+      </a:schemeClr>
+    </dgm:fillClrLst>
+    <dgm:linClrLst meth="repeat">
+      <a:schemeClr val="lt1"/>
+    </dgm:linClrLst>
+    <dgm:effectClrLst/>
+    <dgm:txLinClrLst/>
+    <dgm:txFillClrLst/>
+    <dgm:txEffectClrLst/>
+  </dgm:styleLbl>
+  <dgm:styleLbl name="node2">
+    <dgm:fillClrLst meth="repeat">
+      <a:schemeClr val="accent3"/>
+    </dgm:fillClrLst>
+    <dgm:linClrLst meth="repeat">
+      <a:schemeClr val="lt1"/>
+    </dgm:linClrLst>
+    <dgm:effectClrLst/>
+    <dgm:txLinClrLst/>
+    <dgm:txFillClrLst/>
+    <dgm:txEffectClrLst/>
+  </dgm:styleLbl>
+  <dgm:styleLbl name="node3">
+    <dgm:fillClrLst meth="repeat">
+      <a:schemeClr val="accent3"/>
+    </dgm:fillClrLst>
+    <dgm:linClrLst meth="repeat">
+      <a:schemeClr val="lt1"/>
+    </dgm:linClrLst>
+    <dgm:effectClrLst/>
+    <dgm:txLinClrLst/>
+    <dgm:txFillClrLst/>
+    <dgm:txEffectClrLst/>
+  </dgm:styleLbl>
+  <dgm:styleLbl name="node4">
+    <dgm:fillClrLst meth="repeat">
+      <a:schemeClr val="accent3"/>
+    </dgm:fillClrLst>
+    <dgm:linClrLst meth="repeat">
+      <a:schemeClr val="lt1"/>
+    </dgm:linClrLst>
+    <dgm:effectClrLst/>
+    <dgm:txLinClrLst/>
+    <dgm:txFillClrLst/>
+    <dgm:txEffectClrLst/>
+  </dgm:styleLbl>
+  <dgm:styleLbl name="fgImgPlace1">
+    <dgm:fillClrLst meth="repeat">
+      <a:schemeClr val="accent3">
+        <a:tint val="50000"/>
+      </a:schemeClr>
+    </dgm:fillClrLst>
+    <dgm:linClrLst meth="repeat">
+      <a:schemeClr val="lt1"/>
+    </dgm:linClrLst>
+    <dgm:effectClrLst/>
+    <dgm:txLinClrLst/>
+    <dgm:txFillClrLst meth="repeat">
+      <a:schemeClr val="lt1"/>
+    </dgm:txFillClrLst>
+    <dgm:txEffectClrLst/>
+  </dgm:styleLbl>
+  <dgm:styleLbl name="alignImgPlace1">
+    <dgm:fillClrLst meth="repeat">
+      <a:schemeClr val="accent3">
+        <a:tint val="50000"/>
+      </a:schemeClr>
+    </dgm:fillClrLst>
+    <dgm:linClrLst meth="repeat">
+      <a:schemeClr val="lt1"/>
+    </dgm:linClrLst>
+    <dgm:effectClrLst/>
+    <dgm:txLinClrLst/>
+    <dgm:txFillClrLst meth="repeat">
+      <a:schemeClr val="lt1"/>
+    </dgm:txFillClrLst>
+    <dgm:txEffectClrLst/>
+  </dgm:styleLbl>
+  <dgm:styleLbl name="bgImgPlace1">
+    <dgm:fillClrLst meth="repeat">
+      <a:schemeClr val="accent3">
+        <a:tint val="50000"/>
+      </a:schemeClr>
+    </dgm:fillClrLst>
+    <dgm:linClrLst meth="repeat">
+      <a:schemeClr val="lt1"/>
+    </dgm:linClrLst>
+    <dgm:effectClrLst/>
+    <dgm:txLinClrLst/>
+    <dgm:txFillClrLst meth="repeat">
+      <a:schemeClr val="lt1"/>
+    </dgm:txFillClrLst>
+    <dgm:txEffectClrLst/>
+  </dgm:styleLbl>
+  <dgm:styleLbl name="sibTrans2D1">
+    <dgm:fillClrLst meth="repeat">
+      <a:schemeClr val="accent3">
+        <a:tint val="60000"/>
+      </a:schemeClr>
+    </dgm:fillClrLst>
+    <dgm:linClrLst meth="repeat">
+      <a:schemeClr val="accent3">
+        <a:tint val="60000"/>
+      </a:schemeClr>
+    </dgm:linClrLst>
+    <dgm:effectClrLst/>
+    <dgm:txLinClrLst/>
+    <dgm:txFillClrLst/>
+    <dgm:txEffectClrLst/>
+  </dgm:styleLbl>
+  <dgm:styleLbl name="fgSibTrans2D1">
+    <dgm:fillClrLst meth="repeat">
+      <a:schemeClr val="accent3">
+        <a:tint val="60000"/>
+      </a:schemeClr>
+    </dgm:fillClrLst>
+    <dgm:linClrLst meth="repeat">
+      <a:schemeClr val="accent3">
+        <a:tint val="60000"/>
+      </a:schemeClr>
+    </dgm:linClrLst>
+    <dgm:effectClrLst/>
+    <dgm:txLinClrLst/>
+    <dgm:txFillClrLst/>
+    <dgm:txEffectClrLst/>
+  </dgm:styleLbl>
+  <dgm:styleLbl name="bgSibTrans2D1">
+    <dgm:fillClrLst meth="repeat">
+      <a:schemeClr val="accent3">
+        <a:tint val="60000"/>
+      </a:schemeClr>
+    </dgm:fillClrLst>
+    <dgm:linClrLst meth="repeat">
+      <a:schemeClr val="accent3">
+        <a:tint val="60000"/>
+      </a:schemeClr>
+    </dgm:linClrLst>
+    <dgm:effectClrLst/>
+    <dgm:txLinClrLst/>
+    <dgm:txFillClrLst/>
+    <dgm:txEffectClrLst/>
+  </dgm:styleLbl>
+  <dgm:styleLbl name="sibTrans1D1">
+    <dgm:fillClrLst meth="repeat">
+      <a:schemeClr val="accent3"/>
+    </dgm:fillClrLst>
+    <dgm:linClrLst meth="repeat">
+      <a:schemeClr val="accent3"/>
+    </dgm:linClrLst>
+    <dgm:effectClrLst/>
+    <dgm:txLinClrLst/>
+    <dgm:txFillClrLst meth="repeat">
+      <a:schemeClr val="tx1"/>
+    </dgm:txFillClrLst>
+    <dgm:txEffectClrLst/>
+  </dgm:styleLbl>
+  <dgm:styleLbl name="callout">
+    <dgm:fillClrLst meth="repeat">
+      <a:schemeClr val="accent3"/>
+    </dgm:fillClrLst>
+    <dgm:linClrLst meth="repeat">
+      <a:schemeClr val="accent3">
+        <a:tint val="50000"/>
+      </a:schemeClr>
+    </dgm:linClrLst>
+    <dgm:effectClrLst/>
+    <dgm:txLinClrLst/>
+    <dgm:txFillClrLst meth="repeat">
+      <a:schemeClr val="tx1"/>
+    </dgm:txFillClrLst>
+    <dgm:txEffectClrLst/>
+  </dgm:styleLbl>
+  <dgm:styleLbl name="asst0">
+    <dgm:fillClrLst meth="repeat">
+      <a:schemeClr val="accent3"/>
+    </dgm:fillClrLst>
+    <dgm:linClrLst meth="repeat">
+      <a:schemeClr val="lt1"/>
+    </dgm:linClrLst>
+    <dgm:effectClrLst/>
+    <dgm:txLinClrLst/>
+    <dgm:txFillClrLst/>
+    <dgm:txEffectClrLst/>
+  </dgm:styleLbl>
+  <dgm:styleLbl name="asst1">
+    <dgm:fillClrLst meth="repeat">
+      <a:schemeClr val="accent3"/>
+    </dgm:fillClrLst>
+    <dgm:linClrLst meth="repeat">
+      <a:schemeClr val="lt1"/>
+    </dgm:linClrLst>
+    <dgm:effectClrLst/>
+    <dgm:txLinClrLst/>
+    <dgm:txFillClrLst/>
+    <dgm:txEffectClrLst/>
+  </dgm:styleLbl>
+  <dgm:styleLbl name="asst2">
+    <dgm:fillClrLst meth="repeat">
+      <a:schemeClr val="accent3"/>
+    </dgm:fillClrLst>
+    <dgm:linClrLst meth="repeat">
+      <a:schemeClr val="lt1"/>
+    </dgm:linClrLst>
+    <dgm:effectClrLst/>
+    <dgm:txLinClrLst/>
+    <dgm:txFillClrLst/>
+    <dgm:txEffectClrLst/>
+  </dgm:styleLbl>
+  <dgm:styleLbl name="asst3">
+    <dgm:fillClrLst meth="repeat">
+      <a:schemeClr val="accent3"/>
+    </dgm:fillClrLst>
+    <dgm:linClrLst meth="repeat">
+      <a:schemeClr val="lt1"/>
+    </dgm:linClrLst>
+    <dgm:effectClrLst/>
+    <dgm:txLinClrLst/>
+    <dgm:txFillClrLst/>
+    <dgm:txEffectClrLst/>
+  </dgm:styleLbl>
+  <dgm:styleLbl name="asst4">
+    <dgm:fillClrLst meth="repeat">
+      <a:schemeClr val="accent3"/>
+    </dgm:fillClrLst>
+    <dgm:linClrLst meth="repeat">
+      <a:schemeClr val="lt1"/>
+    </dgm:linClrLst>
+    <dgm:effectClrLst/>
+    <dgm:txLinClrLst/>
+    <dgm:txFillClrLst/>
+    <dgm:txEffectClrLst/>
+  </dgm:styleLbl>
+  <dgm:styleLbl name="parChTrans2D1">
+    <dgm:fillClrLst meth="repeat">
+      <a:schemeClr val="accent3">
+        <a:tint val="60000"/>
+      </a:schemeClr>
+    </dgm:fillClrLst>
+    <dgm:linClrLst meth="repeat">
+      <a:schemeClr val="accent3">
+        <a:tint val="60000"/>
+      </a:schemeClr>
+    </dgm:linClrLst>
+    <dgm:effectClrLst/>
+    <dgm:txLinClrLst/>
+    <dgm:txFillClrLst meth="repeat">
+      <a:schemeClr val="lt1"/>
+    </dgm:txFillClrLst>
+    <dgm:txEffectClrLst/>
+  </dgm:styleLbl>
+  <dgm:styleLbl name="parChTrans2D2">
+    <dgm:fillClrLst meth="repeat">
+      <a:schemeClr val="accent3"/>
+    </dgm:fillClrLst>
+    <dgm:linClrLst meth="repeat">
+      <a:schemeClr val="accent3"/>
+    </dgm:linClrLst>
+    <dgm:effectClrLst/>
+    <dgm:txLinClrLst/>
+    <dgm:txFillClrLst meth="repeat">
+      <a:schemeClr val="lt1"/>
+    </dgm:txFillClrLst>
+    <dgm:txEffectClrLst/>
+  </dgm:styleLbl>
+  <dgm:styleLbl name="parChTrans2D3">
+    <dgm:fillClrLst meth="repeat">
+      <a:schemeClr val="accent3"/>
+    </dgm:fillClrLst>
+    <dgm:linClrLst meth="repeat">
+      <a:schemeClr val="accent3"/>
+    </dgm:linClrLst>
+    <dgm:effectClrLst/>
+    <dgm:txLinClrLst/>
+    <dgm:txFillClrLst meth="repeat">
+      <a:schemeClr val="lt1"/>
+    </dgm:txFillClrLst>
+    <dgm:txEffectClrLst/>
+  </dgm:styleLbl>
+  <dgm:styleLbl name="parChTrans2D4">
+    <dgm:fillClrLst meth="repeat">
+      <a:schemeClr val="accent3"/>
+    </dgm:fillClrLst>
+    <dgm:linClrLst meth="repeat">
+      <a:schemeClr val="accent3"/>
+    </dgm:linClrLst>
+    <dgm:effectClrLst/>
+    <dgm:txLinClrLst/>
+    <dgm:txFillClrLst meth="repeat">
+      <a:schemeClr val="lt1"/>
+    </dgm:txFillClrLst>
+    <dgm:txEffectClrLst/>
+  </dgm:styleLbl>
+  <dgm:styleLbl name="parChTrans1D1">
+    <dgm:fillClrLst meth="repeat">
+      <a:schemeClr val="accent3"/>
+    </dgm:fillClrLst>
+    <dgm:linClrLst meth="repeat">
+      <a:schemeClr val="accent3">
+        <a:shade val="60000"/>
+      </a:schemeClr>
+    </dgm:linClrLst>
+    <dgm:effectClrLst/>
+    <dgm:txLinClrLst/>
+    <dgm:txFillClrLst meth="repeat">
+      <a:schemeClr val="tx1"/>
+    </dgm:txFillClrLst>
+    <dgm:txEffectClrLst/>
+  </dgm:styleLbl>
+  <dgm:styleLbl name="parChTrans1D2">
+    <dgm:fillClrLst meth="repeat">
+      <a:schemeClr val="accent3"/>
+    </dgm:fillClrLst>
+    <dgm:linClrLst meth="repeat">
+      <a:schemeClr val="accent3">
+        <a:shade val="60000"/>
+      </a:schemeClr>
+    </dgm:linClrLst>
+    <dgm:effectClrLst/>
+    <dgm:txLinClrLst/>
+    <dgm:txFillClrLst meth="repeat">
+      <a:schemeClr val="tx1"/>
+    </dgm:txFillClrLst>
+    <dgm:txEffectClrLst/>
+  </dgm:styleLbl>
+  <dgm:styleLbl name="parChTrans1D3">
+    <dgm:fillClrLst meth="repeat">
+      <a:schemeClr val="accent3"/>
+    </dgm:fillClrLst>
+    <dgm:linClrLst meth="repeat">
+      <a:schemeClr val="accent3">
+        <a:shade val="80000"/>
+      </a:schemeClr>
+    </dgm:linClrLst>
+    <dgm:effectClrLst/>
+    <dgm:txLinClrLst/>
+    <dgm:txFillClrLst meth="repeat">
+      <a:schemeClr val="tx1"/>
+    </dgm:txFillClrLst>
+    <dgm:txEffectClrLst/>
+  </dgm:styleLbl>
+  <dgm:styleLbl name="parChTrans1D4">
+    <dgm:fillClrLst meth="repeat">
+      <a:schemeClr val="accent3"/>
+    </dgm:fillClrLst>
+    <dgm:linClrLst meth="repeat">
+      <a:schemeClr val="accent3">
+        <a:shade val="80000"/>
+      </a:schemeClr>
+    </dgm:linClrLst>
+    <dgm:effectClrLst/>
+    <dgm:txLinClrLst/>
+    <dgm:txFillClrLst meth="repeat">
+      <a:schemeClr val="tx1"/>
+    </dgm:txFillClrLst>
+    <dgm:txEffectClrLst/>
+  </dgm:styleLbl>
+  <dgm:styleLbl name="fgAcc1">
+    <dgm:fillClrLst meth="repeat">
+      <a:schemeClr val="lt1">
+        <a:alpha val="90000"/>
+      </a:schemeClr>
+    </dgm:fillClrLst>
+    <dgm:linClrLst meth="repeat">
+      <a:schemeClr val="accent3"/>
+    </dgm:linClrLst>
+    <dgm:effectClrLst/>
+    <dgm:txLinClrLst/>
+    <dgm:txFillClrLst meth="repeat">
+      <a:schemeClr val="dk1"/>
+    </dgm:txFillClrLst>
+    <dgm:txEffectClrLst/>
+  </dgm:styleLbl>
+  <dgm:styleLbl name="conFgAcc1">
+    <dgm:fillClrLst meth="repeat">
+      <a:schemeClr val="lt1">
+        <a:alpha val="90000"/>
+      </a:schemeClr>
+    </dgm:fillClrLst>
+    <dgm:linClrLst meth="repeat">
+      <a:schemeClr val="accent3"/>
+    </dgm:linClrLst>
+    <dgm:effectClrLst/>
+    <dgm:txLinClrLst/>
+    <dgm:txFillClrLst meth="repeat">
+      <a:schemeClr val="dk1"/>
+    </dgm:txFillClrLst>
+    <dgm:txEffectClrLst/>
+  </dgm:styleLbl>
+  <dgm:styleLbl name="alignAcc1">
+    <dgm:fillClrLst meth="repeat">
+      <a:schemeClr val="lt1">
+        <a:alpha val="90000"/>
+      </a:schemeClr>
+    </dgm:fillClrLst>
+    <dgm:linClrLst meth="repeat">
+      <a:schemeClr val="accent3"/>
+    </dgm:linClrLst>
+    <dgm:effectClrLst/>
+    <dgm:txLinClrLst/>
+    <dgm:txFillClrLst meth="repeat">
+      <a:schemeClr val="dk1"/>
+    </dgm:txFillClrLst>
+    <dgm:txEffectClrLst/>
+  </dgm:styleLbl>
+  <dgm:styleLbl name="trAlignAcc1">
+    <dgm:fillClrLst meth="repeat">
+      <a:schemeClr val="lt1">
+        <a:alpha val="40000"/>
+      </a:schemeClr>
+    </dgm:fillClrLst>
+    <dgm:linClrLst meth="repeat">
+      <a:schemeClr val="accent3"/>
+    </dgm:linClrLst>
+    <dgm:effectClrLst/>
+    <dgm:txLinClrLst/>
+    <dgm:txFillClrLst meth="repeat">
+      <a:schemeClr val="dk1"/>
+    </dgm:txFillClrLst>
+    <dgm:txEffectClrLst/>
+  </dgm:styleLbl>
+  <dgm:styleLbl name="bgAcc1">
+    <dgm:fillClrLst meth="repeat">
+      <a:schemeClr val="lt1">
+        <a:alpha val="90000"/>
+      </a:schemeClr>
+    </dgm:fillClrLst>
+    <dgm:linClrLst meth="repeat">
+      <a:schemeClr val="accent3"/>
+    </dgm:linClrLst>
+    <dgm:effectClrLst/>
+    <dgm:txLinClrLst/>
+    <dgm:txFillClrLst meth="repeat">
+      <a:schemeClr val="dk1"/>
+    </dgm:txFillClrLst>
+    <dgm:txEffectClrLst/>
+  </dgm:styleLbl>
+  <dgm:styleLbl name="solidFgAcc1">
+    <dgm:fillClrLst meth="repeat">
+      <a:schemeClr val="lt1"/>
+    </dgm:fillClrLst>
+    <dgm:linClrLst meth="repeat">
+      <a:schemeClr val="accent3"/>
+    </dgm:linClrLst>
+    <dgm:effectClrLst/>
+    <dgm:txLinClrLst/>
+    <dgm:txFillClrLst meth="repeat">
+      <a:schemeClr val="dk1"/>
+    </dgm:txFillClrLst>
+    <dgm:txEffectClrLst/>
+  </dgm:styleLbl>
+  <dgm:styleLbl name="solidAlignAcc1">
+    <dgm:fillClrLst meth="repeat">
+      <a:schemeClr val="lt1"/>
+    </dgm:fillClrLst>
+    <dgm:linClrLst meth="repeat">
+      <a:schemeClr val="accent3"/>
+    </dgm:linClrLst>
+    <dgm:effectClrLst/>
+    <dgm:txLinClrLst/>
+    <dgm:txFillClrLst meth="repeat">
+      <a:schemeClr val="dk1"/>
+    </dgm:txFillClrLst>
+    <dgm:txEffectClrLst/>
+  </dgm:styleLbl>
+  <dgm:styleLbl name="solidBgAcc1">
+    <dgm:fillClrLst meth="repeat">
+      <a:schemeClr val="lt1"/>
+    </dgm:fillClrLst>
+    <dgm:linClrLst meth="repeat">
+      <a:schemeClr val="accent3"/>
+    </dgm:linClrLst>
+    <dgm:effectClrLst/>
+    <dgm:txLinClrLst/>
+    <dgm:txFillClrLst meth="repeat">
+      <a:schemeClr val="dk1"/>
+    </dgm:txFillClrLst>
+    <dgm:txEffectClrLst/>
+  </dgm:styleLbl>
+  <dgm:styleLbl name="fgAccFollowNode1">
+    <dgm:fillClrLst meth="repeat">
+      <a:schemeClr val="accent3">
+        <a:alpha val="90000"/>
+        <a:tint val="40000"/>
+      </a:schemeClr>
+    </dgm:fillClrLst>
+    <dgm:linClrLst meth="repeat">
+      <a:schemeClr val="accent3">
+        <a:alpha val="90000"/>
+        <a:tint val="40000"/>
+      </a:schemeClr>
+    </dgm:linClrLst>
+    <dgm:effectClrLst/>
+    <dgm:txLinClrLst/>
+    <dgm:txFillClrLst meth="repeat">
+      <a:schemeClr val="dk1"/>
+    </dgm:txFillClrLst>
+    <dgm:txEffectClrLst/>
+  </dgm:styleLbl>
+  <dgm:styleLbl name="alignAccFollowNode1">
+    <dgm:fillClrLst meth="repeat">
+      <a:schemeClr val="accent3">
+        <a:alpha val="90000"/>
+        <a:tint val="40000"/>
+      </a:schemeClr>
+    </dgm:fillClrLst>
+    <dgm:linClrLst meth="repeat">
+      <a:schemeClr val="accent3">
+        <a:alpha val="90000"/>
+        <a:tint val="40000"/>
+      </a:schemeClr>
+    </dgm:linClrLst>
+    <dgm:effectClrLst/>
+    <dgm:txLinClrLst/>
+    <dgm:txFillClrLst meth="repeat">
+      <a:schemeClr val="dk1"/>
+    </dgm:txFillClrLst>
+    <dgm:txEffectClrLst/>
+  </dgm:styleLbl>
+  <dgm:styleLbl name="bgAccFollowNode1">
+    <dgm:fillClrLst meth="repeat">
+      <a:schemeClr val="accent3">
+        <a:alpha val="90000"/>
+        <a:tint val="40000"/>
+      </a:schemeClr>
+    </dgm:fillClrLst>
+    <dgm:linClrLst meth="repeat">
+      <a:schemeClr val="accent3">
+        <a:alpha val="90000"/>
+        <a:tint val="40000"/>
+      </a:schemeClr>
+    </dgm:linClrLst>
+    <dgm:effectClrLst/>
+    <dgm:txLinClrLst/>
+    <dgm:txFillClrLst meth="repeat">
+      <a:schemeClr val="dk1"/>
+    </dgm:txFillClrLst>
+    <dgm:txEffectClrLst/>
+  </dgm:styleLbl>
+  <dgm:styleLbl name="fgAcc0">
+    <dgm:fillClrLst meth="repeat">
+      <a:schemeClr val="lt1">
+        <a:alpha val="90000"/>
+      </a:schemeClr>
+    </dgm:fillClrLst>
+    <dgm:linClrLst meth="repeat">
+      <a:schemeClr val="accent3"/>
+    </dgm:linClrLst>
+    <dgm:effectClrLst/>
+    <dgm:txLinClrLst/>
+    <dgm:txFillClrLst meth="repeat">
+      <a:schemeClr val="dk1"/>
+    </dgm:txFillClrLst>
+    <dgm:txEffectClrLst/>
+  </dgm:styleLbl>
+  <dgm:styleLbl name="fgAcc2">
+    <dgm:fillClrLst meth="repeat">
+      <a:schemeClr val="lt1">
+        <a:alpha val="90000"/>
+      </a:schemeClr>
+    </dgm:fillClrLst>
+    <dgm:linClrLst meth="repeat">
+      <a:schemeClr val="accent3"/>
+    </dgm:linClrLst>
+    <dgm:effectClrLst/>
+    <dgm:txLinClrLst/>
+    <dgm:txFillClrLst meth="repeat">
+      <a:schemeClr val="dk1"/>
+    </dgm:txFillClrLst>
+    <dgm:txEffectClrLst/>
+  </dgm:styleLbl>
+  <dgm:styleLbl name="fgAcc3">
+    <dgm:fillClrLst meth="repeat">
+      <a:schemeClr val="lt1">
+        <a:alpha val="90000"/>
+      </a:schemeClr>
+    </dgm:fillClrLst>
+    <dgm:linClrLst meth="repeat">
+      <a:schemeClr val="accent3"/>
+    </dgm:linClrLst>
+    <dgm:effectClrLst/>
+    <dgm:txLinClrLst/>
+    <dgm:txFillClrLst meth="repeat">
+      <a:schemeClr val="dk1"/>
+    </dgm:txFillClrLst>
+    <dgm:txEffectClrLst/>
+  </dgm:styleLbl>
+  <dgm:styleLbl name="fgAcc4">
+    <dgm:fillClrLst meth="repeat">
+      <a:schemeClr val="lt1">
+        <a:alpha val="90000"/>
+      </a:schemeClr>
+    </dgm:fillClrLst>
+    <dgm:linClrLst meth="repeat">
+      <a:schemeClr val="accent3"/>
+    </dgm:linClrLst>
+    <dgm:effectClrLst/>
+    <dgm:txLinClrLst/>
+    <dgm:txFillClrLst meth="repeat">
+      <a:schemeClr val="dk1"/>
+    </dgm:txFillClrLst>
+    <dgm:txEffectClrLst/>
+  </dgm:styleLbl>
+  <dgm:styleLbl name="bgShp">
+    <dgm:fillClrLst meth="repeat">
+      <a:schemeClr val="accent3">
+        <a:tint val="40000"/>
+      </a:schemeClr>
+    </dgm:fillClrLst>
+    <dgm:linClrLst meth="repeat">
+      <a:schemeClr val="accent3"/>
+    </dgm:linClrLst>
+    <dgm:effectClrLst/>
+    <dgm:txLinClrLst/>
+    <dgm:txFillClrLst meth="repeat">
+      <a:schemeClr val="dk1"/>
+    </dgm:txFillClrLst>
+    <dgm:txEffectClrLst/>
+  </dgm:styleLbl>
+  <dgm:styleLbl name="dkBgShp">
+    <dgm:fillClrLst meth="repeat">
+      <a:schemeClr val="accent3">
+        <a:shade val="80000"/>
+      </a:schemeClr>
+    </dgm:fillClrLst>
+    <dgm:linClrLst meth="repeat">
+      <a:schemeClr val="accent3"/>
+    </dgm:linClrLst>
+    <dgm:effectClrLst/>
+    <dgm:txLinClrLst/>
+    <dgm:txFillClrLst meth="repeat">
+      <a:schemeClr val="lt1"/>
+    </dgm:txFillClrLst>
+    <dgm:txEffectClrLst/>
+  </dgm:styleLbl>
+  <dgm:styleLbl name="trBgShp">
+    <dgm:fillClrLst meth="repeat">
+      <a:schemeClr val="accent3">
+        <a:tint val="50000"/>
+        <a:alpha val="40000"/>
+      </a:schemeClr>
+    </dgm:fillClrLst>
+    <dgm:linClrLst meth="repeat">
+      <a:schemeClr val="accent3"/>
+    </dgm:linClrLst>
+    <dgm:effectClrLst/>
+    <dgm:txLinClrLst/>
+    <dgm:txFillClrLst meth="repeat">
+      <a:schemeClr val="lt1"/>
+    </dgm:txFillClrLst>
+    <dgm:txEffectClrLst/>
+  </dgm:styleLbl>
+  <dgm:styleLbl name="fgShp">
+    <dgm:fillClrLst meth="repeat">
+      <a:schemeClr val="accent3">
+        <a:tint val="60000"/>
+      </a:schemeClr>
+    </dgm:fillClrLst>
+    <dgm:linClrLst meth="repeat">
+      <a:schemeClr val="lt1"/>
+    </dgm:linClrLst>
+    <dgm:effectClrLst/>
+    <dgm:txLinClrLst/>
+    <dgm:txFillClrLst meth="repeat">
+      <a:schemeClr val="dk1"/>
+    </dgm:txFillClrLst>
+    <dgm:txEffectClrLst/>
+  </dgm:styleLbl>
+  <dgm:styleLbl name="revTx">
+    <dgm:fillClrLst meth="repeat">
+      <a:schemeClr val="lt1">
+        <a:alpha val="0"/>
+      </a:schemeClr>
+    </dgm:fillClrLst>
+    <dgm:linClrLst meth="repeat">
+      <a:schemeClr val="dk1">
+        <a:alpha val="0"/>
+      </a:schemeClr>
+    </dgm:linClrLst>
+    <dgm:effectClrLst/>
+    <dgm:txLinClrLst/>
+    <dgm:txFillClrLst meth="repeat">
+      <a:schemeClr val="tx1"/>
+    </dgm:txFillClrLst>
+    <dgm:txEffectClrLst/>
+  </dgm:styleLbl>
+</dgm:colorsDef>
+</file>
+
+<file path=ppt/diagrams/colors2.xml><?xml version="1.0" encoding="utf-8"?>
+<dgm:colorsDef xmlns:dgm="http://schemas.openxmlformats.org/drawingml/2006/diagram" xmlns:a="http://schemas.openxmlformats.org/drawingml/2006/main" uniqueId="urn:microsoft.com/office/officeart/2005/8/colors/accent1_2">
+  <dgm:title val=""/>
+  <dgm:desc val=""/>
+  <dgm:catLst>
+    <dgm:cat type="accent1" pri="11200"/>
+  </dgm:catLst>
+  <dgm:styleLbl name="node0">
+    <dgm:fillClrLst meth="repeat">
+      <a:schemeClr val="accent1"/>
+    </dgm:fillClrLst>
+    <dgm:linClrLst meth="repeat">
+      <a:schemeClr val="lt1"/>
+    </dgm:linClrLst>
+    <dgm:effectClrLst/>
+    <dgm:txLinClrLst/>
+    <dgm:txFillClrLst/>
+    <dgm:txEffectClrLst/>
+  </dgm:styleLbl>
+  <dgm:styleLbl name="alignNode1">
+    <dgm:fillClrLst meth="repeat">
+      <a:schemeClr val="accent1"/>
+    </dgm:fillClrLst>
+    <dgm:linClrLst meth="repeat">
+      <a:schemeClr val="accent1"/>
+    </dgm:linClrLst>
+    <dgm:effectClrLst/>
+    <dgm:txLinClrLst/>
+    <dgm:txFillClrLst/>
+    <dgm:txEffectClrLst/>
+  </dgm:styleLbl>
+  <dgm:styleLbl name="node1">
+    <dgm:fillClrLst meth="repeat">
+      <a:schemeClr val="accent1"/>
+    </dgm:fillClrLst>
+    <dgm:linClrLst meth="repeat">
+      <a:schemeClr val="lt1"/>
+    </dgm:linClrLst>
+    <dgm:effectClrLst/>
+    <dgm:txLinClrLst/>
+    <dgm:txFillClrLst/>
+    <dgm:txEffectClrLst/>
+  </dgm:styleLbl>
+  <dgm:styleLbl name="lnNode1">
+    <dgm:fillClrLst meth="repeat">
+      <a:schemeClr val="accent1"/>
+    </dgm:fillClrLst>
+    <dgm:linClrLst meth="repeat">
+      <a:schemeClr val="lt1"/>
+    </dgm:linClrLst>
+    <dgm:effectClrLst/>
+    <dgm:txLinClrLst/>
+    <dgm:txFillClrLst/>
+    <dgm:txEffectClrLst/>
+  </dgm:styleLbl>
+  <dgm:styleLbl name="vennNode1">
+    <dgm:fillClrLst meth="repeat">
+      <a:schemeClr val="accent1">
+        <a:alpha val="50000"/>
+      </a:schemeClr>
+    </dgm:fillClrLst>
+    <dgm:linClrLst meth="repeat">
+      <a:schemeClr val="lt1"/>
+    </dgm:linClrLst>
+    <dgm:effectClrLst/>
+    <dgm:txLinClrLst/>
+    <dgm:txFillClrLst/>
+    <dgm:txEffectClrLst/>
+  </dgm:styleLbl>
+  <dgm:styleLbl name="node2">
+    <dgm:fillClrLst meth="repeat">
+      <a:schemeClr val="accent1"/>
+    </dgm:fillClrLst>
+    <dgm:linClrLst meth="repeat">
+      <a:schemeClr val="lt1"/>
+    </dgm:linClrLst>
+    <dgm:effectClrLst/>
+    <dgm:txLinClrLst/>
+    <dgm:txFillClrLst/>
+    <dgm:txEffectClrLst/>
+  </dgm:styleLbl>
+  <dgm:styleLbl name="node3">
+    <dgm:fillClrLst meth="repeat">
+      <a:schemeClr val="accent1"/>
+    </dgm:fillClrLst>
+    <dgm:linClrLst meth="repeat">
+      <a:schemeClr val="lt1"/>
+    </dgm:linClrLst>
+    <dgm:effectClrLst/>
+    <dgm:txLinClrLst/>
+    <dgm:txFillClrLst/>
+    <dgm:txEffectClrLst/>
+  </dgm:styleLbl>
+  <dgm:styleLbl name="node4">
+    <dgm:fillClrLst meth="repeat">
+      <a:schemeClr val="accent1"/>
+    </dgm:fillClrLst>
+    <dgm:linClrLst meth="repeat">
+      <a:schemeClr val="lt1"/>
+    </dgm:linClrLst>
+    <dgm:effectClrLst/>
+    <dgm:txLinClrLst/>
+    <dgm:txFillClrLst/>
+    <dgm:txEffectClrLst/>
+  </dgm:styleLbl>
+  <dgm:styleLbl name="fgImgPlace1">
+    <dgm:fillClrLst meth="repeat">
+      <a:schemeClr val="accent1">
+        <a:tint val="50000"/>
+      </a:schemeClr>
+    </dgm:fillClrLst>
+    <dgm:linClrLst meth="repeat">
+      <a:schemeClr val="lt1"/>
+    </dgm:linClrLst>
+    <dgm:effectClrLst/>
+    <dgm:txLinClrLst/>
+    <dgm:txFillClrLst meth="repeat">
+      <a:schemeClr val="lt1"/>
+    </dgm:txFillClrLst>
+    <dgm:txEffectClrLst/>
+  </dgm:styleLbl>
+  <dgm:styleLbl name="alignImgPlace1">
+    <dgm:fillClrLst meth="repeat">
+      <a:schemeClr val="accent1">
+        <a:tint val="50000"/>
+      </a:schemeClr>
+    </dgm:fillClrLst>
+    <dgm:linClrLst meth="repeat">
+      <a:schemeClr val="lt1"/>
+    </dgm:linClrLst>
+    <dgm:effectClrLst/>
+    <dgm:txLinClrLst/>
+    <dgm:txFillClrLst meth="repeat">
+      <a:schemeClr val="lt1"/>
+    </dgm:txFillClrLst>
+    <dgm:txEffectClrLst/>
+  </dgm:styleLbl>
+  <dgm:styleLbl name="bgImgPlace1">
+    <dgm:fillClrLst meth="repeat">
+      <a:schemeClr val="accent1">
+        <a:tint val="50000"/>
+      </a:schemeClr>
+    </dgm:fillClrLst>
+    <dgm:linClrLst meth="repeat">
+      <a:schemeClr val="lt1"/>
+    </dgm:linClrLst>
+    <dgm:effectClrLst/>
+    <dgm:txLinClrLst/>
+    <dgm:txFillClrLst meth="repeat">
+      <a:schemeClr val="lt1"/>
+    </dgm:txFillClrLst>
+    <dgm:txEffectClrLst/>
+  </dgm:styleLbl>
+  <dgm:styleLbl name="sibTrans2D1">
+    <dgm:fillClrLst meth="repeat">
+      <a:schemeClr val="accent1">
+        <a:tint val="60000"/>
+      </a:schemeClr>
+    </dgm:fillClrLst>
+    <dgm:linClrLst meth="repeat">
+      <a:schemeClr val="accent1">
+        <a:tint val="60000"/>
+      </a:schemeClr>
+    </dgm:linClrLst>
+    <dgm:effectClrLst/>
+    <dgm:txLinClrLst/>
+    <dgm:txFillClrLst/>
+    <dgm:txEffectClrLst/>
+  </dgm:styleLbl>
+  <dgm:styleLbl name="fgSibTrans2D1">
+    <dgm:fillClrLst meth="repeat">
+      <a:schemeClr val="accent1">
+        <a:tint val="60000"/>
+      </a:schemeClr>
+    </dgm:fillClrLst>
+    <dgm:linClrLst meth="repeat">
+      <a:schemeClr val="accent1">
+        <a:tint val="60000"/>
+      </a:schemeClr>
+    </dgm:linClrLst>
+    <dgm:effectClrLst/>
+    <dgm:txLinClrLst/>
+    <dgm:txFillClrLst/>
+    <dgm:txEffectClrLst/>
+  </dgm:styleLbl>
+  <dgm:styleLbl name="bgSibTrans2D1">
+    <dgm:fillClrLst meth="repeat">
+      <a:schemeClr val="accent1">
+        <a:tint val="60000"/>
+      </a:schemeClr>
+    </dgm:fillClrLst>
+    <dgm:linClrLst meth="repeat">
+      <a:schemeClr val="accent1">
+        <a:tint val="60000"/>
+      </a:schemeClr>
+    </dgm:linClrLst>
+    <dgm:effectClrLst/>
+    <dgm:txLinClrLst/>
+    <dgm:txFillClrLst/>
+    <dgm:txEffectClrLst/>
+  </dgm:styleLbl>
+  <dgm:styleLbl name="sibTrans1D1">
+    <dgm:fillClrLst meth="repeat">
+      <a:schemeClr val="accent1"/>
+    </dgm:fillClrLst>
+    <dgm:linClrLst meth="repeat">
+      <a:schemeClr val="accent1"/>
+    </dgm:linClrLst>
+    <dgm:effectClrLst/>
+    <dgm:txLinClrLst/>
+    <dgm:txFillClrLst meth="repeat">
+      <a:schemeClr val="tx1"/>
+    </dgm:txFillClrLst>
+    <dgm:txEffectClrLst/>
+  </dgm:styleLbl>
+  <dgm:styleLbl name="callout">
+    <dgm:fillClrLst meth="repeat">
+      <a:schemeClr val="accent1"/>
+    </dgm:fillClrLst>
+    <dgm:linClrLst meth="repeat">
+      <a:schemeClr val="accent1">
+        <a:tint val="50000"/>
+      </a:schemeClr>
+    </dgm:linClrLst>
+    <dgm:effectClrLst/>
+    <dgm:txLinClrLst/>
+    <dgm:txFillClrLst meth="repeat">
+      <a:schemeClr val="tx1"/>
+    </dgm:txFillClrLst>
+    <dgm:txEffectClrLst/>
+  </dgm:styleLbl>
+  <dgm:styleLbl name="asst0">
+    <dgm:fillClrLst meth="repeat">
+      <a:schemeClr val="accent1"/>
+    </dgm:fillClrLst>
+    <dgm:linClrLst meth="repeat">
+      <a:schemeClr val="lt1"/>
+    </dgm:linClrLst>
+    <dgm:effectClrLst/>
+    <dgm:txLinClrLst/>
+    <dgm:txFillClrLst/>
+    <dgm:txEffectClrLst/>
+  </dgm:styleLbl>
+  <dgm:styleLbl name="asst1">
+    <dgm:fillClrLst meth="repeat">
+      <a:schemeClr val="accent1"/>
+    </dgm:fillClrLst>
+    <dgm:linClrLst meth="repeat">
+      <a:schemeClr val="lt1"/>
+    </dgm:linClrLst>
+    <dgm:effectClrLst/>
+    <dgm:txLinClrLst/>
+    <dgm:txFillClrLst/>
+    <dgm:txEffectClrLst/>
+  </dgm:styleLbl>
+  <dgm:styleLbl name="asst2">
+    <dgm:fillClrLst meth="repeat">
+      <a:schemeClr val="accent1"/>
+    </dgm:fillClrLst>
+    <dgm:linClrLst meth="repeat">
+      <a:schemeClr val="lt1"/>
+    </dgm:linClrLst>
+    <dgm:effectClrLst/>
+    <dgm:txLinClrLst/>
+    <dgm:txFillClrLst/>
+    <dgm:txEffectClrLst/>
+  </dgm:styleLbl>
+  <dgm:styleLbl name="asst3">
+    <dgm:fillClrLst meth="repeat">
+      <a:schemeClr val="accent1"/>
+    </dgm:fillClrLst>
+    <dgm:linClrLst meth="repeat">
+      <a:schemeClr val="lt1"/>
+    </dgm:linClrLst>
+    <dgm:effectClrLst/>
+    <dgm:txLinClrLst/>
+    <dgm:txFillClrLst/>
+    <dgm:txEffectClrLst/>
+  </dgm:styleLbl>
+  <dgm:styleLbl name="asst4">
+    <dgm:fillClrLst meth="repeat">
+      <a:schemeClr val="accent1"/>
+    </dgm:fillClrLst>
+    <dgm:linClrLst meth="repeat">
+      <a:schemeClr val="lt1"/>
+    </dgm:linClrLst>
+    <dgm:effectClrLst/>
+    <dgm:txLinClrLst/>
+    <dgm:txFillClrLst/>
+    <dgm:txEffectClrLst/>
+  </dgm:styleLbl>
+  <dgm:styleLbl name="parChTrans2D1">
+    <dgm:fillClrLst meth="repeat">
+      <a:schemeClr val="accent1">
+        <a:tint val="60000"/>
+      </a:schemeClr>
+    </dgm:fillClrLst>
+    <dgm:linClrLst meth="repeat">
+      <a:schemeClr val="accent1">
+        <a:tint val="60000"/>
+      </a:schemeClr>
+    </dgm:linClrLst>
+    <dgm:effectClrLst/>
+    <dgm:txLinClrLst/>
+    <dgm:txFillClrLst meth="repeat">
+      <a:schemeClr val="lt1"/>
+    </dgm:txFillClrLst>
+    <dgm:txEffectClrLst/>
+  </dgm:styleLbl>
+  <dgm:styleLbl name="parChTrans2D2">
+    <dgm:fillClrLst meth="repeat">
+      <a:schemeClr val="accent1"/>
+    </dgm:fillClrLst>
+    <dgm:linClrLst meth="repeat">
+      <a:schemeClr val="accent1"/>
+    </dgm:linClrLst>
+    <dgm:effectClrLst/>
+    <dgm:txLinClrLst/>
+    <dgm:txFillClrLst meth="repeat">
+      <a:schemeClr val="lt1"/>
+    </dgm:txFillClrLst>
+    <dgm:txEffectClrLst/>
+  </dgm:styleLbl>
+  <dgm:styleLbl name="parChTrans2D3">
+    <dgm:fillClrLst meth="repeat">
+      <a:schemeClr val="accent1"/>
+    </dgm:fillClrLst>
+    <dgm:linClrLst meth="repeat">
+      <a:schemeClr val="accent1"/>
+    </dgm:linClrLst>
+    <dgm:effectClrLst/>
+    <dgm:txLinClrLst/>
+    <dgm:txFillClrLst meth="repeat">
+      <a:schemeClr val="lt1"/>
+    </dgm:txFillClrLst>
+    <dgm:txEffectClrLst/>
+  </dgm:styleLbl>
+  <dgm:styleLbl name="parChTrans2D4">
+    <dgm:fillClrLst meth="repeat">
+      <a:schemeClr val="accent1"/>
+    </dgm:fillClrLst>
+    <dgm:linClrLst meth="repeat">
+      <a:schemeClr val="accent1"/>
+    </dgm:linClrLst>
+    <dgm:effectClrLst/>
+    <dgm:txLinClrLst/>
+    <dgm:txFillClrLst meth="repeat">
+      <a:schemeClr val="lt1"/>
+    </dgm:txFillClrLst>
+    <dgm:txEffectClrLst/>
+  </dgm:styleLbl>
+  <dgm:styleLbl name="parChTrans1D1">
+    <dgm:fillClrLst meth="repeat">
+      <a:schemeClr val="accent1"/>
+    </dgm:fillClrLst>
+    <dgm:linClrLst meth="repeat">
+      <a:schemeClr val="accent1">
+        <a:shade val="60000"/>
+      </a:schemeClr>
+    </dgm:linClrLst>
+    <dgm:effectClrLst/>
+    <dgm:txLinClrLst/>
+    <dgm:txFillClrLst meth="repeat">
+      <a:schemeClr val="tx1"/>
+    </dgm:txFillClrLst>
+    <dgm:txEffectClrLst/>
+  </dgm:styleLbl>
+  <dgm:styleLbl name="parChTrans1D2">
+    <dgm:fillClrLst meth="repeat">
+      <a:schemeClr val="accent1"/>
+    </dgm:fillClrLst>
+    <dgm:linClrLst meth="repeat">
+      <a:schemeClr val="accent1">
+        <a:shade val="60000"/>
+      </a:schemeClr>
+    </dgm:linClrLst>
+    <dgm:effectClrLst/>
+    <dgm:txLinClrLst/>
+    <dgm:txFillClrLst meth="repeat">
+      <a:schemeClr val="tx1"/>
+    </dgm:txFillClrLst>
+    <dgm:txEffectClrLst/>
+  </dgm:styleLbl>
+  <dgm:styleLbl name="parChTrans1D3">
+    <dgm:fillClrLst meth="repeat">
+      <a:schemeClr val="accent1"/>
+    </dgm:fillClrLst>
+    <dgm:linClrLst meth="repeat">
+      <a:schemeClr val="accent1">
+        <a:shade val="80000"/>
+      </a:schemeClr>
+    </dgm:linClrLst>
+    <dgm:effectClrLst/>
+    <dgm:txLinClrLst/>
+    <dgm:txFillClrLst meth="repeat">
+      <a:schemeClr val="tx1"/>
+    </dgm:txFillClrLst>
+    <dgm:txEffectClrLst/>
+  </dgm:styleLbl>
+  <dgm:styleLbl name="parChTrans1D4">
+    <dgm:fillClrLst meth="repeat">
+      <a:schemeClr val="accent1"/>
+    </dgm:fillClrLst>
+    <dgm:linClrLst meth="repeat">
+      <a:schemeClr val="accent1">
+        <a:shade val="80000"/>
+      </a:schemeClr>
+    </dgm:linClrLst>
+    <dgm:effectClrLst/>
+    <dgm:txLinClrLst/>
+    <dgm:txFillClrLst meth="repeat">
+      <a:schemeClr val="tx1"/>
+    </dgm:txFillClrLst>
+    <dgm:txEffectClrLst/>
+  </dgm:styleLbl>
+  <dgm:styleLbl name="fgAcc1">
+    <dgm:fillClrLst meth="repeat">
+      <a:schemeClr val="lt1">
+        <a:alpha val="90000"/>
+      </a:schemeClr>
+    </dgm:fillClrLst>
+    <dgm:linClrLst meth="repeat">
+      <a:schemeClr val="accent1"/>
+    </dgm:linClrLst>
+    <dgm:effectClrLst/>
+    <dgm:txLinClrLst/>
+    <dgm:txFillClrLst meth="repeat">
+      <a:schemeClr val="dk1"/>
+    </dgm:txFillClrLst>
+    <dgm:txEffectClrLst/>
+  </dgm:styleLbl>
+  <dgm:styleLbl name="conFgAcc1">
+    <dgm:fillClrLst meth="repeat">
+      <a:schemeClr val="lt1">
+        <a:alpha val="90000"/>
+      </a:schemeClr>
+    </dgm:fillClrLst>
+    <dgm:linClrLst meth="repeat">
+      <a:schemeClr val="accent1"/>
+    </dgm:linClrLst>
+    <dgm:effectClrLst/>
+    <dgm:txLinClrLst/>
+    <dgm:txFillClrLst meth="repeat">
+      <a:schemeClr val="dk1"/>
+    </dgm:txFillClrLst>
+    <dgm:txEffectClrLst/>
+  </dgm:styleLbl>
+  <dgm:styleLbl name="alignAcc1">
+    <dgm:fillClrLst meth="repeat">
+      <a:schemeClr val="lt1">
+        <a:alpha val="90000"/>
+      </a:schemeClr>
+    </dgm:fillClrLst>
+    <dgm:linClrLst meth="repeat">
+      <a:schemeClr val="accent1"/>
+    </dgm:linClrLst>
+    <dgm:effectClrLst/>
+    <dgm:txLinClrLst/>
+    <dgm:txFillClrLst meth="repeat">
+      <a:schemeClr val="dk1"/>
+    </dgm:txFillClrLst>
+    <dgm:txEffectClrLst/>
+  </dgm:styleLbl>
+  <dgm:styleLbl name="trAlignAcc1">
+    <dgm:fillClrLst meth="repeat">
+      <a:schemeClr val="lt1">
+        <a:alpha val="40000"/>
+      </a:schemeClr>
+    </dgm:fillClrLst>
+    <dgm:linClrLst meth="repeat">
+      <a:schemeClr val="accent1"/>
+    </dgm:linClrLst>
+    <dgm:effectClrLst/>
+    <dgm:txLinClrLst/>
+    <dgm:txFillClrLst meth="repeat">
+      <a:schemeClr val="dk1"/>
+    </dgm:txFillClrLst>
+    <dgm:txEffectClrLst/>
+  </dgm:styleLbl>
+  <dgm:styleLbl name="bgAcc1">
+    <dgm:fillClrLst meth="repeat">
+      <a:schemeClr val="lt1">
+        <a:alpha val="90000"/>
+      </a:schemeClr>
+    </dgm:fillClrLst>
+    <dgm:linClrLst meth="repeat">
+      <a:schemeClr val="accent1"/>
+    </dgm:linClrLst>
+    <dgm:effectClrLst/>
+    <dgm:txLinClrLst/>
+    <dgm:txFillClrLst meth="repeat">
+      <a:schemeClr val="dk1"/>
+    </dgm:txFillClrLst>
+    <dgm:txEffectClrLst/>
+  </dgm:styleLbl>
+  <dgm:styleLbl name="solidFgAcc1">
+    <dgm:fillClrLst meth="repeat">
+      <a:schemeClr val="lt1"/>
+    </dgm:fillClrLst>
+    <dgm:linClrLst meth="repeat">
+      <a:schemeClr val="accent1"/>
+    </dgm:linClrLst>
+    <dgm:effectClrLst/>
+    <dgm:txLinClrLst/>
+    <dgm:txFillClrLst meth="repeat">
+      <a:schemeClr val="dk1"/>
+    </dgm:txFillClrLst>
+    <dgm:txEffectClrLst/>
+  </dgm:styleLbl>
+  <dgm:styleLbl name="solidAlignAcc1">
+    <dgm:fillClrLst meth="repeat">
+      <a:schemeClr val="lt1"/>
+    </dgm:fillClrLst>
+    <dgm:linClrLst meth="repeat">
+      <a:schemeClr val="accent1"/>
+    </dgm:linClrLst>
+    <dgm:effectClrLst/>
+    <dgm:txLinClrLst/>
+    <dgm:txFillClrLst meth="repeat">
+      <a:schemeClr val="dk1"/>
+    </dgm:txFillClrLst>
+    <dgm:txEffectClrLst/>
+  </dgm:styleLbl>
+  <dgm:styleLbl name="solidBgAcc1">
+    <dgm:fillClrLst meth="repeat">
+      <a:schemeClr val="lt1"/>
+    </dgm:fillClrLst>
+    <dgm:linClrLst meth="repeat">
+      <a:schemeClr val="accent1"/>
+    </dgm:linClrLst>
+    <dgm:effectClrLst/>
+    <dgm:txLinClrLst/>
+    <dgm:txFillClrLst meth="repeat">
+      <a:schemeClr val="dk1"/>
+    </dgm:txFillClrLst>
+    <dgm:txEffectClrLst/>
+  </dgm:styleLbl>
+  <dgm:styleLbl name="fgAccFollowNode1">
+    <dgm:fillClrLst meth="repeat">
+      <a:schemeClr val="accent1">
+        <a:alpha val="90000"/>
+        <a:tint val="40000"/>
+      </a:schemeClr>
+    </dgm:fillClrLst>
+    <dgm:linClrLst meth="repeat">
+      <a:schemeClr val="accent1">
+        <a:alpha val="90000"/>
+        <a:tint val="40000"/>
+      </a:schemeClr>
+    </dgm:linClrLst>
+    <dgm:effectClrLst/>
+    <dgm:txLinClrLst/>
+    <dgm:txFillClrLst meth="repeat">
+      <a:schemeClr val="dk1"/>
+    </dgm:txFillClrLst>
+    <dgm:txEffectClrLst/>
+  </dgm:styleLbl>
+  <dgm:styleLbl name="alignAccFollowNode1">
+    <dgm:fillClrLst meth="repeat">
+      <a:schemeClr val="accent1">
+        <a:alpha val="90000"/>
+        <a:tint val="40000"/>
+      </a:schemeClr>
+    </dgm:fillClrLst>
+    <dgm:linClrLst meth="repeat">
+      <a:schemeClr val="accent1">
+        <a:alpha val="90000"/>
+        <a:tint val="40000"/>
+      </a:schemeClr>
+    </dgm:linClrLst>
+    <dgm:effectClrLst/>
+    <dgm:txLinClrLst/>
+    <dgm:txFillClrLst meth="repeat">
+      <a:schemeClr val="dk1"/>
+    </dgm:txFillClrLst>
+    <dgm:txEffectClrLst/>
+  </dgm:styleLbl>
+  <dgm:styleLbl name="bgAccFollowNode1">
+    <dgm:fillClrLst meth="repeat">
+      <a:schemeClr val="accent1">
+        <a:alpha val="90000"/>
+        <a:tint val="40000"/>
+      </a:schemeClr>
+    </dgm:fillClrLst>
+    <dgm:linClrLst meth="repeat">
+      <a:schemeClr val="accent1">
+        <a:alpha val="90000"/>
+        <a:tint val="40000"/>
+      </a:schemeClr>
+    </dgm:linClrLst>
+    <dgm:effectClrLst/>
+    <dgm:txLinClrLst/>
+    <dgm:txFillClrLst meth="repeat">
+      <a:schemeClr val="dk1"/>
+    </dgm:txFillClrLst>
+    <dgm:txEffectClrLst/>
+  </dgm:styleLbl>
+  <dgm:styleLbl name="fgAcc0">
+    <dgm:fillClrLst meth="repeat">
+      <a:schemeClr val="lt1">
+        <a:alpha val="90000"/>
+      </a:schemeClr>
+    </dgm:fillClrLst>
+    <dgm:linClrLst meth="repeat">
+      <a:schemeClr val="accent1"/>
+    </dgm:linClrLst>
+    <dgm:effectClrLst/>
+    <dgm:txLinClrLst/>
+    <dgm:txFillClrLst meth="repeat">
+      <a:schemeClr val="dk1"/>
+    </dgm:txFillClrLst>
+    <dgm:txEffectClrLst/>
+  </dgm:styleLbl>
+  <dgm:styleLbl name="fgAcc2">
+    <dgm:fillClrLst meth="repeat">
+      <a:schemeClr val="lt1">
+        <a:alpha val="90000"/>
+      </a:schemeClr>
+    </dgm:fillClrLst>
+    <dgm:linClrLst meth="repeat">
+      <a:schemeClr val="accent1"/>
+    </dgm:linClrLst>
+    <dgm:effectClrLst/>
+    <dgm:txLinClrLst/>
+    <dgm:txFillClrLst meth="repeat">
+      <a:schemeClr val="dk1"/>
+    </dgm:txFillClrLst>
+    <dgm:txEffectClrLst/>
+  </dgm:styleLbl>
+  <dgm:styleLbl name="fgAcc3">
+    <dgm:fillClrLst meth="repeat">
+      <a:schemeClr val="lt1">
+        <a:alpha val="90000"/>
+      </a:schemeClr>
+    </dgm:fillClrLst>
+    <dgm:linClrLst meth="repeat">
+      <a:schemeClr val="accent1"/>
+    </dgm:linClrLst>
+    <dgm:effectClrLst/>
+    <dgm:txLinClrLst/>
+    <dgm:txFillClrLst meth="repeat">
+      <a:schemeClr val="dk1"/>
+    </dgm:txFillClrLst>
+    <dgm:txEffectClrLst/>
+  </dgm:styleLbl>
+  <dgm:styleLbl name="fgAcc4">
+    <dgm:fillClrLst meth="repeat">
+      <a:schemeClr val="lt1">
+        <a:alpha val="90000"/>
+      </a:schemeClr>
+    </dgm:fillClrLst>
+    <dgm:linClrLst meth="repeat">
+      <a:schemeClr val="accent1"/>
+    </dgm:linClrLst>
+    <dgm:effectClrLst/>
+    <dgm:txLinClrLst/>
+    <dgm:txFillClrLst meth="repeat">
+      <a:schemeClr val="dk1"/>
+    </dgm:txFillClrLst>
+    <dgm:txEffectClrLst/>
+  </dgm:styleLbl>
+  <dgm:styleLbl name="bgShp">
+    <dgm:fillClrLst meth="repeat">
+      <a:schemeClr val="accent1">
+        <a:tint val="40000"/>
+      </a:schemeClr>
+    </dgm:fillClrLst>
+    <dgm:linClrLst meth="repeat">
+      <a:schemeClr val="accent1"/>
+    </dgm:linClrLst>
+    <dgm:effectClrLst/>
+    <dgm:txLinClrLst/>
+    <dgm:txFillClrLst meth="repeat">
+      <a:schemeClr val="dk1"/>
+    </dgm:txFillClrLst>
+    <dgm:txEffectClrLst/>
+  </dgm:styleLbl>
+  <dgm:styleLbl name="dkBgShp">
+    <dgm:fillClrLst meth="repeat">
+      <a:schemeClr val="accent1">
+        <a:shade val="80000"/>
+      </a:schemeClr>
+    </dgm:fillClrLst>
+    <dgm:linClrLst meth="repeat">
+      <a:schemeClr val="accent1"/>
+    </dgm:linClrLst>
+    <dgm:effectClrLst/>
+    <dgm:txLinClrLst/>
+    <dgm:txFillClrLst meth="repeat">
+      <a:schemeClr val="lt1"/>
+    </dgm:txFillClrLst>
+    <dgm:txEffectClrLst/>
+  </dgm:styleLbl>
+  <dgm:styleLbl name="trBgShp">
+    <dgm:fillClrLst meth="repeat">
+      <a:schemeClr val="accent1">
+        <a:tint val="50000"/>
+        <a:alpha val="40000"/>
+      </a:schemeClr>
+    </dgm:fillClrLst>
+    <dgm:linClrLst meth="repeat">
+      <a:schemeClr val="accent1"/>
+    </dgm:linClrLst>
+    <dgm:effectClrLst/>
+    <dgm:txLinClrLst/>
+    <dgm:txFillClrLst meth="repeat">
+      <a:schemeClr val="lt1"/>
+    </dgm:txFillClrLst>
+    <dgm:txEffectClrLst/>
+  </dgm:styleLbl>
+  <dgm:styleLbl name="fgShp">
+    <dgm:fillClrLst meth="repeat">
+      <a:schemeClr val="accent1">
+        <a:tint val="60000"/>
+      </a:schemeClr>
+    </dgm:fillClrLst>
+    <dgm:linClrLst meth="repeat">
+      <a:schemeClr val="lt1"/>
+    </dgm:linClrLst>
+    <dgm:effectClrLst/>
+    <dgm:txLinClrLst/>
+    <dgm:txFillClrLst meth="repeat">
+      <a:schemeClr val="dk1"/>
+    </dgm:txFillClrLst>
+    <dgm:txEffectClrLst/>
+  </dgm:styleLbl>
+  <dgm:styleLbl name="revTx">
+    <dgm:fillClrLst meth="repeat">
+      <a:schemeClr val="lt1">
+        <a:alpha val="0"/>
+      </a:schemeClr>
+    </dgm:fillClrLst>
+    <dgm:linClrLst meth="repeat">
+      <a:schemeClr val="dk1">
+        <a:alpha val="0"/>
+      </a:schemeClr>
+    </dgm:linClrLst>
+    <dgm:effectClrLst/>
+    <dgm:txLinClrLst/>
+    <dgm:txFillClrLst meth="repeat">
+      <a:schemeClr val="tx1"/>
+    </dgm:txFillClrLst>
+    <dgm:txEffectClrLst/>
+  </dgm:styleLbl>
+</dgm:colorsDef>
+</file>
+
+<file path=ppt/diagrams/data1.xml><?xml version="1.0" encoding="utf-8"?>
+<dgm:dataModel xmlns:dgm="http://schemas.openxmlformats.org/drawingml/2006/diagram" xmlns:a="http://schemas.openxmlformats.org/drawingml/2006/main">
+  <dgm:ptLst>
+    <dgm:pt modelId="{BB78FB98-7918-4306-8341-8C7C9BF9228E}" type="doc">
+      <dgm:prSet loTypeId="urn:microsoft.com/office/officeart/2018/5/layout/IconCircleLabelList" loCatId="icon" qsTypeId="urn:microsoft.com/office/officeart/2005/8/quickstyle/simple1" qsCatId="simple" csTypeId="urn:microsoft.com/office/officeart/2005/8/colors/accent3_2" csCatId="accent3" phldr="1"/>
+      <dgm:spPr/>
+      <dgm:t>
+        <a:bodyPr/>
+        <a:lstStyle/>
+        <a:p>
+          <a:endParaRPr lang="en-US"/>
+        </a:p>
+      </dgm:t>
+    </dgm:pt>
+    <dgm:pt modelId="{BD2BE317-F6A9-45D7-8334-53D176B609AF}">
+      <dgm:prSet/>
+      <dgm:spPr/>
+      <dgm:t>
+        <a:bodyPr/>
+        <a:lstStyle/>
+        <a:p>
+          <a:pPr>
+            <a:defRPr cap="all"/>
+          </a:pPr>
+          <a:r>
+            <a:rPr lang="de-DE"/>
+            <a:t>Intro into Kubernetes </a:t>
+          </a:r>
+          <a:endParaRPr lang="en-US"/>
+        </a:p>
+      </dgm:t>
+    </dgm:pt>
+    <dgm:pt modelId="{69E572BC-6444-4749-AE5B-FFACDC2D8503}" type="parTrans" cxnId="{B0B11F33-F5E7-436B-8142-E4DBAED267B1}">
+      <dgm:prSet/>
+      <dgm:spPr/>
+      <dgm:t>
+        <a:bodyPr/>
+        <a:lstStyle/>
+        <a:p>
+          <a:endParaRPr lang="en-US"/>
+        </a:p>
+      </dgm:t>
+    </dgm:pt>
+    <dgm:pt modelId="{315720B5-6C22-4C3A-87C6-350E0F232954}" type="sibTrans" cxnId="{B0B11F33-F5E7-436B-8142-E4DBAED267B1}">
+      <dgm:prSet/>
+      <dgm:spPr/>
+      <dgm:t>
+        <a:bodyPr/>
+        <a:lstStyle/>
+        <a:p>
+          <a:endParaRPr lang="en-US"/>
+        </a:p>
+      </dgm:t>
+    </dgm:pt>
+    <dgm:pt modelId="{01160828-F705-4E92-B904-8DCB7085A44A}">
+      <dgm:prSet/>
+      <dgm:spPr/>
+      <dgm:t>
+        <a:bodyPr/>
+        <a:lstStyle/>
+        <a:p>
+          <a:pPr>
+            <a:defRPr cap="all"/>
+          </a:pPr>
+          <a:r>
+            <a:rPr lang="de-DE"/>
+            <a:t>Intro into Operator</a:t>
+          </a:r>
+          <a:endParaRPr lang="en-US"/>
+        </a:p>
+      </dgm:t>
+    </dgm:pt>
+    <dgm:pt modelId="{D8479D25-52EA-41F0-BE0C-98D2CDA08379}" type="parTrans" cxnId="{0372A7A0-2965-49CB-A118-10B106C41E9D}">
+      <dgm:prSet/>
+      <dgm:spPr/>
+      <dgm:t>
+        <a:bodyPr/>
+        <a:lstStyle/>
+        <a:p>
+          <a:endParaRPr lang="en-US"/>
+        </a:p>
+      </dgm:t>
+    </dgm:pt>
+    <dgm:pt modelId="{9DB317B9-6A6B-4970-B6A4-E4B68AAAFE76}" type="sibTrans" cxnId="{0372A7A0-2965-49CB-A118-10B106C41E9D}">
+      <dgm:prSet/>
+      <dgm:spPr/>
+      <dgm:t>
+        <a:bodyPr/>
+        <a:lstStyle/>
+        <a:p>
+          <a:endParaRPr lang="en-US"/>
+        </a:p>
+      </dgm:t>
+    </dgm:pt>
+    <dgm:pt modelId="{642D21FD-9671-4416-8552-ACD1B63484F8}">
+      <dgm:prSet/>
+      <dgm:spPr/>
+      <dgm:t>
+        <a:bodyPr/>
+        <a:lstStyle/>
+        <a:p>
+          <a:pPr>
+            <a:defRPr cap="all"/>
+          </a:pPr>
+          <a:r>
+            <a:rPr lang="de-DE"/>
+            <a:t>Demo</a:t>
+          </a:r>
+          <a:endParaRPr lang="en-US"/>
+        </a:p>
+      </dgm:t>
+    </dgm:pt>
+    <dgm:pt modelId="{BB69370B-CF74-4482-9040-3E3028E24F64}" type="parTrans" cxnId="{D0FCE3DD-D6F2-4BFF-B66E-A50B58721B77}">
+      <dgm:prSet/>
+      <dgm:spPr/>
+      <dgm:t>
+        <a:bodyPr/>
+        <a:lstStyle/>
+        <a:p>
+          <a:endParaRPr lang="en-US"/>
+        </a:p>
+      </dgm:t>
+    </dgm:pt>
+    <dgm:pt modelId="{D64087DA-C9B3-4FEC-B5EF-9B64F87094E7}" type="sibTrans" cxnId="{D0FCE3DD-D6F2-4BFF-B66E-A50B58721B77}">
+      <dgm:prSet/>
+      <dgm:spPr/>
+      <dgm:t>
+        <a:bodyPr/>
+        <a:lstStyle/>
+        <a:p>
+          <a:endParaRPr lang="en-US"/>
+        </a:p>
+      </dgm:t>
+    </dgm:pt>
+    <dgm:pt modelId="{0F430A66-99C1-4DE5-BE24-250D8FAE2648}">
+      <dgm:prSet/>
+      <dgm:spPr/>
+      <dgm:t>
+        <a:bodyPr/>
+        <a:lstStyle/>
+        <a:p>
+          <a:pPr>
+            <a:defRPr cap="all"/>
+          </a:pPr>
+          <a:r>
+            <a:rPr lang="de-DE"/>
+            <a:t>Network Automation Group</a:t>
+          </a:r>
+          <a:endParaRPr lang="en-US"/>
+        </a:p>
+      </dgm:t>
+    </dgm:pt>
+    <dgm:pt modelId="{2E6D181E-6D06-49AB-BEB6-25603E99015B}" type="parTrans" cxnId="{D61D5648-13CC-4A50-BD3B-ABDF1D2E7FE0}">
+      <dgm:prSet/>
+      <dgm:spPr/>
+      <dgm:t>
+        <a:bodyPr/>
+        <a:lstStyle/>
+        <a:p>
+          <a:endParaRPr lang="en-US"/>
+        </a:p>
+      </dgm:t>
+    </dgm:pt>
+    <dgm:pt modelId="{4DAA236F-4D80-4EE7-9A7C-B4C5381DB667}" type="sibTrans" cxnId="{D61D5648-13CC-4A50-BD3B-ABDF1D2E7FE0}">
+      <dgm:prSet/>
+      <dgm:spPr/>
+      <dgm:t>
+        <a:bodyPr/>
+        <a:lstStyle/>
+        <a:p>
+          <a:endParaRPr lang="en-US"/>
+        </a:p>
+      </dgm:t>
+    </dgm:pt>
+    <dgm:pt modelId="{485F5E17-6ED8-46AE-A3B5-6E873F59C9B2}" type="pres">
+      <dgm:prSet presAssocID="{BB78FB98-7918-4306-8341-8C7C9BF9228E}" presName="root" presStyleCnt="0">
+        <dgm:presLayoutVars>
+          <dgm:dir/>
+          <dgm:resizeHandles val="exact"/>
+        </dgm:presLayoutVars>
+      </dgm:prSet>
+      <dgm:spPr/>
+    </dgm:pt>
+    <dgm:pt modelId="{D264AE99-F33A-4502-9FE8-7C0DBF8C56A8}" type="pres">
+      <dgm:prSet presAssocID="{BD2BE317-F6A9-45D7-8334-53D176B609AF}" presName="compNode" presStyleCnt="0"/>
+      <dgm:spPr/>
+    </dgm:pt>
+    <dgm:pt modelId="{CBB7B474-EE72-4D50-BB45-E2E693380C9B}" type="pres">
+      <dgm:prSet presAssocID="{BD2BE317-F6A9-45D7-8334-53D176B609AF}" presName="iconBgRect" presStyleLbl="bgShp" presStyleIdx="0" presStyleCnt="4"/>
+      <dgm:spPr/>
+    </dgm:pt>
+    <dgm:pt modelId="{B2436E86-459C-4787-BDBA-A1807FB30031}" type="pres">
+      <dgm:prSet presAssocID="{BD2BE317-F6A9-45D7-8334-53D176B609AF}" presName="iconRect" presStyleLbl="node1" presStyleIdx="0" presStyleCnt="4"/>
+      <dgm:spPr>
+        <a:blipFill>
+          <a:blip xmlns:r="http://schemas.openxmlformats.org/officeDocument/2006/relationships" r:embed="rId1">
+            <a:extLst>
+              <a:ext uri="{28A0092B-C50C-407E-A947-70E740481C1C}">
+                <a14:useLocalDpi xmlns:a14="http://schemas.microsoft.com/office/drawing/2010/main" val="0"/>
+              </a:ext>
+              <a:ext uri="{96DAC541-7B7A-43D3-8B79-37D633B846F1}">
+                <asvg:svgBlip xmlns:asvg="http://schemas.microsoft.com/office/drawing/2016/SVG/main" r:embed="rId2"/>
+              </a:ext>
+            </a:extLst>
+          </a:blip>
+          <a:stretch>
+            <a:fillRect/>
+          </a:stretch>
+        </a:blipFill>
+        <a:ln>
+          <a:noFill/>
+        </a:ln>
+      </dgm:spPr>
+      <dgm:extLst>
+        <a:ext uri="{E40237B7-FDA0-4F09-8148-C483321AD2D9}">
+          <dgm14:cNvPr xmlns:dgm14="http://schemas.microsoft.com/office/drawing/2010/diagram" id="0" name="" descr="Wörterbuch"/>
+        </a:ext>
+      </dgm:extLst>
+    </dgm:pt>
+    <dgm:pt modelId="{33C19688-F957-4895-89BC-22DD6EAF47AF}" type="pres">
+      <dgm:prSet presAssocID="{BD2BE317-F6A9-45D7-8334-53D176B609AF}" presName="spaceRect" presStyleCnt="0"/>
+      <dgm:spPr/>
+    </dgm:pt>
+    <dgm:pt modelId="{EBABA752-535C-451E-BD10-0A9E3AF6EDDB}" type="pres">
+      <dgm:prSet presAssocID="{BD2BE317-F6A9-45D7-8334-53D176B609AF}" presName="textRect" presStyleLbl="revTx" presStyleIdx="0" presStyleCnt="4">
+        <dgm:presLayoutVars>
+          <dgm:chMax val="1"/>
+          <dgm:chPref val="1"/>
+        </dgm:presLayoutVars>
+      </dgm:prSet>
+      <dgm:spPr/>
+    </dgm:pt>
+    <dgm:pt modelId="{C2921CA7-2A45-4640-BE83-AE1997656645}" type="pres">
+      <dgm:prSet presAssocID="{315720B5-6C22-4C3A-87C6-350E0F232954}" presName="sibTrans" presStyleCnt="0"/>
+      <dgm:spPr/>
+    </dgm:pt>
+    <dgm:pt modelId="{51262051-F359-41FC-BA02-C7E529E438C9}" type="pres">
+      <dgm:prSet presAssocID="{01160828-F705-4E92-B904-8DCB7085A44A}" presName="compNode" presStyleCnt="0"/>
+      <dgm:spPr/>
+    </dgm:pt>
+    <dgm:pt modelId="{DC9859C5-8B33-49AF-A070-B8D5F24AEE4D}" type="pres">
+      <dgm:prSet presAssocID="{01160828-F705-4E92-B904-8DCB7085A44A}" presName="iconBgRect" presStyleLbl="bgShp" presStyleIdx="1" presStyleCnt="4"/>
+      <dgm:spPr/>
+    </dgm:pt>
+    <dgm:pt modelId="{7C043707-FB88-4126-8123-BFA9A92194F8}" type="pres">
+      <dgm:prSet presAssocID="{01160828-F705-4E92-B904-8DCB7085A44A}" presName="iconRect" presStyleLbl="node1" presStyleIdx="1" presStyleCnt="4"/>
+      <dgm:spPr>
+        <a:blipFill>
+          <a:blip xmlns:r="http://schemas.openxmlformats.org/officeDocument/2006/relationships" r:embed="rId3">
+            <a:extLst>
+              <a:ext uri="{28A0092B-C50C-407E-A947-70E740481C1C}">
+                <a14:useLocalDpi xmlns:a14="http://schemas.microsoft.com/office/drawing/2010/main" val="0"/>
+              </a:ext>
+              <a:ext uri="{96DAC541-7B7A-43D3-8B79-37D633B846F1}">
+                <asvg:svgBlip xmlns:asvg="http://schemas.microsoft.com/office/drawing/2016/SVG/main" r:embed="rId4"/>
+              </a:ext>
+            </a:extLst>
+          </a:blip>
+          <a:stretch>
+            <a:fillRect/>
+          </a:stretch>
+        </a:blipFill>
+        <a:ln>
+          <a:noFill/>
+        </a:ln>
+      </dgm:spPr>
+      <dgm:extLst>
+        <a:ext uri="{E40237B7-FDA0-4F09-8148-C483321AD2D9}">
+          <dgm14:cNvPr xmlns:dgm14="http://schemas.microsoft.com/office/drawing/2010/diagram" id="0" name="" descr="Sternchen einfarbig"/>
+        </a:ext>
+      </dgm:extLst>
+    </dgm:pt>
+    <dgm:pt modelId="{48FC572C-E403-4B71-B9AD-5709E151DE89}" type="pres">
+      <dgm:prSet presAssocID="{01160828-F705-4E92-B904-8DCB7085A44A}" presName="spaceRect" presStyleCnt="0"/>
+      <dgm:spPr/>
+    </dgm:pt>
+    <dgm:pt modelId="{A0B9EAA4-7AC9-418A-863B-8FF2AB2F48CA}" type="pres">
+      <dgm:prSet presAssocID="{01160828-F705-4E92-B904-8DCB7085A44A}" presName="textRect" presStyleLbl="revTx" presStyleIdx="1" presStyleCnt="4">
+        <dgm:presLayoutVars>
+          <dgm:chMax val="1"/>
+          <dgm:chPref val="1"/>
+        </dgm:presLayoutVars>
+      </dgm:prSet>
+      <dgm:spPr/>
+    </dgm:pt>
+    <dgm:pt modelId="{5E2C856D-7E22-4EB1-95D0-8E7E4ED7A13D}" type="pres">
+      <dgm:prSet presAssocID="{9DB317B9-6A6B-4970-B6A4-E4B68AAAFE76}" presName="sibTrans" presStyleCnt="0"/>
+      <dgm:spPr/>
+    </dgm:pt>
+    <dgm:pt modelId="{B3DA88A7-BA22-486D-97E4-F1B8030005E7}" type="pres">
+      <dgm:prSet presAssocID="{642D21FD-9671-4416-8552-ACD1B63484F8}" presName="compNode" presStyleCnt="0"/>
+      <dgm:spPr/>
+    </dgm:pt>
+    <dgm:pt modelId="{748CFD13-A7E1-497C-A8AD-C96283C15E3E}" type="pres">
+      <dgm:prSet presAssocID="{642D21FD-9671-4416-8552-ACD1B63484F8}" presName="iconBgRect" presStyleLbl="bgShp" presStyleIdx="2" presStyleCnt="4"/>
+      <dgm:spPr/>
+    </dgm:pt>
+    <dgm:pt modelId="{EA7A9255-88DE-4BEF-8A89-4C87A08C786E}" type="pres">
+      <dgm:prSet presAssocID="{642D21FD-9671-4416-8552-ACD1B63484F8}" presName="iconRect" presStyleLbl="node1" presStyleIdx="2" presStyleCnt="4"/>
+      <dgm:spPr>
+        <a:blipFill>
+          <a:blip xmlns:r="http://schemas.openxmlformats.org/officeDocument/2006/relationships" r:embed="rId5">
+            <a:extLst>
+              <a:ext uri="{28A0092B-C50C-407E-A947-70E740481C1C}">
+                <a14:useLocalDpi xmlns:a14="http://schemas.microsoft.com/office/drawing/2010/main" val="0"/>
+              </a:ext>
+              <a:ext uri="{96DAC541-7B7A-43D3-8B79-37D633B846F1}">
+                <asvg:svgBlip xmlns:asvg="http://schemas.microsoft.com/office/drawing/2016/SVG/main" r:embed="rId6"/>
+              </a:ext>
+            </a:extLst>
+          </a:blip>
+          <a:stretch>
+            <a:fillRect/>
+          </a:stretch>
+        </a:blipFill>
+        <a:ln>
+          <a:noFill/>
+        </a:ln>
+      </dgm:spPr>
+      <dgm:extLst>
+        <a:ext uri="{E40237B7-FDA0-4F09-8148-C483321AD2D9}">
+          <dgm14:cNvPr xmlns:dgm14="http://schemas.microsoft.com/office/drawing/2010/diagram" id="0" name="" descr="Album"/>
+        </a:ext>
+      </dgm:extLst>
+    </dgm:pt>
+    <dgm:pt modelId="{AE80FB0D-84D2-438D-A048-9C929F678A55}" type="pres">
+      <dgm:prSet presAssocID="{642D21FD-9671-4416-8552-ACD1B63484F8}" presName="spaceRect" presStyleCnt="0"/>
+      <dgm:spPr/>
+    </dgm:pt>
+    <dgm:pt modelId="{95D8A44E-D8FB-452E-B640-14ED5BD015DA}" type="pres">
+      <dgm:prSet presAssocID="{642D21FD-9671-4416-8552-ACD1B63484F8}" presName="textRect" presStyleLbl="revTx" presStyleIdx="2" presStyleCnt="4">
+        <dgm:presLayoutVars>
+          <dgm:chMax val="1"/>
+          <dgm:chPref val="1"/>
+        </dgm:presLayoutVars>
+      </dgm:prSet>
+      <dgm:spPr/>
+    </dgm:pt>
+    <dgm:pt modelId="{624E4126-D193-4FFD-AB96-B288A3B536E0}" type="pres">
+      <dgm:prSet presAssocID="{D64087DA-C9B3-4FEC-B5EF-9B64F87094E7}" presName="sibTrans" presStyleCnt="0"/>
+      <dgm:spPr/>
+    </dgm:pt>
+    <dgm:pt modelId="{3F8713B3-3D28-4E13-AF41-A3B217856FCB}" type="pres">
+      <dgm:prSet presAssocID="{0F430A66-99C1-4DE5-BE24-250D8FAE2648}" presName="compNode" presStyleCnt="0"/>
+      <dgm:spPr/>
+    </dgm:pt>
+    <dgm:pt modelId="{2AD2F3E9-6558-42C9-8955-1F666FD1CA36}" type="pres">
+      <dgm:prSet presAssocID="{0F430A66-99C1-4DE5-BE24-250D8FAE2648}" presName="iconBgRect" presStyleLbl="bgShp" presStyleIdx="3" presStyleCnt="4"/>
+      <dgm:spPr/>
+    </dgm:pt>
+    <dgm:pt modelId="{A7586DCA-4295-4F35-91A4-2BA9F4CB4BA5}" type="pres">
+      <dgm:prSet presAssocID="{0F430A66-99C1-4DE5-BE24-250D8FAE2648}" presName="iconRect" presStyleLbl="node1" presStyleIdx="3" presStyleCnt="4"/>
+      <dgm:spPr>
+        <a:blipFill>
+          <a:blip xmlns:r="http://schemas.openxmlformats.org/officeDocument/2006/relationships" r:embed="rId7">
+            <a:extLst>
+              <a:ext uri="{28A0092B-C50C-407E-A947-70E740481C1C}">
+                <a14:useLocalDpi xmlns:a14="http://schemas.microsoft.com/office/drawing/2010/main" val="0"/>
+              </a:ext>
+              <a:ext uri="{96DAC541-7B7A-43D3-8B79-37D633B846F1}">
+                <asvg:svgBlip xmlns:asvg="http://schemas.microsoft.com/office/drawing/2016/SVG/main" r:embed="rId8"/>
+              </a:ext>
+            </a:extLst>
+          </a:blip>
+          <a:stretch>
+            <a:fillRect/>
+          </a:stretch>
+        </a:blipFill>
+        <a:ln>
+          <a:noFill/>
+        </a:ln>
+      </dgm:spPr>
+      <dgm:extLst>
+        <a:ext uri="{E40237B7-FDA0-4F09-8148-C483321AD2D9}">
+          <dgm14:cNvPr xmlns:dgm14="http://schemas.microsoft.com/office/drawing/2010/diagram" id="0" name="" descr="Personalmanagement"/>
+        </a:ext>
+      </dgm:extLst>
+    </dgm:pt>
+    <dgm:pt modelId="{2F2FCFD5-CCFF-494B-B3EA-1E00BEBE0895}" type="pres">
+      <dgm:prSet presAssocID="{0F430A66-99C1-4DE5-BE24-250D8FAE2648}" presName="spaceRect" presStyleCnt="0"/>
+      <dgm:spPr/>
+    </dgm:pt>
+    <dgm:pt modelId="{98ECB859-18BC-438A-9825-05FD7CC7E7B1}" type="pres">
+      <dgm:prSet presAssocID="{0F430A66-99C1-4DE5-BE24-250D8FAE2648}" presName="textRect" presStyleLbl="revTx" presStyleIdx="3" presStyleCnt="4">
+        <dgm:presLayoutVars>
+          <dgm:chMax val="1"/>
+          <dgm:chPref val="1"/>
+        </dgm:presLayoutVars>
+      </dgm:prSet>
+      <dgm:spPr/>
+    </dgm:pt>
+  </dgm:ptLst>
+  <dgm:cxnLst>
+    <dgm:cxn modelId="{DA95B018-3912-4C91-9338-77EA919530E0}" type="presOf" srcId="{01160828-F705-4E92-B904-8DCB7085A44A}" destId="{A0B9EAA4-7AC9-418A-863B-8FF2AB2F48CA}" srcOrd="0" destOrd="0" presId="urn:microsoft.com/office/officeart/2018/5/layout/IconCircleLabelList"/>
+    <dgm:cxn modelId="{B0B11F33-F5E7-436B-8142-E4DBAED267B1}" srcId="{BB78FB98-7918-4306-8341-8C7C9BF9228E}" destId="{BD2BE317-F6A9-45D7-8334-53D176B609AF}" srcOrd="0" destOrd="0" parTransId="{69E572BC-6444-4749-AE5B-FFACDC2D8503}" sibTransId="{315720B5-6C22-4C3A-87C6-350E0F232954}"/>
+    <dgm:cxn modelId="{4FD9463F-C694-4276-8EAB-01089330DD94}" type="presOf" srcId="{BB78FB98-7918-4306-8341-8C7C9BF9228E}" destId="{485F5E17-6ED8-46AE-A3B5-6E873F59C9B2}" srcOrd="0" destOrd="0" presId="urn:microsoft.com/office/officeart/2018/5/layout/IconCircleLabelList"/>
+    <dgm:cxn modelId="{D61D5648-13CC-4A50-BD3B-ABDF1D2E7FE0}" srcId="{BB78FB98-7918-4306-8341-8C7C9BF9228E}" destId="{0F430A66-99C1-4DE5-BE24-250D8FAE2648}" srcOrd="3" destOrd="0" parTransId="{2E6D181E-6D06-49AB-BEB6-25603E99015B}" sibTransId="{4DAA236F-4D80-4EE7-9A7C-B4C5381DB667}"/>
+    <dgm:cxn modelId="{9B098D93-DB70-432A-A882-92A8103D8FA7}" type="presOf" srcId="{642D21FD-9671-4416-8552-ACD1B63484F8}" destId="{95D8A44E-D8FB-452E-B640-14ED5BD015DA}" srcOrd="0" destOrd="0" presId="urn:microsoft.com/office/officeart/2018/5/layout/IconCircleLabelList"/>
+    <dgm:cxn modelId="{0372A7A0-2965-49CB-A118-10B106C41E9D}" srcId="{BB78FB98-7918-4306-8341-8C7C9BF9228E}" destId="{01160828-F705-4E92-B904-8DCB7085A44A}" srcOrd="1" destOrd="0" parTransId="{D8479D25-52EA-41F0-BE0C-98D2CDA08379}" sibTransId="{9DB317B9-6A6B-4970-B6A4-E4B68AAAFE76}"/>
+    <dgm:cxn modelId="{DCDD2CD5-5EAF-4FB6-BD46-AEBC19F8310B}" type="presOf" srcId="{0F430A66-99C1-4DE5-BE24-250D8FAE2648}" destId="{98ECB859-18BC-438A-9825-05FD7CC7E7B1}" srcOrd="0" destOrd="0" presId="urn:microsoft.com/office/officeart/2018/5/layout/IconCircleLabelList"/>
+    <dgm:cxn modelId="{D0FCE3DD-D6F2-4BFF-B66E-A50B58721B77}" srcId="{BB78FB98-7918-4306-8341-8C7C9BF9228E}" destId="{642D21FD-9671-4416-8552-ACD1B63484F8}" srcOrd="2" destOrd="0" parTransId="{BB69370B-CF74-4482-9040-3E3028E24F64}" sibTransId="{D64087DA-C9B3-4FEC-B5EF-9B64F87094E7}"/>
+    <dgm:cxn modelId="{3B53C9F6-ED21-498F-8E77-453532C7B115}" type="presOf" srcId="{BD2BE317-F6A9-45D7-8334-53D176B609AF}" destId="{EBABA752-535C-451E-BD10-0A9E3AF6EDDB}" srcOrd="0" destOrd="0" presId="urn:microsoft.com/office/officeart/2018/5/layout/IconCircleLabelList"/>
+    <dgm:cxn modelId="{0BDF2F26-B751-4F84-B22B-E6208BA501C8}" type="presParOf" srcId="{485F5E17-6ED8-46AE-A3B5-6E873F59C9B2}" destId="{D264AE99-F33A-4502-9FE8-7C0DBF8C56A8}" srcOrd="0" destOrd="0" presId="urn:microsoft.com/office/officeart/2018/5/layout/IconCircleLabelList"/>
+    <dgm:cxn modelId="{0AB9136A-ABD6-4EDD-84A4-8C18E8A261AA}" type="presParOf" srcId="{D264AE99-F33A-4502-9FE8-7C0DBF8C56A8}" destId="{CBB7B474-EE72-4D50-BB45-E2E693380C9B}" srcOrd="0" destOrd="0" presId="urn:microsoft.com/office/officeart/2018/5/layout/IconCircleLabelList"/>
+    <dgm:cxn modelId="{4DE4E0D3-6DD5-436F-8029-FB848601FF60}" type="presParOf" srcId="{D264AE99-F33A-4502-9FE8-7C0DBF8C56A8}" destId="{B2436E86-459C-4787-BDBA-A1807FB30031}" srcOrd="1" destOrd="0" presId="urn:microsoft.com/office/officeart/2018/5/layout/IconCircleLabelList"/>
+    <dgm:cxn modelId="{491FE982-6935-4C3F-A938-853BD7616D38}" type="presParOf" srcId="{D264AE99-F33A-4502-9FE8-7C0DBF8C56A8}" destId="{33C19688-F957-4895-89BC-22DD6EAF47AF}" srcOrd="2" destOrd="0" presId="urn:microsoft.com/office/officeart/2018/5/layout/IconCircleLabelList"/>
+    <dgm:cxn modelId="{BB35DBA4-E190-45CF-80D3-CC18CAF891A0}" type="presParOf" srcId="{D264AE99-F33A-4502-9FE8-7C0DBF8C56A8}" destId="{EBABA752-535C-451E-BD10-0A9E3AF6EDDB}" srcOrd="3" destOrd="0" presId="urn:microsoft.com/office/officeart/2018/5/layout/IconCircleLabelList"/>
+    <dgm:cxn modelId="{8E89E50D-C600-4999-BC72-22122B037D1C}" type="presParOf" srcId="{485F5E17-6ED8-46AE-A3B5-6E873F59C9B2}" destId="{C2921CA7-2A45-4640-BE83-AE1997656645}" srcOrd="1" destOrd="0" presId="urn:microsoft.com/office/officeart/2018/5/layout/IconCircleLabelList"/>
+    <dgm:cxn modelId="{D748A436-3895-4832-9E42-1426F15AA270}" type="presParOf" srcId="{485F5E17-6ED8-46AE-A3B5-6E873F59C9B2}" destId="{51262051-F359-41FC-BA02-C7E529E438C9}" srcOrd="2" destOrd="0" presId="urn:microsoft.com/office/officeart/2018/5/layout/IconCircleLabelList"/>
+    <dgm:cxn modelId="{47458724-ADBD-41B8-8BBC-7EBD24EEA692}" type="presParOf" srcId="{51262051-F359-41FC-BA02-C7E529E438C9}" destId="{DC9859C5-8B33-49AF-A070-B8D5F24AEE4D}" srcOrd="0" destOrd="0" presId="urn:microsoft.com/office/officeart/2018/5/layout/IconCircleLabelList"/>
+    <dgm:cxn modelId="{297AE3A7-C675-4FD4-9B9C-B26B05C268CC}" type="presParOf" srcId="{51262051-F359-41FC-BA02-C7E529E438C9}" destId="{7C043707-FB88-4126-8123-BFA9A92194F8}" srcOrd="1" destOrd="0" presId="urn:microsoft.com/office/officeart/2018/5/layout/IconCircleLabelList"/>
+    <dgm:cxn modelId="{1A0938EF-AB60-4C36-AAA9-8889A63DC651}" type="presParOf" srcId="{51262051-F359-41FC-BA02-C7E529E438C9}" destId="{48FC572C-E403-4B71-B9AD-5709E151DE89}" srcOrd="2" destOrd="0" presId="urn:microsoft.com/office/officeart/2018/5/layout/IconCircleLabelList"/>
+    <dgm:cxn modelId="{39E173A9-5E72-4579-958E-E2FA5755BAF4}" type="presParOf" srcId="{51262051-F359-41FC-BA02-C7E529E438C9}" destId="{A0B9EAA4-7AC9-418A-863B-8FF2AB2F48CA}" srcOrd="3" destOrd="0" presId="urn:microsoft.com/office/officeart/2018/5/layout/IconCircleLabelList"/>
+    <dgm:cxn modelId="{7EAF261C-03F2-4E62-B0FC-E4257336C923}" type="presParOf" srcId="{485F5E17-6ED8-46AE-A3B5-6E873F59C9B2}" destId="{5E2C856D-7E22-4EB1-95D0-8E7E4ED7A13D}" srcOrd="3" destOrd="0" presId="urn:microsoft.com/office/officeart/2018/5/layout/IconCircleLabelList"/>
+    <dgm:cxn modelId="{703A43D5-FED3-4926-9C56-E1C0D14686DC}" type="presParOf" srcId="{485F5E17-6ED8-46AE-A3B5-6E873F59C9B2}" destId="{B3DA88A7-BA22-486D-97E4-F1B8030005E7}" srcOrd="4" destOrd="0" presId="urn:microsoft.com/office/officeart/2018/5/layout/IconCircleLabelList"/>
+    <dgm:cxn modelId="{46E743CC-BA46-4DEA-8083-FAEED404DB9B}" type="presParOf" srcId="{B3DA88A7-BA22-486D-97E4-F1B8030005E7}" destId="{748CFD13-A7E1-497C-A8AD-C96283C15E3E}" srcOrd="0" destOrd="0" presId="urn:microsoft.com/office/officeart/2018/5/layout/IconCircleLabelList"/>
+    <dgm:cxn modelId="{791072D8-50FA-41D7-A400-576C05B9DF60}" type="presParOf" srcId="{B3DA88A7-BA22-486D-97E4-F1B8030005E7}" destId="{EA7A9255-88DE-4BEF-8A89-4C87A08C786E}" srcOrd="1" destOrd="0" presId="urn:microsoft.com/office/officeart/2018/5/layout/IconCircleLabelList"/>
+    <dgm:cxn modelId="{440B9AA2-5ACF-4199-BB33-CF049A3F488E}" type="presParOf" srcId="{B3DA88A7-BA22-486D-97E4-F1B8030005E7}" destId="{AE80FB0D-84D2-438D-A048-9C929F678A55}" srcOrd="2" destOrd="0" presId="urn:microsoft.com/office/officeart/2018/5/layout/IconCircleLabelList"/>
+    <dgm:cxn modelId="{0E1827EF-C3BC-43DA-964A-406F561A6C06}" type="presParOf" srcId="{B3DA88A7-BA22-486D-97E4-F1B8030005E7}" destId="{95D8A44E-D8FB-452E-B640-14ED5BD015DA}" srcOrd="3" destOrd="0" presId="urn:microsoft.com/office/officeart/2018/5/layout/IconCircleLabelList"/>
+    <dgm:cxn modelId="{4B10184A-D60F-4F26-9378-2E8B9082EDA5}" type="presParOf" srcId="{485F5E17-6ED8-46AE-A3B5-6E873F59C9B2}" destId="{624E4126-D193-4FFD-AB96-B288A3B536E0}" srcOrd="5" destOrd="0" presId="urn:microsoft.com/office/officeart/2018/5/layout/IconCircleLabelList"/>
+    <dgm:cxn modelId="{94261E42-3B03-4C11-8005-536516579F4E}" type="presParOf" srcId="{485F5E17-6ED8-46AE-A3B5-6E873F59C9B2}" destId="{3F8713B3-3D28-4E13-AF41-A3B217856FCB}" srcOrd="6" destOrd="0" presId="urn:microsoft.com/office/officeart/2018/5/layout/IconCircleLabelList"/>
+    <dgm:cxn modelId="{6F1484AB-8252-463C-9575-A7F983F34267}" type="presParOf" srcId="{3F8713B3-3D28-4E13-AF41-A3B217856FCB}" destId="{2AD2F3E9-6558-42C9-8955-1F666FD1CA36}" srcOrd="0" destOrd="0" presId="urn:microsoft.com/office/officeart/2018/5/layout/IconCircleLabelList"/>
+    <dgm:cxn modelId="{636EAC62-9473-4C68-8CA5-8AD79082AE0F}" type="presParOf" srcId="{3F8713B3-3D28-4E13-AF41-A3B217856FCB}" destId="{A7586DCA-4295-4F35-91A4-2BA9F4CB4BA5}" srcOrd="1" destOrd="0" presId="urn:microsoft.com/office/officeart/2018/5/layout/IconCircleLabelList"/>
+    <dgm:cxn modelId="{B47700AC-A3CC-4D6F-8A02-ACC0BC08B1FF}" type="presParOf" srcId="{3F8713B3-3D28-4E13-AF41-A3B217856FCB}" destId="{2F2FCFD5-CCFF-494B-B3EA-1E00BEBE0895}" srcOrd="2" destOrd="0" presId="urn:microsoft.com/office/officeart/2018/5/layout/IconCircleLabelList"/>
+    <dgm:cxn modelId="{D78C0CD2-9371-4092-95ED-4813C846D952}" type="presParOf" srcId="{3F8713B3-3D28-4E13-AF41-A3B217856FCB}" destId="{98ECB859-18BC-438A-9825-05FD7CC7E7B1}" srcOrd="3" destOrd="0" presId="urn:microsoft.com/office/officeart/2018/5/layout/IconCircleLabelList"/>
+  </dgm:cxnLst>
+  <dgm:bg/>
+  <dgm:whole/>
+  <dgm:extLst>
+    <a:ext uri="http://schemas.microsoft.com/office/drawing/2008/diagram">
+      <dsp:dataModelExt xmlns:dsp="http://schemas.microsoft.com/office/drawing/2008/diagram" relId="rId6" minVer="http://schemas.openxmlformats.org/drawingml/2006/diagram"/>
+    </a:ext>
+  </dgm:extLst>
+</dgm:dataModel>
+</file>
+
+<file path=ppt/diagrams/data2.xml><?xml version="1.0" encoding="utf-8"?>
+<dgm:dataModel xmlns:dgm="http://schemas.openxmlformats.org/drawingml/2006/diagram" xmlns:a="http://schemas.openxmlformats.org/drawingml/2006/main">
+  <dgm:ptLst>
+    <dgm:pt modelId="{7EC08FC6-6FF0-4468-91E9-793457EA72C0}" type="doc">
+      <dgm:prSet loTypeId="urn:microsoft.com/office/officeart/2005/8/layout/list1" loCatId="list" qsTypeId="urn:microsoft.com/office/officeart/2005/8/quickstyle/simple1" qsCatId="simple" csTypeId="urn:microsoft.com/office/officeart/2005/8/colors/accent1_2" csCatId="accent1" phldr="1"/>
+      <dgm:spPr/>
+      <dgm:t>
+        <a:bodyPr/>
+        <a:lstStyle/>
+        <a:p>
+          <a:endParaRPr lang="en-US"/>
+        </a:p>
+      </dgm:t>
+    </dgm:pt>
+    <dgm:pt modelId="{007070F2-0ACA-4065-B66C-FD01A75032E3}">
+      <dgm:prSet/>
+      <dgm:spPr/>
+      <dgm:t>
+        <a:bodyPr/>
+        <a:lstStyle/>
+        <a:p>
+          <a:r>
+            <a:rPr lang="de-DE"/>
+            <a:t>Kubernetes Course</a:t>
+          </a:r>
+          <a:endParaRPr lang="en-US"/>
+        </a:p>
+      </dgm:t>
+    </dgm:pt>
+    <dgm:pt modelId="{AEDCBBB8-1DA2-4DBC-8CCA-6F08905768AB}" type="parTrans" cxnId="{5AE83BC0-7281-4DD9-B741-945F4DF22F06}">
+      <dgm:prSet/>
+      <dgm:spPr/>
+      <dgm:t>
+        <a:bodyPr/>
+        <a:lstStyle/>
+        <a:p>
+          <a:endParaRPr lang="en-US"/>
+        </a:p>
+      </dgm:t>
+    </dgm:pt>
+    <dgm:pt modelId="{C649EEF0-632D-4EDF-B085-4DF5B1FEE66F}" type="sibTrans" cxnId="{5AE83BC0-7281-4DD9-B741-945F4DF22F06}">
+      <dgm:prSet/>
+      <dgm:spPr/>
+      <dgm:t>
+        <a:bodyPr/>
+        <a:lstStyle/>
+        <a:p>
+          <a:endParaRPr lang="en-US"/>
+        </a:p>
+      </dgm:t>
+    </dgm:pt>
+    <dgm:pt modelId="{D2A89D98-C013-42D7-9D6E-80F85E34E6BB}">
+      <dgm:prSet/>
+      <dgm:spPr/>
+      <dgm:t>
+        <a:bodyPr/>
+        <a:lstStyle/>
+        <a:p>
+          <a:r>
+            <a:rPr lang="de-DE">
+              <a:hlinkClick xmlns:r="http://schemas.openxmlformats.org/officeDocument/2006/relationships" r:id="rId1"/>
+            </a:rPr>
+            <a:t>https://youtu.be/EV47Oxwet6Y?si=OdOLrb1-Unx8srCY</a:t>
+          </a:r>
+          <a:r>
+            <a:rPr lang="de-DE"/>
+            <a:t> </a:t>
+          </a:r>
+          <a:endParaRPr lang="en-US"/>
+        </a:p>
+      </dgm:t>
+    </dgm:pt>
+    <dgm:pt modelId="{19FF4E81-BC3D-4310-8DC4-49D3B29B4639}" type="parTrans" cxnId="{32247413-915E-4C57-9DC2-009291F8F505}">
+      <dgm:prSet/>
+      <dgm:spPr/>
+      <dgm:t>
+        <a:bodyPr/>
+        <a:lstStyle/>
+        <a:p>
+          <a:endParaRPr lang="en-US"/>
+        </a:p>
+      </dgm:t>
+    </dgm:pt>
+    <dgm:pt modelId="{38184242-F875-4F72-9D9D-988B296C732E}" type="sibTrans" cxnId="{32247413-915E-4C57-9DC2-009291F8F505}">
+      <dgm:prSet/>
+      <dgm:spPr/>
+      <dgm:t>
+        <a:bodyPr/>
+        <a:lstStyle/>
+        <a:p>
+          <a:endParaRPr lang="en-US"/>
+        </a:p>
+      </dgm:t>
+    </dgm:pt>
+    <dgm:pt modelId="{16DD54D1-63CB-4ADE-BBFF-0993AFD9A131}">
+      <dgm:prSet/>
+      <dgm:spPr/>
+      <dgm:t>
+        <a:bodyPr/>
+        <a:lstStyle/>
+        <a:p>
+          <a:r>
+            <a:rPr lang="de-DE" dirty="0" err="1"/>
+            <a:t>Kubebuilder</a:t>
+          </a:r>
+          <a:r>
+            <a:rPr lang="de-DE" dirty="0"/>
+            <a:t> </a:t>
+          </a:r>
+          <a:r>
+            <a:rPr lang="de-DE" dirty="0" err="1"/>
+            <a:t>Documentation</a:t>
+          </a:r>
+          <a:endParaRPr lang="en-US" dirty="0"/>
+        </a:p>
+      </dgm:t>
+    </dgm:pt>
+    <dgm:pt modelId="{14ADE8C7-1705-434D-BEBA-EBDEC23BC3EA}" type="parTrans" cxnId="{10EBEC82-5517-4405-AE76-85D564DBEE11}">
+      <dgm:prSet/>
+      <dgm:spPr/>
+      <dgm:t>
+        <a:bodyPr/>
+        <a:lstStyle/>
+        <a:p>
+          <a:endParaRPr lang="en-US"/>
+        </a:p>
+      </dgm:t>
+    </dgm:pt>
+    <dgm:pt modelId="{9F7030DD-C7D3-44E6-8D01-7CF96F68F4E7}" type="sibTrans" cxnId="{10EBEC82-5517-4405-AE76-85D564DBEE11}">
+      <dgm:prSet/>
+      <dgm:spPr/>
+      <dgm:t>
+        <a:bodyPr/>
+        <a:lstStyle/>
+        <a:p>
+          <a:endParaRPr lang="en-US"/>
+        </a:p>
+      </dgm:t>
+    </dgm:pt>
+    <dgm:pt modelId="{FFC7A735-E22A-4C45-8808-F342B6CF87D6}">
+      <dgm:prSet/>
+      <dgm:spPr/>
+      <dgm:t>
+        <a:bodyPr/>
+        <a:lstStyle/>
+        <a:p>
+          <a:r>
+            <a:rPr lang="de-DE" dirty="0">
+              <a:hlinkClick xmlns:r="http://schemas.openxmlformats.org/officeDocument/2006/relationships" r:id="rId2"/>
+            </a:rPr>
+            <a:t>https://book.kubebuilder.io/</a:t>
+          </a:r>
+          <a:r>
+            <a:rPr lang="de-DE" dirty="0"/>
+            <a:t> </a:t>
+          </a:r>
+          <a:endParaRPr lang="en-US" dirty="0"/>
+        </a:p>
+      </dgm:t>
+    </dgm:pt>
+    <dgm:pt modelId="{03A6D097-61D6-49E6-9A7A-C69570F41D44}" type="parTrans" cxnId="{E7FCCE62-D08F-466C-9B44-4CB9031C75BD}">
+      <dgm:prSet/>
+      <dgm:spPr/>
+      <dgm:t>
+        <a:bodyPr/>
+        <a:lstStyle/>
+        <a:p>
+          <a:endParaRPr lang="en-US"/>
+        </a:p>
+      </dgm:t>
+    </dgm:pt>
+    <dgm:pt modelId="{C728EA61-F9C8-4CE8-8194-AB7E6A081076}" type="sibTrans" cxnId="{E7FCCE62-D08F-466C-9B44-4CB9031C75BD}">
+      <dgm:prSet/>
+      <dgm:spPr/>
+      <dgm:t>
+        <a:bodyPr/>
+        <a:lstStyle/>
+        <a:p>
+          <a:endParaRPr lang="en-US"/>
+        </a:p>
+      </dgm:t>
+    </dgm:pt>
+    <dgm:pt modelId="{7454A245-8AB7-4656-9F7F-76D4AB3584A8}">
+      <dgm:prSet/>
+      <dgm:spPr/>
+      <dgm:t>
+        <a:bodyPr/>
+        <a:lstStyle/>
+        <a:p>
+          <a:r>
+            <a:rPr lang="de-DE" dirty="0"/>
+            <a:t>Containerlab</a:t>
+          </a:r>
+          <a:endParaRPr lang="en-US" dirty="0"/>
+        </a:p>
+      </dgm:t>
+    </dgm:pt>
+    <dgm:pt modelId="{AFC4CF35-B7CD-414F-B531-F74794E1474B}" type="parTrans" cxnId="{94C68E9C-B766-444A-B360-F91BD81A6991}">
+      <dgm:prSet/>
+      <dgm:spPr/>
+      <dgm:t>
+        <a:bodyPr/>
+        <a:lstStyle/>
+        <a:p>
+          <a:endParaRPr lang="en-US"/>
+        </a:p>
+      </dgm:t>
+    </dgm:pt>
+    <dgm:pt modelId="{8AA38DCF-4115-4E77-8A0B-9D5A312A2E64}" type="sibTrans" cxnId="{94C68E9C-B766-444A-B360-F91BD81A6991}">
+      <dgm:prSet/>
+      <dgm:spPr/>
+      <dgm:t>
+        <a:bodyPr/>
+        <a:lstStyle/>
+        <a:p>
+          <a:endParaRPr lang="en-US"/>
+        </a:p>
+      </dgm:t>
+    </dgm:pt>
+    <dgm:pt modelId="{2C686AC6-D005-404E-A85B-0E2EE6B77299}">
+      <dgm:prSet/>
+      <dgm:spPr/>
+      <dgm:t>
+        <a:bodyPr/>
+        <a:lstStyle/>
+        <a:p>
+          <a:r>
+            <a:rPr lang="de-DE" dirty="0">
+              <a:hlinkClick xmlns:r="http://schemas.openxmlformats.org/officeDocument/2006/relationships" r:id="rId3"/>
+            </a:rPr>
+            <a:t>https://containerlab.dev/</a:t>
+          </a:r>
+          <a:r>
+            <a:rPr lang="de-DE" dirty="0"/>
+            <a:t> </a:t>
+          </a:r>
+          <a:endParaRPr lang="en-US" dirty="0"/>
+        </a:p>
+      </dgm:t>
+    </dgm:pt>
+    <dgm:pt modelId="{A4F4184C-D3E4-4672-9FAC-752FB24390CF}" type="parTrans" cxnId="{F63CF74A-1798-4875-AAFF-E22BF621AAEF}">
+      <dgm:prSet/>
+      <dgm:spPr/>
+      <dgm:t>
+        <a:bodyPr/>
+        <a:lstStyle/>
+        <a:p>
+          <a:endParaRPr lang="en-US"/>
+        </a:p>
+      </dgm:t>
+    </dgm:pt>
+    <dgm:pt modelId="{78922CDA-EB62-4344-B35F-B30917A99DD8}" type="sibTrans" cxnId="{F63CF74A-1798-4875-AAFF-E22BF621AAEF}">
+      <dgm:prSet/>
+      <dgm:spPr/>
+      <dgm:t>
+        <a:bodyPr/>
+        <a:lstStyle/>
+        <a:p>
+          <a:endParaRPr lang="en-US"/>
+        </a:p>
+      </dgm:t>
+    </dgm:pt>
+    <dgm:pt modelId="{E8DDC7CE-DF60-4A23-8EF8-9FFF94BA2A7D}">
+      <dgm:prSet/>
+      <dgm:spPr/>
+      <dgm:t>
+        <a:bodyPr/>
+        <a:lstStyle/>
+        <a:p>
+          <a:r>
+            <a:rPr lang="de-DE" dirty="0"/>
+            <a:t>Arista on </a:t>
+          </a:r>
+          <a:r>
+            <a:rPr lang="de-DE" dirty="0" err="1"/>
+            <a:t>gnmi</a:t>
+          </a:r>
+          <a:r>
+            <a:rPr lang="de-DE" dirty="0"/>
+            <a:t> </a:t>
+          </a:r>
+          <a:r>
+            <a:rPr lang="de-DE" dirty="0" err="1"/>
+            <a:t>with</a:t>
+          </a:r>
+          <a:r>
+            <a:rPr lang="de-DE" dirty="0"/>
+            <a:t> GO</a:t>
+          </a:r>
+          <a:endParaRPr lang="en-US" dirty="0"/>
+        </a:p>
+      </dgm:t>
+    </dgm:pt>
+    <dgm:pt modelId="{0570E821-EDEE-4682-8634-996024247CB8}" type="parTrans" cxnId="{6A8956AF-7EA8-461C-8CF6-4DB958E2BBCC}">
+      <dgm:prSet/>
+      <dgm:spPr/>
+      <dgm:t>
+        <a:bodyPr/>
+        <a:lstStyle/>
+        <a:p>
+          <a:endParaRPr lang="en-US"/>
+        </a:p>
+      </dgm:t>
+    </dgm:pt>
+    <dgm:pt modelId="{9156AEBE-3E66-4931-8C02-7DFE93D9C453}" type="sibTrans" cxnId="{6A8956AF-7EA8-461C-8CF6-4DB958E2BBCC}">
+      <dgm:prSet/>
+      <dgm:spPr/>
+      <dgm:t>
+        <a:bodyPr/>
+        <a:lstStyle/>
+        <a:p>
+          <a:endParaRPr lang="en-US"/>
+        </a:p>
+      </dgm:t>
+    </dgm:pt>
+    <dgm:pt modelId="{3CF25C98-30AF-47BB-A352-55AFA0780D42}">
+      <dgm:prSet/>
+      <dgm:spPr/>
+      <dgm:t>
+        <a:bodyPr/>
+        <a:lstStyle/>
+        <a:p>
+          <a:r>
+            <a:rPr lang="de-DE" dirty="0">
+              <a:hlinkClick xmlns:r="http://schemas.openxmlformats.org/officeDocument/2006/relationships" r:id="rId4"/>
+            </a:rPr>
+            <a:t>https://aristanetworks.github.io/openmgmt/examples/golang/</a:t>
+          </a:r>
+          <a:r>
+            <a:rPr lang="de-DE" dirty="0"/>
+            <a:t> </a:t>
+          </a:r>
+          <a:endParaRPr lang="en-US" dirty="0"/>
+        </a:p>
+      </dgm:t>
+    </dgm:pt>
+    <dgm:pt modelId="{B44B1653-FFD2-44A4-A5EE-0DA71201E824}" type="parTrans" cxnId="{D19CFE75-783B-40D9-B520-02F0480A6BD9}">
+      <dgm:prSet/>
+      <dgm:spPr/>
+      <dgm:t>
+        <a:bodyPr/>
+        <a:lstStyle/>
+        <a:p>
+          <a:endParaRPr lang="en-US"/>
+        </a:p>
+      </dgm:t>
+    </dgm:pt>
+    <dgm:pt modelId="{4C72FBB4-3505-446A-B553-5158DE1DB380}" type="sibTrans" cxnId="{D19CFE75-783B-40D9-B520-02F0480A6BD9}">
+      <dgm:prSet/>
+      <dgm:spPr/>
+      <dgm:t>
+        <a:bodyPr/>
+        <a:lstStyle/>
+        <a:p>
+          <a:endParaRPr lang="en-US"/>
+        </a:p>
+      </dgm:t>
+    </dgm:pt>
+    <dgm:pt modelId="{1D1B49D8-7491-124C-A00A-93B143B702A1}">
+      <dgm:prSet/>
+      <dgm:spPr/>
+      <dgm:t>
+        <a:bodyPr/>
+        <a:lstStyle/>
+        <a:p>
+          <a:r>
+            <a:rPr lang="de-DE" dirty="0"/>
+            <a:t>SDC</a:t>
+          </a:r>
+        </a:p>
+      </dgm:t>
+    </dgm:pt>
+    <dgm:pt modelId="{FADC4AD6-10D3-7244-8B7E-423956F510C0}" type="parTrans" cxnId="{6FF4FBB6-0F46-5345-B671-30B1CABF9DCA}">
+      <dgm:prSet/>
+      <dgm:spPr/>
+      <dgm:t>
+        <a:bodyPr/>
+        <a:lstStyle/>
+        <a:p>
+          <a:endParaRPr lang="de-DE"/>
+        </a:p>
+      </dgm:t>
+    </dgm:pt>
+    <dgm:pt modelId="{E50FF00D-FDEE-C84E-8F25-921D38F1D72A}" type="sibTrans" cxnId="{6FF4FBB6-0F46-5345-B671-30B1CABF9DCA}">
+      <dgm:prSet/>
+      <dgm:spPr/>
+      <dgm:t>
+        <a:bodyPr/>
+        <a:lstStyle/>
+        <a:p>
+          <a:endParaRPr lang="de-DE"/>
+        </a:p>
+      </dgm:t>
+    </dgm:pt>
+    <dgm:pt modelId="{4992BF69-0C17-D647-A8A8-0CB3FCE7CDBE}">
+      <dgm:prSet/>
+      <dgm:spPr/>
+      <dgm:t>
+        <a:bodyPr/>
+        <a:lstStyle/>
+        <a:p>
+          <a:r>
+            <a:rPr lang="de-DE" dirty="0"/>
+            <a:t>https://</a:t>
+          </a:r>
+          <a:r>
+            <a:rPr lang="de-DE" dirty="0" err="1"/>
+            <a:t>docs.sdcio.dev</a:t>
+          </a:r>
+          <a:r>
+            <a:rPr lang="de-DE" dirty="0"/>
+            <a:t>/</a:t>
+          </a:r>
+        </a:p>
+      </dgm:t>
+    </dgm:pt>
+    <dgm:pt modelId="{1A897695-3FA8-3F4C-B372-5AAB53C30E2B}" type="parTrans" cxnId="{A3957536-B99A-EF45-89E6-7AFC711DCA13}">
+      <dgm:prSet/>
+      <dgm:spPr/>
+      <dgm:t>
+        <a:bodyPr/>
+        <a:lstStyle/>
+        <a:p>
+          <a:endParaRPr lang="de-DE"/>
+        </a:p>
+      </dgm:t>
+    </dgm:pt>
+    <dgm:pt modelId="{F3EB3DAA-C0FE-8B47-873C-B0E037342502}" type="sibTrans" cxnId="{A3957536-B99A-EF45-89E6-7AFC711DCA13}">
+      <dgm:prSet/>
+      <dgm:spPr/>
+      <dgm:t>
+        <a:bodyPr/>
+        <a:lstStyle/>
+        <a:p>
+          <a:endParaRPr lang="de-DE"/>
+        </a:p>
+      </dgm:t>
+    </dgm:pt>
+    <dgm:pt modelId="{178A234F-E9F1-B743-9D6E-2CBD47678200}">
+      <dgm:prSet/>
+      <dgm:spPr/>
+      <dgm:t>
+        <a:bodyPr/>
+        <a:lstStyle/>
+        <a:p>
+          <a:r>
+            <a:rPr lang="de-DE" dirty="0" err="1"/>
+            <a:t>Kubenet</a:t>
+          </a:r>
+          <a:endParaRPr lang="de-DE" dirty="0"/>
+        </a:p>
+      </dgm:t>
+    </dgm:pt>
+    <dgm:pt modelId="{DA726E8F-FD08-4F44-826C-072739F6A8DC}" type="parTrans" cxnId="{D2072F05-673C-0841-972E-042CDAFDF30F}">
+      <dgm:prSet/>
+      <dgm:spPr/>
+      <dgm:t>
+        <a:bodyPr/>
+        <a:lstStyle/>
+        <a:p>
+          <a:endParaRPr lang="de-DE"/>
+        </a:p>
+      </dgm:t>
+    </dgm:pt>
+    <dgm:pt modelId="{33A7492E-EF1C-DD40-A6EE-6F3AA2BFC559}" type="sibTrans" cxnId="{D2072F05-673C-0841-972E-042CDAFDF30F}">
+      <dgm:prSet/>
+      <dgm:spPr/>
+      <dgm:t>
+        <a:bodyPr/>
+        <a:lstStyle/>
+        <a:p>
+          <a:endParaRPr lang="de-DE"/>
+        </a:p>
+      </dgm:t>
+    </dgm:pt>
+    <dgm:pt modelId="{2463D70B-9860-C84A-A48E-9C26F31FA37B}">
+      <dgm:prSet/>
+      <dgm:spPr/>
+      <dgm:t>
+        <a:bodyPr/>
+        <a:lstStyle/>
+        <a:p>
+          <a:r>
+            <a:rPr lang="de-DE" dirty="0"/>
+            <a:t>https://</a:t>
+          </a:r>
+          <a:r>
+            <a:rPr lang="de-DE" dirty="0" err="1"/>
+            <a:t>learn.kubenet.dev</a:t>
+          </a:r>
+          <a:r>
+            <a:rPr lang="de-DE" dirty="0"/>
+            <a:t>/</a:t>
+          </a:r>
+        </a:p>
+      </dgm:t>
+    </dgm:pt>
+    <dgm:pt modelId="{4C2E9FCF-2539-F548-A873-B692436387B3}" type="parTrans" cxnId="{7A1D72B5-0BAB-0444-B7E4-853180F1CAD4}">
+      <dgm:prSet/>
+      <dgm:spPr/>
+      <dgm:t>
+        <a:bodyPr/>
+        <a:lstStyle/>
+        <a:p>
+          <a:endParaRPr lang="de-DE"/>
+        </a:p>
+      </dgm:t>
+    </dgm:pt>
+    <dgm:pt modelId="{3C7AECFF-313A-534E-9F6E-EF4D007E90ED}" type="sibTrans" cxnId="{7A1D72B5-0BAB-0444-B7E4-853180F1CAD4}">
+      <dgm:prSet/>
+      <dgm:spPr/>
+      <dgm:t>
+        <a:bodyPr/>
+        <a:lstStyle/>
+        <a:p>
+          <a:endParaRPr lang="de-DE"/>
+        </a:p>
+      </dgm:t>
+    </dgm:pt>
+    <dgm:pt modelId="{17132A07-F17D-6F44-BF77-DA170F2DA3D4}" type="pres">
+      <dgm:prSet presAssocID="{7EC08FC6-6FF0-4468-91E9-793457EA72C0}" presName="linear" presStyleCnt="0">
+        <dgm:presLayoutVars>
+          <dgm:dir/>
+          <dgm:animLvl val="lvl"/>
+          <dgm:resizeHandles val="exact"/>
+        </dgm:presLayoutVars>
+      </dgm:prSet>
+      <dgm:spPr/>
+    </dgm:pt>
+    <dgm:pt modelId="{43DB7AFD-5C30-2F40-9C2A-696DBBB01716}" type="pres">
+      <dgm:prSet presAssocID="{007070F2-0ACA-4065-B66C-FD01A75032E3}" presName="parentLin" presStyleCnt="0"/>
+      <dgm:spPr/>
+    </dgm:pt>
+    <dgm:pt modelId="{5BF9C4BA-6D1B-5848-A117-55534DD7BAEE}" type="pres">
+      <dgm:prSet presAssocID="{007070F2-0ACA-4065-B66C-FD01A75032E3}" presName="parentLeftMargin" presStyleLbl="node1" presStyleIdx="0" presStyleCnt="6"/>
+      <dgm:spPr/>
+    </dgm:pt>
+    <dgm:pt modelId="{3A51972D-F08A-C240-96DD-EE5E2617836F}" type="pres">
+      <dgm:prSet presAssocID="{007070F2-0ACA-4065-B66C-FD01A75032E3}" presName="parentText" presStyleLbl="node1" presStyleIdx="0" presStyleCnt="6">
+        <dgm:presLayoutVars>
+          <dgm:chMax val="0"/>
+          <dgm:bulletEnabled val="1"/>
+        </dgm:presLayoutVars>
+      </dgm:prSet>
+      <dgm:spPr/>
+    </dgm:pt>
+    <dgm:pt modelId="{1A7BFAE5-08B6-9742-9CFD-B54D1DE2AC81}" type="pres">
+      <dgm:prSet presAssocID="{007070F2-0ACA-4065-B66C-FD01A75032E3}" presName="negativeSpace" presStyleCnt="0"/>
+      <dgm:spPr/>
+    </dgm:pt>
+    <dgm:pt modelId="{FBAF2AD3-C03A-6843-958C-62700100A03B}" type="pres">
+      <dgm:prSet presAssocID="{007070F2-0ACA-4065-B66C-FD01A75032E3}" presName="childText" presStyleLbl="conFgAcc1" presStyleIdx="0" presStyleCnt="6">
+        <dgm:presLayoutVars>
+          <dgm:bulletEnabled val="1"/>
+        </dgm:presLayoutVars>
+      </dgm:prSet>
+      <dgm:spPr/>
+    </dgm:pt>
+    <dgm:pt modelId="{25E74D2A-BA12-0B4F-81B4-CDC8D6C35C6D}" type="pres">
+      <dgm:prSet presAssocID="{C649EEF0-632D-4EDF-B085-4DF5B1FEE66F}" presName="spaceBetweenRectangles" presStyleCnt="0"/>
+      <dgm:spPr/>
+    </dgm:pt>
+    <dgm:pt modelId="{2677BA24-EC21-E346-B023-C8FAC44704A7}" type="pres">
+      <dgm:prSet presAssocID="{16DD54D1-63CB-4ADE-BBFF-0993AFD9A131}" presName="parentLin" presStyleCnt="0"/>
+      <dgm:spPr/>
+    </dgm:pt>
+    <dgm:pt modelId="{B81F3F14-B3DF-0B45-A1F2-DB1340AF1161}" type="pres">
+      <dgm:prSet presAssocID="{16DD54D1-63CB-4ADE-BBFF-0993AFD9A131}" presName="parentLeftMargin" presStyleLbl="node1" presStyleIdx="0" presStyleCnt="6"/>
+      <dgm:spPr/>
+    </dgm:pt>
+    <dgm:pt modelId="{8A61337F-479F-924B-BB81-1876F9382285}" type="pres">
+      <dgm:prSet presAssocID="{16DD54D1-63CB-4ADE-BBFF-0993AFD9A131}" presName="parentText" presStyleLbl="node1" presStyleIdx="1" presStyleCnt="6">
+        <dgm:presLayoutVars>
+          <dgm:chMax val="0"/>
+          <dgm:bulletEnabled val="1"/>
+        </dgm:presLayoutVars>
+      </dgm:prSet>
+      <dgm:spPr/>
+    </dgm:pt>
+    <dgm:pt modelId="{2433CF3E-8174-444E-A3C7-C7ABDD3B3439}" type="pres">
+      <dgm:prSet presAssocID="{16DD54D1-63CB-4ADE-BBFF-0993AFD9A131}" presName="negativeSpace" presStyleCnt="0"/>
+      <dgm:spPr/>
+    </dgm:pt>
+    <dgm:pt modelId="{1D233C2D-27D0-9D44-A2F7-5D5C5D299991}" type="pres">
+      <dgm:prSet presAssocID="{16DD54D1-63CB-4ADE-BBFF-0993AFD9A131}" presName="childText" presStyleLbl="conFgAcc1" presStyleIdx="1" presStyleCnt="6">
+        <dgm:presLayoutVars>
+          <dgm:bulletEnabled val="1"/>
+        </dgm:presLayoutVars>
+      </dgm:prSet>
+      <dgm:spPr/>
+    </dgm:pt>
+    <dgm:pt modelId="{51DF684A-6A89-A14B-81D9-E8EAF17FDC59}" type="pres">
+      <dgm:prSet presAssocID="{9F7030DD-C7D3-44E6-8D01-7CF96F68F4E7}" presName="spaceBetweenRectangles" presStyleCnt="0"/>
+      <dgm:spPr/>
+    </dgm:pt>
+    <dgm:pt modelId="{AAD5DC48-6EEB-3F42-9789-AF3B85CD72A3}" type="pres">
+      <dgm:prSet presAssocID="{7454A245-8AB7-4656-9F7F-76D4AB3584A8}" presName="parentLin" presStyleCnt="0"/>
+      <dgm:spPr/>
+    </dgm:pt>
+    <dgm:pt modelId="{520D4876-9397-1F4F-A7E8-AB7F8B888F94}" type="pres">
+      <dgm:prSet presAssocID="{7454A245-8AB7-4656-9F7F-76D4AB3584A8}" presName="parentLeftMargin" presStyleLbl="node1" presStyleIdx="1" presStyleCnt="6"/>
+      <dgm:spPr/>
+    </dgm:pt>
+    <dgm:pt modelId="{0376B677-C24B-8442-AEFC-E813DB19E7E5}" type="pres">
+      <dgm:prSet presAssocID="{7454A245-8AB7-4656-9F7F-76D4AB3584A8}" presName="parentText" presStyleLbl="node1" presStyleIdx="2" presStyleCnt="6">
+        <dgm:presLayoutVars>
+          <dgm:chMax val="0"/>
+          <dgm:bulletEnabled val="1"/>
+        </dgm:presLayoutVars>
+      </dgm:prSet>
+      <dgm:spPr/>
+    </dgm:pt>
+    <dgm:pt modelId="{A79BCB66-7E9F-A34D-879B-95B607F4BC07}" type="pres">
+      <dgm:prSet presAssocID="{7454A245-8AB7-4656-9F7F-76D4AB3584A8}" presName="negativeSpace" presStyleCnt="0"/>
+      <dgm:spPr/>
+    </dgm:pt>
+    <dgm:pt modelId="{2AB601A5-F7D9-3B48-A01C-F10883D4B3C5}" type="pres">
+      <dgm:prSet presAssocID="{7454A245-8AB7-4656-9F7F-76D4AB3584A8}" presName="childText" presStyleLbl="conFgAcc1" presStyleIdx="2" presStyleCnt="6">
+        <dgm:presLayoutVars>
+          <dgm:bulletEnabled val="1"/>
+        </dgm:presLayoutVars>
+      </dgm:prSet>
+      <dgm:spPr/>
+    </dgm:pt>
+    <dgm:pt modelId="{D6F41259-2412-3C43-9BA3-60F09E4EDCC0}" type="pres">
+      <dgm:prSet presAssocID="{8AA38DCF-4115-4E77-8A0B-9D5A312A2E64}" presName="spaceBetweenRectangles" presStyleCnt="0"/>
+      <dgm:spPr/>
+    </dgm:pt>
+    <dgm:pt modelId="{31BCA5DB-1F85-8548-8999-0D7562E74110}" type="pres">
+      <dgm:prSet presAssocID="{1D1B49D8-7491-124C-A00A-93B143B702A1}" presName="parentLin" presStyleCnt="0"/>
+      <dgm:spPr/>
+    </dgm:pt>
+    <dgm:pt modelId="{559FE047-58F0-3D4D-9861-B52A4EAC1BB8}" type="pres">
+      <dgm:prSet presAssocID="{1D1B49D8-7491-124C-A00A-93B143B702A1}" presName="parentLeftMargin" presStyleLbl="node1" presStyleIdx="2" presStyleCnt="6"/>
+      <dgm:spPr/>
+    </dgm:pt>
+    <dgm:pt modelId="{E73CCD9E-5C9F-B74C-B4FC-34A056F89194}" type="pres">
+      <dgm:prSet presAssocID="{1D1B49D8-7491-124C-A00A-93B143B702A1}" presName="parentText" presStyleLbl="node1" presStyleIdx="3" presStyleCnt="6">
+        <dgm:presLayoutVars>
+          <dgm:chMax val="0"/>
+          <dgm:bulletEnabled val="1"/>
+        </dgm:presLayoutVars>
+      </dgm:prSet>
+      <dgm:spPr/>
+    </dgm:pt>
+    <dgm:pt modelId="{0802831B-B63B-DC4A-B153-CBA326A6221B}" type="pres">
+      <dgm:prSet presAssocID="{1D1B49D8-7491-124C-A00A-93B143B702A1}" presName="negativeSpace" presStyleCnt="0"/>
+      <dgm:spPr/>
+    </dgm:pt>
+    <dgm:pt modelId="{2F300D0E-E996-BC40-BAEC-1D44C0C64B32}" type="pres">
+      <dgm:prSet presAssocID="{1D1B49D8-7491-124C-A00A-93B143B702A1}" presName="childText" presStyleLbl="conFgAcc1" presStyleIdx="3" presStyleCnt="6">
+        <dgm:presLayoutVars>
+          <dgm:bulletEnabled val="1"/>
+        </dgm:presLayoutVars>
+      </dgm:prSet>
+      <dgm:spPr/>
+    </dgm:pt>
+    <dgm:pt modelId="{6E7D5948-2313-DB4E-BFD0-C9C553308CB8}" type="pres">
+      <dgm:prSet presAssocID="{E50FF00D-FDEE-C84E-8F25-921D38F1D72A}" presName="spaceBetweenRectangles" presStyleCnt="0"/>
+      <dgm:spPr/>
+    </dgm:pt>
+    <dgm:pt modelId="{A74DC974-E937-E341-8F31-5D6D974D8130}" type="pres">
+      <dgm:prSet presAssocID="{178A234F-E9F1-B743-9D6E-2CBD47678200}" presName="parentLin" presStyleCnt="0"/>
+      <dgm:spPr/>
+    </dgm:pt>
+    <dgm:pt modelId="{9B92F374-BD3A-FC45-BC7D-31767D5FA816}" type="pres">
+      <dgm:prSet presAssocID="{178A234F-E9F1-B743-9D6E-2CBD47678200}" presName="parentLeftMargin" presStyleLbl="node1" presStyleIdx="3" presStyleCnt="6"/>
+      <dgm:spPr/>
+    </dgm:pt>
+    <dgm:pt modelId="{5EF94CF1-C539-5D4E-B1D5-EC8085A9E879}" type="pres">
+      <dgm:prSet presAssocID="{178A234F-E9F1-B743-9D6E-2CBD47678200}" presName="parentText" presStyleLbl="node1" presStyleIdx="4" presStyleCnt="6">
+        <dgm:presLayoutVars>
+          <dgm:chMax val="0"/>
+          <dgm:bulletEnabled val="1"/>
+        </dgm:presLayoutVars>
+      </dgm:prSet>
+      <dgm:spPr/>
+    </dgm:pt>
+    <dgm:pt modelId="{574E9315-A9BD-5B41-ABDD-4E277BEDA37C}" type="pres">
+      <dgm:prSet presAssocID="{178A234F-E9F1-B743-9D6E-2CBD47678200}" presName="negativeSpace" presStyleCnt="0"/>
+      <dgm:spPr/>
+    </dgm:pt>
+    <dgm:pt modelId="{24E5F532-ADF6-4F44-B45A-BD9BFE5603B0}" type="pres">
+      <dgm:prSet presAssocID="{178A234F-E9F1-B743-9D6E-2CBD47678200}" presName="childText" presStyleLbl="conFgAcc1" presStyleIdx="4" presStyleCnt="6">
+        <dgm:presLayoutVars>
+          <dgm:bulletEnabled val="1"/>
+        </dgm:presLayoutVars>
+      </dgm:prSet>
+      <dgm:spPr/>
+    </dgm:pt>
+    <dgm:pt modelId="{DC8E174F-F109-8846-BBDF-E885A951FF1C}" type="pres">
+      <dgm:prSet presAssocID="{33A7492E-EF1C-DD40-A6EE-6F3AA2BFC559}" presName="spaceBetweenRectangles" presStyleCnt="0"/>
+      <dgm:spPr/>
+    </dgm:pt>
+    <dgm:pt modelId="{8A90413A-48EF-7849-9F80-E98C9220AAE6}" type="pres">
+      <dgm:prSet presAssocID="{E8DDC7CE-DF60-4A23-8EF8-9FFF94BA2A7D}" presName="parentLin" presStyleCnt="0"/>
+      <dgm:spPr/>
+    </dgm:pt>
+    <dgm:pt modelId="{A4C352C3-5B7B-B84B-B992-8389F3DF878C}" type="pres">
+      <dgm:prSet presAssocID="{E8DDC7CE-DF60-4A23-8EF8-9FFF94BA2A7D}" presName="parentLeftMargin" presStyleLbl="node1" presStyleIdx="4" presStyleCnt="6"/>
+      <dgm:spPr/>
+    </dgm:pt>
+    <dgm:pt modelId="{17974B63-DC4C-AC4F-B235-4D90E1E6FE40}" type="pres">
+      <dgm:prSet presAssocID="{E8DDC7CE-DF60-4A23-8EF8-9FFF94BA2A7D}" presName="parentText" presStyleLbl="node1" presStyleIdx="5" presStyleCnt="6">
+        <dgm:presLayoutVars>
+          <dgm:chMax val="0"/>
+          <dgm:bulletEnabled val="1"/>
+        </dgm:presLayoutVars>
+      </dgm:prSet>
+      <dgm:spPr/>
+    </dgm:pt>
+    <dgm:pt modelId="{08CFA05D-005E-884F-B246-EB6B526E6404}" type="pres">
+      <dgm:prSet presAssocID="{E8DDC7CE-DF60-4A23-8EF8-9FFF94BA2A7D}" presName="negativeSpace" presStyleCnt="0"/>
+      <dgm:spPr/>
+    </dgm:pt>
+    <dgm:pt modelId="{4A4934C8-157F-D942-B565-AEFEC9CC711D}" type="pres">
+      <dgm:prSet presAssocID="{E8DDC7CE-DF60-4A23-8EF8-9FFF94BA2A7D}" presName="childText" presStyleLbl="conFgAcc1" presStyleIdx="5" presStyleCnt="6">
+        <dgm:presLayoutVars>
+          <dgm:bulletEnabled val="1"/>
+        </dgm:presLayoutVars>
+      </dgm:prSet>
+      <dgm:spPr/>
+    </dgm:pt>
+  </dgm:ptLst>
+  <dgm:cxnLst>
+    <dgm:cxn modelId="{D2072F05-673C-0841-972E-042CDAFDF30F}" srcId="{7EC08FC6-6FF0-4468-91E9-793457EA72C0}" destId="{178A234F-E9F1-B743-9D6E-2CBD47678200}" srcOrd="4" destOrd="0" parTransId="{DA726E8F-FD08-4F44-826C-072739F6A8DC}" sibTransId="{33A7492E-EF1C-DD40-A6EE-6F3AA2BFC559}"/>
+    <dgm:cxn modelId="{3D91FF0C-1E8A-6B49-9ADD-FF716C420338}" type="presOf" srcId="{2C686AC6-D005-404E-A85B-0E2EE6B77299}" destId="{2AB601A5-F7D9-3B48-A01C-F10883D4B3C5}" srcOrd="0" destOrd="0" presId="urn:microsoft.com/office/officeart/2005/8/layout/list1"/>
+    <dgm:cxn modelId="{32247413-915E-4C57-9DC2-009291F8F505}" srcId="{007070F2-0ACA-4065-B66C-FD01A75032E3}" destId="{D2A89D98-C013-42D7-9D6E-80F85E34E6BB}" srcOrd="0" destOrd="0" parTransId="{19FF4E81-BC3D-4310-8DC4-49D3B29B4639}" sibTransId="{38184242-F875-4F72-9D9D-988B296C732E}"/>
+    <dgm:cxn modelId="{206B081C-D777-AC46-899D-93A4993A60D2}" type="presOf" srcId="{7454A245-8AB7-4656-9F7F-76D4AB3584A8}" destId="{0376B677-C24B-8442-AEFC-E813DB19E7E5}" srcOrd="1" destOrd="0" presId="urn:microsoft.com/office/officeart/2005/8/layout/list1"/>
+    <dgm:cxn modelId="{A679C634-5ACA-6147-9C93-90DC7EBBBD06}" type="presOf" srcId="{16DD54D1-63CB-4ADE-BBFF-0993AFD9A131}" destId="{8A61337F-479F-924B-BB81-1876F9382285}" srcOrd="1" destOrd="0" presId="urn:microsoft.com/office/officeart/2005/8/layout/list1"/>
+    <dgm:cxn modelId="{A3957536-B99A-EF45-89E6-7AFC711DCA13}" srcId="{1D1B49D8-7491-124C-A00A-93B143B702A1}" destId="{4992BF69-0C17-D647-A8A8-0CB3FCE7CDBE}" srcOrd="0" destOrd="0" parTransId="{1A897695-3FA8-3F4C-B372-5AAB53C30E2B}" sibTransId="{F3EB3DAA-C0FE-8B47-873C-B0E037342502}"/>
+    <dgm:cxn modelId="{F63CF74A-1798-4875-AAFF-E22BF621AAEF}" srcId="{7454A245-8AB7-4656-9F7F-76D4AB3584A8}" destId="{2C686AC6-D005-404E-A85B-0E2EE6B77299}" srcOrd="0" destOrd="0" parTransId="{A4F4184C-D3E4-4672-9FAC-752FB24390CF}" sibTransId="{78922CDA-EB62-4344-B35F-B30917A99DD8}"/>
+    <dgm:cxn modelId="{4577314C-C3B1-4048-88D6-533AECCE3579}" type="presOf" srcId="{178A234F-E9F1-B743-9D6E-2CBD47678200}" destId="{5EF94CF1-C539-5D4E-B1D5-EC8085A9E879}" srcOrd="1" destOrd="0" presId="urn:microsoft.com/office/officeart/2005/8/layout/list1"/>
+    <dgm:cxn modelId="{154DCF61-8801-8747-82D8-756122DE9C98}" type="presOf" srcId="{007070F2-0ACA-4065-B66C-FD01A75032E3}" destId="{5BF9C4BA-6D1B-5848-A117-55534DD7BAEE}" srcOrd="0" destOrd="0" presId="urn:microsoft.com/office/officeart/2005/8/layout/list1"/>
+    <dgm:cxn modelId="{E7FCCE62-D08F-466C-9B44-4CB9031C75BD}" srcId="{16DD54D1-63CB-4ADE-BBFF-0993AFD9A131}" destId="{FFC7A735-E22A-4C45-8808-F342B6CF87D6}" srcOrd="0" destOrd="0" parTransId="{03A6D097-61D6-49E6-9A7A-C69570F41D44}" sibTransId="{C728EA61-F9C8-4CE8-8194-AB7E6A081076}"/>
+    <dgm:cxn modelId="{C2EC706A-FB11-954D-B42B-AB2DAE767E83}" type="presOf" srcId="{1D1B49D8-7491-124C-A00A-93B143B702A1}" destId="{E73CCD9E-5C9F-B74C-B4FC-34A056F89194}" srcOrd="1" destOrd="0" presId="urn:microsoft.com/office/officeart/2005/8/layout/list1"/>
+    <dgm:cxn modelId="{3E630273-48B3-0A4C-A53D-39D9C35C67D9}" type="presOf" srcId="{3CF25C98-30AF-47BB-A352-55AFA0780D42}" destId="{4A4934C8-157F-D942-B565-AEFEC9CC711D}" srcOrd="0" destOrd="0" presId="urn:microsoft.com/office/officeart/2005/8/layout/list1"/>
+    <dgm:cxn modelId="{D19CFE75-783B-40D9-B520-02F0480A6BD9}" srcId="{E8DDC7CE-DF60-4A23-8EF8-9FFF94BA2A7D}" destId="{3CF25C98-30AF-47BB-A352-55AFA0780D42}" srcOrd="0" destOrd="0" parTransId="{B44B1653-FFD2-44A4-A5EE-0DA71201E824}" sibTransId="{4C72FBB4-3505-446A-B553-5158DE1DB380}"/>
+    <dgm:cxn modelId="{10EBEC82-5517-4405-AE76-85D564DBEE11}" srcId="{7EC08FC6-6FF0-4468-91E9-793457EA72C0}" destId="{16DD54D1-63CB-4ADE-BBFF-0993AFD9A131}" srcOrd="1" destOrd="0" parTransId="{14ADE8C7-1705-434D-BEBA-EBDEC23BC3EA}" sibTransId="{9F7030DD-C7D3-44E6-8D01-7CF96F68F4E7}"/>
+    <dgm:cxn modelId="{91FABB84-4708-7B43-9C5B-78ECBCD5B3C8}" type="presOf" srcId="{E8DDC7CE-DF60-4A23-8EF8-9FFF94BA2A7D}" destId="{A4C352C3-5B7B-B84B-B992-8389F3DF878C}" srcOrd="0" destOrd="0" presId="urn:microsoft.com/office/officeart/2005/8/layout/list1"/>
+    <dgm:cxn modelId="{11760998-3E29-5443-99F8-16D2B11EB32E}" type="presOf" srcId="{4992BF69-0C17-D647-A8A8-0CB3FCE7CDBE}" destId="{2F300D0E-E996-BC40-BAEC-1D44C0C64B32}" srcOrd="0" destOrd="0" presId="urn:microsoft.com/office/officeart/2005/8/layout/list1"/>
+    <dgm:cxn modelId="{94C68E9C-B766-444A-B360-F91BD81A6991}" srcId="{7EC08FC6-6FF0-4468-91E9-793457EA72C0}" destId="{7454A245-8AB7-4656-9F7F-76D4AB3584A8}" srcOrd="2" destOrd="0" parTransId="{AFC4CF35-B7CD-414F-B531-F74794E1474B}" sibTransId="{8AA38DCF-4115-4E77-8A0B-9D5A312A2E64}"/>
+    <dgm:cxn modelId="{6A8956AF-7EA8-461C-8CF6-4DB958E2BBCC}" srcId="{7EC08FC6-6FF0-4468-91E9-793457EA72C0}" destId="{E8DDC7CE-DF60-4A23-8EF8-9FFF94BA2A7D}" srcOrd="5" destOrd="0" parTransId="{0570E821-EDEE-4682-8634-996024247CB8}" sibTransId="{9156AEBE-3E66-4931-8C02-7DFE93D9C453}"/>
+    <dgm:cxn modelId="{E9B4A5B2-0C6E-B243-9160-BCD5EEBC4387}" type="presOf" srcId="{7454A245-8AB7-4656-9F7F-76D4AB3584A8}" destId="{520D4876-9397-1F4F-A7E8-AB7F8B888F94}" srcOrd="0" destOrd="0" presId="urn:microsoft.com/office/officeart/2005/8/layout/list1"/>
+    <dgm:cxn modelId="{7A1D72B5-0BAB-0444-B7E4-853180F1CAD4}" srcId="{178A234F-E9F1-B743-9D6E-2CBD47678200}" destId="{2463D70B-9860-C84A-A48E-9C26F31FA37B}" srcOrd="0" destOrd="0" parTransId="{4C2E9FCF-2539-F548-A873-B692436387B3}" sibTransId="{3C7AECFF-313A-534E-9F6E-EF4D007E90ED}"/>
+    <dgm:cxn modelId="{6FF4FBB6-0F46-5345-B671-30B1CABF9DCA}" srcId="{7EC08FC6-6FF0-4468-91E9-793457EA72C0}" destId="{1D1B49D8-7491-124C-A00A-93B143B702A1}" srcOrd="3" destOrd="0" parTransId="{FADC4AD6-10D3-7244-8B7E-423956F510C0}" sibTransId="{E50FF00D-FDEE-C84E-8F25-921D38F1D72A}"/>
+    <dgm:cxn modelId="{D444F5B8-4AB5-0D4D-AB63-51FFC4D3ABDF}" type="presOf" srcId="{E8DDC7CE-DF60-4A23-8EF8-9FFF94BA2A7D}" destId="{17974B63-DC4C-AC4F-B235-4D90E1E6FE40}" srcOrd="1" destOrd="0" presId="urn:microsoft.com/office/officeart/2005/8/layout/list1"/>
+    <dgm:cxn modelId="{B18CDBBE-F4B5-FA4A-B7A2-92C58B4BD1EA}" type="presOf" srcId="{7EC08FC6-6FF0-4468-91E9-793457EA72C0}" destId="{17132A07-F17D-6F44-BF77-DA170F2DA3D4}" srcOrd="0" destOrd="0" presId="urn:microsoft.com/office/officeart/2005/8/layout/list1"/>
+    <dgm:cxn modelId="{5AE83BC0-7281-4DD9-B741-945F4DF22F06}" srcId="{7EC08FC6-6FF0-4468-91E9-793457EA72C0}" destId="{007070F2-0ACA-4065-B66C-FD01A75032E3}" srcOrd="0" destOrd="0" parTransId="{AEDCBBB8-1DA2-4DBC-8CCA-6F08905768AB}" sibTransId="{C649EEF0-632D-4EDF-B085-4DF5B1FEE66F}"/>
+    <dgm:cxn modelId="{6ADCEBC3-8B37-0E45-9448-312CC613B2E7}" type="presOf" srcId="{FFC7A735-E22A-4C45-8808-F342B6CF87D6}" destId="{1D233C2D-27D0-9D44-A2F7-5D5C5D299991}" srcOrd="0" destOrd="0" presId="urn:microsoft.com/office/officeart/2005/8/layout/list1"/>
+    <dgm:cxn modelId="{B246B1D1-7945-6942-B1E7-E3A7C235E5D5}" type="presOf" srcId="{16DD54D1-63CB-4ADE-BBFF-0993AFD9A131}" destId="{B81F3F14-B3DF-0B45-A1F2-DB1340AF1161}" srcOrd="0" destOrd="0" presId="urn:microsoft.com/office/officeart/2005/8/layout/list1"/>
+    <dgm:cxn modelId="{30EBB4DE-3906-1447-A0E5-5D7760A0E863}" type="presOf" srcId="{D2A89D98-C013-42D7-9D6E-80F85E34E6BB}" destId="{FBAF2AD3-C03A-6843-958C-62700100A03B}" srcOrd="0" destOrd="0" presId="urn:microsoft.com/office/officeart/2005/8/layout/list1"/>
+    <dgm:cxn modelId="{0E3996E0-68F5-E440-803B-C0F51DFD4F96}" type="presOf" srcId="{1D1B49D8-7491-124C-A00A-93B143B702A1}" destId="{559FE047-58F0-3D4D-9861-B52A4EAC1BB8}" srcOrd="0" destOrd="0" presId="urn:microsoft.com/office/officeart/2005/8/layout/list1"/>
+    <dgm:cxn modelId="{1AAF71E5-437E-614E-A7FD-AB4AD9FB8064}" type="presOf" srcId="{2463D70B-9860-C84A-A48E-9C26F31FA37B}" destId="{24E5F532-ADF6-4F44-B45A-BD9BFE5603B0}" srcOrd="0" destOrd="0" presId="urn:microsoft.com/office/officeart/2005/8/layout/list1"/>
+    <dgm:cxn modelId="{D8502EEE-037C-CF4F-85EC-E084A0A2B9CE}" type="presOf" srcId="{178A234F-E9F1-B743-9D6E-2CBD47678200}" destId="{9B92F374-BD3A-FC45-BC7D-31767D5FA816}" srcOrd="0" destOrd="0" presId="urn:microsoft.com/office/officeart/2005/8/layout/list1"/>
+    <dgm:cxn modelId="{AA2BB7EE-DF38-CE4B-957E-13DB85AE5A01}" type="presOf" srcId="{007070F2-0ACA-4065-B66C-FD01A75032E3}" destId="{3A51972D-F08A-C240-96DD-EE5E2617836F}" srcOrd="1" destOrd="0" presId="urn:microsoft.com/office/officeart/2005/8/layout/list1"/>
+    <dgm:cxn modelId="{57B3C60E-9AF7-154D-A98D-2B45005D9EDF}" type="presParOf" srcId="{17132A07-F17D-6F44-BF77-DA170F2DA3D4}" destId="{43DB7AFD-5C30-2F40-9C2A-696DBBB01716}" srcOrd="0" destOrd="0" presId="urn:microsoft.com/office/officeart/2005/8/layout/list1"/>
+    <dgm:cxn modelId="{7C1CA215-CD50-BD42-BC48-A81DB809E969}" type="presParOf" srcId="{43DB7AFD-5C30-2F40-9C2A-696DBBB01716}" destId="{5BF9C4BA-6D1B-5848-A117-55534DD7BAEE}" srcOrd="0" destOrd="0" presId="urn:microsoft.com/office/officeart/2005/8/layout/list1"/>
+    <dgm:cxn modelId="{8D024FCD-59E9-F340-B2BE-619E19A33D26}" type="presParOf" srcId="{43DB7AFD-5C30-2F40-9C2A-696DBBB01716}" destId="{3A51972D-F08A-C240-96DD-EE5E2617836F}" srcOrd="1" destOrd="0" presId="urn:microsoft.com/office/officeart/2005/8/layout/list1"/>
+    <dgm:cxn modelId="{2BBC1D87-1453-DD45-B192-D6575D1891CF}" type="presParOf" srcId="{17132A07-F17D-6F44-BF77-DA170F2DA3D4}" destId="{1A7BFAE5-08B6-9742-9CFD-B54D1DE2AC81}" srcOrd="1" destOrd="0" presId="urn:microsoft.com/office/officeart/2005/8/layout/list1"/>
+    <dgm:cxn modelId="{EA271BC6-F605-FA42-83CA-C1787E79E72E}" type="presParOf" srcId="{17132A07-F17D-6F44-BF77-DA170F2DA3D4}" destId="{FBAF2AD3-C03A-6843-958C-62700100A03B}" srcOrd="2" destOrd="0" presId="urn:microsoft.com/office/officeart/2005/8/layout/list1"/>
+    <dgm:cxn modelId="{669A22E5-1780-7D42-9FCA-B242A9F72EF8}" type="presParOf" srcId="{17132A07-F17D-6F44-BF77-DA170F2DA3D4}" destId="{25E74D2A-BA12-0B4F-81B4-CDC8D6C35C6D}" srcOrd="3" destOrd="0" presId="urn:microsoft.com/office/officeart/2005/8/layout/list1"/>
+    <dgm:cxn modelId="{745C7F6D-EDF1-374E-833A-59AB3ECC91FE}" type="presParOf" srcId="{17132A07-F17D-6F44-BF77-DA170F2DA3D4}" destId="{2677BA24-EC21-E346-B023-C8FAC44704A7}" srcOrd="4" destOrd="0" presId="urn:microsoft.com/office/officeart/2005/8/layout/list1"/>
+    <dgm:cxn modelId="{51E858E2-46D2-1647-B26E-1B2371C9E1FE}" type="presParOf" srcId="{2677BA24-EC21-E346-B023-C8FAC44704A7}" destId="{B81F3F14-B3DF-0B45-A1F2-DB1340AF1161}" srcOrd="0" destOrd="0" presId="urn:microsoft.com/office/officeart/2005/8/layout/list1"/>
+    <dgm:cxn modelId="{9D9CDA08-8CF9-324C-9A2A-1701BC927CA0}" type="presParOf" srcId="{2677BA24-EC21-E346-B023-C8FAC44704A7}" destId="{8A61337F-479F-924B-BB81-1876F9382285}" srcOrd="1" destOrd="0" presId="urn:microsoft.com/office/officeart/2005/8/layout/list1"/>
+    <dgm:cxn modelId="{1B3E1E89-CE46-3040-896E-5272CA0804A9}" type="presParOf" srcId="{17132A07-F17D-6F44-BF77-DA170F2DA3D4}" destId="{2433CF3E-8174-444E-A3C7-C7ABDD3B3439}" srcOrd="5" destOrd="0" presId="urn:microsoft.com/office/officeart/2005/8/layout/list1"/>
+    <dgm:cxn modelId="{BD8C4BAC-0F3B-4448-A378-1CFB9F582D87}" type="presParOf" srcId="{17132A07-F17D-6F44-BF77-DA170F2DA3D4}" destId="{1D233C2D-27D0-9D44-A2F7-5D5C5D299991}" srcOrd="6" destOrd="0" presId="urn:microsoft.com/office/officeart/2005/8/layout/list1"/>
+    <dgm:cxn modelId="{C6128C89-CDC6-3649-9AD2-C17C91ACCB64}" type="presParOf" srcId="{17132A07-F17D-6F44-BF77-DA170F2DA3D4}" destId="{51DF684A-6A89-A14B-81D9-E8EAF17FDC59}" srcOrd="7" destOrd="0" presId="urn:microsoft.com/office/officeart/2005/8/layout/list1"/>
+    <dgm:cxn modelId="{D50B6DE8-5BE3-BC46-93D8-814FC42B22A1}" type="presParOf" srcId="{17132A07-F17D-6F44-BF77-DA170F2DA3D4}" destId="{AAD5DC48-6EEB-3F42-9789-AF3B85CD72A3}" srcOrd="8" destOrd="0" presId="urn:microsoft.com/office/officeart/2005/8/layout/list1"/>
+    <dgm:cxn modelId="{0F41E094-E92E-504C-B823-28A477E8A530}" type="presParOf" srcId="{AAD5DC48-6EEB-3F42-9789-AF3B85CD72A3}" destId="{520D4876-9397-1F4F-A7E8-AB7F8B888F94}" srcOrd="0" destOrd="0" presId="urn:microsoft.com/office/officeart/2005/8/layout/list1"/>
+    <dgm:cxn modelId="{922ED9AA-4D74-6E40-A58F-083D4CB594C7}" type="presParOf" srcId="{AAD5DC48-6EEB-3F42-9789-AF3B85CD72A3}" destId="{0376B677-C24B-8442-AEFC-E813DB19E7E5}" srcOrd="1" destOrd="0" presId="urn:microsoft.com/office/officeart/2005/8/layout/list1"/>
+    <dgm:cxn modelId="{8F577668-FC1B-074F-BC9E-A9A664B5E2C7}" type="presParOf" srcId="{17132A07-F17D-6F44-BF77-DA170F2DA3D4}" destId="{A79BCB66-7E9F-A34D-879B-95B607F4BC07}" srcOrd="9" destOrd="0" presId="urn:microsoft.com/office/officeart/2005/8/layout/list1"/>
+    <dgm:cxn modelId="{29D97866-A1E7-EF4F-B31E-46BD227F57AF}" type="presParOf" srcId="{17132A07-F17D-6F44-BF77-DA170F2DA3D4}" destId="{2AB601A5-F7D9-3B48-A01C-F10883D4B3C5}" srcOrd="10" destOrd="0" presId="urn:microsoft.com/office/officeart/2005/8/layout/list1"/>
+    <dgm:cxn modelId="{EA789F25-BDC1-C943-B21F-44BB7550992A}" type="presParOf" srcId="{17132A07-F17D-6F44-BF77-DA170F2DA3D4}" destId="{D6F41259-2412-3C43-9BA3-60F09E4EDCC0}" srcOrd="11" destOrd="0" presId="urn:microsoft.com/office/officeart/2005/8/layout/list1"/>
+    <dgm:cxn modelId="{4809AE0A-AB29-C342-9B28-A8F4841AE225}" type="presParOf" srcId="{17132A07-F17D-6F44-BF77-DA170F2DA3D4}" destId="{31BCA5DB-1F85-8548-8999-0D7562E74110}" srcOrd="12" destOrd="0" presId="urn:microsoft.com/office/officeart/2005/8/layout/list1"/>
+    <dgm:cxn modelId="{51654FA4-C1B2-3946-B103-0203F0DE5C3A}" type="presParOf" srcId="{31BCA5DB-1F85-8548-8999-0D7562E74110}" destId="{559FE047-58F0-3D4D-9861-B52A4EAC1BB8}" srcOrd="0" destOrd="0" presId="urn:microsoft.com/office/officeart/2005/8/layout/list1"/>
+    <dgm:cxn modelId="{ED26C9AD-C2E4-E94C-893E-5B5104300A33}" type="presParOf" srcId="{31BCA5DB-1F85-8548-8999-0D7562E74110}" destId="{E73CCD9E-5C9F-B74C-B4FC-34A056F89194}" srcOrd="1" destOrd="0" presId="urn:microsoft.com/office/officeart/2005/8/layout/list1"/>
+    <dgm:cxn modelId="{674E21C0-252B-AA4F-8774-2C70D259A756}" type="presParOf" srcId="{17132A07-F17D-6F44-BF77-DA170F2DA3D4}" destId="{0802831B-B63B-DC4A-B153-CBA326A6221B}" srcOrd="13" destOrd="0" presId="urn:microsoft.com/office/officeart/2005/8/layout/list1"/>
+    <dgm:cxn modelId="{A476D3D4-DD39-FF4C-B679-B9B0A2B529AC}" type="presParOf" srcId="{17132A07-F17D-6F44-BF77-DA170F2DA3D4}" destId="{2F300D0E-E996-BC40-BAEC-1D44C0C64B32}" srcOrd="14" destOrd="0" presId="urn:microsoft.com/office/officeart/2005/8/layout/list1"/>
+    <dgm:cxn modelId="{BDEE1DB0-5BA1-2842-9D87-DD8F5CB2BFD9}" type="presParOf" srcId="{17132A07-F17D-6F44-BF77-DA170F2DA3D4}" destId="{6E7D5948-2313-DB4E-BFD0-C9C553308CB8}" srcOrd="15" destOrd="0" presId="urn:microsoft.com/office/officeart/2005/8/layout/list1"/>
+    <dgm:cxn modelId="{93DDE9BF-0F00-B841-8260-B91501A5C623}" type="presParOf" srcId="{17132A07-F17D-6F44-BF77-DA170F2DA3D4}" destId="{A74DC974-E937-E341-8F31-5D6D974D8130}" srcOrd="16" destOrd="0" presId="urn:microsoft.com/office/officeart/2005/8/layout/list1"/>
+    <dgm:cxn modelId="{961108F1-9EBE-B246-A6D3-1388631B02E3}" type="presParOf" srcId="{A74DC974-E937-E341-8F31-5D6D974D8130}" destId="{9B92F374-BD3A-FC45-BC7D-31767D5FA816}" srcOrd="0" destOrd="0" presId="urn:microsoft.com/office/officeart/2005/8/layout/list1"/>
+    <dgm:cxn modelId="{CEDF1EC2-7B3B-C94C-906D-94EC30E40DBA}" type="presParOf" srcId="{A74DC974-E937-E341-8F31-5D6D974D8130}" destId="{5EF94CF1-C539-5D4E-B1D5-EC8085A9E879}" srcOrd="1" destOrd="0" presId="urn:microsoft.com/office/officeart/2005/8/layout/list1"/>
+    <dgm:cxn modelId="{410AD182-046F-CB4F-88B2-641DAC0EA169}" type="presParOf" srcId="{17132A07-F17D-6F44-BF77-DA170F2DA3D4}" destId="{574E9315-A9BD-5B41-ABDD-4E277BEDA37C}" srcOrd="17" destOrd="0" presId="urn:microsoft.com/office/officeart/2005/8/layout/list1"/>
+    <dgm:cxn modelId="{A6FC7BAF-2397-2E4C-B177-DFB5F1A9E0AD}" type="presParOf" srcId="{17132A07-F17D-6F44-BF77-DA170F2DA3D4}" destId="{24E5F532-ADF6-4F44-B45A-BD9BFE5603B0}" srcOrd="18" destOrd="0" presId="urn:microsoft.com/office/officeart/2005/8/layout/list1"/>
+    <dgm:cxn modelId="{D85AE437-F451-1248-966F-83769D795080}" type="presParOf" srcId="{17132A07-F17D-6F44-BF77-DA170F2DA3D4}" destId="{DC8E174F-F109-8846-BBDF-E885A951FF1C}" srcOrd="19" destOrd="0" presId="urn:microsoft.com/office/officeart/2005/8/layout/list1"/>
+    <dgm:cxn modelId="{1A7C8780-1DEA-1A4B-B9BB-A25C40E6B5ED}" type="presParOf" srcId="{17132A07-F17D-6F44-BF77-DA170F2DA3D4}" destId="{8A90413A-48EF-7849-9F80-E98C9220AAE6}" srcOrd="20" destOrd="0" presId="urn:microsoft.com/office/officeart/2005/8/layout/list1"/>
+    <dgm:cxn modelId="{E6342411-7670-2D45-A339-A85C7FE2E63D}" type="presParOf" srcId="{8A90413A-48EF-7849-9F80-E98C9220AAE6}" destId="{A4C352C3-5B7B-B84B-B992-8389F3DF878C}" srcOrd="0" destOrd="0" presId="urn:microsoft.com/office/officeart/2005/8/layout/list1"/>
+    <dgm:cxn modelId="{056B9CA3-2838-924E-89AC-FEB5F805DD0B}" type="presParOf" srcId="{8A90413A-48EF-7849-9F80-E98C9220AAE6}" destId="{17974B63-DC4C-AC4F-B235-4D90E1E6FE40}" srcOrd="1" destOrd="0" presId="urn:microsoft.com/office/officeart/2005/8/layout/list1"/>
+    <dgm:cxn modelId="{34295EC1-474F-4E40-8154-661C60949ABD}" type="presParOf" srcId="{17132A07-F17D-6F44-BF77-DA170F2DA3D4}" destId="{08CFA05D-005E-884F-B246-EB6B526E6404}" srcOrd="21" destOrd="0" presId="urn:microsoft.com/office/officeart/2005/8/layout/list1"/>
+    <dgm:cxn modelId="{4AD5CBFF-8C5C-F546-B8D6-9A94E51C5E77}" type="presParOf" srcId="{17132A07-F17D-6F44-BF77-DA170F2DA3D4}" destId="{4A4934C8-157F-D942-B565-AEFEC9CC711D}" srcOrd="22" destOrd="0" presId="urn:microsoft.com/office/officeart/2005/8/layout/list1"/>
+  </dgm:cxnLst>
+  <dgm:bg/>
+  <dgm:whole/>
+  <dgm:extLst>
+    <a:ext uri="http://schemas.microsoft.com/office/drawing/2008/diagram">
+      <dsp:dataModelExt xmlns:dsp="http://schemas.microsoft.com/office/drawing/2008/diagram" relId="rId6" minVer="http://schemas.openxmlformats.org/drawingml/2006/diagram"/>
+    </a:ext>
+  </dgm:extLst>
+</dgm:dataModel>
+</file>
+
+<file path=ppt/diagrams/drawing1.xml><?xml version="1.0" encoding="utf-8"?>
+<dsp:drawing xmlns:dgm="http://schemas.openxmlformats.org/drawingml/2006/diagram" xmlns:dsp="http://schemas.microsoft.com/office/drawing/2008/diagram" xmlns:a="http://schemas.openxmlformats.org/drawingml/2006/main">
+  <dsp:spTree>
+    <dsp:nvGrpSpPr>
+      <dsp:cNvPr id="0" name=""/>
+      <dsp:cNvGrpSpPr/>
+    </dsp:nvGrpSpPr>
+    <dsp:grpSpPr/>
+    <dsp:sp modelId="{CBB7B474-EE72-4D50-BB45-E2E693380C9B}">
+      <dsp:nvSpPr>
+        <dsp:cNvPr id="0" name=""/>
+        <dsp:cNvSpPr/>
+      </dsp:nvSpPr>
+      <dsp:spPr>
+        <a:xfrm>
+          <a:off x="600668" y="528411"/>
+          <a:ext cx="1449879" cy="1449879"/>
+        </a:xfrm>
+        <a:prstGeom prst="ellipse">
+          <a:avLst/>
+        </a:prstGeom>
+        <a:solidFill>
+          <a:schemeClr val="accent3">
+            <a:tint val="40000"/>
+            <a:hueOff val="0"/>
+            <a:satOff val="0"/>
+            <a:lumOff val="0"/>
+            <a:alphaOff val="0"/>
+          </a:schemeClr>
+        </a:solidFill>
+        <a:ln>
+          <a:noFill/>
+        </a:ln>
+        <a:effectLst/>
+      </dsp:spPr>
+      <dsp:style>
+        <a:lnRef idx="0">
+          <a:scrgbClr r="0" g="0" b="0"/>
+        </a:lnRef>
+        <a:fillRef idx="1">
+          <a:scrgbClr r="0" g="0" b="0"/>
+        </a:fillRef>
+        <a:effectRef idx="0">
+          <a:scrgbClr r="0" g="0" b="0"/>
+        </a:effectRef>
+        <a:fontRef idx="minor"/>
+      </dsp:style>
+    </dsp:sp>
+    <dsp:sp modelId="{B2436E86-459C-4787-BDBA-A1807FB30031}">
+      <dsp:nvSpPr>
+        <dsp:cNvPr id="0" name=""/>
+        <dsp:cNvSpPr/>
+      </dsp:nvSpPr>
+      <dsp:spPr>
+        <a:xfrm>
+          <a:off x="909658" y="837401"/>
+          <a:ext cx="831897" cy="831897"/>
+        </a:xfrm>
+        <a:prstGeom prst="rect">
+          <a:avLst/>
+        </a:prstGeom>
+        <a:blipFill>
+          <a:blip xmlns:r="http://schemas.openxmlformats.org/officeDocument/2006/relationships" r:embed="rId1">
+            <a:extLst>
+              <a:ext uri="{28A0092B-C50C-407E-A947-70E740481C1C}">
+                <a14:useLocalDpi xmlns:a14="http://schemas.microsoft.com/office/drawing/2010/main" val="0"/>
+              </a:ext>
+              <a:ext uri="{96DAC541-7B7A-43D3-8B79-37D633B846F1}">
+                <asvg:svgBlip xmlns:asvg="http://schemas.microsoft.com/office/drawing/2016/SVG/main" r:embed="rId2"/>
+              </a:ext>
+            </a:extLst>
+          </a:blip>
+          <a:stretch>
+            <a:fillRect/>
+          </a:stretch>
+        </a:blipFill>
+        <a:ln w="22225" cap="rnd" cmpd="sng" algn="ctr">
+          <a:noFill/>
+          <a:prstDash val="solid"/>
+        </a:ln>
+        <a:effectLst/>
+      </dsp:spPr>
+      <dsp:style>
+        <a:lnRef idx="2">
+          <a:scrgbClr r="0" g="0" b="0"/>
+        </a:lnRef>
+        <a:fillRef idx="1">
+          <a:scrgbClr r="0" g="0" b="0"/>
+        </a:fillRef>
+        <a:effectRef idx="0">
+          <a:scrgbClr r="0" g="0" b="0"/>
+        </a:effectRef>
+        <a:fontRef idx="minor">
+          <a:schemeClr val="lt1"/>
+        </a:fontRef>
+      </dsp:style>
+    </dsp:sp>
+    <dsp:sp modelId="{EBABA752-535C-451E-BD10-0A9E3AF6EDDB}">
+      <dsp:nvSpPr>
+        <dsp:cNvPr id="0" name=""/>
+        <dsp:cNvSpPr/>
+      </dsp:nvSpPr>
+      <dsp:spPr>
+        <a:xfrm>
+          <a:off x="137182" y="2429891"/>
+          <a:ext cx="2376850" cy="720000"/>
+        </a:xfrm>
+        <a:prstGeom prst="rect">
+          <a:avLst/>
+        </a:prstGeom>
+        <a:noFill/>
+        <a:ln>
+          <a:noFill/>
+        </a:ln>
+        <a:effectLst/>
+      </dsp:spPr>
+      <dsp:style>
+        <a:lnRef idx="0">
+          <a:scrgbClr r="0" g="0" b="0"/>
+        </a:lnRef>
+        <a:fillRef idx="0">
+          <a:scrgbClr r="0" g="0" b="0"/>
+        </a:fillRef>
+        <a:effectRef idx="0">
+          <a:scrgbClr r="0" g="0" b="0"/>
+        </a:effectRef>
+        <a:fontRef idx="minor"/>
+      </dsp:style>
+      <dsp:txBody>
+        <a:bodyPr spcFirstLastPara="0" vert="horz" wrap="square" lIns="0" tIns="0" rIns="0" bIns="0" numCol="1" spcCol="1270" anchor="t" anchorCtr="0">
+          <a:noAutofit/>
+        </a:bodyPr>
+        <a:lstStyle/>
+        <a:p>
+          <a:pPr marL="0" lvl="0" indent="0" algn="ctr" defTabSz="800100">
+            <a:lnSpc>
+              <a:spcPct val="90000"/>
+            </a:lnSpc>
+            <a:spcBef>
+              <a:spcPct val="0"/>
+            </a:spcBef>
+            <a:spcAft>
+              <a:spcPct val="35000"/>
+            </a:spcAft>
+            <a:buNone/>
+            <a:defRPr cap="all"/>
+          </a:pPr>
+          <a:r>
+            <a:rPr lang="de-DE" sz="1800" kern="1200"/>
+            <a:t>Intro into Kubernetes </a:t>
+          </a:r>
+          <a:endParaRPr lang="en-US" sz="1800" kern="1200"/>
+        </a:p>
+      </dsp:txBody>
+      <dsp:txXfrm>
+        <a:off x="137182" y="2429891"/>
+        <a:ext cx="2376850" cy="720000"/>
+      </dsp:txXfrm>
+    </dsp:sp>
+    <dsp:sp modelId="{DC9859C5-8B33-49AF-A070-B8D5F24AEE4D}">
+      <dsp:nvSpPr>
+        <dsp:cNvPr id="0" name=""/>
+        <dsp:cNvSpPr/>
+      </dsp:nvSpPr>
+      <dsp:spPr>
+        <a:xfrm>
+          <a:off x="3393468" y="528411"/>
+          <a:ext cx="1449879" cy="1449879"/>
+        </a:xfrm>
+        <a:prstGeom prst="ellipse">
+          <a:avLst/>
+        </a:prstGeom>
+        <a:solidFill>
+          <a:schemeClr val="accent3">
+            <a:tint val="40000"/>
+            <a:hueOff val="0"/>
+            <a:satOff val="0"/>
+            <a:lumOff val="0"/>
+            <a:alphaOff val="0"/>
+          </a:schemeClr>
+        </a:solidFill>
+        <a:ln>
+          <a:noFill/>
+        </a:ln>
+        <a:effectLst/>
+      </dsp:spPr>
+      <dsp:style>
+        <a:lnRef idx="0">
+          <a:scrgbClr r="0" g="0" b="0"/>
+        </a:lnRef>
+        <a:fillRef idx="1">
+          <a:scrgbClr r="0" g="0" b="0"/>
+        </a:fillRef>
+        <a:effectRef idx="0">
+          <a:scrgbClr r="0" g="0" b="0"/>
+        </a:effectRef>
+        <a:fontRef idx="minor"/>
+      </dsp:style>
+    </dsp:sp>
+    <dsp:sp modelId="{7C043707-FB88-4126-8123-BFA9A92194F8}">
+      <dsp:nvSpPr>
+        <dsp:cNvPr id="0" name=""/>
+        <dsp:cNvSpPr/>
+      </dsp:nvSpPr>
+      <dsp:spPr>
+        <a:xfrm>
+          <a:off x="3702458" y="837401"/>
+          <a:ext cx="831897" cy="831897"/>
+        </a:xfrm>
+        <a:prstGeom prst="rect">
+          <a:avLst/>
+        </a:prstGeom>
+        <a:blipFill>
+          <a:blip xmlns:r="http://schemas.openxmlformats.org/officeDocument/2006/relationships" r:embed="rId3">
+            <a:extLst>
+              <a:ext uri="{28A0092B-C50C-407E-A947-70E740481C1C}">
+                <a14:useLocalDpi xmlns:a14="http://schemas.microsoft.com/office/drawing/2010/main" val="0"/>
+              </a:ext>
+              <a:ext uri="{96DAC541-7B7A-43D3-8B79-37D633B846F1}">
+                <asvg:svgBlip xmlns:asvg="http://schemas.microsoft.com/office/drawing/2016/SVG/main" r:embed="rId4"/>
+              </a:ext>
+            </a:extLst>
+          </a:blip>
+          <a:stretch>
+            <a:fillRect/>
+          </a:stretch>
+        </a:blipFill>
+        <a:ln w="22225" cap="rnd" cmpd="sng" algn="ctr">
+          <a:noFill/>
+          <a:prstDash val="solid"/>
+        </a:ln>
+        <a:effectLst/>
+      </dsp:spPr>
+      <dsp:style>
+        <a:lnRef idx="2">
+          <a:scrgbClr r="0" g="0" b="0"/>
+        </a:lnRef>
+        <a:fillRef idx="1">
+          <a:scrgbClr r="0" g="0" b="0"/>
+        </a:fillRef>
+        <a:effectRef idx="0">
+          <a:scrgbClr r="0" g="0" b="0"/>
+        </a:effectRef>
+        <a:fontRef idx="minor">
+          <a:schemeClr val="lt1"/>
+        </a:fontRef>
+      </dsp:style>
+    </dsp:sp>
+    <dsp:sp modelId="{A0B9EAA4-7AC9-418A-863B-8FF2AB2F48CA}">
+      <dsp:nvSpPr>
+        <dsp:cNvPr id="0" name=""/>
+        <dsp:cNvSpPr/>
+      </dsp:nvSpPr>
+      <dsp:spPr>
+        <a:xfrm>
+          <a:off x="2929982" y="2429891"/>
+          <a:ext cx="2376850" cy="720000"/>
+        </a:xfrm>
+        <a:prstGeom prst="rect">
+          <a:avLst/>
+        </a:prstGeom>
+        <a:noFill/>
+        <a:ln>
+          <a:noFill/>
+        </a:ln>
+        <a:effectLst/>
+      </dsp:spPr>
+      <dsp:style>
+        <a:lnRef idx="0">
+          <a:scrgbClr r="0" g="0" b="0"/>
+        </a:lnRef>
+        <a:fillRef idx="0">
+          <a:scrgbClr r="0" g="0" b="0"/>
+        </a:fillRef>
+        <a:effectRef idx="0">
+          <a:scrgbClr r="0" g="0" b="0"/>
+        </a:effectRef>
+        <a:fontRef idx="minor"/>
+      </dsp:style>
+      <dsp:txBody>
+        <a:bodyPr spcFirstLastPara="0" vert="horz" wrap="square" lIns="0" tIns="0" rIns="0" bIns="0" numCol="1" spcCol="1270" anchor="t" anchorCtr="0">
+          <a:noAutofit/>
+        </a:bodyPr>
+        <a:lstStyle/>
+        <a:p>
+          <a:pPr marL="0" lvl="0" indent="0" algn="ctr" defTabSz="800100">
+            <a:lnSpc>
+              <a:spcPct val="90000"/>
+            </a:lnSpc>
+            <a:spcBef>
+              <a:spcPct val="0"/>
+            </a:spcBef>
+            <a:spcAft>
+              <a:spcPct val="35000"/>
+            </a:spcAft>
+            <a:buNone/>
+            <a:defRPr cap="all"/>
+          </a:pPr>
+          <a:r>
+            <a:rPr lang="de-DE" sz="1800" kern="1200"/>
+            <a:t>Intro into Operator</a:t>
+          </a:r>
+          <a:endParaRPr lang="en-US" sz="1800" kern="1200"/>
+        </a:p>
+      </dsp:txBody>
+      <dsp:txXfrm>
+        <a:off x="2929982" y="2429891"/>
+        <a:ext cx="2376850" cy="720000"/>
+      </dsp:txXfrm>
+    </dsp:sp>
+    <dsp:sp modelId="{748CFD13-A7E1-497C-A8AD-C96283C15E3E}">
+      <dsp:nvSpPr>
+        <dsp:cNvPr id="0" name=""/>
+        <dsp:cNvSpPr/>
+      </dsp:nvSpPr>
+      <dsp:spPr>
+        <a:xfrm>
+          <a:off x="6186267" y="528411"/>
+          <a:ext cx="1449879" cy="1449879"/>
+        </a:xfrm>
+        <a:prstGeom prst="ellipse">
+          <a:avLst/>
+        </a:prstGeom>
+        <a:solidFill>
+          <a:schemeClr val="accent3">
+            <a:tint val="40000"/>
+            <a:hueOff val="0"/>
+            <a:satOff val="0"/>
+            <a:lumOff val="0"/>
+            <a:alphaOff val="0"/>
+          </a:schemeClr>
+        </a:solidFill>
+        <a:ln>
+          <a:noFill/>
+        </a:ln>
+        <a:effectLst/>
+      </dsp:spPr>
+      <dsp:style>
+        <a:lnRef idx="0">
+          <a:scrgbClr r="0" g="0" b="0"/>
+        </a:lnRef>
+        <a:fillRef idx="1">
+          <a:scrgbClr r="0" g="0" b="0"/>
+        </a:fillRef>
+        <a:effectRef idx="0">
+          <a:scrgbClr r="0" g="0" b="0"/>
+        </a:effectRef>
+        <a:fontRef idx="minor"/>
+      </dsp:style>
+    </dsp:sp>
+    <dsp:sp modelId="{EA7A9255-88DE-4BEF-8A89-4C87A08C786E}">
+      <dsp:nvSpPr>
+        <dsp:cNvPr id="0" name=""/>
+        <dsp:cNvSpPr/>
+      </dsp:nvSpPr>
+      <dsp:spPr>
+        <a:xfrm>
+          <a:off x="6495258" y="837401"/>
+          <a:ext cx="831897" cy="831897"/>
+        </a:xfrm>
+        <a:prstGeom prst="rect">
+          <a:avLst/>
+        </a:prstGeom>
+        <a:blipFill>
+          <a:blip xmlns:r="http://schemas.openxmlformats.org/officeDocument/2006/relationships" r:embed="rId5">
+            <a:extLst>
+              <a:ext uri="{28A0092B-C50C-407E-A947-70E740481C1C}">
+                <a14:useLocalDpi xmlns:a14="http://schemas.microsoft.com/office/drawing/2010/main" val="0"/>
+              </a:ext>
+              <a:ext uri="{96DAC541-7B7A-43D3-8B79-37D633B846F1}">
+                <asvg:svgBlip xmlns:asvg="http://schemas.microsoft.com/office/drawing/2016/SVG/main" r:embed="rId6"/>
+              </a:ext>
+            </a:extLst>
+          </a:blip>
+          <a:stretch>
+            <a:fillRect/>
+          </a:stretch>
+        </a:blipFill>
+        <a:ln w="22225" cap="rnd" cmpd="sng" algn="ctr">
+          <a:noFill/>
+          <a:prstDash val="solid"/>
+        </a:ln>
+        <a:effectLst/>
+      </dsp:spPr>
+      <dsp:style>
+        <a:lnRef idx="2">
+          <a:scrgbClr r="0" g="0" b="0"/>
+        </a:lnRef>
+        <a:fillRef idx="1">
+          <a:scrgbClr r="0" g="0" b="0"/>
+        </a:fillRef>
+        <a:effectRef idx="0">
+          <a:scrgbClr r="0" g="0" b="0"/>
+        </a:effectRef>
+        <a:fontRef idx="minor">
+          <a:schemeClr val="lt1"/>
+        </a:fontRef>
+      </dsp:style>
+    </dsp:sp>
+    <dsp:sp modelId="{95D8A44E-D8FB-452E-B640-14ED5BD015DA}">
+      <dsp:nvSpPr>
+        <dsp:cNvPr id="0" name=""/>
+        <dsp:cNvSpPr/>
+      </dsp:nvSpPr>
+      <dsp:spPr>
+        <a:xfrm>
+          <a:off x="5722781" y="2429891"/>
+          <a:ext cx="2376850" cy="720000"/>
+        </a:xfrm>
+        <a:prstGeom prst="rect">
+          <a:avLst/>
+        </a:prstGeom>
+        <a:noFill/>
+        <a:ln>
+          <a:noFill/>
+        </a:ln>
+        <a:effectLst/>
+      </dsp:spPr>
+      <dsp:style>
+        <a:lnRef idx="0">
+          <a:scrgbClr r="0" g="0" b="0"/>
+        </a:lnRef>
+        <a:fillRef idx="0">
+          <a:scrgbClr r="0" g="0" b="0"/>
+        </a:fillRef>
+        <a:effectRef idx="0">
+          <a:scrgbClr r="0" g="0" b="0"/>
+        </a:effectRef>
+        <a:fontRef idx="minor"/>
+      </dsp:style>
+      <dsp:txBody>
+        <a:bodyPr spcFirstLastPara="0" vert="horz" wrap="square" lIns="0" tIns="0" rIns="0" bIns="0" numCol="1" spcCol="1270" anchor="t" anchorCtr="0">
+          <a:noAutofit/>
+        </a:bodyPr>
+        <a:lstStyle/>
+        <a:p>
+          <a:pPr marL="0" lvl="0" indent="0" algn="ctr" defTabSz="800100">
+            <a:lnSpc>
+              <a:spcPct val="90000"/>
+            </a:lnSpc>
+            <a:spcBef>
+              <a:spcPct val="0"/>
+            </a:spcBef>
+            <a:spcAft>
+              <a:spcPct val="35000"/>
+            </a:spcAft>
+            <a:buNone/>
+            <a:defRPr cap="all"/>
+          </a:pPr>
+          <a:r>
+            <a:rPr lang="de-DE" sz="1800" kern="1200"/>
+            <a:t>Demo</a:t>
+          </a:r>
+          <a:endParaRPr lang="en-US" sz="1800" kern="1200"/>
+        </a:p>
+      </dsp:txBody>
+      <dsp:txXfrm>
+        <a:off x="5722781" y="2429891"/>
+        <a:ext cx="2376850" cy="720000"/>
+      </dsp:txXfrm>
+    </dsp:sp>
+    <dsp:sp modelId="{2AD2F3E9-6558-42C9-8955-1F666FD1CA36}">
+      <dsp:nvSpPr>
+        <dsp:cNvPr id="0" name=""/>
+        <dsp:cNvSpPr/>
+      </dsp:nvSpPr>
+      <dsp:spPr>
+        <a:xfrm>
+          <a:off x="8979067" y="528411"/>
+          <a:ext cx="1449879" cy="1449879"/>
+        </a:xfrm>
+        <a:prstGeom prst="ellipse">
+          <a:avLst/>
+        </a:prstGeom>
+        <a:solidFill>
+          <a:schemeClr val="accent3">
+            <a:tint val="40000"/>
+            <a:hueOff val="0"/>
+            <a:satOff val="0"/>
+            <a:lumOff val="0"/>
+            <a:alphaOff val="0"/>
+          </a:schemeClr>
+        </a:solidFill>
+        <a:ln>
+          <a:noFill/>
+        </a:ln>
+        <a:effectLst/>
+      </dsp:spPr>
+      <dsp:style>
+        <a:lnRef idx="0">
+          <a:scrgbClr r="0" g="0" b="0"/>
+        </a:lnRef>
+        <a:fillRef idx="1">
+          <a:scrgbClr r="0" g="0" b="0"/>
+        </a:fillRef>
+        <a:effectRef idx="0">
+          <a:scrgbClr r="0" g="0" b="0"/>
+        </a:effectRef>
+        <a:fontRef idx="minor"/>
+      </dsp:style>
+    </dsp:sp>
+    <dsp:sp modelId="{A7586DCA-4295-4F35-91A4-2BA9F4CB4BA5}">
+      <dsp:nvSpPr>
+        <dsp:cNvPr id="0" name=""/>
+        <dsp:cNvSpPr/>
+      </dsp:nvSpPr>
+      <dsp:spPr>
+        <a:xfrm>
+          <a:off x="9288058" y="837401"/>
+          <a:ext cx="831897" cy="831897"/>
+        </a:xfrm>
+        <a:prstGeom prst="rect">
+          <a:avLst/>
+        </a:prstGeom>
+        <a:blipFill>
+          <a:blip xmlns:r="http://schemas.openxmlformats.org/officeDocument/2006/relationships" r:embed="rId7">
+            <a:extLst>
+              <a:ext uri="{28A0092B-C50C-407E-A947-70E740481C1C}">
+                <a14:useLocalDpi xmlns:a14="http://schemas.microsoft.com/office/drawing/2010/main" val="0"/>
+              </a:ext>
+              <a:ext uri="{96DAC541-7B7A-43D3-8B79-37D633B846F1}">
+                <asvg:svgBlip xmlns:asvg="http://schemas.microsoft.com/office/drawing/2016/SVG/main" r:embed="rId8"/>
+              </a:ext>
+            </a:extLst>
+          </a:blip>
+          <a:stretch>
+            <a:fillRect/>
+          </a:stretch>
+        </a:blipFill>
+        <a:ln w="22225" cap="rnd" cmpd="sng" algn="ctr">
+          <a:noFill/>
+          <a:prstDash val="solid"/>
+        </a:ln>
+        <a:effectLst/>
+      </dsp:spPr>
+      <dsp:style>
+        <a:lnRef idx="2">
+          <a:scrgbClr r="0" g="0" b="0"/>
+        </a:lnRef>
+        <a:fillRef idx="1">
+          <a:scrgbClr r="0" g="0" b="0"/>
+        </a:fillRef>
+        <a:effectRef idx="0">
+          <a:scrgbClr r="0" g="0" b="0"/>
+        </a:effectRef>
+        <a:fontRef idx="minor">
+          <a:schemeClr val="lt1"/>
+        </a:fontRef>
+      </dsp:style>
+    </dsp:sp>
+    <dsp:sp modelId="{98ECB859-18BC-438A-9825-05FD7CC7E7B1}">
+      <dsp:nvSpPr>
+        <dsp:cNvPr id="0" name=""/>
+        <dsp:cNvSpPr/>
+      </dsp:nvSpPr>
+      <dsp:spPr>
+        <a:xfrm>
+          <a:off x="8515581" y="2429891"/>
+          <a:ext cx="2376850" cy="720000"/>
+        </a:xfrm>
+        <a:prstGeom prst="rect">
+          <a:avLst/>
+        </a:prstGeom>
+        <a:noFill/>
+        <a:ln>
+          <a:noFill/>
+        </a:ln>
+        <a:effectLst/>
+      </dsp:spPr>
+      <dsp:style>
+        <a:lnRef idx="0">
+          <a:scrgbClr r="0" g="0" b="0"/>
+        </a:lnRef>
+        <a:fillRef idx="0">
+          <a:scrgbClr r="0" g="0" b="0"/>
+        </a:fillRef>
+        <a:effectRef idx="0">
+          <a:scrgbClr r="0" g="0" b="0"/>
+        </a:effectRef>
+        <a:fontRef idx="minor"/>
+      </dsp:style>
+      <dsp:txBody>
+        <a:bodyPr spcFirstLastPara="0" vert="horz" wrap="square" lIns="0" tIns="0" rIns="0" bIns="0" numCol="1" spcCol="1270" anchor="t" anchorCtr="0">
+          <a:noAutofit/>
+        </a:bodyPr>
+        <a:lstStyle/>
+        <a:p>
+          <a:pPr marL="0" lvl="0" indent="0" algn="ctr" defTabSz="800100">
+            <a:lnSpc>
+              <a:spcPct val="90000"/>
+            </a:lnSpc>
+            <a:spcBef>
+              <a:spcPct val="0"/>
+            </a:spcBef>
+            <a:spcAft>
+              <a:spcPct val="35000"/>
+            </a:spcAft>
+            <a:buNone/>
+            <a:defRPr cap="all"/>
+          </a:pPr>
+          <a:r>
+            <a:rPr lang="de-DE" sz="1800" kern="1200"/>
+            <a:t>Network Automation Group</a:t>
+          </a:r>
+          <a:endParaRPr lang="en-US" sz="1800" kern="1200"/>
+        </a:p>
+      </dsp:txBody>
+      <dsp:txXfrm>
+        <a:off x="8515581" y="2429891"/>
+        <a:ext cx="2376850" cy="720000"/>
+      </dsp:txXfrm>
+    </dsp:sp>
+  </dsp:spTree>
+</dsp:drawing>
+</file>
+
+<file path=ppt/diagrams/drawing2.xml><?xml version="1.0" encoding="utf-8"?>
+<dsp:drawing xmlns:dgm="http://schemas.openxmlformats.org/drawingml/2006/diagram" xmlns:dsp="http://schemas.microsoft.com/office/drawing/2008/diagram" xmlns:a="http://schemas.openxmlformats.org/drawingml/2006/main">
+  <dsp:spTree>
+    <dsp:nvGrpSpPr>
+      <dsp:cNvPr id="0" name=""/>
+      <dsp:cNvGrpSpPr/>
+    </dsp:nvGrpSpPr>
+    <dsp:grpSpPr/>
+    <dsp:sp modelId="{FBAF2AD3-C03A-6843-958C-62700100A03B}">
+      <dsp:nvSpPr>
+        <dsp:cNvPr id="0" name=""/>
+        <dsp:cNvSpPr/>
+      </dsp:nvSpPr>
+      <dsp:spPr>
+        <a:xfrm>
+          <a:off x="0" y="156826"/>
+          <a:ext cx="11029615" cy="417375"/>
+        </a:xfrm>
+        <a:prstGeom prst="rect">
+          <a:avLst/>
+        </a:prstGeom>
+        <a:solidFill>
+          <a:schemeClr val="lt1">
+            <a:alpha val="90000"/>
+            <a:hueOff val="0"/>
+            <a:satOff val="0"/>
+            <a:lumOff val="0"/>
+            <a:alphaOff val="0"/>
+          </a:schemeClr>
+        </a:solidFill>
+        <a:ln w="22225" cap="rnd" cmpd="sng" algn="ctr">
+          <a:solidFill>
+            <a:schemeClr val="accent1">
+              <a:hueOff val="0"/>
+              <a:satOff val="0"/>
+              <a:lumOff val="0"/>
+              <a:alphaOff val="0"/>
+            </a:schemeClr>
+          </a:solidFill>
+          <a:prstDash val="solid"/>
+        </a:ln>
+        <a:effectLst/>
+      </dsp:spPr>
+      <dsp:style>
+        <a:lnRef idx="2">
+          <a:scrgbClr r="0" g="0" b="0"/>
+        </a:lnRef>
+        <a:fillRef idx="1">
+          <a:scrgbClr r="0" g="0" b="0"/>
+        </a:fillRef>
+        <a:effectRef idx="0">
+          <a:scrgbClr r="0" g="0" b="0"/>
+        </a:effectRef>
+        <a:fontRef idx="minor"/>
+      </dsp:style>
+      <dsp:txBody>
+        <a:bodyPr spcFirstLastPara="0" vert="horz" wrap="square" lIns="856021" tIns="208280" rIns="856021" bIns="71120" numCol="1" spcCol="1270" anchor="t" anchorCtr="0">
+          <a:noAutofit/>
+        </a:bodyPr>
+        <a:lstStyle/>
+        <a:p>
+          <a:pPr marL="57150" lvl="1" indent="-57150" algn="l" defTabSz="444500">
+            <a:lnSpc>
+              <a:spcPct val="90000"/>
+            </a:lnSpc>
+            <a:spcBef>
+              <a:spcPct val="0"/>
+            </a:spcBef>
+            <a:spcAft>
+              <a:spcPct val="15000"/>
+            </a:spcAft>
+            <a:buChar char="•"/>
+          </a:pPr>
+          <a:r>
+            <a:rPr lang="de-DE" sz="1000" kern="1200">
+              <a:hlinkClick xmlns:r="http://schemas.openxmlformats.org/officeDocument/2006/relationships" r:id="rId1"/>
+            </a:rPr>
+            <a:t>https://youtu.be/EV47Oxwet6Y?si=OdOLrb1-Unx8srCY</a:t>
+          </a:r>
+          <a:r>
+            <a:rPr lang="de-DE" sz="1000" kern="1200"/>
+            <a:t> </a:t>
+          </a:r>
+          <a:endParaRPr lang="en-US" sz="1000" kern="1200"/>
+        </a:p>
+      </dsp:txBody>
+      <dsp:txXfrm>
+        <a:off x="0" y="156826"/>
+        <a:ext cx="11029615" cy="417375"/>
+      </dsp:txXfrm>
+    </dsp:sp>
+    <dsp:sp modelId="{3A51972D-F08A-C240-96DD-EE5E2617836F}">
+      <dsp:nvSpPr>
+        <dsp:cNvPr id="0" name=""/>
+        <dsp:cNvSpPr/>
+      </dsp:nvSpPr>
+      <dsp:spPr>
+        <a:xfrm>
+          <a:off x="551480" y="9226"/>
+          <a:ext cx="7720730" cy="295199"/>
+        </a:xfrm>
+        <a:prstGeom prst="roundRect">
+          <a:avLst/>
+        </a:prstGeom>
+        <a:solidFill>
+          <a:schemeClr val="accent1">
+            <a:hueOff val="0"/>
+            <a:satOff val="0"/>
+            <a:lumOff val="0"/>
+            <a:alphaOff val="0"/>
+          </a:schemeClr>
+        </a:solidFill>
+        <a:ln w="22225" cap="rnd" cmpd="sng" algn="ctr">
+          <a:solidFill>
+            <a:schemeClr val="lt1">
+              <a:hueOff val="0"/>
+              <a:satOff val="0"/>
+              <a:lumOff val="0"/>
+              <a:alphaOff val="0"/>
+            </a:schemeClr>
+          </a:solidFill>
+          <a:prstDash val="solid"/>
+        </a:ln>
+        <a:effectLst/>
+      </dsp:spPr>
+      <dsp:style>
+        <a:lnRef idx="2">
+          <a:scrgbClr r="0" g="0" b="0"/>
+        </a:lnRef>
+        <a:fillRef idx="1">
+          <a:scrgbClr r="0" g="0" b="0"/>
+        </a:fillRef>
+        <a:effectRef idx="0">
+          <a:scrgbClr r="0" g="0" b="0"/>
+        </a:effectRef>
+        <a:fontRef idx="minor">
+          <a:schemeClr val="lt1"/>
+        </a:fontRef>
+      </dsp:style>
+      <dsp:txBody>
+        <a:bodyPr spcFirstLastPara="0" vert="horz" wrap="square" lIns="291825" tIns="0" rIns="291825" bIns="0" numCol="1" spcCol="1270" anchor="ctr" anchorCtr="0">
+          <a:noAutofit/>
+        </a:bodyPr>
+        <a:lstStyle/>
+        <a:p>
+          <a:pPr marL="0" lvl="0" indent="0" algn="l" defTabSz="444500">
+            <a:lnSpc>
+              <a:spcPct val="90000"/>
+            </a:lnSpc>
+            <a:spcBef>
+              <a:spcPct val="0"/>
+            </a:spcBef>
+            <a:spcAft>
+              <a:spcPct val="35000"/>
+            </a:spcAft>
+            <a:buNone/>
+          </a:pPr>
+          <a:r>
+            <a:rPr lang="de-DE" sz="1000" kern="1200"/>
+            <a:t>Kubernetes Course</a:t>
+          </a:r>
+          <a:endParaRPr lang="en-US" sz="1000" kern="1200"/>
+        </a:p>
+      </dsp:txBody>
+      <dsp:txXfrm>
+        <a:off x="565890" y="23636"/>
+        <a:ext cx="7691910" cy="266379"/>
+      </dsp:txXfrm>
+    </dsp:sp>
+    <dsp:sp modelId="{1D233C2D-27D0-9D44-A2F7-5D5C5D299991}">
+      <dsp:nvSpPr>
+        <dsp:cNvPr id="0" name=""/>
+        <dsp:cNvSpPr/>
+      </dsp:nvSpPr>
+      <dsp:spPr>
+        <a:xfrm>
+          <a:off x="0" y="775801"/>
+          <a:ext cx="11029615" cy="417375"/>
+        </a:xfrm>
+        <a:prstGeom prst="rect">
+          <a:avLst/>
+        </a:prstGeom>
+        <a:solidFill>
+          <a:schemeClr val="lt1">
+            <a:alpha val="90000"/>
+            <a:hueOff val="0"/>
+            <a:satOff val="0"/>
+            <a:lumOff val="0"/>
+            <a:alphaOff val="0"/>
+          </a:schemeClr>
+        </a:solidFill>
+        <a:ln w="22225" cap="rnd" cmpd="sng" algn="ctr">
+          <a:solidFill>
+            <a:schemeClr val="accent1">
+              <a:hueOff val="0"/>
+              <a:satOff val="0"/>
+              <a:lumOff val="0"/>
+              <a:alphaOff val="0"/>
+            </a:schemeClr>
+          </a:solidFill>
+          <a:prstDash val="solid"/>
+        </a:ln>
+        <a:effectLst/>
+      </dsp:spPr>
+      <dsp:style>
+        <a:lnRef idx="2">
+          <a:scrgbClr r="0" g="0" b="0"/>
+        </a:lnRef>
+        <a:fillRef idx="1">
+          <a:scrgbClr r="0" g="0" b="0"/>
+        </a:fillRef>
+        <a:effectRef idx="0">
+          <a:scrgbClr r="0" g="0" b="0"/>
+        </a:effectRef>
+        <a:fontRef idx="minor"/>
+      </dsp:style>
+      <dsp:txBody>
+        <a:bodyPr spcFirstLastPara="0" vert="horz" wrap="square" lIns="856021" tIns="208280" rIns="856021" bIns="71120" numCol="1" spcCol="1270" anchor="t" anchorCtr="0">
+          <a:noAutofit/>
+        </a:bodyPr>
+        <a:lstStyle/>
+        <a:p>
+          <a:pPr marL="57150" lvl="1" indent="-57150" algn="l" defTabSz="444500">
+            <a:lnSpc>
+              <a:spcPct val="90000"/>
+            </a:lnSpc>
+            <a:spcBef>
+              <a:spcPct val="0"/>
+            </a:spcBef>
+            <a:spcAft>
+              <a:spcPct val="15000"/>
+            </a:spcAft>
+            <a:buChar char="•"/>
+          </a:pPr>
+          <a:r>
+            <a:rPr lang="de-DE" sz="1000" kern="1200" dirty="0">
+              <a:hlinkClick xmlns:r="http://schemas.openxmlformats.org/officeDocument/2006/relationships" r:id="rId2"/>
+            </a:rPr>
+            <a:t>https://book.kubebuilder.io/</a:t>
+          </a:r>
+          <a:r>
+            <a:rPr lang="de-DE" sz="1000" kern="1200" dirty="0"/>
+            <a:t> </a:t>
+          </a:r>
+          <a:endParaRPr lang="en-US" sz="1000" kern="1200" dirty="0"/>
+        </a:p>
+      </dsp:txBody>
+      <dsp:txXfrm>
+        <a:off x="0" y="775801"/>
+        <a:ext cx="11029615" cy="417375"/>
+      </dsp:txXfrm>
+    </dsp:sp>
+    <dsp:sp modelId="{8A61337F-479F-924B-BB81-1876F9382285}">
+      <dsp:nvSpPr>
+        <dsp:cNvPr id="0" name=""/>
+        <dsp:cNvSpPr/>
+      </dsp:nvSpPr>
+      <dsp:spPr>
+        <a:xfrm>
+          <a:off x="551480" y="628201"/>
+          <a:ext cx="7720730" cy="295199"/>
+        </a:xfrm>
+        <a:prstGeom prst="roundRect">
+          <a:avLst/>
+        </a:prstGeom>
+        <a:solidFill>
+          <a:schemeClr val="accent1">
+            <a:hueOff val="0"/>
+            <a:satOff val="0"/>
+            <a:lumOff val="0"/>
+            <a:alphaOff val="0"/>
+          </a:schemeClr>
+        </a:solidFill>
+        <a:ln w="22225" cap="rnd" cmpd="sng" algn="ctr">
+          <a:solidFill>
+            <a:schemeClr val="lt1">
+              <a:hueOff val="0"/>
+              <a:satOff val="0"/>
+              <a:lumOff val="0"/>
+              <a:alphaOff val="0"/>
+            </a:schemeClr>
+          </a:solidFill>
+          <a:prstDash val="solid"/>
+        </a:ln>
+        <a:effectLst/>
+      </dsp:spPr>
+      <dsp:style>
+        <a:lnRef idx="2">
+          <a:scrgbClr r="0" g="0" b="0"/>
+        </a:lnRef>
+        <a:fillRef idx="1">
+          <a:scrgbClr r="0" g="0" b="0"/>
+        </a:fillRef>
+        <a:effectRef idx="0">
+          <a:scrgbClr r="0" g="0" b="0"/>
+        </a:effectRef>
+        <a:fontRef idx="minor">
+          <a:schemeClr val="lt1"/>
+        </a:fontRef>
+      </dsp:style>
+      <dsp:txBody>
+        <a:bodyPr spcFirstLastPara="0" vert="horz" wrap="square" lIns="291825" tIns="0" rIns="291825" bIns="0" numCol="1" spcCol="1270" anchor="ctr" anchorCtr="0">
+          <a:noAutofit/>
+        </a:bodyPr>
+        <a:lstStyle/>
+        <a:p>
+          <a:pPr marL="0" lvl="0" indent="0" algn="l" defTabSz="444500">
+            <a:lnSpc>
+              <a:spcPct val="90000"/>
+            </a:lnSpc>
+            <a:spcBef>
+              <a:spcPct val="0"/>
+            </a:spcBef>
+            <a:spcAft>
+              <a:spcPct val="35000"/>
+            </a:spcAft>
+            <a:buNone/>
+          </a:pPr>
+          <a:r>
+            <a:rPr lang="de-DE" sz="1000" kern="1200" dirty="0" err="1"/>
+            <a:t>Kubebuilder</a:t>
+          </a:r>
+          <a:r>
+            <a:rPr lang="de-DE" sz="1000" kern="1200" dirty="0"/>
+            <a:t> </a:t>
+          </a:r>
+          <a:r>
+            <a:rPr lang="de-DE" sz="1000" kern="1200" dirty="0" err="1"/>
+            <a:t>Documentation</a:t>
+          </a:r>
+          <a:endParaRPr lang="en-US" sz="1000" kern="1200" dirty="0"/>
+        </a:p>
+      </dsp:txBody>
+      <dsp:txXfrm>
+        <a:off x="565890" y="642611"/>
+        <a:ext cx="7691910" cy="266379"/>
+      </dsp:txXfrm>
+    </dsp:sp>
+    <dsp:sp modelId="{2AB601A5-F7D9-3B48-A01C-F10883D4B3C5}">
+      <dsp:nvSpPr>
+        <dsp:cNvPr id="0" name=""/>
+        <dsp:cNvSpPr/>
+      </dsp:nvSpPr>
+      <dsp:spPr>
+        <a:xfrm>
+          <a:off x="0" y="1394776"/>
+          <a:ext cx="11029615" cy="417375"/>
+        </a:xfrm>
+        <a:prstGeom prst="rect">
+          <a:avLst/>
+        </a:prstGeom>
+        <a:solidFill>
+          <a:schemeClr val="lt1">
+            <a:alpha val="90000"/>
+            <a:hueOff val="0"/>
+            <a:satOff val="0"/>
+            <a:lumOff val="0"/>
+            <a:alphaOff val="0"/>
+          </a:schemeClr>
+        </a:solidFill>
+        <a:ln w="22225" cap="rnd" cmpd="sng" algn="ctr">
+          <a:solidFill>
+            <a:schemeClr val="accent1">
+              <a:hueOff val="0"/>
+              <a:satOff val="0"/>
+              <a:lumOff val="0"/>
+              <a:alphaOff val="0"/>
+            </a:schemeClr>
+          </a:solidFill>
+          <a:prstDash val="solid"/>
+        </a:ln>
+        <a:effectLst/>
+      </dsp:spPr>
+      <dsp:style>
+        <a:lnRef idx="2">
+          <a:scrgbClr r="0" g="0" b="0"/>
+        </a:lnRef>
+        <a:fillRef idx="1">
+          <a:scrgbClr r="0" g="0" b="0"/>
+        </a:fillRef>
+        <a:effectRef idx="0">
+          <a:scrgbClr r="0" g="0" b="0"/>
+        </a:effectRef>
+        <a:fontRef idx="minor"/>
+      </dsp:style>
+      <dsp:txBody>
+        <a:bodyPr spcFirstLastPara="0" vert="horz" wrap="square" lIns="856021" tIns="208280" rIns="856021" bIns="71120" numCol="1" spcCol="1270" anchor="t" anchorCtr="0">
+          <a:noAutofit/>
+        </a:bodyPr>
+        <a:lstStyle/>
+        <a:p>
+          <a:pPr marL="57150" lvl="1" indent="-57150" algn="l" defTabSz="444500">
+            <a:lnSpc>
+              <a:spcPct val="90000"/>
+            </a:lnSpc>
+            <a:spcBef>
+              <a:spcPct val="0"/>
+            </a:spcBef>
+            <a:spcAft>
+              <a:spcPct val="15000"/>
+            </a:spcAft>
+            <a:buChar char="•"/>
+          </a:pPr>
+          <a:r>
+            <a:rPr lang="de-DE" sz="1000" kern="1200" dirty="0">
+              <a:hlinkClick xmlns:r="http://schemas.openxmlformats.org/officeDocument/2006/relationships" r:id="rId3"/>
+            </a:rPr>
+            <a:t>https://containerlab.dev/</a:t>
+          </a:r>
+          <a:r>
+            <a:rPr lang="de-DE" sz="1000" kern="1200" dirty="0"/>
+            <a:t> </a:t>
+          </a:r>
+          <a:endParaRPr lang="en-US" sz="1000" kern="1200" dirty="0"/>
+        </a:p>
+      </dsp:txBody>
+      <dsp:txXfrm>
+        <a:off x="0" y="1394776"/>
+        <a:ext cx="11029615" cy="417375"/>
+      </dsp:txXfrm>
+    </dsp:sp>
+    <dsp:sp modelId="{0376B677-C24B-8442-AEFC-E813DB19E7E5}">
+      <dsp:nvSpPr>
+        <dsp:cNvPr id="0" name=""/>
+        <dsp:cNvSpPr/>
+      </dsp:nvSpPr>
+      <dsp:spPr>
+        <a:xfrm>
+          <a:off x="551480" y="1247176"/>
+          <a:ext cx="7720730" cy="295199"/>
+        </a:xfrm>
+        <a:prstGeom prst="roundRect">
+          <a:avLst/>
+        </a:prstGeom>
+        <a:solidFill>
+          <a:schemeClr val="accent1">
+            <a:hueOff val="0"/>
+            <a:satOff val="0"/>
+            <a:lumOff val="0"/>
+            <a:alphaOff val="0"/>
+          </a:schemeClr>
+        </a:solidFill>
+        <a:ln w="22225" cap="rnd" cmpd="sng" algn="ctr">
+          <a:solidFill>
+            <a:schemeClr val="lt1">
+              <a:hueOff val="0"/>
+              <a:satOff val="0"/>
+              <a:lumOff val="0"/>
+              <a:alphaOff val="0"/>
+            </a:schemeClr>
+          </a:solidFill>
+          <a:prstDash val="solid"/>
+        </a:ln>
+        <a:effectLst/>
+      </dsp:spPr>
+      <dsp:style>
+        <a:lnRef idx="2">
+          <a:scrgbClr r="0" g="0" b="0"/>
+        </a:lnRef>
+        <a:fillRef idx="1">
+          <a:scrgbClr r="0" g="0" b="0"/>
+        </a:fillRef>
+        <a:effectRef idx="0">
+          <a:scrgbClr r="0" g="0" b="0"/>
+        </a:effectRef>
+        <a:fontRef idx="minor">
+          <a:schemeClr val="lt1"/>
+        </a:fontRef>
+      </dsp:style>
+      <dsp:txBody>
+        <a:bodyPr spcFirstLastPara="0" vert="horz" wrap="square" lIns="291825" tIns="0" rIns="291825" bIns="0" numCol="1" spcCol="1270" anchor="ctr" anchorCtr="0">
+          <a:noAutofit/>
+        </a:bodyPr>
+        <a:lstStyle/>
+        <a:p>
+          <a:pPr marL="0" lvl="0" indent="0" algn="l" defTabSz="444500">
+            <a:lnSpc>
+              <a:spcPct val="90000"/>
+            </a:lnSpc>
+            <a:spcBef>
+              <a:spcPct val="0"/>
+            </a:spcBef>
+            <a:spcAft>
+              <a:spcPct val="35000"/>
+            </a:spcAft>
+            <a:buNone/>
+          </a:pPr>
+          <a:r>
+            <a:rPr lang="de-DE" sz="1000" kern="1200" dirty="0"/>
+            <a:t>Containerlab</a:t>
+          </a:r>
+          <a:endParaRPr lang="en-US" sz="1000" kern="1200" dirty="0"/>
+        </a:p>
+      </dsp:txBody>
+      <dsp:txXfrm>
+        <a:off x="565890" y="1261586"/>
+        <a:ext cx="7691910" cy="266379"/>
+      </dsp:txXfrm>
+    </dsp:sp>
+    <dsp:sp modelId="{2F300D0E-E996-BC40-BAEC-1D44C0C64B32}">
+      <dsp:nvSpPr>
+        <dsp:cNvPr id="0" name=""/>
+        <dsp:cNvSpPr/>
+      </dsp:nvSpPr>
+      <dsp:spPr>
+        <a:xfrm>
+          <a:off x="0" y="2013751"/>
+          <a:ext cx="11029615" cy="417375"/>
+        </a:xfrm>
+        <a:prstGeom prst="rect">
+          <a:avLst/>
+        </a:prstGeom>
+        <a:solidFill>
+          <a:schemeClr val="lt1">
+            <a:alpha val="90000"/>
+            <a:hueOff val="0"/>
+            <a:satOff val="0"/>
+            <a:lumOff val="0"/>
+            <a:alphaOff val="0"/>
+          </a:schemeClr>
+        </a:solidFill>
+        <a:ln w="22225" cap="rnd" cmpd="sng" algn="ctr">
+          <a:solidFill>
+            <a:schemeClr val="accent1">
+              <a:hueOff val="0"/>
+              <a:satOff val="0"/>
+              <a:lumOff val="0"/>
+              <a:alphaOff val="0"/>
+            </a:schemeClr>
+          </a:solidFill>
+          <a:prstDash val="solid"/>
+        </a:ln>
+        <a:effectLst/>
+      </dsp:spPr>
+      <dsp:style>
+        <a:lnRef idx="2">
+          <a:scrgbClr r="0" g="0" b="0"/>
+        </a:lnRef>
+        <a:fillRef idx="1">
+          <a:scrgbClr r="0" g="0" b="0"/>
+        </a:fillRef>
+        <a:effectRef idx="0">
+          <a:scrgbClr r="0" g="0" b="0"/>
+        </a:effectRef>
+        <a:fontRef idx="minor"/>
+      </dsp:style>
+      <dsp:txBody>
+        <a:bodyPr spcFirstLastPara="0" vert="horz" wrap="square" lIns="856021" tIns="208280" rIns="856021" bIns="71120" numCol="1" spcCol="1270" anchor="t" anchorCtr="0">
+          <a:noAutofit/>
+        </a:bodyPr>
+        <a:lstStyle/>
+        <a:p>
+          <a:pPr marL="57150" lvl="1" indent="-57150" algn="l" defTabSz="444500">
+            <a:lnSpc>
+              <a:spcPct val="90000"/>
+            </a:lnSpc>
+            <a:spcBef>
+              <a:spcPct val="0"/>
+            </a:spcBef>
+            <a:spcAft>
+              <a:spcPct val="15000"/>
+            </a:spcAft>
+            <a:buChar char="•"/>
+          </a:pPr>
+          <a:r>
+            <a:rPr lang="de-DE" sz="1000" kern="1200" dirty="0"/>
+            <a:t>https://</a:t>
+          </a:r>
+          <a:r>
+            <a:rPr lang="de-DE" sz="1000" kern="1200" dirty="0" err="1"/>
+            <a:t>docs.sdcio.dev</a:t>
+          </a:r>
+          <a:r>
+            <a:rPr lang="de-DE" sz="1000" kern="1200" dirty="0"/>
+            <a:t>/</a:t>
+          </a:r>
+        </a:p>
+      </dsp:txBody>
+      <dsp:txXfrm>
+        <a:off x="0" y="2013751"/>
+        <a:ext cx="11029615" cy="417375"/>
+      </dsp:txXfrm>
+    </dsp:sp>
+    <dsp:sp modelId="{E73CCD9E-5C9F-B74C-B4FC-34A056F89194}">
+      <dsp:nvSpPr>
+        <dsp:cNvPr id="0" name=""/>
+        <dsp:cNvSpPr/>
+      </dsp:nvSpPr>
+      <dsp:spPr>
+        <a:xfrm>
+          <a:off x="551480" y="1866151"/>
+          <a:ext cx="7720730" cy="295199"/>
+        </a:xfrm>
+        <a:prstGeom prst="roundRect">
+          <a:avLst/>
+        </a:prstGeom>
+        <a:solidFill>
+          <a:schemeClr val="accent1">
+            <a:hueOff val="0"/>
+            <a:satOff val="0"/>
+            <a:lumOff val="0"/>
+            <a:alphaOff val="0"/>
+          </a:schemeClr>
+        </a:solidFill>
+        <a:ln w="22225" cap="rnd" cmpd="sng" algn="ctr">
+          <a:solidFill>
+            <a:schemeClr val="lt1">
+              <a:hueOff val="0"/>
+              <a:satOff val="0"/>
+              <a:lumOff val="0"/>
+              <a:alphaOff val="0"/>
+            </a:schemeClr>
+          </a:solidFill>
+          <a:prstDash val="solid"/>
+        </a:ln>
+        <a:effectLst/>
+      </dsp:spPr>
+      <dsp:style>
+        <a:lnRef idx="2">
+          <a:scrgbClr r="0" g="0" b="0"/>
+        </a:lnRef>
+        <a:fillRef idx="1">
+          <a:scrgbClr r="0" g="0" b="0"/>
+        </a:fillRef>
+        <a:effectRef idx="0">
+          <a:scrgbClr r="0" g="0" b="0"/>
+        </a:effectRef>
+        <a:fontRef idx="minor">
+          <a:schemeClr val="lt1"/>
+        </a:fontRef>
+      </dsp:style>
+      <dsp:txBody>
+        <a:bodyPr spcFirstLastPara="0" vert="horz" wrap="square" lIns="291825" tIns="0" rIns="291825" bIns="0" numCol="1" spcCol="1270" anchor="ctr" anchorCtr="0">
+          <a:noAutofit/>
+        </a:bodyPr>
+        <a:lstStyle/>
+        <a:p>
+          <a:pPr marL="0" lvl="0" indent="0" algn="l" defTabSz="444500">
+            <a:lnSpc>
+              <a:spcPct val="90000"/>
+            </a:lnSpc>
+            <a:spcBef>
+              <a:spcPct val="0"/>
+            </a:spcBef>
+            <a:spcAft>
+              <a:spcPct val="35000"/>
+            </a:spcAft>
+            <a:buNone/>
+          </a:pPr>
+          <a:r>
+            <a:rPr lang="de-DE" sz="1000" kern="1200" dirty="0"/>
+            <a:t>SDC</a:t>
+          </a:r>
+        </a:p>
+      </dsp:txBody>
+      <dsp:txXfrm>
+        <a:off x="565890" y="1880561"/>
+        <a:ext cx="7691910" cy="266379"/>
+      </dsp:txXfrm>
+    </dsp:sp>
+    <dsp:sp modelId="{24E5F532-ADF6-4F44-B45A-BD9BFE5603B0}">
+      <dsp:nvSpPr>
+        <dsp:cNvPr id="0" name=""/>
+        <dsp:cNvSpPr/>
+      </dsp:nvSpPr>
+      <dsp:spPr>
+        <a:xfrm>
+          <a:off x="0" y="2632726"/>
+          <a:ext cx="11029615" cy="417375"/>
+        </a:xfrm>
+        <a:prstGeom prst="rect">
+          <a:avLst/>
+        </a:prstGeom>
+        <a:solidFill>
+          <a:schemeClr val="lt1">
+            <a:alpha val="90000"/>
+            <a:hueOff val="0"/>
+            <a:satOff val="0"/>
+            <a:lumOff val="0"/>
+            <a:alphaOff val="0"/>
+          </a:schemeClr>
+        </a:solidFill>
+        <a:ln w="22225" cap="rnd" cmpd="sng" algn="ctr">
+          <a:solidFill>
+            <a:schemeClr val="accent1">
+              <a:hueOff val="0"/>
+              <a:satOff val="0"/>
+              <a:lumOff val="0"/>
+              <a:alphaOff val="0"/>
+            </a:schemeClr>
+          </a:solidFill>
+          <a:prstDash val="solid"/>
+        </a:ln>
+        <a:effectLst/>
+      </dsp:spPr>
+      <dsp:style>
+        <a:lnRef idx="2">
+          <a:scrgbClr r="0" g="0" b="0"/>
+        </a:lnRef>
+        <a:fillRef idx="1">
+          <a:scrgbClr r="0" g="0" b="0"/>
+        </a:fillRef>
+        <a:effectRef idx="0">
+          <a:scrgbClr r="0" g="0" b="0"/>
+        </a:effectRef>
+        <a:fontRef idx="minor"/>
+      </dsp:style>
+      <dsp:txBody>
+        <a:bodyPr spcFirstLastPara="0" vert="horz" wrap="square" lIns="856021" tIns="208280" rIns="856021" bIns="71120" numCol="1" spcCol="1270" anchor="t" anchorCtr="0">
+          <a:noAutofit/>
+        </a:bodyPr>
+        <a:lstStyle/>
+        <a:p>
+          <a:pPr marL="57150" lvl="1" indent="-57150" algn="l" defTabSz="444500">
+            <a:lnSpc>
+              <a:spcPct val="90000"/>
+            </a:lnSpc>
+            <a:spcBef>
+              <a:spcPct val="0"/>
+            </a:spcBef>
+            <a:spcAft>
+              <a:spcPct val="15000"/>
+            </a:spcAft>
+            <a:buChar char="•"/>
+          </a:pPr>
+          <a:r>
+            <a:rPr lang="de-DE" sz="1000" kern="1200" dirty="0"/>
+            <a:t>https://</a:t>
+          </a:r>
+          <a:r>
+            <a:rPr lang="de-DE" sz="1000" kern="1200" dirty="0" err="1"/>
+            <a:t>learn.kubenet.dev</a:t>
+          </a:r>
+          <a:r>
+            <a:rPr lang="de-DE" sz="1000" kern="1200" dirty="0"/>
+            <a:t>/</a:t>
+          </a:r>
+        </a:p>
+      </dsp:txBody>
+      <dsp:txXfrm>
+        <a:off x="0" y="2632726"/>
+        <a:ext cx="11029615" cy="417375"/>
+      </dsp:txXfrm>
+    </dsp:sp>
+    <dsp:sp modelId="{5EF94CF1-C539-5D4E-B1D5-EC8085A9E879}">
+      <dsp:nvSpPr>
+        <dsp:cNvPr id="0" name=""/>
+        <dsp:cNvSpPr/>
+      </dsp:nvSpPr>
+      <dsp:spPr>
+        <a:xfrm>
+          <a:off x="551480" y="2485126"/>
+          <a:ext cx="7720730" cy="295199"/>
+        </a:xfrm>
+        <a:prstGeom prst="roundRect">
+          <a:avLst/>
+        </a:prstGeom>
+        <a:solidFill>
+          <a:schemeClr val="accent1">
+            <a:hueOff val="0"/>
+            <a:satOff val="0"/>
+            <a:lumOff val="0"/>
+            <a:alphaOff val="0"/>
+          </a:schemeClr>
+        </a:solidFill>
+        <a:ln w="22225" cap="rnd" cmpd="sng" algn="ctr">
+          <a:solidFill>
+            <a:schemeClr val="lt1">
+              <a:hueOff val="0"/>
+              <a:satOff val="0"/>
+              <a:lumOff val="0"/>
+              <a:alphaOff val="0"/>
+            </a:schemeClr>
+          </a:solidFill>
+          <a:prstDash val="solid"/>
+        </a:ln>
+        <a:effectLst/>
+      </dsp:spPr>
+      <dsp:style>
+        <a:lnRef idx="2">
+          <a:scrgbClr r="0" g="0" b="0"/>
+        </a:lnRef>
+        <a:fillRef idx="1">
+          <a:scrgbClr r="0" g="0" b="0"/>
+        </a:fillRef>
+        <a:effectRef idx="0">
+          <a:scrgbClr r="0" g="0" b="0"/>
+        </a:effectRef>
+        <a:fontRef idx="minor">
+          <a:schemeClr val="lt1"/>
+        </a:fontRef>
+      </dsp:style>
+      <dsp:txBody>
+        <a:bodyPr spcFirstLastPara="0" vert="horz" wrap="square" lIns="291825" tIns="0" rIns="291825" bIns="0" numCol="1" spcCol="1270" anchor="ctr" anchorCtr="0">
+          <a:noAutofit/>
+        </a:bodyPr>
+        <a:lstStyle/>
+        <a:p>
+          <a:pPr marL="0" lvl="0" indent="0" algn="l" defTabSz="444500">
+            <a:lnSpc>
+              <a:spcPct val="90000"/>
+            </a:lnSpc>
+            <a:spcBef>
+              <a:spcPct val="0"/>
+            </a:spcBef>
+            <a:spcAft>
+              <a:spcPct val="35000"/>
+            </a:spcAft>
+            <a:buNone/>
+          </a:pPr>
+          <a:r>
+            <a:rPr lang="de-DE" sz="1000" kern="1200" dirty="0" err="1"/>
+            <a:t>Kubenet</a:t>
+          </a:r>
+          <a:endParaRPr lang="de-DE" sz="1000" kern="1200" dirty="0"/>
+        </a:p>
+      </dsp:txBody>
+      <dsp:txXfrm>
+        <a:off x="565890" y="2499536"/>
+        <a:ext cx="7691910" cy="266379"/>
+      </dsp:txXfrm>
+    </dsp:sp>
+    <dsp:sp modelId="{4A4934C8-157F-D942-B565-AEFEC9CC711D}">
+      <dsp:nvSpPr>
+        <dsp:cNvPr id="0" name=""/>
+        <dsp:cNvSpPr/>
+      </dsp:nvSpPr>
+      <dsp:spPr>
+        <a:xfrm>
+          <a:off x="0" y="3251701"/>
+          <a:ext cx="11029615" cy="417375"/>
+        </a:xfrm>
+        <a:prstGeom prst="rect">
+          <a:avLst/>
+        </a:prstGeom>
+        <a:solidFill>
+          <a:schemeClr val="lt1">
+            <a:alpha val="90000"/>
+            <a:hueOff val="0"/>
+            <a:satOff val="0"/>
+            <a:lumOff val="0"/>
+            <a:alphaOff val="0"/>
+          </a:schemeClr>
+        </a:solidFill>
+        <a:ln w="22225" cap="rnd" cmpd="sng" algn="ctr">
+          <a:solidFill>
+            <a:schemeClr val="accent1">
+              <a:hueOff val="0"/>
+              <a:satOff val="0"/>
+              <a:lumOff val="0"/>
+              <a:alphaOff val="0"/>
+            </a:schemeClr>
+          </a:solidFill>
+          <a:prstDash val="solid"/>
+        </a:ln>
+        <a:effectLst/>
+      </dsp:spPr>
+      <dsp:style>
+        <a:lnRef idx="2">
+          <a:scrgbClr r="0" g="0" b="0"/>
+        </a:lnRef>
+        <a:fillRef idx="1">
+          <a:scrgbClr r="0" g="0" b="0"/>
+        </a:fillRef>
+        <a:effectRef idx="0">
+          <a:scrgbClr r="0" g="0" b="0"/>
+        </a:effectRef>
+        <a:fontRef idx="minor"/>
+      </dsp:style>
+      <dsp:txBody>
+        <a:bodyPr spcFirstLastPara="0" vert="horz" wrap="square" lIns="856021" tIns="208280" rIns="856021" bIns="71120" numCol="1" spcCol="1270" anchor="t" anchorCtr="0">
+          <a:noAutofit/>
+        </a:bodyPr>
+        <a:lstStyle/>
+        <a:p>
+          <a:pPr marL="57150" lvl="1" indent="-57150" algn="l" defTabSz="444500">
+            <a:lnSpc>
+              <a:spcPct val="90000"/>
+            </a:lnSpc>
+            <a:spcBef>
+              <a:spcPct val="0"/>
+            </a:spcBef>
+            <a:spcAft>
+              <a:spcPct val="15000"/>
+            </a:spcAft>
+            <a:buChar char="•"/>
+          </a:pPr>
+          <a:r>
+            <a:rPr lang="de-DE" sz="1000" kern="1200" dirty="0">
+              <a:hlinkClick xmlns:r="http://schemas.openxmlformats.org/officeDocument/2006/relationships" r:id="rId4"/>
+            </a:rPr>
+            <a:t>https://aristanetworks.github.io/openmgmt/examples/golang/</a:t>
+          </a:r>
+          <a:r>
+            <a:rPr lang="de-DE" sz="1000" kern="1200" dirty="0"/>
+            <a:t> </a:t>
+          </a:r>
+          <a:endParaRPr lang="en-US" sz="1000" kern="1200" dirty="0"/>
+        </a:p>
+      </dsp:txBody>
+      <dsp:txXfrm>
+        <a:off x="0" y="3251701"/>
+        <a:ext cx="11029615" cy="417375"/>
+      </dsp:txXfrm>
+    </dsp:sp>
+    <dsp:sp modelId="{17974B63-DC4C-AC4F-B235-4D90E1E6FE40}">
+      <dsp:nvSpPr>
+        <dsp:cNvPr id="0" name=""/>
+        <dsp:cNvSpPr/>
+      </dsp:nvSpPr>
+      <dsp:spPr>
+        <a:xfrm>
+          <a:off x="551480" y="3104101"/>
+          <a:ext cx="7720730" cy="295199"/>
+        </a:xfrm>
+        <a:prstGeom prst="roundRect">
+          <a:avLst/>
+        </a:prstGeom>
+        <a:solidFill>
+          <a:schemeClr val="accent1">
+            <a:hueOff val="0"/>
+            <a:satOff val="0"/>
+            <a:lumOff val="0"/>
+            <a:alphaOff val="0"/>
+          </a:schemeClr>
+        </a:solidFill>
+        <a:ln w="22225" cap="rnd" cmpd="sng" algn="ctr">
+          <a:solidFill>
+            <a:schemeClr val="lt1">
+              <a:hueOff val="0"/>
+              <a:satOff val="0"/>
+              <a:lumOff val="0"/>
+              <a:alphaOff val="0"/>
+            </a:schemeClr>
+          </a:solidFill>
+          <a:prstDash val="solid"/>
+        </a:ln>
+        <a:effectLst/>
+      </dsp:spPr>
+      <dsp:style>
+        <a:lnRef idx="2">
+          <a:scrgbClr r="0" g="0" b="0"/>
+        </a:lnRef>
+        <a:fillRef idx="1">
+          <a:scrgbClr r="0" g="0" b="0"/>
+        </a:fillRef>
+        <a:effectRef idx="0">
+          <a:scrgbClr r="0" g="0" b="0"/>
+        </a:effectRef>
+        <a:fontRef idx="minor">
+          <a:schemeClr val="lt1"/>
+        </a:fontRef>
+      </dsp:style>
+      <dsp:txBody>
+        <a:bodyPr spcFirstLastPara="0" vert="horz" wrap="square" lIns="291825" tIns="0" rIns="291825" bIns="0" numCol="1" spcCol="1270" anchor="ctr" anchorCtr="0">
+          <a:noAutofit/>
+        </a:bodyPr>
+        <a:lstStyle/>
+        <a:p>
+          <a:pPr marL="0" lvl="0" indent="0" algn="l" defTabSz="444500">
+            <a:lnSpc>
+              <a:spcPct val="90000"/>
+            </a:lnSpc>
+            <a:spcBef>
+              <a:spcPct val="0"/>
+            </a:spcBef>
+            <a:spcAft>
+              <a:spcPct val="35000"/>
+            </a:spcAft>
+            <a:buNone/>
+          </a:pPr>
+          <a:r>
+            <a:rPr lang="de-DE" sz="1000" kern="1200" dirty="0"/>
+            <a:t>Arista on </a:t>
+          </a:r>
+          <a:r>
+            <a:rPr lang="de-DE" sz="1000" kern="1200" dirty="0" err="1"/>
+            <a:t>gnmi</a:t>
+          </a:r>
+          <a:r>
+            <a:rPr lang="de-DE" sz="1000" kern="1200" dirty="0"/>
+            <a:t> </a:t>
+          </a:r>
+          <a:r>
+            <a:rPr lang="de-DE" sz="1000" kern="1200" dirty="0" err="1"/>
+            <a:t>with</a:t>
+          </a:r>
+          <a:r>
+            <a:rPr lang="de-DE" sz="1000" kern="1200" dirty="0"/>
+            <a:t> GO</a:t>
+          </a:r>
+          <a:endParaRPr lang="en-US" sz="1000" kern="1200" dirty="0"/>
+        </a:p>
+      </dsp:txBody>
+      <dsp:txXfrm>
+        <a:off x="565890" y="3118511"/>
+        <a:ext cx="7691910" cy="266379"/>
+      </dsp:txXfrm>
+    </dsp:sp>
+  </dsp:spTree>
+</dsp:drawing>
+</file>
+
+<file path=ppt/diagrams/layout1.xml><?xml version="1.0" encoding="utf-8"?>
+<dgm:layoutDef xmlns:dgm="http://schemas.openxmlformats.org/drawingml/2006/diagram" xmlns:a="http://schemas.openxmlformats.org/drawingml/2006/main" uniqueId="urn:microsoft.com/office/officeart/2018/5/layout/IconCircleLabelList">
+  <dgm:title val="Icon Circle Label List"/>
+  <dgm:desc val="Use to show non-sequential or grouped chunks of information accompanied by a related visuals. Works best with icons or small pictures with short text captions."/>
+  <dgm:catLst>
+    <dgm:cat type="icon" pri="500"/>
+  </dgm:catLst>
+  <dgm:sampData useDef="1">
+    <dgm:dataModel>
+      <dgm:ptLst/>
+      <dgm:bg/>
+      <dgm:whole/>
+    </dgm:dataModel>
+  </dgm:sampData>
+  <dgm:styleData useDef="1">
+    <dgm:dataModel>
+      <dgm:ptLst/>
+      <dgm:bg/>
+      <dgm:whole/>
+    </dgm:dataModel>
+  </dgm:styleData>
+  <dgm:clrData useDef="1">
+    <dgm:dataModel>
+      <dgm:ptLst/>
+      <dgm:bg/>
+      <dgm:whole/>
+    </dgm:dataModel>
+  </dgm:clrData>
+  <dgm:layoutNode name="root">
+    <dgm:varLst>
+      <dgm:dir/>
+      <dgm:resizeHandles val="exact"/>
+    </dgm:varLst>
+    <dgm:choose name="Name0">
+      <dgm:if name="Name1" axis="self" func="var" arg="dir" op="equ" val="norm">
+        <dgm:alg type="snake">
+          <dgm:param type="grDir" val="tL"/>
+          <dgm:param type="flowDir" val="row"/>
+          <dgm:param type="contDir" val="sameDir"/>
+          <dgm:param type="off" val="ctr"/>
+          <dgm:param type="vertAlign" val="mid"/>
+          <dgm:param type="horzAlign" val="ctr"/>
+        </dgm:alg>
+      </dgm:if>
+      <dgm:else name="Name2">
+        <dgm:alg type="snake">
+          <dgm:param type="grDir" val="tR"/>
+          <dgm:param type="flowDir" val="row"/>
+          <dgm:param type="contDir" val="sameDir"/>
+          <dgm:param type="off" val="ctr"/>
+          <dgm:param type="vertAlign" val="mid"/>
+          <dgm:param type="horzAlign" val="ctr"/>
+        </dgm:alg>
+      </dgm:else>
+    </dgm:choose>
+    <dgm:shape xmlns:r="http://schemas.openxmlformats.org/officeDocument/2006/relationships" r:blip="">
+      <dgm:adjLst/>
+    </dgm:shape>
+    <dgm:presOf/>
+    <dgm:choose name="Name3">
+      <dgm:if name="Name4" axis="ch" ptType="node" func="cnt" op="lte" val="2">
+        <dgm:constrLst>
+          <dgm:constr type="h" for="ch" forName="compNode" refType="h" fact="0.4"/>
+          <dgm:constr type="w" for="ch" forName="compNode" val="100"/>
+          <dgm:constr type="w" for="ch" forName="sibTrans" refType="w" refFor="ch" refForName="compNode" fact="0.175"/>
+          <dgm:constr type="sp" refType="w" refFor="ch" refForName="compNode" op="equ" fact="0.25"/>
+          <dgm:constr type="primFontSz" for="des" ptType="node" op="equ" val="44"/>
+          <dgm:constr type="h" for="des" forName="compNode" op="equ"/>
+          <dgm:constr type="h" for="des" forName="textRect" op="equ"/>
+        </dgm:constrLst>
+      </dgm:if>
+      <dgm:if name="Name5" axis="ch" ptType="node" func="cnt" op="lte" val="3">
+        <dgm:constrLst>
+          <dgm:constr type="h" for="ch" forName="compNode" refType="h" fact="0.4"/>
+          <dgm:constr type="w" for="ch" forName="compNode" val="100"/>
+          <dgm:constr type="w" for="ch" forName="sibTrans" refType="w" refFor="ch" refForName="compNode" fact="0.175"/>
+          <dgm:constr type="sp" refType="w" refFor="ch" refForName="compNode" op="equ" fact="0.25"/>
+          <dgm:constr type="primFontSz" for="des" ptType="node" op="equ" val="40"/>
+          <dgm:constr type="h" for="des" forName="compNode" op="equ"/>
+          <dgm:constr type="h" for="des" forName="textRect" op="equ"/>
+        </dgm:constrLst>
+      </dgm:if>
+      <dgm:if name="Name6" axis="ch" ptType="node" func="cnt" op="lte" val="4">
+        <dgm:constrLst>
+          <dgm:constr type="h" for="ch" forName="compNode" refType="h" fact="0.4"/>
+          <dgm:constr type="w" for="ch" forName="compNode" refType="w"/>
+          <dgm:constr type="w" for="ch" forName="sibTrans" refType="w" refFor="ch" refForName="compNode" fact="0.175"/>
+          <dgm:constr type="sp" refType="w" refFor="ch" refForName="compNode" op="equ" fact="0.25"/>
+          <dgm:constr type="primFontSz" for="des" ptType="node" op="equ" val="32"/>
+          <dgm:constr type="h" for="des" forName="compNode" op="equ"/>
+          <dgm:constr type="h" for="des" forName="textRect" op="equ"/>
+        </dgm:constrLst>
+      </dgm:if>
+      <dgm:else name="Name7">
+        <dgm:constrLst>
+          <dgm:constr type="h" for="ch" forName="compNode" refType="h" fact="0.4"/>
+          <dgm:constr type="w" for="ch" forName="compNode" refType="w"/>
+          <dgm:constr type="w" for="ch" forName="sibTrans" refType="w" refFor="ch" refForName="compNode" fact="0.175"/>
+          <dgm:constr type="sp" refType="w" refFor="ch" refForName="compNode" op="equ" fact="0.25"/>
+          <dgm:constr type="primFontSz" for="des" ptType="node" op="equ" val="24"/>
+          <dgm:constr type="h" for="des" forName="compNode" op="equ"/>
+          <dgm:constr type="h" for="des" forName="textRect" op="equ"/>
+        </dgm:constrLst>
+      </dgm:else>
+    </dgm:choose>
+    <dgm:ruleLst>
+      <dgm:rule type="w" for="ch" forName="compNode" val="50" fact="NaN" max="NaN"/>
+    </dgm:ruleLst>
+    <dgm:forEach name="Name8" axis="ch" ptType="node">
+      <dgm:layoutNode name="compNode">
+        <dgm:alg type="composite"/>
+        <dgm:shape xmlns:r="http://schemas.openxmlformats.org/officeDocument/2006/relationships" r:blip="">
+          <dgm:adjLst/>
+        </dgm:shape>
+        <dgm:presOf axis="self"/>
+        <dgm:constrLst>
+          <dgm:constr type="w" for="ch" forName="iconBgRect" refType="w" fact="0.61"/>
+          <dgm:constr type="h" for="ch" forName="iconBgRect" refType="w" refFor="ch" refForName="iconBgRect"/>
+          <dgm:constr type="t" for="ch" forName="iconBgRect"/>
+          <dgm:constr type="ctrX" for="ch" forName="iconBgRect" refType="w" fact="0.5"/>
+          <dgm:constr type="w" for="ch" forName="iconRect" refType="w" fact="0.35"/>
+          <dgm:constr type="h" for="ch" forName="iconRect" refType="w" refFor="ch" refForName="iconRect"/>
+          <dgm:constr type="ctrX" for="ch" forName="iconRect" refType="ctrX" refFor="ch" refForName="iconBgRect"/>
+          <dgm:constr type="ctrY" for="ch" forName="iconRect" refType="ctrY" refFor="ch" refForName="iconBgRect"/>
+          <dgm:constr type="h" for="ch" forName="spaceRect" refType="w" fact="0.19"/>
+          <dgm:constr type="w" for="ch" forName="spaceRect" refType="w"/>
+          <dgm:constr type="l" for="ch" forName="spaceRect"/>
+          <dgm:constr type="t" for="ch" forName="spaceRect" refType="b" refFor="ch" refForName="iconBgRect"/>
+          <dgm:constr type="h" for="ch" forName="textRect" val="20"/>
+          <dgm:constr type="w" for="ch" forName="textRect" refType="w"/>
+          <dgm:constr type="l" for="ch" forName="textRect"/>
+          <dgm:constr type="t" for="ch" forName="textRect" refType="b" refFor="ch" refForName="spaceRect"/>
+        </dgm:constrLst>
+        <dgm:ruleLst>
+          <dgm:rule type="h" val="INF" fact="NaN" max="NaN"/>
+        </dgm:ruleLst>
+        <dgm:layoutNode name="iconBgRect" styleLbl="bgShp">
+          <dgm:alg type="sp"/>
+          <dgm:shape xmlns:r="http://schemas.openxmlformats.org/officeDocument/2006/relationships" type="ellipse" r:blip="">
+            <dgm:adjLst/>
+          </dgm:shape>
+          <dgm:presOf/>
+          <dgm:constrLst/>
+          <dgm:ruleLst/>
+        </dgm:layoutNode>
+        <dgm:layoutNode name="iconRect" styleLbl="node1">
+          <dgm:alg type="sp"/>
+          <dgm:shape xmlns:r="http://schemas.openxmlformats.org/officeDocument/2006/relationships" type="rect" r:blip="" blipPhldr="1">
+            <dgm:adjLst/>
+          </dgm:shape>
+          <dgm:presOf/>
+          <dgm:constrLst/>
+          <dgm:ruleLst/>
+        </dgm:layoutNode>
+        <dgm:layoutNode name="spaceRect">
+          <dgm:alg type="sp"/>
+          <dgm:shape xmlns:r="http://schemas.openxmlformats.org/officeDocument/2006/relationships" r:blip="">
+            <dgm:adjLst/>
+          </dgm:shape>
+          <dgm:presOf/>
+          <dgm:constrLst/>
+          <dgm:ruleLst/>
+        </dgm:layoutNode>
+        <dgm:layoutNode name="textRect" styleLbl="revTx">
+          <dgm:varLst>
+            <dgm:chMax val="1"/>
+            <dgm:chPref val="1"/>
+          </dgm:varLst>
+          <dgm:alg type="tx">
+            <dgm:param type="txAnchorVert" val="t"/>
+          </dgm:alg>
+          <dgm:shape xmlns:r="http://schemas.openxmlformats.org/officeDocument/2006/relationships" type="rect" r:blip="">
+            <dgm:adjLst/>
+          </dgm:shape>
+          <dgm:presOf axis="self" ptType="node"/>
+          <dgm:constrLst>
+            <dgm:constr type="lMarg"/>
+            <dgm:constr type="rMarg"/>
+            <dgm:constr type="tMarg"/>
+            <dgm:constr type="bMarg"/>
+          </dgm:constrLst>
+          <dgm:ruleLst>
+            <dgm:rule type="primFontSz" val="11" fact="NaN" max="NaN"/>
+            <dgm:rule type="h" val="INF" fact="NaN" max="NaN"/>
+          </dgm:ruleLst>
+        </dgm:layoutNode>
+      </dgm:layoutNode>
+      <dgm:forEach name="Name9" axis="followSib" ptType="sibTrans" cnt="1">
+        <dgm:layoutNode name="sibTrans">
+          <dgm:alg type="sp"/>
+          <dgm:shape xmlns:r="http://schemas.openxmlformats.org/officeDocument/2006/relationships" r:blip="">
+            <dgm:adjLst/>
+          </dgm:shape>
+          <dgm:presOf axis="self"/>
+          <dgm:constrLst/>
+          <dgm:ruleLst/>
+        </dgm:layoutNode>
+      </dgm:forEach>
+    </dgm:forEach>
+  </dgm:layoutNode>
+  <dgm:extLst>
+    <a:ext uri="{68A01E43-0DF5-4B5B-8FA6-DAF915123BFB}">
+      <dgm1612:lstStyle xmlns:dgm1612="http://schemas.microsoft.com/office/drawing/2016/12/diagram">
+        <a:lvl1pPr>
+          <a:lnSpc>
+            <a:spcPct val="100000"/>
+          </a:lnSpc>
+          <a:defRPr cap="all"/>
+        </a:lvl1pPr>
+      </dgm1612:lstStyle>
+    </a:ext>
+  </dgm:extLst>
+</dgm:layoutDef>
+</file>
+
+<file path=ppt/diagrams/layout2.xml><?xml version="1.0" encoding="utf-8"?>
+<dgm:layoutDef xmlns:dgm="http://schemas.openxmlformats.org/drawingml/2006/diagram" xmlns:a="http://schemas.openxmlformats.org/drawingml/2006/main" uniqueId="urn:microsoft.com/office/officeart/2005/8/layout/list1">
+  <dgm:title val=""/>
+  <dgm:desc val=""/>
+  <dgm:catLst>
+    <dgm:cat type="list" pri="4000"/>
+  </dgm:catLst>
+  <dgm:sampData>
+    <dgm:dataModel>
+      <dgm:ptLst>
+        <dgm:pt modelId="0" type="doc"/>
+        <dgm:pt modelId="1">
+          <dgm:prSet phldr="1"/>
+        </dgm:pt>
+        <dgm:pt modelId="2">
+          <dgm:prSet phldr="1"/>
+        </dgm:pt>
+        <dgm:pt modelId="3">
+          <dgm:prSet phldr="1"/>
+        </dgm:pt>
+      </dgm:ptLst>
+      <dgm:cxnLst>
+        <dgm:cxn modelId="4" srcId="0" destId="1" srcOrd="0" destOrd="0"/>
+        <dgm:cxn modelId="5" srcId="0" destId="2" srcOrd="1" destOrd="0"/>
+        <dgm:cxn modelId="6" srcId="0" destId="3" srcOrd="2" destOrd="0"/>
+      </dgm:cxnLst>
+      <dgm:bg/>
+      <dgm:whole/>
+    </dgm:dataModel>
+  </dgm:sampData>
+  <dgm:styleData>
+    <dgm:dataModel>
+      <dgm:ptLst>
+        <dgm:pt modelId="0" type="doc"/>
+        <dgm:pt modelId="1"/>
+        <dgm:pt modelId="2"/>
+      </dgm:ptLst>
+      <dgm:cxnLst>
+        <dgm:cxn modelId="4" srcId="0" destId="1" srcOrd="0" destOrd="0"/>
+        <dgm:cxn modelId="5" srcId="0" destId="2" srcOrd="1" destOrd="0"/>
+      </dgm:cxnLst>
+      <dgm:bg/>
+      <dgm:whole/>
+    </dgm:dataModel>
+  </dgm:styleData>
+  <dgm:clrData>
+    <dgm:dataModel>
+      <dgm:ptLst>
+        <dgm:pt modelId="0" type="doc"/>
+        <dgm:pt modelId="1"/>
+        <dgm:pt modelId="2"/>
+        <dgm:pt modelId="3"/>
+        <dgm:pt modelId="4"/>
+      </dgm:ptLst>
+      <dgm:cxnLst>
+        <dgm:cxn modelId="5" srcId="0" destId="1" srcOrd="0" destOrd="0"/>
+        <dgm:cxn modelId="6" srcId="0" destId="2" srcOrd="1" destOrd="0"/>
+        <dgm:cxn modelId="7" srcId="0" destId="3" srcOrd="2" destOrd="0"/>
+        <dgm:cxn modelId="8" srcId="0" destId="4" srcOrd="3" destOrd="0"/>
+      </dgm:cxnLst>
+      <dgm:bg/>
+      <dgm:whole/>
+    </dgm:dataModel>
+  </dgm:clrData>
+  <dgm:layoutNode name="linear">
+    <dgm:varLst>
+      <dgm:dir/>
+      <dgm:animLvl val="lvl"/>
+      <dgm:resizeHandles val="exact"/>
+    </dgm:varLst>
+    <dgm:choose name="Name0">
+      <dgm:if name="Name1" func="var" arg="dir" op="equ" val="norm">
+        <dgm:alg type="lin">
+          <dgm:param type="linDir" val="fromT"/>
+          <dgm:param type="vertAlign" val="mid"/>
+          <dgm:param type="horzAlign" val="l"/>
+          <dgm:param type="nodeHorzAlign" val="l"/>
+        </dgm:alg>
+      </dgm:if>
+      <dgm:else name="Name2">
+        <dgm:alg type="lin">
+          <dgm:param type="linDir" val="fromT"/>
+          <dgm:param type="vertAlign" val="mid"/>
+          <dgm:param type="horzAlign" val="r"/>
+          <dgm:param type="nodeHorzAlign" val="r"/>
+        </dgm:alg>
+      </dgm:else>
+    </dgm:choose>
+    <dgm:shape xmlns:r="http://schemas.openxmlformats.org/officeDocument/2006/relationships" r:blip="">
+      <dgm:adjLst/>
+    </dgm:shape>
+    <dgm:presOf/>
+    <dgm:constrLst>
+      <dgm:constr type="w" for="ch" forName="parentLin" refType="w"/>
+      <dgm:constr type="h" for="ch" forName="parentLin" val="INF"/>
+      <dgm:constr type="w" for="des" forName="parentLeftMargin" refType="w" fact="0.05"/>
+      <dgm:constr type="w" for="des" forName="parentText" refType="w" fact="0.7"/>
+      <dgm:constr type="h" for="des" forName="parentText" refType="primFontSz" refFor="des" refForName="parentText" fact="0.82"/>
+      <dgm:constr type="h" for="ch" forName="negativeSpace" refType="primFontSz" refFor="des" refForName="parentText" fact="-0.41"/>
+      <dgm:constr type="h" for="ch" forName="negativeSpace" refType="h" refFor="des" refForName="parentText" op="lte" fact="-0.82"/>
+      <dgm:constr type="h" for="ch" forName="negativeSpace" refType="h" refFor="des" refForName="parentText" op="gte" fact="-0.82"/>
+      <dgm:constr type="w" for="ch" forName="childText" refType="w"/>
+      <dgm:constr type="h" for="ch" forName="childText" refType="primFontSz" refFor="des" refForName="parentText" fact="0.7"/>
+      <dgm:constr type="primFontSz" for="des" forName="parentText" val="65"/>
+      <dgm:constr type="primFontSz" for="ch" forName="childText" refType="primFontSz" refFor="des" refForName="parentText"/>
+      <dgm:constr type="tMarg" for="ch" forName="childText" refType="primFontSz" refFor="des" refForName="parentText" fact="1.64"/>
+      <dgm:constr type="tMarg" for="ch" forName="childText" refType="h" refFor="des" refForName="parentText" op="lte" fact="3.28"/>
+      <dgm:constr type="tMarg" for="ch" forName="childText" refType="h" refFor="des" refForName="parentText" op="gte" fact="3.28"/>
+      <dgm:constr type="lMarg" for="ch" forName="childText" refType="w" fact="0.22"/>
+      <dgm:constr type="rMarg" for="ch" forName="childText" refType="lMarg" refFor="ch" refForName="childText"/>
+      <dgm:constr type="lMarg" for="des" forName="parentText" refType="w" fact="0.075"/>
+      <dgm:constr type="rMarg" for="des" forName="parentText" refType="lMarg" refFor="des" refForName="parentText"/>
+      <dgm:constr type="h" for="ch" forName="spaceBetweenRectangles" refType="primFontSz" refFor="des" refForName="parentText" fact="0.15"/>
+    </dgm:constrLst>
+    <dgm:ruleLst>
+      <dgm:rule type="primFontSz" for="des" forName="parentText" val="5" fact="NaN" max="NaN"/>
+    </dgm:ruleLst>
+    <dgm:forEach name="Name3" axis="ch" ptType="node">
+      <dgm:layoutNode name="parentLin">
+        <dgm:choose name="Name4">
+          <dgm:if name="Name5" func="var" arg="dir" op="equ" val="norm">
+            <dgm:alg type="lin">
+              <dgm:param type="linDir" val="fromL"/>
+              <dgm:param type="horzAlign" val="l"/>
+              <dgm:param type="nodeHorzAlign" val="l"/>
+            </dgm:alg>
+          </dgm:if>
+          <dgm:else name="Name6">
+            <dgm:alg type="lin">
+              <dgm:param type="linDir" val="fromR"/>
+              <dgm:param type="horzAlign" val="r"/>
+              <dgm:param type="nodeHorzAlign" val="r"/>
+            </dgm:alg>
+          </dgm:else>
+        </dgm:choose>
+        <dgm:shape xmlns:r="http://schemas.openxmlformats.org/officeDocument/2006/relationships" r:blip="">
+          <dgm:adjLst/>
+        </dgm:shape>
+        <dgm:presOf/>
+        <dgm:constrLst/>
+        <dgm:ruleLst/>
+        <dgm:layoutNode name="parentLeftMargin">
+          <dgm:alg type="sp"/>
+          <dgm:shape xmlns:r="http://schemas.openxmlformats.org/officeDocument/2006/relationships" type="rect" r:blip="" hideGeom="1">
+            <dgm:adjLst/>
+          </dgm:shape>
+          <dgm:presOf axis="self"/>
+          <dgm:constrLst>
+            <dgm:constr type="h"/>
+          </dgm:constrLst>
+          <dgm:ruleLst/>
+        </dgm:layoutNode>
+        <dgm:layoutNode name="parentText" styleLbl="node1">
+          <dgm:varLst>
+            <dgm:chMax val="0"/>
+            <dgm:bulletEnabled val="1"/>
+          </dgm:varLst>
+          <dgm:choose name="Name7">
+            <dgm:if name="Name8" func="var" arg="dir" op="equ" val="norm">
+              <dgm:alg type="tx">
+                <dgm:param type="parTxLTRAlign" val="l"/>
+                <dgm:param type="parTxRTLAlign" val="l"/>
+              </dgm:alg>
+            </dgm:if>
+            <dgm:else name="Name9">
+              <dgm:alg type="tx">
+                <dgm:param type="parTxLTRAlign" val="r"/>
+                <dgm:param type="parTxRTLAlign" val="r"/>
+              </dgm:alg>
+            </dgm:else>
+          </dgm:choose>
+          <dgm:shape xmlns:r="http://schemas.openxmlformats.org/officeDocument/2006/relationships" type="roundRect" r:blip="">
+            <dgm:adjLst/>
+          </dgm:shape>
+          <dgm:presOf axis="self" ptType="node"/>
+          <dgm:constrLst>
+            <dgm:constr type="tMarg"/>
+            <dgm:constr type="bMarg"/>
+          </dgm:constrLst>
+          <dgm:ruleLst/>
+        </dgm:layoutNode>
+      </dgm:layoutNode>
+      <dgm:layoutNode name="negativeSpace">
+        <dgm:alg type="sp"/>
+        <dgm:shape xmlns:r="http://schemas.openxmlformats.org/officeDocument/2006/relationships" r:blip="">
+          <dgm:adjLst/>
+        </dgm:shape>
+        <dgm:presOf/>
+        <dgm:constrLst/>
+        <dgm:ruleLst/>
+      </dgm:layoutNode>
+      <dgm:layoutNode name="childText" styleLbl="conFgAcc1">
+        <dgm:varLst>
+          <dgm:bulletEnabled val="1"/>
+        </dgm:varLst>
+        <dgm:alg type="tx">
+          <dgm:param type="stBulletLvl" val="1"/>
+        </dgm:alg>
+        <dgm:shape xmlns:r="http://schemas.openxmlformats.org/officeDocument/2006/relationships" type="rect" r:blip="" zOrderOff="-2">
+          <dgm:adjLst/>
+        </dgm:shape>
+        <dgm:presOf axis="des" ptType="node"/>
+        <dgm:constrLst>
+          <dgm:constr type="secFontSz" refType="primFontSz"/>
+        </dgm:constrLst>
+        <dgm:ruleLst>
+          <dgm:rule type="h" val="INF" fact="NaN" max="NaN"/>
+        </dgm:ruleLst>
+      </dgm:layoutNode>
+      <dgm:forEach name="Name10" axis="followSib" ptType="sibTrans" cnt="1">
+        <dgm:layoutNode name="spaceBetweenRectangles">
+          <dgm:alg type="sp"/>
+          <dgm:shape xmlns:r="http://schemas.openxmlformats.org/officeDocument/2006/relationships" r:blip="">
+            <dgm:adjLst/>
+          </dgm:shape>
+          <dgm:presOf/>
+          <dgm:constrLst/>
+          <dgm:ruleLst/>
+        </dgm:layoutNode>
+      </dgm:forEach>
+    </dgm:forEach>
+  </dgm:layoutNode>
+</dgm:layoutDef>
+</file>
+
+<file path=ppt/diagrams/quickStyle1.xml><?xml version="1.0" encoding="utf-8"?>
+<dgm:styleDef xmlns:dgm="http://schemas.openxmlformats.org/drawingml/2006/diagram" xmlns:a="http://schemas.openxmlformats.org/drawingml/2006/main" uniqueId="urn:microsoft.com/office/officeart/2005/8/quickstyle/simple1">
+  <dgm:title val=""/>
+  <dgm:desc val=""/>
+  <dgm:catLst>
+    <dgm:cat type="simple" pri="10100"/>
+  </dgm:catLst>
+  <dgm:scene3d>
+    <a:camera prst="orthographicFront"/>
+    <a:lightRig rig="threePt" dir="t"/>
+  </dgm:scene3d>
+  <dgm:styleLbl name="node0">
+    <dgm:scene3d>
+      <a:camera prst="orthographicFront"/>
+      <a:lightRig rig="threePt" dir="t"/>
+    </dgm:scene3d>
+    <dgm:sp3d/>
+    <dgm:txPr/>
+    <dgm:style>
+      <a:lnRef idx="2">
+        <a:scrgbClr r="0" g="0" b="0"/>
+      </a:lnRef>
+      <a:fillRef idx="1">
+        <a:scrgbClr r="0" g="0" b="0"/>
+      </a:fillRef>
+      <a:effectRef idx="0">
+        <a:scrgbClr r="0" g="0" b="0"/>
+      </a:effectRef>
+      <a:fontRef idx="minor">
+        <a:schemeClr val="lt1"/>
+      </a:fontRef>
+    </dgm:style>
+  </dgm:styleLbl>
+  <dgm:styleLbl name="lnNode1">
+    <dgm:scene3d>
+      <a:camera prst="orthographicFront"/>
+      <a:lightRig rig="threePt" dir="t"/>
+    </dgm:scene3d>
+    <dgm:sp3d/>
+    <dgm:txPr/>
+    <dgm:style>
+      <a:lnRef idx="2">
+        <a:scrgbClr r="0" g="0" b="0"/>
+      </a:lnRef>
+      <a:fillRef idx="1">
+        <a:scrgbClr r="0" g="0" b="0"/>
+      </a:fillRef>
+      <a:effectRef idx="0">
+        <a:scrgbClr r="0" g="0" b="0"/>
+      </a:effectRef>
+      <a:fontRef idx="minor">
+        <a:schemeClr val="lt1"/>
+      </a:fontRef>
+    </dgm:style>
+  </dgm:styleLbl>
+  <dgm:styleLbl name="vennNode1">
+    <dgm:scene3d>
+      <a:camera prst="orthographicFront"/>
+      <a:lightRig rig="threePt" dir="t"/>
+    </dgm:scene3d>
+    <dgm:sp3d/>
+    <dgm:txPr/>
+    <dgm:style>
+      <a:lnRef idx="2">
+        <a:scrgbClr r="0" g="0" b="0"/>
+      </a:lnRef>
+      <a:fillRef idx="1">
+        <a:scrgbClr r="0" g="0" b="0"/>
+      </a:fillRef>
+      <a:effectRef idx="0">
+        <a:scrgbClr r="0" g="0" b="0"/>
+      </a:effectRef>
+      <a:fontRef idx="minor">
+        <a:schemeClr val="tx1"/>
+      </a:fontRef>
+    </dgm:style>
+  </dgm:styleLbl>
+  <dgm:styleLbl name="alignNode1">
+    <dgm:scene3d>
+      <a:camera prst="orthographicFront"/>
+      <a:lightRig rig="threePt" dir="t"/>
+    </dgm:scene3d>
+    <dgm:sp3d/>
+    <dgm:txPr/>
+    <dgm:style>
+      <a:lnRef idx="2">
+        <a:scrgbClr r="0" g="0" b="0"/>
+      </a:lnRef>
+      <a:fillRef idx="1">
+        <a:scrgbClr r="0" g="0" b="0"/>
+      </a:fillRef>
+      <a:effectRef idx="0">
+        <a:scrgbClr r="0" g="0" b="0"/>
+      </a:effectRef>
+      <a:fontRef idx="minor">
+        <a:schemeClr val="lt1"/>
+      </a:fontRef>
+    </dgm:style>
+  </dgm:styleLbl>
+  <dgm:styleLbl name="node1">
+    <dgm:scene3d>
+      <a:camera prst="orthographicFront"/>
+      <a:lightRig rig="threePt" dir="t"/>
+    </dgm:scene3d>
+    <dgm:sp3d/>
+    <dgm:txPr/>
+    <dgm:style>
+      <a:lnRef idx="2">
+        <a:scrgbClr r="0" g="0" b="0"/>
+      </a:lnRef>
+      <a:fillRef idx="1">
+        <a:scrgbClr r="0" g="0" b="0"/>
+      </a:fillRef>
+      <a:effectRef idx="0">
+        <a:scrgbClr r="0" g="0" b="0"/>
+      </a:effectRef>
+      <a:fontRef idx="minor">
+        <a:schemeClr val="lt1"/>
+      </a:fontRef>
+    </dgm:style>
+  </dgm:styleLbl>
+  <dgm:styleLbl name="node2">
+    <dgm:scene3d>
+      <a:camera prst="orthographicFront"/>
+      <a:lightRig rig="threePt" dir="t"/>
+    </dgm:scene3d>
+    <dgm:sp3d/>
+    <dgm:txPr/>
+    <dgm:style>
+      <a:lnRef idx="2">
+        <a:scrgbClr r="0" g="0" b="0"/>
+      </a:lnRef>
+      <a:fillRef idx="1">
+        <a:scrgbClr r="0" g="0" b="0"/>
+      </a:fillRef>
+      <a:effectRef idx="0">
+        <a:scrgbClr r="0" g="0" b="0"/>
+      </a:effectRef>
+      <a:fontRef idx="minor">
+        <a:schemeClr val="lt1"/>
+      </a:fontRef>
+    </dgm:style>
+  </dgm:styleLbl>
+  <dgm:styleLbl name="node3">
+    <dgm:scene3d>
+      <a:camera prst="orthographicFront"/>
+      <a:lightRig rig="threePt" dir="t"/>
+    </dgm:scene3d>
+    <dgm:sp3d/>
+    <dgm:txPr/>
+    <dgm:style>
+      <a:lnRef idx="2">
+        <a:scrgbClr r="0" g="0" b="0"/>
+      </a:lnRef>
+      <a:fillRef idx="1">
+        <a:scrgbClr r="0" g="0" b="0"/>
+      </a:fillRef>
+      <a:effectRef idx="0">
+        <a:scrgbClr r="0" g="0" b="0"/>
+      </a:effectRef>
+      <a:fontRef idx="minor">
+        <a:schemeClr val="lt1"/>
+      </a:fontRef>
+    </dgm:style>
+  </dgm:styleLbl>
+  <dgm:styleLbl name="node4">
+    <dgm:scene3d>
+      <a:camera prst="orthographicFront"/>
+      <a:lightRig rig="threePt" dir="t"/>
+    </dgm:scene3d>
+    <dgm:sp3d/>
+    <dgm:txPr/>
+    <dgm:style>
+      <a:lnRef idx="2">
+        <a:scrgbClr r="0" g="0" b="0"/>
+      </a:lnRef>
+      <a:fillRef idx="1">
+        <a:scrgbClr r="0" g="0" b="0"/>
+      </a:fillRef>
+      <a:effectRef idx="0">
+        <a:scrgbClr r="0" g="0" b="0"/>
+      </a:effectRef>
+      <a:fontRef idx="minor">
+        <a:schemeClr val="lt1"/>
+      </a:fontRef>
+    </dgm:style>
+  </dgm:styleLbl>
+  <dgm:styleLbl name="fgImgPlace1">
+    <dgm:scene3d>
+      <a:camera prst="orthographicFront"/>
+      <a:lightRig rig="threePt" dir="t"/>
+    </dgm:scene3d>
+    <dgm:sp3d/>
+    <dgm:txPr/>
+    <dgm:style>
+      <a:lnRef idx="2">
+        <a:scrgbClr r="0" g="0" b="0"/>
+      </a:lnRef>
+      <a:fillRef idx="1">
+        <a:scrgbClr r="0" g="0" b="0"/>
+      </a:fillRef>
+      <a:effectRef idx="0">
+        <a:scrgbClr r="0" g="0" b="0"/>
+      </a:effectRef>
+      <a:fontRef idx="minor"/>
+    </dgm:style>
+  </dgm:styleLbl>
+  <dgm:styleLbl name="alignImgPlace1">
+    <dgm:scene3d>
+      <a:camera prst="orthographicFront"/>
+      <a:lightRig rig="threePt" dir="t"/>
+    </dgm:scene3d>
+    <dgm:sp3d/>
+    <dgm:txPr/>
+    <dgm:style>
+      <a:lnRef idx="2">
+        <a:scrgbClr r="0" g="0" b="0"/>
+      </a:lnRef>
+      <a:fillRef idx="1">
+        <a:scrgbClr r="0" g="0" b="0"/>
+      </a:fillRef>
+      <a:effectRef idx="0">
+        <a:scrgbClr r="0" g="0" b="0"/>
+      </a:effectRef>
+      <a:fontRef idx="minor"/>
+    </dgm:style>
+  </dgm:styleLbl>
+  <dgm:styleLbl name="bgImgPlace1">
+    <dgm:scene3d>
+      <a:camera prst="orthographicFront"/>
+      <a:lightRig rig="threePt" dir="t"/>
+    </dgm:scene3d>
+    <dgm:sp3d/>
+    <dgm:txPr/>
+    <dgm:style>
+      <a:lnRef idx="2">
+        <a:scrgbClr r="0" g="0" b="0"/>
+      </a:lnRef>
+      <a:fillRef idx="1">
+        <a:scrgbClr r="0" g="0" b="0"/>
+      </a:fillRef>
+      <a:effectRef idx="0">
+        <a:scrgbClr r="0" g="0" b="0"/>
+      </a:effectRef>
+      <a:fontRef idx="minor"/>
+    </dgm:style>
+  </dgm:styleLbl>
+  <dgm:styleLbl name="sibTrans2D1">
+    <dgm:scene3d>
+      <a:camera prst="orthographicFront"/>
+      <a:lightRig rig="threePt" dir="t"/>
+    </dgm:scene3d>
+    <dgm:sp3d/>
+    <dgm:txPr/>
+    <dgm:style>
+      <a:lnRef idx="0">
+        <a:scrgbClr r="0" g="0" b="0"/>
+      </a:lnRef>
+      <a:fillRef idx="1">
+        <a:scrgbClr r="0" g="0" b="0"/>
+      </a:fillRef>
+      <a:effectRef idx="0">
+        <a:scrgbClr r="0" g="0" b="0"/>
+      </a:effectRef>
+      <a:fontRef idx="minor">
+        <a:schemeClr val="lt1"/>
+      </a:fontRef>
+    </dgm:style>
+  </dgm:styleLbl>
+  <dgm:styleLbl name="fgSibTrans2D1">
+    <dgm:scene3d>
+      <a:camera prst="orthographicFront"/>
+      <a:lightRig rig="threePt" dir="t"/>
+    </dgm:scene3d>
+    <dgm:sp3d/>
+    <dgm:txPr/>
+    <dgm:style>
+      <a:lnRef idx="0">
+        <a:scrgbClr r="0" g="0" b="0"/>
+      </a:lnRef>
+      <a:fillRef idx="1">
+        <a:scrgbClr r="0" g="0" b="0"/>
+      </a:fillRef>
+      <a:effectRef idx="0">
+        <a:scrgbClr r="0" g="0" b="0"/>
+      </a:effectRef>
+      <a:fontRef idx="minor">
+        <a:schemeClr val="lt1"/>
+      </a:fontRef>
+    </dgm:style>
+  </dgm:styleLbl>
+  <dgm:styleLbl name="bgSibTrans2D1">
+    <dgm:scene3d>
+      <a:camera prst="orthographicFront"/>
+      <a:lightRig rig="threePt" dir="t"/>
+    </dgm:scene3d>
+    <dgm:sp3d/>
+    <dgm:txPr/>
+    <dgm:style>
+      <a:lnRef idx="0">
+        <a:scrgbClr r="0" g="0" b="0"/>
+      </a:lnRef>
+      <a:fillRef idx="1">
+        <a:scrgbClr r="0" g="0" b="0"/>
+      </a:fillRef>
+      <a:effectRef idx="0">
+        <a:scrgbClr r="0" g="0" b="0"/>
+      </a:effectRef>
+      <a:fontRef idx="minor">
+        <a:schemeClr val="lt1"/>
+      </a:fontRef>
+    </dgm:style>
+  </dgm:styleLbl>
+  <dgm:styleLbl name="sibTrans1D1">
+    <dgm:scene3d>
+      <a:camera prst="orthographicFront"/>
+      <a:lightRig rig="threePt" dir="t"/>
+    </dgm:scene3d>
+    <dgm:sp3d/>
+    <dgm:txPr/>
+    <dgm:style>
+      <a:lnRef idx="1">
+        <a:scrgbClr r="0" g="0" b="0"/>
+      </a:lnRef>
+      <a:fillRef idx="0">
+        <a:scrgbClr r="0" g="0" b="0"/>
+      </a:fillRef>
+      <a:effectRef idx="0">
+        <a:scrgbClr r="0" g="0" b="0"/>
+      </a:effectRef>
+      <a:fontRef idx="minor"/>
+    </dgm:style>
+  </dgm:styleLbl>
+  <dgm:styleLbl name="callout">
+    <dgm:scene3d>
+      <a:camera prst="orthographicFront"/>
+      <a:lightRig rig="threePt" dir="t"/>
+    </dgm:scene3d>
+    <dgm:sp3d/>
+    <dgm:txPr/>
+    <dgm:style>
+      <a:lnRef idx="2">
+        <a:scrgbClr r="0" g="0" b="0"/>
+      </a:lnRef>
+      <a:fillRef idx="1">
+        <a:scrgbClr r="0" g="0" b="0"/>
+      </a:fillRef>
+      <a:effectRef idx="0">
+        <a:scrgbClr r="0" g="0" b="0"/>
+      </a:effectRef>
+      <a:fontRef idx="minor"/>
+    </dgm:style>
+  </dgm:styleLbl>
+  <dgm:styleLbl name="asst0">
+    <dgm:scene3d>
+      <a:camera prst="orthographicFront"/>
+      <a:lightRig rig="threePt" dir="t"/>
+    </dgm:scene3d>
+    <dgm:sp3d/>
+    <dgm:txPr/>
+    <dgm:style>
+      <a:lnRef idx="2">
+        <a:scrgbClr r="0" g="0" b="0"/>
+      </a:lnRef>
+      <a:fillRef idx="1">
+        <a:scrgbClr r="0" g="0" b="0"/>
+      </a:fillRef>
+      <a:effectRef idx="0">
+        <a:scrgbClr r="0" g="0" b="0"/>
+      </a:effectRef>
+      <a:fontRef idx="minor">
+        <a:schemeClr val="lt1"/>
+      </a:fontRef>
+    </dgm:style>
+  </dgm:styleLbl>
+  <dgm:styleLbl name="asst1">
+    <dgm:scene3d>
+      <a:camera prst="orthographicFront"/>
+      <a:lightRig rig="threePt" dir="t"/>
+    </dgm:scene3d>
+    <dgm:sp3d/>
+    <dgm:txPr/>
+    <dgm:style>
+      <a:lnRef idx="2">
+        <a:scrgbClr r="0" g="0" b="0"/>
+      </a:lnRef>
+      <a:fillRef idx="1">
+        <a:scrgbClr r="0" g="0" b="0"/>
+      </a:fillRef>
+      <a:effectRef idx="0">
+        <a:scrgbClr r="0" g="0" b="0"/>
+      </a:effectRef>
+      <a:fontRef idx="minor">
+        <a:schemeClr val="lt1"/>
+      </a:fontRef>
+    </dgm:style>
+  </dgm:styleLbl>
+  <dgm:styleLbl name="asst2">
+    <dgm:scene3d>
+      <a:camera prst="orthographicFront"/>
+      <a:lightRig rig="threePt" dir="t"/>
+    </dgm:scene3d>
+    <dgm:sp3d/>
+    <dgm:txPr/>
+    <dgm:style>
+      <a:lnRef idx="2">
+        <a:scrgbClr r="0" g="0" b="0"/>
+      </a:lnRef>
+      <a:fillRef idx="1">
+        <a:scrgbClr r="0" g="0" b="0"/>
+      </a:fillRef>
+      <a:effectRef idx="0">
+        <a:scrgbClr r="0" g="0" b="0"/>
+      </a:effectRef>
+      <a:fontRef idx="minor">
+        <a:schemeClr val="lt1"/>
+      </a:fontRef>
+    </dgm:style>
+  </dgm:styleLbl>
+  <dgm:styleLbl name="asst3">
+    <dgm:scene3d>
+      <a:camera prst="orthographicFront"/>
+      <a:lightRig rig="threePt" dir="t"/>
+    </dgm:scene3d>
+    <dgm:sp3d/>
+    <dgm:txPr/>
+    <dgm:style>
+      <a:lnRef idx="2">
+        <a:scrgbClr r="0" g="0" b="0"/>
+      </a:lnRef>
+      <a:fillRef idx="1">
+        <a:scrgbClr r="0" g="0" b="0"/>
+      </a:fillRef>
+      <a:effectRef idx="0">
+        <a:scrgbClr r="0" g="0" b="0"/>
+      </a:effectRef>
+      <a:fontRef idx="minor">
+        <a:schemeClr val="lt1"/>
+      </a:fontRef>
+    </dgm:style>
+  </dgm:styleLbl>
+  <dgm:styleLbl name="asst4">
+    <dgm:scene3d>
+      <a:camera prst="orthographicFront"/>
+      <a:lightRig rig="threePt" dir="t"/>
+    </dgm:scene3d>
+    <dgm:sp3d/>
+    <dgm:txPr/>
+    <dgm:style>
+      <a:lnRef idx="2">
+        <a:scrgbClr r="0" g="0" b="0"/>
+      </a:lnRef>
+      <a:fillRef idx="1">
+        <a:scrgbClr r="0" g="0" b="0"/>
+      </a:fillRef>
+      <a:effectRef idx="0">
+        <a:scrgbClr r="0" g="0" b="0"/>
+      </a:effectRef>
+      <a:fontRef idx="minor">
+        <a:schemeClr val="lt1"/>
+      </a:fontRef>
+    </dgm:style>
+  </dgm:styleLbl>
+  <dgm:styleLbl name="parChTrans2D1">
+    <dgm:scene3d>
+      <a:camera prst="orthographicFront"/>
+      <a:lightRig rig="threePt" dir="t"/>
+    </dgm:scene3d>
+    <dgm:sp3d/>
+    <dgm:txPr/>
+    <dgm:style>
+      <a:lnRef idx="2">
+        <a:scrgbClr r="0" g="0" b="0"/>
+      </a:lnRef>
+      <a:fillRef idx="1">
+        <a:scrgbClr r="0" g="0" b="0"/>
+      </a:fillRef>
+      <a:effectRef idx="0">
+        <a:scrgbClr r="0" g="0" b="0"/>
+      </a:effectRef>
+      <a:fontRef idx="minor">
+        <a:schemeClr val="lt1"/>
+      </a:fontRef>
+    </dgm:style>
+  </dgm:styleLbl>
+  <dgm:styleLbl name="parChTrans2D2">
+    <dgm:scene3d>
+      <a:camera prst="orthographicFront"/>
+      <a:lightRig rig="threePt" dir="t"/>
+    </dgm:scene3d>
+    <dgm:sp3d/>
+    <dgm:txPr/>
+    <dgm:style>
+      <a:lnRef idx="2">
+        <a:scrgbClr r="0" g="0" b="0"/>
+      </a:lnRef>
+      <a:fillRef idx="1">
+        <a:scrgbClr r="0" g="0" b="0"/>
+      </a:fillRef>
+      <a:effectRef idx="0">
+        <a:scrgbClr r="0" g="0" b="0"/>
+      </a:effectRef>
+      <a:fontRef idx="minor">
+        <a:schemeClr val="lt1"/>
+      </a:fontRef>
+    </dgm:style>
+  </dgm:styleLbl>
+  <dgm:styleLbl name="parChTrans2D3">
+    <dgm:scene3d>
+      <a:camera prst="orthographicFront"/>
+      <a:lightRig rig="threePt" dir="t"/>
+    </dgm:scene3d>
+    <dgm:sp3d/>
+    <dgm:txPr/>
+    <dgm:style>
+      <a:lnRef idx="2">
+        <a:scrgbClr r="0" g="0" b="0"/>
+      </a:lnRef>
+      <a:fillRef idx="1">
+        <a:scrgbClr r="0" g="0" b="0"/>
+      </a:fillRef>
+      <a:effectRef idx="0">
+        <a:scrgbClr r="0" g="0" b="0"/>
+      </a:effectRef>
+      <a:fontRef idx="minor">
+        <a:schemeClr val="lt1"/>
+      </a:fontRef>
+    </dgm:style>
+  </dgm:styleLbl>
+  <dgm:styleLbl name="parChTrans2D4">
+    <dgm:scene3d>
+      <a:camera prst="orthographicFront"/>
+      <a:lightRig rig="threePt" dir="t"/>
+    </dgm:scene3d>
+    <dgm:sp3d/>
+    <dgm:txPr/>
+    <dgm:style>
+      <a:lnRef idx="2">
+        <a:scrgbClr r="0" g="0" b="0"/>
+      </a:lnRef>
+      <a:fillRef idx="1">
+        <a:scrgbClr r="0" g="0" b="0"/>
+      </a:fillRef>
+      <a:effectRef idx="0">
+        <a:scrgbClr r="0" g="0" b="0"/>
+      </a:effectRef>
+      <a:fontRef idx="minor">
+        <a:schemeClr val="lt1"/>
+      </a:fontRef>
+    </dgm:style>
+  </dgm:styleLbl>
+  <dgm:styleLbl name="parChTrans1D1">
+    <dgm:scene3d>
+      <a:camera prst="orthographicFront"/>
+      <a:lightRig rig="threePt" dir="t"/>
+    </dgm:scene3d>
+    <dgm:sp3d/>
+    <dgm:txPr/>
+    <dgm:style>
+      <a:lnRef idx="2">
+        <a:scrgbClr r="0" g="0" b="0"/>
+      </a:lnRef>
+      <a:fillRef idx="0">
+        <a:scrgbClr r="0" g="0" b="0"/>
+      </a:fillRef>
+      <a:effectRef idx="0">
+        <a:scrgbClr r="0" g="0" b="0"/>
+      </a:effectRef>
+      <a:fontRef idx="minor"/>
+    </dgm:style>
+  </dgm:styleLbl>
+  <dgm:styleLbl name="parChTrans1D2">
+    <dgm:scene3d>
+      <a:camera prst="orthographicFront"/>
+      <a:lightRig rig="threePt" dir="t"/>
+    </dgm:scene3d>
+    <dgm:sp3d/>
+    <dgm:txPr/>
+    <dgm:style>
+      <a:lnRef idx="2">
+        <a:scrgbClr r="0" g="0" b="0"/>
+      </a:lnRef>
+      <a:fillRef idx="0">
+        <a:scrgbClr r="0" g="0" b="0"/>
+      </a:fillRef>
+      <a:effectRef idx="0">
+        <a:scrgbClr r="0" g="0" b="0"/>
+      </a:effectRef>
+      <a:fontRef idx="minor"/>
+    </dgm:style>
+  </dgm:styleLbl>
+  <dgm:styleLbl name="parChTrans1D3">
+    <dgm:scene3d>
+      <a:camera prst="orthographicFront"/>
+      <a:lightRig rig="threePt" dir="t"/>
+    </dgm:scene3d>
+    <dgm:sp3d/>
+    <dgm:txPr/>
+    <dgm:style>
+      <a:lnRef idx="2">
+        <a:scrgbClr r="0" g="0" b="0"/>
+      </a:lnRef>
+      <a:fillRef idx="0">
+        <a:scrgbClr r="0" g="0" b="0"/>
+      </a:fillRef>
+      <a:effectRef idx="0">
+        <a:scrgbClr r="0" g="0" b="0"/>
+      </a:effectRef>
+      <a:fontRef idx="minor"/>
+    </dgm:style>
+  </dgm:styleLbl>
+  <dgm:styleLbl name="parChTrans1D4">
+    <dgm:scene3d>
+      <a:camera prst="orthographicFront"/>
+      <a:lightRig rig="threePt" dir="t"/>
+    </dgm:scene3d>
+    <dgm:sp3d/>
+    <dgm:txPr/>
+    <dgm:style>
+      <a:lnRef idx="2">
+        <a:scrgbClr r="0" g="0" b="0"/>
+      </a:lnRef>
+      <a:fillRef idx="0">
+        <a:scrgbClr r="0" g="0" b="0"/>
+      </a:fillRef>
+      <a:effectRef idx="0">
+        <a:scrgbClr r="0" g="0" b="0"/>
+      </a:effectRef>
+      <a:fontRef idx="minor"/>
+    </dgm:style>
+  </dgm:styleLbl>
+  <dgm:styleLbl name="fgAcc1">
+    <dgm:scene3d>
+      <a:camera prst="orthographicFront"/>
+      <a:lightRig rig="threePt" dir="t"/>
+    </dgm:scene3d>
+    <dgm:sp3d/>
+    <dgm:txPr/>
+    <dgm:style>
+      <a:lnRef idx="2">
+        <a:scrgbClr r="0" g="0" b="0"/>
+      </a:lnRef>
+      <a:fillRef idx="1">
+        <a:scrgbClr r="0" g="0" b="0"/>
+      </a:fillRef>
+      <a:effectRef idx="0">
+        <a:scrgbClr r="0" g="0" b="0"/>
+      </a:effectRef>
+      <a:fontRef idx="minor"/>
+    </dgm:style>
+  </dgm:styleLbl>
+  <dgm:styleLbl name="conFgAcc1">
+    <dgm:scene3d>
+      <a:camera prst="orthographicFront"/>
+      <a:lightRig rig="threePt" dir="t"/>
+    </dgm:scene3d>
+    <dgm:sp3d/>
+    <dgm:txPr/>
+    <dgm:style>
+      <a:lnRef idx="2">
+        <a:scrgbClr r="0" g="0" b="0"/>
+      </a:lnRef>
+      <a:fillRef idx="1">
+        <a:scrgbClr r="0" g="0" b="0"/>
+      </a:fillRef>
+      <a:effectRef idx="0">
+        <a:scrgbClr r="0" g="0" b="0"/>
+      </a:effectRef>
+      <a:fontRef idx="minor"/>
+    </dgm:style>
+  </dgm:styleLbl>
+  <dgm:styleLbl name="alignAcc1">
+    <dgm:scene3d>
+      <a:camera prst="orthographicFront"/>
+      <a:lightRig rig="threePt" dir="t"/>
+    </dgm:scene3d>
+    <dgm:sp3d/>
+    <dgm:txPr/>
+    <dgm:style>
+      <a:lnRef idx="2">
+        <a:scrgbClr r="0" g="0" b="0"/>
+      </a:lnRef>
+      <a:fillRef idx="1">
+        <a:scrgbClr r="0" g="0" b="0"/>
+      </a:fillRef>
+      <a:effectRef idx="0">
+        <a:scrgbClr r="0" g="0" b="0"/>
+      </a:effectRef>
+      <a:fontRef idx="minor"/>
+    </dgm:style>
+  </dgm:styleLbl>
+  <dgm:styleLbl name="trAlignAcc1">
+    <dgm:scene3d>
+      <a:camera prst="orthographicFront"/>
+      <a:lightRig rig="threePt" dir="t"/>
+    </dgm:scene3d>
+    <dgm:sp3d/>
+    <dgm:txPr/>
+    <dgm:style>
+      <a:lnRef idx="1">
+        <a:scrgbClr r="0" g="0" b="0"/>
+      </a:lnRef>
+      <a:fillRef idx="1">
+        <a:scrgbClr r="0" g="0" b="0"/>
+      </a:fillRef>
+      <a:effectRef idx="0">
+        <a:scrgbClr r="0" g="0" b="0"/>
+      </a:effectRef>
+      <a:fontRef idx="minor"/>
+    </dgm:style>
+  </dgm:styleLbl>
+  <dgm:styleLbl name="bgAcc1">
+    <dgm:scene3d>
+      <a:camera prst="orthographicFront"/>
+      <a:lightRig rig="threePt" dir="t"/>
+    </dgm:scene3d>
+    <dgm:sp3d/>
+    <dgm:txPr/>
+    <dgm:style>
+      <a:lnRef idx="2">
+        <a:scrgbClr r="0" g="0" b="0"/>
+      </a:lnRef>
+      <a:fillRef idx="1">
+        <a:scrgbClr r="0" g="0" b="0"/>
+      </a:fillRef>
+      <a:effectRef idx="0">
+        <a:scrgbClr r="0" g="0" b="0"/>
+      </a:effectRef>
+      <a:fontRef idx="minor"/>
+    </dgm:style>
+  </dgm:styleLbl>
+  <dgm:styleLbl name="solidFgAcc1">
+    <dgm:scene3d>
+      <a:camera prst="orthographicFront"/>
+      <a:lightRig rig="threePt" dir="t"/>
+    </dgm:scene3d>
+    <dgm:sp3d/>
+    <dgm:txPr/>
+    <dgm:style>
+      <a:lnRef idx="2">
+        <a:scrgbClr r="0" g="0" b="0"/>
+      </a:lnRef>
+      <a:fillRef idx="1">
+        <a:scrgbClr r="0" g="0" b="0"/>
+      </a:fillRef>
+      <a:effectRef idx="0">
+        <a:scrgbClr r="0" g="0" b="0"/>
+      </a:effectRef>
+      <a:fontRef idx="minor"/>
+    </dgm:style>
+  </dgm:styleLbl>
+  <dgm:styleLbl name="solidAlignAcc1">
+    <dgm:scene3d>
+      <a:camera prst="orthographicFront"/>
+      <a:lightRig rig="threePt" dir="t"/>
+    </dgm:scene3d>
+    <dgm:sp3d/>
+    <dgm:txPr/>
+    <dgm:style>
+      <a:lnRef idx="2">
+        <a:scrgbClr r="0" g="0" b="0"/>
+      </a:lnRef>
+      <a:fillRef idx="1">
+        <a:scrgbClr r="0" g="0" b="0"/>
+      </a:fillRef>
+      <a:effectRef idx="0">
+        <a:scrgbClr r="0" g="0" b="0"/>
+      </a:effectRef>
+      <a:fontRef idx="minor"/>
+    </dgm:style>
+  </dgm:styleLbl>
+  <dgm:styleLbl name="solidBgAcc1">
+    <dgm:scene3d>
+      <a:camera prst="orthographicFront"/>
+      <a:lightRig rig="threePt" dir="t"/>
+    </dgm:scene3d>
+    <dgm:sp3d/>
+    <dgm:txPr/>
+    <dgm:style>
+      <a:lnRef idx="2">
+        <a:scrgbClr r="0" g="0" b="0"/>
+      </a:lnRef>
+      <a:fillRef idx="1">
+        <a:scrgbClr r="0" g="0" b="0"/>
+      </a:fillRef>
+      <a:effectRef idx="0">
+        <a:scrgbClr r="0" g="0" b="0"/>
+      </a:effectRef>
+      <a:fontRef idx="minor"/>
+    </dgm:style>
+  </dgm:styleLbl>
+  <dgm:styleLbl name="fgAccFollowNode1">
+    <dgm:scene3d>
+      <a:camera prst="orthographicFront"/>
+      <a:lightRig rig="threePt" dir="t"/>
+    </dgm:scene3d>
+    <dgm:sp3d/>
+    <dgm:txPr/>
+    <dgm:style>
+      <a:lnRef idx="2">
+        <a:scrgbClr r="0" g="0" b="0"/>
+      </a:lnRef>
+      <a:fillRef idx="1">
+        <a:scrgbClr r="0" g="0" b="0"/>
+      </a:fillRef>
+      <a:effectRef idx="0">
+        <a:scrgbClr r="0" g="0" b="0"/>
+      </a:effectRef>
+      <a:fontRef idx="minor"/>
+    </dgm:style>
+  </dgm:styleLbl>
+  <dgm:styleLbl name="alignAccFollowNode1">
+    <dgm:scene3d>
+      <a:camera prst="orthographicFront"/>
+      <a:lightRig rig="threePt" dir="t"/>
+    </dgm:scene3d>
+    <dgm:sp3d/>
+    <dgm:txPr/>
+    <dgm:style>
+      <a:lnRef idx="2">
+        <a:scrgbClr r="0" g="0" b="0"/>
+      </a:lnRef>
+      <a:fillRef idx="1">
+        <a:scrgbClr r="0" g="0" b="0"/>
+      </a:fillRef>
+      <a:effectRef idx="0">
+        <a:scrgbClr r="0" g="0" b="0"/>
+      </a:effectRef>
+      <a:fontRef idx="minor"/>
+    </dgm:style>
+  </dgm:styleLbl>
+  <dgm:styleLbl name="bgAccFollowNode1">
+    <dgm:scene3d>
+      <a:camera prst="orthographicFront"/>
+      <a:lightRig rig="threePt" dir="t"/>
+    </dgm:scene3d>
+    <dgm:sp3d/>
+    <dgm:txPr/>
+    <dgm:style>
+      <a:lnRef idx="2">
+        <a:scrgbClr r="0" g="0" b="0"/>
+      </a:lnRef>
+      <a:fillRef idx="1">
+        <a:scrgbClr r="0" g="0" b="0"/>
+      </a:fillRef>
+      <a:effectRef idx="0">
+        <a:scrgbClr r="0" g="0" b="0"/>
+      </a:effectRef>
+      <a:fontRef idx="minor"/>
+    </dgm:style>
+  </dgm:styleLbl>
+  <dgm:styleLbl name="fgAcc0">
+    <dgm:scene3d>
+      <a:camera prst="orthographicFront"/>
+      <a:lightRig rig="threePt" dir="t"/>
+    </dgm:scene3d>
+    <dgm:sp3d/>
+    <dgm:txPr/>
+    <dgm:style>
+      <a:lnRef idx="2">
+        <a:scrgbClr r="0" g="0" b="0"/>
+      </a:lnRef>
+      <a:fillRef idx="1">
+        <a:scrgbClr r="0" g="0" b="0"/>
+      </a:fillRef>
+      <a:effectRef idx="0">
+        <a:scrgbClr r="0" g="0" b="0"/>
+      </a:effectRef>
+      <a:fontRef idx="minor"/>
+    </dgm:style>
+  </dgm:styleLbl>
+  <dgm:styleLbl name="fgAcc2">
+    <dgm:scene3d>
+      <a:camera prst="orthographicFront"/>
+      <a:lightRig rig="threePt" dir="t"/>
+    </dgm:scene3d>
+    <dgm:sp3d/>
+    <dgm:txPr/>
+    <dgm:style>
+      <a:lnRef idx="2">
+        <a:scrgbClr r="0" g="0" b="0"/>
+      </a:lnRef>
+      <a:fillRef idx="1">
+        <a:scrgbClr r="0" g="0" b="0"/>
+      </a:fillRef>
+      <a:effectRef idx="0">
+        <a:scrgbClr r="0" g="0" b="0"/>
+      </a:effectRef>
+      <a:fontRef idx="minor"/>
+    </dgm:style>
+  </dgm:styleLbl>
+  <dgm:styleLbl name="fgAcc3">
+    <dgm:scene3d>
+      <a:camera prst="orthographicFront"/>
+      <a:lightRig rig="threePt" dir="t"/>
+    </dgm:scene3d>
+    <dgm:sp3d/>
+    <dgm:txPr/>
+    <dgm:style>
+      <a:lnRef idx="2">
+        <a:scrgbClr r="0" g="0" b="0"/>
+      </a:lnRef>
+      <a:fillRef idx="1">
+        <a:scrgbClr r="0" g="0" b="0"/>
+      </a:fillRef>
+      <a:effectRef idx="0">
+        <a:scrgbClr r="0" g="0" b="0"/>
+      </a:effectRef>
+      <a:fontRef idx="minor"/>
+    </dgm:style>
+  </dgm:styleLbl>
+  <dgm:styleLbl name="fgAcc4">
+    <dgm:scene3d>
+      <a:camera prst="orthographicFront"/>
+      <a:lightRig rig="threePt" dir="t"/>
+    </dgm:scene3d>
+    <dgm:sp3d/>
+    <dgm:txPr/>
+    <dgm:style>
+      <a:lnRef idx="2">
+        <a:scrgbClr r="0" g="0" b="0"/>
+      </a:lnRef>
+      <a:fillRef idx="1">
+        <a:scrgbClr r="0" g="0" b="0"/>
+      </a:fillRef>
+      <a:effectRef idx="0">
+        <a:scrgbClr r="0" g="0" b="0"/>
+      </a:effectRef>
+      <a:fontRef idx="minor"/>
+    </dgm:style>
+  </dgm:styleLbl>
+  <dgm:styleLbl name="bgShp">
+    <dgm:scene3d>
+      <a:camera prst="orthographicFront"/>
+      <a:lightRig rig="threePt" dir="t"/>
+    </dgm:scene3d>
+    <dgm:sp3d/>
+    <dgm:txPr/>
+    <dgm:style>
+      <a:lnRef idx="0">
+        <a:scrgbClr r="0" g="0" b="0"/>
+      </a:lnRef>
+      <a:fillRef idx="1">
+        <a:scrgbClr r="0" g="0" b="0"/>
+      </a:fillRef>
+      <a:effectRef idx="0">
+        <a:scrgbClr r="0" g="0" b="0"/>
+      </a:effectRef>
+      <a:fontRef idx="minor"/>
+    </dgm:style>
+  </dgm:styleLbl>
+  <dgm:styleLbl name="dkBgShp">
+    <dgm:scene3d>
+      <a:camera prst="orthographicFront"/>
+      <a:lightRig rig="threePt" dir="t"/>
+    </dgm:scene3d>
+    <dgm:sp3d/>
+    <dgm:txPr/>
+    <dgm:style>
+      <a:lnRef idx="0">
+        <a:scrgbClr r="0" g="0" b="0"/>
+      </a:lnRef>
+      <a:fillRef idx="1">
+        <a:scrgbClr r="0" g="0" b="0"/>
+      </a:fillRef>
+      <a:effectRef idx="0">
+        <a:scrgbClr r="0" g="0" b="0"/>
+      </a:effectRef>
+      <a:fontRef idx="minor"/>
+    </dgm:style>
+  </dgm:styleLbl>
+  <dgm:styleLbl name="trBgShp">
+    <dgm:scene3d>
+      <a:camera prst="orthographicFront"/>
+      <a:lightRig rig="threePt" dir="t"/>
+    </dgm:scene3d>
+    <dgm:sp3d/>
+    <dgm:txPr/>
+    <dgm:style>
+      <a:lnRef idx="0">
+        <a:scrgbClr r="0" g="0" b="0"/>
+      </a:lnRef>
+      <a:fillRef idx="1">
+        <a:scrgbClr r="0" g="0" b="0"/>
+      </a:fillRef>
+      <a:effectRef idx="0">
+        <a:scrgbClr r="0" g="0" b="0"/>
+      </a:effectRef>
+      <a:fontRef idx="minor"/>
+    </dgm:style>
+  </dgm:styleLbl>
+  <dgm:styleLbl name="fgShp">
+    <dgm:scene3d>
+      <a:camera prst="orthographicFront"/>
+      <a:lightRig rig="threePt" dir="t"/>
+    </dgm:scene3d>
+    <dgm:sp3d/>
+    <dgm:txPr/>
+    <dgm:style>
+      <a:lnRef idx="2">
+        <a:scrgbClr r="0" g="0" b="0"/>
+      </a:lnRef>
+      <a:fillRef idx="1">
+        <a:scrgbClr r="0" g="0" b="0"/>
+      </a:fillRef>
+      <a:effectRef idx="0">
+        <a:scrgbClr r="0" g="0" b="0"/>
+      </a:effectRef>
+      <a:fontRef idx="minor"/>
+    </dgm:style>
+  </dgm:styleLbl>
+  <dgm:styleLbl name="revTx">
+    <dgm:scene3d>
+      <a:camera prst="orthographicFront"/>
+      <a:lightRig rig="threePt" dir="t"/>
+    </dgm:scene3d>
+    <dgm:sp3d/>
+    <dgm:txPr/>
+    <dgm:style>
+      <a:lnRef idx="0">
+        <a:scrgbClr r="0" g="0" b="0"/>
+      </a:lnRef>
+      <a:fillRef idx="0">
+        <a:scrgbClr r="0" g="0" b="0"/>
+      </a:fillRef>
+      <a:effectRef idx="0">
+        <a:scrgbClr r="0" g="0" b="0"/>
+      </a:effectRef>
+      <a:fontRef idx="minor"/>
+    </dgm:style>
+  </dgm:styleLbl>
+</dgm:styleDef>
+</file>
+
+<file path=ppt/diagrams/quickStyle2.xml><?xml version="1.0" encoding="utf-8"?>
+<dgm:styleDef xmlns:dgm="http://schemas.openxmlformats.org/drawingml/2006/diagram" xmlns:a="http://schemas.openxmlformats.org/drawingml/2006/main" uniqueId="urn:microsoft.com/office/officeart/2005/8/quickstyle/simple1">
+  <dgm:title val=""/>
+  <dgm:desc val=""/>
+  <dgm:catLst>
+    <dgm:cat type="simple" pri="10100"/>
+  </dgm:catLst>
+  <dgm:scene3d>
+    <a:camera prst="orthographicFront"/>
+    <a:lightRig rig="threePt" dir="t"/>
+  </dgm:scene3d>
+  <dgm:styleLbl name="node0">
+    <dgm:scene3d>
+      <a:camera prst="orthographicFront"/>
+      <a:lightRig rig="threePt" dir="t"/>
+    </dgm:scene3d>
+    <dgm:sp3d/>
+    <dgm:txPr/>
+    <dgm:style>
+      <a:lnRef idx="2">
+        <a:scrgbClr r="0" g="0" b="0"/>
+      </a:lnRef>
+      <a:fillRef idx="1">
+        <a:scrgbClr r="0" g="0" b="0"/>
+      </a:fillRef>
+      <a:effectRef idx="0">
+        <a:scrgbClr r="0" g="0" b="0"/>
+      </a:effectRef>
+      <a:fontRef idx="minor">
+        <a:schemeClr val="lt1"/>
+      </a:fontRef>
+    </dgm:style>
+  </dgm:styleLbl>
+  <dgm:styleLbl name="lnNode1">
+    <dgm:scene3d>
+      <a:camera prst="orthographicFront"/>
+      <a:lightRig rig="threePt" dir="t"/>
+    </dgm:scene3d>
+    <dgm:sp3d/>
+    <dgm:txPr/>
+    <dgm:style>
+      <a:lnRef idx="2">
+        <a:scrgbClr r="0" g="0" b="0"/>
+      </a:lnRef>
+      <a:fillRef idx="1">
+        <a:scrgbClr r="0" g="0" b="0"/>
+      </a:fillRef>
+      <a:effectRef idx="0">
+        <a:scrgbClr r="0" g="0" b="0"/>
+      </a:effectRef>
+      <a:fontRef idx="minor">
+        <a:schemeClr val="lt1"/>
+      </a:fontRef>
+    </dgm:style>
+  </dgm:styleLbl>
+  <dgm:styleLbl name="vennNode1">
+    <dgm:scene3d>
+      <a:camera prst="orthographicFront"/>
+      <a:lightRig rig="threePt" dir="t"/>
+    </dgm:scene3d>
+    <dgm:sp3d/>
+    <dgm:txPr/>
+    <dgm:style>
+      <a:lnRef idx="2">
+        <a:scrgbClr r="0" g="0" b="0"/>
+      </a:lnRef>
+      <a:fillRef idx="1">
+        <a:scrgbClr r="0" g="0" b="0"/>
+      </a:fillRef>
+      <a:effectRef idx="0">
+        <a:scrgbClr r="0" g="0" b="0"/>
+      </a:effectRef>
+      <a:fontRef idx="minor">
+        <a:schemeClr val="tx1"/>
+      </a:fontRef>
+    </dgm:style>
+  </dgm:styleLbl>
+  <dgm:styleLbl name="alignNode1">
+    <dgm:scene3d>
+      <a:camera prst="orthographicFront"/>
+      <a:lightRig rig="threePt" dir="t"/>
+    </dgm:scene3d>
+    <dgm:sp3d/>
+    <dgm:txPr/>
+    <dgm:style>
+      <a:lnRef idx="2">
+        <a:scrgbClr r="0" g="0" b="0"/>
+      </a:lnRef>
+      <a:fillRef idx="1">
+        <a:scrgbClr r="0" g="0" b="0"/>
+      </a:fillRef>
+      <a:effectRef idx="0">
+        <a:scrgbClr r="0" g="0" b="0"/>
+      </a:effectRef>
+      <a:fontRef idx="minor">
+        <a:schemeClr val="lt1"/>
+      </a:fontRef>
+    </dgm:style>
+  </dgm:styleLbl>
+  <dgm:styleLbl name="node1">
+    <dgm:scene3d>
+      <a:camera prst="orthographicFront"/>
+      <a:lightRig rig="threePt" dir="t"/>
+    </dgm:scene3d>
+    <dgm:sp3d/>
+    <dgm:txPr/>
+    <dgm:style>
+      <a:lnRef idx="2">
+        <a:scrgbClr r="0" g="0" b="0"/>
+      </a:lnRef>
+      <a:fillRef idx="1">
+        <a:scrgbClr r="0" g="0" b="0"/>
+      </a:fillRef>
+      <a:effectRef idx="0">
+        <a:scrgbClr r="0" g="0" b="0"/>
+      </a:effectRef>
+      <a:fontRef idx="minor">
+        <a:schemeClr val="lt1"/>
+      </a:fontRef>
+    </dgm:style>
+  </dgm:styleLbl>
+  <dgm:styleLbl name="node2">
+    <dgm:scene3d>
+      <a:camera prst="orthographicFront"/>
+      <a:lightRig rig="threePt" dir="t"/>
+    </dgm:scene3d>
+    <dgm:sp3d/>
+    <dgm:txPr/>
+    <dgm:style>
+      <a:lnRef idx="2">
+        <a:scrgbClr r="0" g="0" b="0"/>
+      </a:lnRef>
+      <a:fillRef idx="1">
+        <a:scrgbClr r="0" g="0" b="0"/>
+      </a:fillRef>
+      <a:effectRef idx="0">
+        <a:scrgbClr r="0" g="0" b="0"/>
+      </a:effectRef>
+      <a:fontRef idx="minor">
+        <a:schemeClr val="lt1"/>
+      </a:fontRef>
+    </dgm:style>
+  </dgm:styleLbl>
+  <dgm:styleLbl name="node3">
+    <dgm:scene3d>
+      <a:camera prst="orthographicFront"/>
+      <a:lightRig rig="threePt" dir="t"/>
+    </dgm:scene3d>
+    <dgm:sp3d/>
+    <dgm:txPr/>
+    <dgm:style>
+      <a:lnRef idx="2">
+        <a:scrgbClr r="0" g="0" b="0"/>
+      </a:lnRef>
+      <a:fillRef idx="1">
+        <a:scrgbClr r="0" g="0" b="0"/>
+      </a:fillRef>
+      <a:effectRef idx="0">
+        <a:scrgbClr r="0" g="0" b="0"/>
+      </a:effectRef>
+      <a:fontRef idx="minor">
+        <a:schemeClr val="lt1"/>
+      </a:fontRef>
+    </dgm:style>
+  </dgm:styleLbl>
+  <dgm:styleLbl name="node4">
+    <dgm:scene3d>
+      <a:camera prst="orthographicFront"/>
+      <a:lightRig rig="threePt" dir="t"/>
+    </dgm:scene3d>
+    <dgm:sp3d/>
+    <dgm:txPr/>
+    <dgm:style>
+      <a:lnRef idx="2">
+        <a:scrgbClr r="0" g="0" b="0"/>
+      </a:lnRef>
+      <a:fillRef idx="1">
+        <a:scrgbClr r="0" g="0" b="0"/>
+      </a:fillRef>
+      <a:effectRef idx="0">
+        <a:scrgbClr r="0" g="0" b="0"/>
+      </a:effectRef>
+      <a:fontRef idx="minor">
+        <a:schemeClr val="lt1"/>
+      </a:fontRef>
+    </dgm:style>
+  </dgm:styleLbl>
+  <dgm:styleLbl name="fgImgPlace1">
+    <dgm:scene3d>
+      <a:camera prst="orthographicFront"/>
+      <a:lightRig rig="threePt" dir="t"/>
+    </dgm:scene3d>
+    <dgm:sp3d/>
+    <dgm:txPr/>
+    <dgm:style>
+      <a:lnRef idx="2">
+        <a:scrgbClr r="0" g="0" b="0"/>
+      </a:lnRef>
+      <a:fillRef idx="1">
+        <a:scrgbClr r="0" g="0" b="0"/>
+      </a:fillRef>
+      <a:effectRef idx="0">
+        <a:scrgbClr r="0" g="0" b="0"/>
+      </a:effectRef>
+      <a:fontRef idx="minor"/>
+    </dgm:style>
+  </dgm:styleLbl>
+  <dgm:styleLbl name="alignImgPlace1">
+    <dgm:scene3d>
+      <a:camera prst="orthographicFront"/>
+      <a:lightRig rig="threePt" dir="t"/>
+    </dgm:scene3d>
+    <dgm:sp3d/>
+    <dgm:txPr/>
+    <dgm:style>
+      <a:lnRef idx="2">
+        <a:scrgbClr r="0" g="0" b="0"/>
+      </a:lnRef>
+      <a:fillRef idx="1">
+        <a:scrgbClr r="0" g="0" b="0"/>
+      </a:fillRef>
+      <a:effectRef idx="0">
+        <a:scrgbClr r="0" g="0" b="0"/>
+      </a:effectRef>
+      <a:fontRef idx="minor"/>
+    </dgm:style>
+  </dgm:styleLbl>
+  <dgm:styleLbl name="bgImgPlace1">
+    <dgm:scene3d>
+      <a:camera prst="orthographicFront"/>
+      <a:lightRig rig="threePt" dir="t"/>
+    </dgm:scene3d>
+    <dgm:sp3d/>
+    <dgm:txPr/>
+    <dgm:style>
+      <a:lnRef idx="2">
+        <a:scrgbClr r="0" g="0" b="0"/>
+      </a:lnRef>
+      <a:fillRef idx="1">
+        <a:scrgbClr r="0" g="0" b="0"/>
+      </a:fillRef>
+      <a:effectRef idx="0">
+        <a:scrgbClr r="0" g="0" b="0"/>
+      </a:effectRef>
+      <a:fontRef idx="minor"/>
+    </dgm:style>
+  </dgm:styleLbl>
+  <dgm:styleLbl name="sibTrans2D1">
+    <dgm:scene3d>
+      <a:camera prst="orthographicFront"/>
+      <a:lightRig rig="threePt" dir="t"/>
+    </dgm:scene3d>
+    <dgm:sp3d/>
+    <dgm:txPr/>
+    <dgm:style>
+      <a:lnRef idx="0">
+        <a:scrgbClr r="0" g="0" b="0"/>
+      </a:lnRef>
+      <a:fillRef idx="1">
+        <a:scrgbClr r="0" g="0" b="0"/>
+      </a:fillRef>
+      <a:effectRef idx="0">
+        <a:scrgbClr r="0" g="0" b="0"/>
+      </a:effectRef>
+      <a:fontRef idx="minor">
+        <a:schemeClr val="lt1"/>
+      </a:fontRef>
+    </dgm:style>
+  </dgm:styleLbl>
+  <dgm:styleLbl name="fgSibTrans2D1">
+    <dgm:scene3d>
+      <a:camera prst="orthographicFront"/>
+      <a:lightRig rig="threePt" dir="t"/>
+    </dgm:scene3d>
+    <dgm:sp3d/>
+    <dgm:txPr/>
+    <dgm:style>
+      <a:lnRef idx="0">
+        <a:scrgbClr r="0" g="0" b="0"/>
+      </a:lnRef>
+      <a:fillRef idx="1">
+        <a:scrgbClr r="0" g="0" b="0"/>
+      </a:fillRef>
+      <a:effectRef idx="0">
+        <a:scrgbClr r="0" g="0" b="0"/>
+      </a:effectRef>
+      <a:fontRef idx="minor">
+        <a:schemeClr val="lt1"/>
+      </a:fontRef>
+    </dgm:style>
+  </dgm:styleLbl>
+  <dgm:styleLbl name="bgSibTrans2D1">
+    <dgm:scene3d>
+      <a:camera prst="orthographicFront"/>
+      <a:lightRig rig="threePt" dir="t"/>
+    </dgm:scene3d>
+    <dgm:sp3d/>
+    <dgm:txPr/>
+    <dgm:style>
+      <a:lnRef idx="0">
+        <a:scrgbClr r="0" g="0" b="0"/>
+      </a:lnRef>
+      <a:fillRef idx="1">
+        <a:scrgbClr r="0" g="0" b="0"/>
+      </a:fillRef>
+      <a:effectRef idx="0">
+        <a:scrgbClr r="0" g="0" b="0"/>
+      </a:effectRef>
+      <a:fontRef idx="minor">
+        <a:schemeClr val="lt1"/>
+      </a:fontRef>
+    </dgm:style>
+  </dgm:styleLbl>
+  <dgm:styleLbl name="sibTrans1D1">
+    <dgm:scene3d>
+      <a:camera prst="orthographicFront"/>
+      <a:lightRig rig="threePt" dir="t"/>
+    </dgm:scene3d>
+    <dgm:sp3d/>
+    <dgm:txPr/>
+    <dgm:style>
+      <a:lnRef idx="1">
+        <a:scrgbClr r="0" g="0" b="0"/>
+      </a:lnRef>
+      <a:fillRef idx="0">
+        <a:scrgbClr r="0" g="0" b="0"/>
+      </a:fillRef>
+      <a:effectRef idx="0">
+        <a:scrgbClr r="0" g="0" b="0"/>
+      </a:effectRef>
+      <a:fontRef idx="minor"/>
+    </dgm:style>
+  </dgm:styleLbl>
+  <dgm:styleLbl name="callout">
+    <dgm:scene3d>
+      <a:camera prst="orthographicFront"/>
+      <a:lightRig rig="threePt" dir="t"/>
+    </dgm:scene3d>
+    <dgm:sp3d/>
+    <dgm:txPr/>
+    <dgm:style>
+      <a:lnRef idx="2">
+        <a:scrgbClr r="0" g="0" b="0"/>
+      </a:lnRef>
+      <a:fillRef idx="1">
+        <a:scrgbClr r="0" g="0" b="0"/>
+      </a:fillRef>
+      <a:effectRef idx="0">
+        <a:scrgbClr r="0" g="0" b="0"/>
+      </a:effectRef>
+      <a:fontRef idx="minor"/>
+    </dgm:style>
+  </dgm:styleLbl>
+  <dgm:styleLbl name="asst0">
+    <dgm:scene3d>
+      <a:camera prst="orthographicFront"/>
+      <a:lightRig rig="threePt" dir="t"/>
+    </dgm:scene3d>
+    <dgm:sp3d/>
+    <dgm:txPr/>
+    <dgm:style>
+      <a:lnRef idx="2">
+        <a:scrgbClr r="0" g="0" b="0"/>
+      </a:lnRef>
+      <a:fillRef idx="1">
+        <a:scrgbClr r="0" g="0" b="0"/>
+      </a:fillRef>
+      <a:effectRef idx="0">
+        <a:scrgbClr r="0" g="0" b="0"/>
+      </a:effectRef>
+      <a:fontRef idx="minor">
+        <a:schemeClr val="lt1"/>
+      </a:fontRef>
+    </dgm:style>
+  </dgm:styleLbl>
+  <dgm:styleLbl name="asst1">
+    <dgm:scene3d>
+      <a:camera prst="orthographicFront"/>
+      <a:lightRig rig="threePt" dir="t"/>
+    </dgm:scene3d>
+    <dgm:sp3d/>
+    <dgm:txPr/>
+    <dgm:style>
+      <a:lnRef idx="2">
+        <a:scrgbClr r="0" g="0" b="0"/>
+      </a:lnRef>
+      <a:fillRef idx="1">
+        <a:scrgbClr r="0" g="0" b="0"/>
+      </a:fillRef>
+      <a:effectRef idx="0">
+        <a:scrgbClr r="0" g="0" b="0"/>
+      </a:effectRef>
+      <a:fontRef idx="minor">
+        <a:schemeClr val="lt1"/>
+      </a:fontRef>
+    </dgm:style>
+  </dgm:styleLbl>
+  <dgm:styleLbl name="asst2">
+    <dgm:scene3d>
+      <a:camera prst="orthographicFront"/>
+      <a:lightRig rig="threePt" dir="t"/>
+    </dgm:scene3d>
+    <dgm:sp3d/>
+    <dgm:txPr/>
+    <dgm:style>
+      <a:lnRef idx="2">
+        <a:scrgbClr r="0" g="0" b="0"/>
+      </a:lnRef>
+      <a:fillRef idx="1">
+        <a:scrgbClr r="0" g="0" b="0"/>
+      </a:fillRef>
+      <a:effectRef idx="0">
+        <a:scrgbClr r="0" g="0" b="0"/>
+      </a:effectRef>
+      <a:fontRef idx="minor">
+        <a:schemeClr val="lt1"/>
+      </a:fontRef>
+    </dgm:style>
+  </dgm:styleLbl>
+  <dgm:styleLbl name="asst3">
+    <dgm:scene3d>
+      <a:camera prst="orthographicFront"/>
+      <a:lightRig rig="threePt" dir="t"/>
+    </dgm:scene3d>
+    <dgm:sp3d/>
+    <dgm:txPr/>
+    <dgm:style>
+      <a:lnRef idx="2">
+        <a:scrgbClr r="0" g="0" b="0"/>
+      </a:lnRef>
+      <a:fillRef idx="1">
+        <a:scrgbClr r="0" g="0" b="0"/>
+      </a:fillRef>
+      <a:effectRef idx="0">
+        <a:scrgbClr r="0" g="0" b="0"/>
+      </a:effectRef>
+      <a:fontRef idx="minor">
+        <a:schemeClr val="lt1"/>
+      </a:fontRef>
+    </dgm:style>
+  </dgm:styleLbl>
+  <dgm:styleLbl name="asst4">
+    <dgm:scene3d>
+      <a:camera prst="orthographicFront"/>
+      <a:lightRig rig="threePt" dir="t"/>
+    </dgm:scene3d>
+    <dgm:sp3d/>
+    <dgm:txPr/>
+    <dgm:style>
+      <a:lnRef idx="2">
+        <a:scrgbClr r="0" g="0" b="0"/>
+      </a:lnRef>
+      <a:fillRef idx="1">
+        <a:scrgbClr r="0" g="0" b="0"/>
+      </a:fillRef>
+      <a:effectRef idx="0">
+        <a:scrgbClr r="0" g="0" b="0"/>
+      </a:effectRef>
+      <a:fontRef idx="minor">
+        <a:schemeClr val="lt1"/>
+      </a:fontRef>
+    </dgm:style>
+  </dgm:styleLbl>
+  <dgm:styleLbl name="parChTrans2D1">
+    <dgm:scene3d>
+      <a:camera prst="orthographicFront"/>
+      <a:lightRig rig="threePt" dir="t"/>
+    </dgm:scene3d>
+    <dgm:sp3d/>
+    <dgm:txPr/>
+    <dgm:style>
+      <a:lnRef idx="2">
+        <a:scrgbClr r="0" g="0" b="0"/>
+      </a:lnRef>
+      <a:fillRef idx="1">
+        <a:scrgbClr r="0" g="0" b="0"/>
+      </a:fillRef>
+      <a:effectRef idx="0">
+        <a:scrgbClr r="0" g="0" b="0"/>
+      </a:effectRef>
+      <a:fontRef idx="minor">
+        <a:schemeClr val="lt1"/>
+      </a:fontRef>
+    </dgm:style>
+  </dgm:styleLbl>
+  <dgm:styleLbl name="parChTrans2D2">
+    <dgm:scene3d>
+      <a:camera prst="orthographicFront"/>
+      <a:lightRig rig="threePt" dir="t"/>
+    </dgm:scene3d>
+    <dgm:sp3d/>
+    <dgm:txPr/>
+    <dgm:style>
+      <a:lnRef idx="2">
+        <a:scrgbClr r="0" g="0" b="0"/>
+      </a:lnRef>
+      <a:fillRef idx="1">
+        <a:scrgbClr r="0" g="0" b="0"/>
+      </a:fillRef>
+      <a:effectRef idx="0">
+        <a:scrgbClr r="0" g="0" b="0"/>
+      </a:effectRef>
+      <a:fontRef idx="minor">
+        <a:schemeClr val="lt1"/>
+      </a:fontRef>
+    </dgm:style>
+  </dgm:styleLbl>
+  <dgm:styleLbl name="parChTrans2D3">
+    <dgm:scene3d>
+      <a:camera prst="orthographicFront"/>
+      <a:lightRig rig="threePt" dir="t"/>
+    </dgm:scene3d>
+    <dgm:sp3d/>
+    <dgm:txPr/>
+    <dgm:style>
+      <a:lnRef idx="2">
+        <a:scrgbClr r="0" g="0" b="0"/>
+      </a:lnRef>
+      <a:fillRef idx="1">
+        <a:scrgbClr r="0" g="0" b="0"/>
+      </a:fillRef>
+      <a:effectRef idx="0">
+        <a:scrgbClr r="0" g="0" b="0"/>
+      </a:effectRef>
+      <a:fontRef idx="minor">
+        <a:schemeClr val="lt1"/>
+      </a:fontRef>
+    </dgm:style>
+  </dgm:styleLbl>
+  <dgm:styleLbl name="parChTrans2D4">
+    <dgm:scene3d>
+      <a:camera prst="orthographicFront"/>
+      <a:lightRig rig="threePt" dir="t"/>
+    </dgm:scene3d>
+    <dgm:sp3d/>
+    <dgm:txPr/>
+    <dgm:style>
+      <a:lnRef idx="2">
+        <a:scrgbClr r="0" g="0" b="0"/>
+      </a:lnRef>
+      <a:fillRef idx="1">
+        <a:scrgbClr r="0" g="0" b="0"/>
+      </a:fillRef>
+      <a:effectRef idx="0">
+        <a:scrgbClr r="0" g="0" b="0"/>
+      </a:effectRef>
+      <a:fontRef idx="minor">
+        <a:schemeClr val="lt1"/>
+      </a:fontRef>
+    </dgm:style>
+  </dgm:styleLbl>
+  <dgm:styleLbl name="parChTrans1D1">
+    <dgm:scene3d>
+      <a:camera prst="orthographicFront"/>
+      <a:lightRig rig="threePt" dir="t"/>
+    </dgm:scene3d>
+    <dgm:sp3d/>
+    <dgm:txPr/>
+    <dgm:style>
+      <a:lnRef idx="2">
+        <a:scrgbClr r="0" g="0" b="0"/>
+      </a:lnRef>
+      <a:fillRef idx="0">
+        <a:scrgbClr r="0" g="0" b="0"/>
+      </a:fillRef>
+      <a:effectRef idx="0">
+        <a:scrgbClr r="0" g="0" b="0"/>
+      </a:effectRef>
+      <a:fontRef idx="minor"/>
+    </dgm:style>
+  </dgm:styleLbl>
+  <dgm:styleLbl name="parChTrans1D2">
+    <dgm:scene3d>
+      <a:camera prst="orthographicFront"/>
+      <a:lightRig rig="threePt" dir="t"/>
+    </dgm:scene3d>
+    <dgm:sp3d/>
+    <dgm:txPr/>
+    <dgm:style>
+      <a:lnRef idx="2">
+        <a:scrgbClr r="0" g="0" b="0"/>
+      </a:lnRef>
+      <a:fillRef idx="0">
+        <a:scrgbClr r="0" g="0" b="0"/>
+      </a:fillRef>
+      <a:effectRef idx="0">
+        <a:scrgbClr r="0" g="0" b="0"/>
+      </a:effectRef>
+      <a:fontRef idx="minor"/>
+    </dgm:style>
+  </dgm:styleLbl>
+  <dgm:styleLbl name="parChTrans1D3">
+    <dgm:scene3d>
+      <a:camera prst="orthographicFront"/>
+      <a:lightRig rig="threePt" dir="t"/>
+    </dgm:scene3d>
+    <dgm:sp3d/>
+    <dgm:txPr/>
+    <dgm:style>
+      <a:lnRef idx="2">
+        <a:scrgbClr r="0" g="0" b="0"/>
+      </a:lnRef>
+      <a:fillRef idx="0">
+        <a:scrgbClr r="0" g="0" b="0"/>
+      </a:fillRef>
+      <a:effectRef idx="0">
+        <a:scrgbClr r="0" g="0" b="0"/>
+      </a:effectRef>
+      <a:fontRef idx="minor"/>
+    </dgm:style>
+  </dgm:styleLbl>
+  <dgm:styleLbl name="parChTrans1D4">
+    <dgm:scene3d>
+      <a:camera prst="orthographicFront"/>
+      <a:lightRig rig="threePt" dir="t"/>
+    </dgm:scene3d>
+    <dgm:sp3d/>
+    <dgm:txPr/>
+    <dgm:style>
+      <a:lnRef idx="2">
+        <a:scrgbClr r="0" g="0" b="0"/>
+      </a:lnRef>
+      <a:fillRef idx="0">
+        <a:scrgbClr r="0" g="0" b="0"/>
+      </a:fillRef>
+      <a:effectRef idx="0">
+        <a:scrgbClr r="0" g="0" b="0"/>
+      </a:effectRef>
+      <a:fontRef idx="minor"/>
+    </dgm:style>
+  </dgm:styleLbl>
+  <dgm:styleLbl name="fgAcc1">
+    <dgm:scene3d>
+      <a:camera prst="orthographicFront"/>
+      <a:lightRig rig="threePt" dir="t"/>
+    </dgm:scene3d>
+    <dgm:sp3d/>
+    <dgm:txPr/>
+    <dgm:style>
+      <a:lnRef idx="2">
+        <a:scrgbClr r="0" g="0" b="0"/>
+      </a:lnRef>
+      <a:fillRef idx="1">
+        <a:scrgbClr r="0" g="0" b="0"/>
+      </a:fillRef>
+      <a:effectRef idx="0">
+        <a:scrgbClr r="0" g="0" b="0"/>
+      </a:effectRef>
+      <a:fontRef idx="minor"/>
+    </dgm:style>
+  </dgm:styleLbl>
+  <dgm:styleLbl name="conFgAcc1">
+    <dgm:scene3d>
+      <a:camera prst="orthographicFront"/>
+      <a:lightRig rig="threePt" dir="t"/>
+    </dgm:scene3d>
+    <dgm:sp3d/>
+    <dgm:txPr/>
+    <dgm:style>
+      <a:lnRef idx="2">
+        <a:scrgbClr r="0" g="0" b="0"/>
+      </a:lnRef>
+      <a:fillRef idx="1">
+        <a:scrgbClr r="0" g="0" b="0"/>
+      </a:fillRef>
+      <a:effectRef idx="0">
+        <a:scrgbClr r="0" g="0" b="0"/>
+      </a:effectRef>
+      <a:fontRef idx="minor"/>
+    </dgm:style>
+  </dgm:styleLbl>
+  <dgm:styleLbl name="alignAcc1">
+    <dgm:scene3d>
+      <a:camera prst="orthographicFront"/>
+      <a:lightRig rig="threePt" dir="t"/>
+    </dgm:scene3d>
+    <dgm:sp3d/>
+    <dgm:txPr/>
+    <dgm:style>
+      <a:lnRef idx="2">
+        <a:scrgbClr r="0" g="0" b="0"/>
+      </a:lnRef>
+      <a:fillRef idx="1">
+        <a:scrgbClr r="0" g="0" b="0"/>
+      </a:fillRef>
+      <a:effectRef idx="0">
+        <a:scrgbClr r="0" g="0" b="0"/>
+      </a:effectRef>
+      <a:fontRef idx="minor"/>
+    </dgm:style>
+  </dgm:styleLbl>
+  <dgm:styleLbl name="trAlignAcc1">
+    <dgm:scene3d>
+      <a:camera prst="orthographicFront"/>
+      <a:lightRig rig="threePt" dir="t"/>
+    </dgm:scene3d>
+    <dgm:sp3d/>
+    <dgm:txPr/>
+    <dgm:style>
+      <a:lnRef idx="1">
+        <a:scrgbClr r="0" g="0" b="0"/>
+      </a:lnRef>
+      <a:fillRef idx="1">
+        <a:scrgbClr r="0" g="0" b="0"/>
+      </a:fillRef>
+      <a:effectRef idx="0">
+        <a:scrgbClr r="0" g="0" b="0"/>
+      </a:effectRef>
+      <a:fontRef idx="minor"/>
+    </dgm:style>
+  </dgm:styleLbl>
+  <dgm:styleLbl name="bgAcc1">
+    <dgm:scene3d>
+      <a:camera prst="orthographicFront"/>
+      <a:lightRig rig="threePt" dir="t"/>
+    </dgm:scene3d>
+    <dgm:sp3d/>
+    <dgm:txPr/>
+    <dgm:style>
+      <a:lnRef idx="2">
+        <a:scrgbClr r="0" g="0" b="0"/>
+      </a:lnRef>
+      <a:fillRef idx="1">
+        <a:scrgbClr r="0" g="0" b="0"/>
+      </a:fillRef>
+      <a:effectRef idx="0">
+        <a:scrgbClr r="0" g="0" b="0"/>
+      </a:effectRef>
+      <a:fontRef idx="minor"/>
+    </dgm:style>
+  </dgm:styleLbl>
+  <dgm:styleLbl name="solidFgAcc1">
+    <dgm:scene3d>
+      <a:camera prst="orthographicFront"/>
+      <a:lightRig rig="threePt" dir="t"/>
+    </dgm:scene3d>
+    <dgm:sp3d/>
+    <dgm:txPr/>
+    <dgm:style>
+      <a:lnRef idx="2">
+        <a:scrgbClr r="0" g="0" b="0"/>
+      </a:lnRef>
+      <a:fillRef idx="1">
+        <a:scrgbClr r="0" g="0" b="0"/>
+      </a:fillRef>
+      <a:effectRef idx="0">
+        <a:scrgbClr r="0" g="0" b="0"/>
+      </a:effectRef>
+      <a:fontRef idx="minor"/>
+    </dgm:style>
+  </dgm:styleLbl>
+  <dgm:styleLbl name="solidAlignAcc1">
+    <dgm:scene3d>
+      <a:camera prst="orthographicFront"/>
+      <a:lightRig rig="threePt" dir="t"/>
+    </dgm:scene3d>
+    <dgm:sp3d/>
+    <dgm:txPr/>
+    <dgm:style>
+      <a:lnRef idx="2">
+        <a:scrgbClr r="0" g="0" b="0"/>
+      </a:lnRef>
+      <a:fillRef idx="1">
+        <a:scrgbClr r="0" g="0" b="0"/>
+      </a:fillRef>
+      <a:effectRef idx="0">
+        <a:scrgbClr r="0" g="0" b="0"/>
+      </a:effectRef>
+      <a:fontRef idx="minor"/>
+    </dgm:style>
+  </dgm:styleLbl>
+  <dgm:styleLbl name="solidBgAcc1">
+    <dgm:scene3d>
+      <a:camera prst="orthographicFront"/>
+      <a:lightRig rig="threePt" dir="t"/>
+    </dgm:scene3d>
+    <dgm:sp3d/>
+    <dgm:txPr/>
+    <dgm:style>
+      <a:lnRef idx="2">
+        <a:scrgbClr r="0" g="0" b="0"/>
+      </a:lnRef>
+      <a:fillRef idx="1">
+        <a:scrgbClr r="0" g="0" b="0"/>
+      </a:fillRef>
+      <a:effectRef idx="0">
+        <a:scrgbClr r="0" g="0" b="0"/>
+      </a:effectRef>
+      <a:fontRef idx="minor"/>
+    </dgm:style>
+  </dgm:styleLbl>
+  <dgm:styleLbl name="fgAccFollowNode1">
+    <dgm:scene3d>
+      <a:camera prst="orthographicFront"/>
+      <a:lightRig rig="threePt" dir="t"/>
+    </dgm:scene3d>
+    <dgm:sp3d/>
+    <dgm:txPr/>
+    <dgm:style>
+      <a:lnRef idx="2">
+        <a:scrgbClr r="0" g="0" b="0"/>
+      </a:lnRef>
+      <a:fillRef idx="1">
+        <a:scrgbClr r="0" g="0" b="0"/>
+      </a:fillRef>
+      <a:effectRef idx="0">
+        <a:scrgbClr r="0" g="0" b="0"/>
+      </a:effectRef>
+      <a:fontRef idx="minor"/>
+    </dgm:style>
+  </dgm:styleLbl>
+  <dgm:styleLbl name="alignAccFollowNode1">
+    <dgm:scene3d>
+      <a:camera prst="orthographicFront"/>
+      <a:lightRig rig="threePt" dir="t"/>
+    </dgm:scene3d>
+    <dgm:sp3d/>
+    <dgm:txPr/>
+    <dgm:style>
+      <a:lnRef idx="2">
+        <a:scrgbClr r="0" g="0" b="0"/>
+      </a:lnRef>
+      <a:fillRef idx="1">
+        <a:scrgbClr r="0" g="0" b="0"/>
+      </a:fillRef>
+      <a:effectRef idx="0">
+        <a:scrgbClr r="0" g="0" b="0"/>
+      </a:effectRef>
+      <a:fontRef idx="minor"/>
+    </dgm:style>
+  </dgm:styleLbl>
+  <dgm:styleLbl name="bgAccFollowNode1">
+    <dgm:scene3d>
+      <a:camera prst="orthographicFront"/>
+      <a:lightRig rig="threePt" dir="t"/>
+    </dgm:scene3d>
+    <dgm:sp3d/>
+    <dgm:txPr/>
+    <dgm:style>
+      <a:lnRef idx="2">
+        <a:scrgbClr r="0" g="0" b="0"/>
+      </a:lnRef>
+      <a:fillRef idx="1">
+        <a:scrgbClr r="0" g="0" b="0"/>
+      </a:fillRef>
+      <a:effectRef idx="0">
+        <a:scrgbClr r="0" g="0" b="0"/>
+      </a:effectRef>
+      <a:fontRef idx="minor"/>
+    </dgm:style>
+  </dgm:styleLbl>
+  <dgm:styleLbl name="fgAcc0">
+    <dgm:scene3d>
+      <a:camera prst="orthographicFront"/>
+      <a:lightRig rig="threePt" dir="t"/>
+    </dgm:scene3d>
+    <dgm:sp3d/>
+    <dgm:txPr/>
+    <dgm:style>
+      <a:lnRef idx="2">
+        <a:scrgbClr r="0" g="0" b="0"/>
+      </a:lnRef>
+      <a:fillRef idx="1">
+        <a:scrgbClr r="0" g="0" b="0"/>
+      </a:fillRef>
+      <a:effectRef idx="0">
+        <a:scrgbClr r="0" g="0" b="0"/>
+      </a:effectRef>
+      <a:fontRef idx="minor"/>
+    </dgm:style>
+  </dgm:styleLbl>
+  <dgm:styleLbl name="fgAcc2">
+    <dgm:scene3d>
+      <a:camera prst="orthographicFront"/>
+      <a:lightRig rig="threePt" dir="t"/>
+    </dgm:scene3d>
+    <dgm:sp3d/>
+    <dgm:txPr/>
+    <dgm:style>
+      <a:lnRef idx="2">
+        <a:scrgbClr r="0" g="0" b="0"/>
+      </a:lnRef>
+      <a:fillRef idx="1">
+        <a:scrgbClr r="0" g="0" b="0"/>
+      </a:fillRef>
+      <a:effectRef idx="0">
+        <a:scrgbClr r="0" g="0" b="0"/>
+      </a:effectRef>
+      <a:fontRef idx="minor"/>
+    </dgm:style>
+  </dgm:styleLbl>
+  <dgm:styleLbl name="fgAcc3">
+    <dgm:scene3d>
+      <a:camera prst="orthographicFront"/>
+      <a:lightRig rig="threePt" dir="t"/>
+    </dgm:scene3d>
+    <dgm:sp3d/>
+    <dgm:txPr/>
+    <dgm:style>
+      <a:lnRef idx="2">
+        <a:scrgbClr r="0" g="0" b="0"/>
+      </a:lnRef>
+      <a:fillRef idx="1">
+        <a:scrgbClr r="0" g="0" b="0"/>
+      </a:fillRef>
+      <a:effectRef idx="0">
+        <a:scrgbClr r="0" g="0" b="0"/>
+      </a:effectRef>
+      <a:fontRef idx="minor"/>
+    </dgm:style>
+  </dgm:styleLbl>
+  <dgm:styleLbl name="fgAcc4">
+    <dgm:scene3d>
+      <a:camera prst="orthographicFront"/>
+      <a:lightRig rig="threePt" dir="t"/>
+    </dgm:scene3d>
+    <dgm:sp3d/>
+    <dgm:txPr/>
+    <dgm:style>
+      <a:lnRef idx="2">
+        <a:scrgbClr r="0" g="0" b="0"/>
+      </a:lnRef>
+      <a:fillRef idx="1">
+        <a:scrgbClr r="0" g="0" b="0"/>
+      </a:fillRef>
+      <a:effectRef idx="0">
+        <a:scrgbClr r="0" g="0" b="0"/>
+      </a:effectRef>
+      <a:fontRef idx="minor"/>
+    </dgm:style>
+  </dgm:styleLbl>
+  <dgm:styleLbl name="bgShp">
+    <dgm:scene3d>
+      <a:camera prst="orthographicFront"/>
+      <a:lightRig rig="threePt" dir="t"/>
+    </dgm:scene3d>
+    <dgm:sp3d/>
+    <dgm:txPr/>
+    <dgm:style>
+      <a:lnRef idx="0">
+        <a:scrgbClr r="0" g="0" b="0"/>
+      </a:lnRef>
+      <a:fillRef idx="1">
+        <a:scrgbClr r="0" g="0" b="0"/>
+      </a:fillRef>
+      <a:effectRef idx="0">
+        <a:scrgbClr r="0" g="0" b="0"/>
+      </a:effectRef>
+      <a:fontRef idx="minor"/>
+    </dgm:style>
+  </dgm:styleLbl>
+  <dgm:styleLbl name="dkBgShp">
+    <dgm:scene3d>
+      <a:camera prst="orthographicFront"/>
+      <a:lightRig rig="threePt" dir="t"/>
+    </dgm:scene3d>
+    <dgm:sp3d/>
+    <dgm:txPr/>
+    <dgm:style>
+      <a:lnRef idx="0">
+        <a:scrgbClr r="0" g="0" b="0"/>
+      </a:lnRef>
+      <a:fillRef idx="1">
+        <a:scrgbClr r="0" g="0" b="0"/>
+      </a:fillRef>
+      <a:effectRef idx="0">
+        <a:scrgbClr r="0" g="0" b="0"/>
+      </a:effectRef>
+      <a:fontRef idx="minor"/>
+    </dgm:style>
+  </dgm:styleLbl>
+  <dgm:styleLbl name="trBgShp">
+    <dgm:scene3d>
+      <a:camera prst="orthographicFront"/>
+      <a:lightRig rig="threePt" dir="t"/>
+    </dgm:scene3d>
+    <dgm:sp3d/>
+    <dgm:txPr/>
+    <dgm:style>
+      <a:lnRef idx="0">
+        <a:scrgbClr r="0" g="0" b="0"/>
+      </a:lnRef>
+      <a:fillRef idx="1">
+        <a:scrgbClr r="0" g="0" b="0"/>
+      </a:fillRef>
+      <a:effectRef idx="0">
+        <a:scrgbClr r="0" g="0" b="0"/>
+      </a:effectRef>
+      <a:fontRef idx="minor"/>
+    </dgm:style>
+  </dgm:styleLbl>
+  <dgm:styleLbl name="fgShp">
+    <dgm:scene3d>
+      <a:camera prst="orthographicFront"/>
+      <a:lightRig rig="threePt" dir="t"/>
+    </dgm:scene3d>
+    <dgm:sp3d/>
+    <dgm:txPr/>
+    <dgm:style>
+      <a:lnRef idx="2">
+        <a:scrgbClr r="0" g="0" b="0"/>
+      </a:lnRef>
+      <a:fillRef idx="1">
+        <a:scrgbClr r="0" g="0" b="0"/>
+      </a:fillRef>
+      <a:effectRef idx="0">
+        <a:scrgbClr r="0" g="0" b="0"/>
+      </a:effectRef>
+      <a:fontRef idx="minor"/>
+    </dgm:style>
+  </dgm:styleLbl>
+  <dgm:styleLbl name="revTx">
+    <dgm:scene3d>
+      <a:camera prst="orthographicFront"/>
+      <a:lightRig rig="threePt" dir="t"/>
+    </dgm:scene3d>
+    <dgm:sp3d/>
+    <dgm:txPr/>
+    <dgm:style>
+      <a:lnRef idx="0">
+        <a:scrgbClr r="0" g="0" b="0"/>
+      </a:lnRef>
+      <a:fillRef idx="0">
+        <a:scrgbClr r="0" g="0" b="0"/>
+      </a:fillRef>
+      <a:effectRef idx="0">
+        <a:scrgbClr r="0" g="0" b="0"/>
+      </a:effectRef>
+      <a:fontRef idx="minor"/>
+    </dgm:style>
+  </dgm:styleLbl>
+</dgm:styleDef>
 </file>
 
 <file path=ppt/handoutMasters/handoutMaster1.xml><?xml version="1.0" encoding="utf-8"?>
@@ -2179,7 +9039,7 @@
           <a:noFill/>
           <a:extLst>
             <a:ext uri="{909E8E84-426E-40dd-AFC4-6F175D3DCCD1}">
-              <a14:hiddenFill xmlns:a14="http://schemas.microsoft.com/office/drawing/2010/main" xmlns="">
+              <a14:hiddenFill xmlns="" xmlns:a14="http://schemas.microsoft.com/office/drawing/2010/main">
                 <a:solidFill>
                   <a:srgbClr val="FFFFFF"/>
                 </a:solidFill>
@@ -2239,7 +9099,7 @@
             </a:ln>
             <a:extLst>
               <a:ext uri="{91240B29-F687-4f45-9708-019B960494DF}">
-                <a14:hiddenLine xmlns:a14="http://schemas.microsoft.com/office/drawing/2010/main" xmlns="" w="9525">
+                <a14:hiddenLine xmlns="" xmlns:a14="http://schemas.microsoft.com/office/drawing/2010/main" w="9525">
                   <a:solidFill>
                     <a:srgbClr val="000000"/>
                   </a:solidFill>
@@ -2329,7 +9189,7 @@
             </a:ln>
             <a:extLst>
               <a:ext uri="{91240B29-F687-4f45-9708-019B960494DF}">
-                <a14:hiddenLine xmlns:a14="http://schemas.microsoft.com/office/drawing/2010/main" xmlns="" w="9525">
+                <a14:hiddenLine xmlns="" xmlns:a14="http://schemas.microsoft.com/office/drawing/2010/main" w="9525">
                   <a:solidFill>
                     <a:srgbClr val="000000"/>
                   </a:solidFill>
@@ -2419,7 +9279,7 @@
             </a:ln>
             <a:extLst>
               <a:ext uri="{91240B29-F687-4f45-9708-019B960494DF}">
-                <a14:hiddenLine xmlns:a14="http://schemas.microsoft.com/office/drawing/2010/main" xmlns="" w="9525">
+                <a14:hiddenLine xmlns="" xmlns:a14="http://schemas.microsoft.com/office/drawing/2010/main" w="9525">
                   <a:solidFill>
                     <a:srgbClr val="000000"/>
                   </a:solidFill>
@@ -2453,7 +9313,7 @@
             </a:ln>
             <a:extLst>
               <a:ext uri="{91240B29-F687-4f45-9708-019B960494DF}">
-                <a14:hiddenLine xmlns:a14="http://schemas.microsoft.com/office/drawing/2010/main" xmlns="" w="9525">
+                <a14:hiddenLine xmlns="" xmlns:a14="http://schemas.microsoft.com/office/drawing/2010/main" w="9525">
                   <a:solidFill>
                     <a:srgbClr val="000000"/>
                   </a:solidFill>
@@ -2543,7 +9403,7 @@
             </a:ln>
             <a:extLst>
               <a:ext uri="{91240B29-F687-4f45-9708-019B960494DF}">
-                <a14:hiddenLine xmlns:a14="http://schemas.microsoft.com/office/drawing/2010/main" xmlns="" w="9525">
+                <a14:hiddenLine xmlns="" xmlns:a14="http://schemas.microsoft.com/office/drawing/2010/main" w="9525">
                   <a:solidFill>
                     <a:srgbClr val="000000"/>
                   </a:solidFill>
@@ -2605,7 +9465,7 @@
             </a:ln>
             <a:extLst>
               <a:ext uri="{91240B29-F687-4f45-9708-019B960494DF}">
-                <a14:hiddenLine xmlns:a14="http://schemas.microsoft.com/office/drawing/2010/main" xmlns="" w="9525">
+                <a14:hiddenLine xmlns="" xmlns:a14="http://schemas.microsoft.com/office/drawing/2010/main" w="9525">
                   <a:solidFill>
                     <a:srgbClr val="000000"/>
                   </a:solidFill>
@@ -2667,7 +9527,7 @@
             </a:ln>
             <a:extLst>
               <a:ext uri="{91240B29-F687-4f45-9708-019B960494DF}">
-                <a14:hiddenLine xmlns:a14="http://schemas.microsoft.com/office/drawing/2010/main" xmlns="" w="9525">
+                <a14:hiddenLine xmlns="" xmlns:a14="http://schemas.microsoft.com/office/drawing/2010/main" w="9525">
                   <a:solidFill>
                     <a:srgbClr val="000000"/>
                   </a:solidFill>
@@ -2757,7 +9617,7 @@
             </a:ln>
             <a:extLst>
               <a:ext uri="{91240B29-F687-4f45-9708-019B960494DF}">
-                <a14:hiddenLine xmlns:a14="http://schemas.microsoft.com/office/drawing/2010/main" xmlns="" w="9525">
+                <a14:hiddenLine xmlns="" xmlns:a14="http://schemas.microsoft.com/office/drawing/2010/main" w="9525">
                   <a:solidFill>
                     <a:srgbClr val="000000"/>
                   </a:solidFill>
@@ -2819,7 +9679,7 @@
             </a:ln>
             <a:extLst>
               <a:ext uri="{91240B29-F687-4f45-9708-019B960494DF}">
-                <a14:hiddenLine xmlns:a14="http://schemas.microsoft.com/office/drawing/2010/main" xmlns="" w="9525">
+                <a14:hiddenLine xmlns="" xmlns:a14="http://schemas.microsoft.com/office/drawing/2010/main" w="9525">
                   <a:solidFill>
                     <a:srgbClr val="000000"/>
                   </a:solidFill>
@@ -2881,7 +9741,7 @@
             </a:ln>
             <a:extLst>
               <a:ext uri="{91240B29-F687-4f45-9708-019B960494DF}">
-                <a14:hiddenLine xmlns:a14="http://schemas.microsoft.com/office/drawing/2010/main" xmlns="" w="9525">
+                <a14:hiddenLine xmlns="" xmlns:a14="http://schemas.microsoft.com/office/drawing/2010/main" w="9525">
                   <a:solidFill>
                     <a:srgbClr val="000000"/>
                   </a:solidFill>
@@ -2971,7 +9831,7 @@
             </a:ln>
             <a:extLst>
               <a:ext uri="{91240B29-F687-4f45-9708-019B960494DF}">
-                <a14:hiddenLine xmlns:a14="http://schemas.microsoft.com/office/drawing/2010/main" xmlns="" w="9525">
+                <a14:hiddenLine xmlns="" xmlns:a14="http://schemas.microsoft.com/office/drawing/2010/main" w="9525">
                   <a:solidFill>
                     <a:srgbClr val="000000"/>
                   </a:solidFill>
@@ -3061,7 +9921,7 @@
             </a:ln>
             <a:extLst>
               <a:ext uri="{91240B29-F687-4f45-9708-019B960494DF}">
-                <a14:hiddenLine xmlns:a14="http://schemas.microsoft.com/office/drawing/2010/main" xmlns="" w="9525">
+                <a14:hiddenLine xmlns="" xmlns:a14="http://schemas.microsoft.com/office/drawing/2010/main" w="9525">
                   <a:solidFill>
                     <a:srgbClr val="000000"/>
                   </a:solidFill>
@@ -3123,7 +9983,7 @@
             </a:ln>
             <a:extLst>
               <a:ext uri="{91240B29-F687-4f45-9708-019B960494DF}">
-                <a14:hiddenLine xmlns:a14="http://schemas.microsoft.com/office/drawing/2010/main" xmlns="" w="9525">
+                <a14:hiddenLine xmlns="" xmlns:a14="http://schemas.microsoft.com/office/drawing/2010/main" w="9525">
                   <a:solidFill>
                     <a:srgbClr val="000000"/>
                   </a:solidFill>
@@ -3233,7 +10093,7 @@
             </a:ln>
             <a:extLst>
               <a:ext uri="{91240B29-F687-4f45-9708-019B960494DF}">
-                <a14:hiddenLine xmlns:a14="http://schemas.microsoft.com/office/drawing/2010/main" xmlns="" w="9525">
+                <a14:hiddenLine xmlns="" xmlns:a14="http://schemas.microsoft.com/office/drawing/2010/main" w="9525">
                   <a:solidFill>
                     <a:srgbClr val="000000"/>
                   </a:solidFill>
@@ -3295,7 +10155,7 @@
             </a:ln>
             <a:extLst>
               <a:ext uri="{91240B29-F687-4f45-9708-019B960494DF}">
-                <a14:hiddenLine xmlns:a14="http://schemas.microsoft.com/office/drawing/2010/main" xmlns="" w="9525">
+                <a14:hiddenLine xmlns="" xmlns:a14="http://schemas.microsoft.com/office/drawing/2010/main" w="9525">
                   <a:solidFill>
                     <a:srgbClr val="000000"/>
                   </a:solidFill>
@@ -3385,7 +10245,7 @@
             </a:ln>
             <a:extLst>
               <a:ext uri="{91240B29-F687-4f45-9708-019B960494DF}">
-                <a14:hiddenLine xmlns:a14="http://schemas.microsoft.com/office/drawing/2010/main" xmlns="" w="9525">
+                <a14:hiddenLine xmlns="" xmlns:a14="http://schemas.microsoft.com/office/drawing/2010/main" w="9525">
                   <a:solidFill>
                     <a:srgbClr val="000000"/>
                   </a:solidFill>
@@ -3475,7 +10335,7 @@
             </a:ln>
             <a:extLst>
               <a:ext uri="{91240B29-F687-4f45-9708-019B960494DF}">
-                <a14:hiddenLine xmlns:a14="http://schemas.microsoft.com/office/drawing/2010/main" xmlns="" w="9525">
+                <a14:hiddenLine xmlns="" xmlns:a14="http://schemas.microsoft.com/office/drawing/2010/main" w="9525">
                   <a:solidFill>
                     <a:srgbClr val="000000"/>
                   </a:solidFill>
@@ -3537,7 +10397,7 @@
             </a:ln>
             <a:extLst>
               <a:ext uri="{91240B29-F687-4f45-9708-019B960494DF}">
-                <a14:hiddenLine xmlns:a14="http://schemas.microsoft.com/office/drawing/2010/main" xmlns="" w="9525">
+                <a14:hiddenLine xmlns="" xmlns:a14="http://schemas.microsoft.com/office/drawing/2010/main" w="9525">
                   <a:solidFill>
                     <a:srgbClr val="000000"/>
                   </a:solidFill>
@@ -3627,7 +10487,7 @@
             </a:ln>
             <a:extLst>
               <a:ext uri="{91240B29-F687-4f45-9708-019B960494DF}">
-                <a14:hiddenLine xmlns:a14="http://schemas.microsoft.com/office/drawing/2010/main" xmlns="" w="9525">
+                <a14:hiddenLine xmlns="" xmlns:a14="http://schemas.microsoft.com/office/drawing/2010/main" w="9525">
                   <a:solidFill>
                     <a:srgbClr val="000000"/>
                   </a:solidFill>
@@ -3717,7 +10577,7 @@
             </a:ln>
             <a:extLst>
               <a:ext uri="{91240B29-F687-4f45-9708-019B960494DF}">
-                <a14:hiddenLine xmlns:a14="http://schemas.microsoft.com/office/drawing/2010/main" xmlns="" w="9525">
+                <a14:hiddenLine xmlns="" xmlns:a14="http://schemas.microsoft.com/office/drawing/2010/main" w="9525">
                   <a:solidFill>
                     <a:srgbClr val="000000"/>
                   </a:solidFill>
@@ -3773,7 +10633,7 @@
             </a:ln>
             <a:extLst>
               <a:ext uri="{91240B29-F687-4f45-9708-019B960494DF}">
-                <a14:hiddenLine xmlns:a14="http://schemas.microsoft.com/office/drawing/2010/main" xmlns="" w="9525">
+                <a14:hiddenLine xmlns="" xmlns:a14="http://schemas.microsoft.com/office/drawing/2010/main" w="9525">
                   <a:solidFill>
                     <a:srgbClr val="000000"/>
                   </a:solidFill>
@@ -3863,7 +10723,7 @@
             </a:ln>
             <a:extLst>
               <a:ext uri="{91240B29-F687-4f45-9708-019B960494DF}">
-                <a14:hiddenLine xmlns:a14="http://schemas.microsoft.com/office/drawing/2010/main" xmlns="" w="9525">
+                <a14:hiddenLine xmlns="" xmlns:a14="http://schemas.microsoft.com/office/drawing/2010/main" w="9525">
                   <a:solidFill>
                     <a:srgbClr val="000000"/>
                   </a:solidFill>
@@ -3919,7 +10779,7 @@
             </a:ln>
             <a:extLst>
               <a:ext uri="{91240B29-F687-4f45-9708-019B960494DF}">
-                <a14:hiddenLine xmlns:a14="http://schemas.microsoft.com/office/drawing/2010/main" xmlns="" w="9525">
+                <a14:hiddenLine xmlns="" xmlns:a14="http://schemas.microsoft.com/office/drawing/2010/main" w="9525">
                   <a:solidFill>
                     <a:srgbClr val="000000"/>
                   </a:solidFill>
@@ -4009,7 +10869,7 @@
             </a:ln>
             <a:extLst>
               <a:ext uri="{91240B29-F687-4f45-9708-019B960494DF}">
-                <a14:hiddenLine xmlns:a14="http://schemas.microsoft.com/office/drawing/2010/main" xmlns="" w="9525">
+                <a14:hiddenLine xmlns="" xmlns:a14="http://schemas.microsoft.com/office/drawing/2010/main" w="9525">
                   <a:solidFill>
                     <a:srgbClr val="000000"/>
                   </a:solidFill>
@@ -4077,7 +10937,7 @@
             </a:ln>
             <a:extLst>
               <a:ext uri="{91240B29-F687-4f45-9708-019B960494DF}">
-                <a14:hiddenLine xmlns:a14="http://schemas.microsoft.com/office/drawing/2010/main" xmlns="" w="9525">
+                <a14:hiddenLine xmlns="" xmlns:a14="http://schemas.microsoft.com/office/drawing/2010/main" w="9525">
                   <a:solidFill>
                     <a:srgbClr val="000000"/>
                   </a:solidFill>
@@ -4167,7 +11027,7 @@
             </a:ln>
             <a:extLst>
               <a:ext uri="{91240B29-F687-4f45-9708-019B960494DF}">
-                <a14:hiddenLine xmlns:a14="http://schemas.microsoft.com/office/drawing/2010/main" xmlns="" w="9525">
+                <a14:hiddenLine xmlns="" xmlns:a14="http://schemas.microsoft.com/office/drawing/2010/main" w="9525">
                   <a:solidFill>
                     <a:srgbClr val="000000"/>
                   </a:solidFill>
@@ -4235,7 +11095,7 @@
             </a:ln>
             <a:extLst>
               <a:ext uri="{91240B29-F687-4f45-9708-019B960494DF}">
-                <a14:hiddenLine xmlns:a14="http://schemas.microsoft.com/office/drawing/2010/main" xmlns="" w="9525">
+                <a14:hiddenLine xmlns="" xmlns:a14="http://schemas.microsoft.com/office/drawing/2010/main" w="9525">
                   <a:solidFill>
                     <a:srgbClr val="000000"/>
                   </a:solidFill>
@@ -4325,7 +11185,7 @@
             </a:ln>
             <a:extLst>
               <a:ext uri="{91240B29-F687-4f45-9708-019B960494DF}">
-                <a14:hiddenLine xmlns:a14="http://schemas.microsoft.com/office/drawing/2010/main" xmlns="" w="9525">
+                <a14:hiddenLine xmlns="" xmlns:a14="http://schemas.microsoft.com/office/drawing/2010/main" w="9525">
                   <a:solidFill>
                     <a:srgbClr val="000000"/>
                   </a:solidFill>
@@ -4359,7 +11219,7 @@
             </a:ln>
             <a:extLst>
               <a:ext uri="{91240B29-F687-4f45-9708-019B960494DF}">
-                <a14:hiddenLine xmlns:a14="http://schemas.microsoft.com/office/drawing/2010/main" xmlns="" w="9525">
+                <a14:hiddenLine xmlns="" xmlns:a14="http://schemas.microsoft.com/office/drawing/2010/main" w="9525">
                   <a:solidFill>
                     <a:srgbClr val="000000"/>
                   </a:solidFill>
@@ -4449,7 +11309,7 @@
             </a:ln>
             <a:extLst>
               <a:ext uri="{91240B29-F687-4f45-9708-019B960494DF}">
-                <a14:hiddenLine xmlns:a14="http://schemas.microsoft.com/office/drawing/2010/main" xmlns="" w="9525">
+                <a14:hiddenLine xmlns="" xmlns:a14="http://schemas.microsoft.com/office/drawing/2010/main" w="9525">
                   <a:solidFill>
                     <a:srgbClr val="000000"/>
                   </a:solidFill>
@@ -4511,7 +11371,7 @@
             </a:ln>
             <a:extLst>
               <a:ext uri="{91240B29-F687-4f45-9708-019B960494DF}">
-                <a14:hiddenLine xmlns:a14="http://schemas.microsoft.com/office/drawing/2010/main" xmlns="" w="9525">
+                <a14:hiddenLine xmlns="" xmlns:a14="http://schemas.microsoft.com/office/drawing/2010/main" w="9525">
                   <a:solidFill>
                     <a:srgbClr val="000000"/>
                   </a:solidFill>
@@ -4573,7 +11433,7 @@
             </a:ln>
             <a:extLst>
               <a:ext uri="{91240B29-F687-4f45-9708-019B960494DF}">
-                <a14:hiddenLine xmlns:a14="http://schemas.microsoft.com/office/drawing/2010/main" xmlns="" w="9525">
+                <a14:hiddenLine xmlns="" xmlns:a14="http://schemas.microsoft.com/office/drawing/2010/main" w="9525">
                   <a:solidFill>
                     <a:srgbClr val="000000"/>
                   </a:solidFill>
@@ -4663,7 +11523,7 @@
             </a:ln>
             <a:extLst>
               <a:ext uri="{91240B29-F687-4f45-9708-019B960494DF}">
-                <a14:hiddenLine xmlns:a14="http://schemas.microsoft.com/office/drawing/2010/main" xmlns="" w="9525">
+                <a14:hiddenLine xmlns="" xmlns:a14="http://schemas.microsoft.com/office/drawing/2010/main" w="9525">
                   <a:solidFill>
                     <a:srgbClr val="000000"/>
                   </a:solidFill>
@@ -4731,7 +11591,7 @@
             </a:ln>
             <a:extLst>
               <a:ext uri="{91240B29-F687-4f45-9708-019B960494DF}">
-                <a14:hiddenLine xmlns:a14="http://schemas.microsoft.com/office/drawing/2010/main" xmlns="" w="9525">
+                <a14:hiddenLine xmlns="" xmlns:a14="http://schemas.microsoft.com/office/drawing/2010/main" w="9525">
                   <a:solidFill>
                     <a:srgbClr val="000000"/>
                   </a:solidFill>
@@ -4793,7 +11653,7 @@
             </a:ln>
             <a:extLst>
               <a:ext uri="{91240B29-F687-4f45-9708-019B960494DF}">
-                <a14:hiddenLine xmlns:a14="http://schemas.microsoft.com/office/drawing/2010/main" xmlns="" w="9525">
+                <a14:hiddenLine xmlns="" xmlns:a14="http://schemas.microsoft.com/office/drawing/2010/main" w="9525">
                   <a:solidFill>
                     <a:srgbClr val="000000"/>
                   </a:solidFill>
@@ -4883,7 +11743,7 @@
             </a:ln>
             <a:extLst>
               <a:ext uri="{91240B29-F687-4f45-9708-019B960494DF}">
-                <a14:hiddenLine xmlns:a14="http://schemas.microsoft.com/office/drawing/2010/main" xmlns="" w="9525">
+                <a14:hiddenLine xmlns="" xmlns:a14="http://schemas.microsoft.com/office/drawing/2010/main" w="9525">
                   <a:solidFill>
                     <a:srgbClr val="000000"/>
                   </a:solidFill>
@@ -4945,7 +11805,7 @@
             </a:ln>
             <a:extLst>
               <a:ext uri="{91240B29-F687-4f45-9708-019B960494DF}">
-                <a14:hiddenLine xmlns:a14="http://schemas.microsoft.com/office/drawing/2010/main" xmlns="" w="9525">
+                <a14:hiddenLine xmlns="" xmlns:a14="http://schemas.microsoft.com/office/drawing/2010/main" w="9525">
                   <a:solidFill>
                     <a:srgbClr val="000000"/>
                   </a:solidFill>
@@ -5035,7 +11895,7 @@
             </a:ln>
             <a:extLst>
               <a:ext uri="{91240B29-F687-4f45-9708-019B960494DF}">
-                <a14:hiddenLine xmlns:a14="http://schemas.microsoft.com/office/drawing/2010/main" xmlns="" w="9525">
+                <a14:hiddenLine xmlns="" xmlns:a14="http://schemas.microsoft.com/office/drawing/2010/main" w="9525">
                   <a:solidFill>
                     <a:srgbClr val="000000"/>
                   </a:solidFill>
@@ -5097,7 +11957,7 @@
             </a:ln>
             <a:extLst>
               <a:ext uri="{91240B29-F687-4f45-9708-019B960494DF}">
-                <a14:hiddenLine xmlns:a14="http://schemas.microsoft.com/office/drawing/2010/main" xmlns="" w="9525">
+                <a14:hiddenLine xmlns="" xmlns:a14="http://schemas.microsoft.com/office/drawing/2010/main" w="9525">
                   <a:solidFill>
                     <a:srgbClr val="000000"/>
                   </a:solidFill>
@@ -5187,7 +12047,7 @@
             </a:ln>
             <a:extLst>
               <a:ext uri="{91240B29-F687-4f45-9708-019B960494DF}">
-                <a14:hiddenLine xmlns:a14="http://schemas.microsoft.com/office/drawing/2010/main" xmlns="" w="9525">
+                <a14:hiddenLine xmlns="" xmlns:a14="http://schemas.microsoft.com/office/drawing/2010/main" w="9525">
                   <a:solidFill>
                     <a:srgbClr val="000000"/>
                   </a:solidFill>
@@ -5221,7 +12081,7 @@
             </a:ln>
             <a:extLst>
               <a:ext uri="{91240B29-F687-4f45-9708-019B960494DF}">
-                <a14:hiddenLine xmlns:a14="http://schemas.microsoft.com/office/drawing/2010/main" xmlns="" w="9525">
+                <a14:hiddenLine xmlns="" xmlns:a14="http://schemas.microsoft.com/office/drawing/2010/main" w="9525">
                   <a:solidFill>
                     <a:srgbClr val="000000"/>
                   </a:solidFill>
@@ -5286,7 +12146,7 @@
             </a:ln>
             <a:extLst>
               <a:ext uri="{91240B29-F687-4f45-9708-019B960494DF}">
-                <a14:hiddenLine xmlns:a14="http://schemas.microsoft.com/office/drawing/2010/main" xmlns="" w="9525">
+                <a14:hiddenLine xmlns="" xmlns:a14="http://schemas.microsoft.com/office/drawing/2010/main" w="9525">
                   <a:solidFill>
                     <a:srgbClr val="000000"/>
                   </a:solidFill>
@@ -5376,7 +12236,7 @@
             </a:ln>
             <a:extLst>
               <a:ext uri="{91240B29-F687-4f45-9708-019B960494DF}">
-                <a14:hiddenLine xmlns:a14="http://schemas.microsoft.com/office/drawing/2010/main" xmlns="" w="9525">
+                <a14:hiddenLine xmlns="" xmlns:a14="http://schemas.microsoft.com/office/drawing/2010/main" w="9525">
                   <a:solidFill>
                     <a:srgbClr val="000000"/>
                   </a:solidFill>
@@ -5438,7 +12298,7 @@
             </a:ln>
             <a:extLst>
               <a:ext uri="{91240B29-F687-4f45-9708-019B960494DF}">
-                <a14:hiddenLine xmlns:a14="http://schemas.microsoft.com/office/drawing/2010/main" xmlns="" w="9525">
+                <a14:hiddenLine xmlns="" xmlns:a14="http://schemas.microsoft.com/office/drawing/2010/main" w="9525">
                   <a:solidFill>
                     <a:srgbClr val="000000"/>
                   </a:solidFill>
@@ -5528,7 +12388,7 @@
             </a:ln>
             <a:extLst>
               <a:ext uri="{91240B29-F687-4f45-9708-019B960494DF}">
-                <a14:hiddenLine xmlns:a14="http://schemas.microsoft.com/office/drawing/2010/main" xmlns="" w="9525">
+                <a14:hiddenLine xmlns="" xmlns:a14="http://schemas.microsoft.com/office/drawing/2010/main" w="9525">
                   <a:solidFill>
                     <a:srgbClr val="000000"/>
                   </a:solidFill>
@@ -5618,7 +12478,7 @@
             </a:ln>
             <a:extLst>
               <a:ext uri="{91240B29-F687-4f45-9708-019B960494DF}">
-                <a14:hiddenLine xmlns:a14="http://schemas.microsoft.com/office/drawing/2010/main" xmlns="" w="9525">
+                <a14:hiddenLine xmlns="" xmlns:a14="http://schemas.microsoft.com/office/drawing/2010/main" w="9525">
                   <a:solidFill>
                     <a:srgbClr val="000000"/>
                   </a:solidFill>
@@ -5683,7 +12543,7 @@
             </a:ln>
             <a:extLst>
               <a:ext uri="{91240B29-F687-4f45-9708-019B960494DF}">
-                <a14:hiddenLine xmlns:a14="http://schemas.microsoft.com/office/drawing/2010/main" xmlns="" w="9525">
+                <a14:hiddenLine xmlns="" xmlns:a14="http://schemas.microsoft.com/office/drawing/2010/main" w="9525">
                   <a:solidFill>
                     <a:srgbClr val="000000"/>
                   </a:solidFill>
@@ -5745,7 +12605,7 @@
             </a:ln>
             <a:extLst>
               <a:ext uri="{91240B29-F687-4f45-9708-019B960494DF}">
-                <a14:hiddenLine xmlns:a14="http://schemas.microsoft.com/office/drawing/2010/main" xmlns="" w="9525">
+                <a14:hiddenLine xmlns="" xmlns:a14="http://schemas.microsoft.com/office/drawing/2010/main" w="9525">
                   <a:solidFill>
                     <a:srgbClr val="000000"/>
                   </a:solidFill>
@@ -5835,7 +12695,7 @@
             </a:ln>
             <a:extLst>
               <a:ext uri="{91240B29-F687-4f45-9708-019B960494DF}">
-                <a14:hiddenLine xmlns:a14="http://schemas.microsoft.com/office/drawing/2010/main" xmlns="" w="9525">
+                <a14:hiddenLine xmlns="" xmlns:a14="http://schemas.microsoft.com/office/drawing/2010/main" w="9525">
                   <a:solidFill>
                     <a:srgbClr val="000000"/>
                   </a:solidFill>
@@ -5925,7 +12785,7 @@
             </a:ln>
             <a:extLst>
               <a:ext uri="{91240B29-F687-4f45-9708-019B960494DF}">
-                <a14:hiddenLine xmlns:a14="http://schemas.microsoft.com/office/drawing/2010/main" xmlns="" w="9525">
+                <a14:hiddenLine xmlns="" xmlns:a14="http://schemas.microsoft.com/office/drawing/2010/main" w="9525">
                   <a:solidFill>
                     <a:srgbClr val="000000"/>
                   </a:solidFill>
@@ -5987,7 +12847,7 @@
             </a:ln>
             <a:extLst>
               <a:ext uri="{91240B29-F687-4f45-9708-019B960494DF}">
-                <a14:hiddenLine xmlns:a14="http://schemas.microsoft.com/office/drawing/2010/main" xmlns="" w="9525">
+                <a14:hiddenLine xmlns="" xmlns:a14="http://schemas.microsoft.com/office/drawing/2010/main" w="9525">
                   <a:solidFill>
                     <a:srgbClr val="000000"/>
                   </a:solidFill>
@@ -6107,7 +12967,7 @@
             </a:ln>
             <a:extLst>
               <a:ext uri="{91240B29-F687-4f45-9708-019B960494DF}">
-                <a14:hiddenLine xmlns:a14="http://schemas.microsoft.com/office/drawing/2010/main" xmlns="" w="9525">
+                <a14:hiddenLine xmlns="" xmlns:a14="http://schemas.microsoft.com/office/drawing/2010/main" w="9525">
                   <a:solidFill>
                     <a:srgbClr val="000000"/>
                   </a:solidFill>
@@ -6175,7 +13035,7 @@
             </a:ln>
             <a:extLst>
               <a:ext uri="{91240B29-F687-4f45-9708-019B960494DF}">
-                <a14:hiddenLine xmlns:a14="http://schemas.microsoft.com/office/drawing/2010/main" xmlns="" w="9525">
+                <a14:hiddenLine xmlns="" xmlns:a14="http://schemas.microsoft.com/office/drawing/2010/main" w="9525">
                   <a:solidFill>
                     <a:srgbClr val="000000"/>
                   </a:solidFill>
@@ -6265,7 +13125,7 @@
             </a:ln>
             <a:extLst>
               <a:ext uri="{91240B29-F687-4f45-9708-019B960494DF}">
-                <a14:hiddenLine xmlns:a14="http://schemas.microsoft.com/office/drawing/2010/main" xmlns="" w="9525">
+                <a14:hiddenLine xmlns="" xmlns:a14="http://schemas.microsoft.com/office/drawing/2010/main" w="9525">
                   <a:solidFill>
                     <a:srgbClr val="000000"/>
                   </a:solidFill>
@@ -14010,7 +20870,7 @@
           <a:noFill/>
           <a:extLst>
             <a:ext uri="{909E8E84-426E-40dd-AFC4-6F175D3DCCD1}">
-              <a14:hiddenFill xmlns:a14="http://schemas.microsoft.com/office/drawing/2010/main" xmlns="">
+              <a14:hiddenFill xmlns="" xmlns:a14="http://schemas.microsoft.com/office/drawing/2010/main">
                 <a:solidFill>
                   <a:srgbClr val="FFFFFF"/>
                 </a:solidFill>
@@ -14084,7 +20944,7 @@
               </a:ln>
               <a:extLst>
                 <a:ext uri="{91240B29-F687-4f45-9708-019B960494DF}">
-                  <a14:hiddenLine xmlns:a14="http://schemas.microsoft.com/office/drawing/2010/main" xmlns="" w="9525">
+                  <a14:hiddenLine xmlns="" xmlns:a14="http://schemas.microsoft.com/office/drawing/2010/main" w="9525">
                     <a:solidFill>
                       <a:srgbClr val="000000"/>
                     </a:solidFill>
@@ -14174,7 +21034,7 @@
               </a:ln>
               <a:extLst>
                 <a:ext uri="{91240B29-F687-4f45-9708-019B960494DF}">
-                  <a14:hiddenLine xmlns:a14="http://schemas.microsoft.com/office/drawing/2010/main" xmlns="" w="9525">
+                  <a14:hiddenLine xmlns="" xmlns:a14="http://schemas.microsoft.com/office/drawing/2010/main" w="9525">
                     <a:solidFill>
                       <a:srgbClr val="000000"/>
                     </a:solidFill>
@@ -14264,7 +21124,7 @@
               </a:ln>
               <a:extLst>
                 <a:ext uri="{91240B29-F687-4f45-9708-019B960494DF}">
-                  <a14:hiddenLine xmlns:a14="http://schemas.microsoft.com/office/drawing/2010/main" xmlns="" w="9525">
+                  <a14:hiddenLine xmlns="" xmlns:a14="http://schemas.microsoft.com/office/drawing/2010/main" w="9525">
                     <a:solidFill>
                       <a:srgbClr val="000000"/>
                     </a:solidFill>
@@ -14326,7 +21186,7 @@
               </a:ln>
               <a:extLst>
                 <a:ext uri="{91240B29-F687-4f45-9708-019B960494DF}">
-                  <a14:hiddenLine xmlns:a14="http://schemas.microsoft.com/office/drawing/2010/main" xmlns="" w="9525">
+                  <a14:hiddenLine xmlns="" xmlns:a14="http://schemas.microsoft.com/office/drawing/2010/main" w="9525">
                     <a:solidFill>
                       <a:srgbClr val="000000"/>
                     </a:solidFill>
@@ -14416,7 +21276,7 @@
               </a:ln>
               <a:extLst>
                 <a:ext uri="{91240B29-F687-4f45-9708-019B960494DF}">
-                  <a14:hiddenLine xmlns:a14="http://schemas.microsoft.com/office/drawing/2010/main" xmlns="" w="9525">
+                  <a14:hiddenLine xmlns="" xmlns:a14="http://schemas.microsoft.com/office/drawing/2010/main" w="9525">
                     <a:solidFill>
                       <a:srgbClr val="000000"/>
                     </a:solidFill>
@@ -14478,7 +21338,7 @@
               </a:ln>
               <a:extLst>
                 <a:ext uri="{91240B29-F687-4f45-9708-019B960494DF}">
-                  <a14:hiddenLine xmlns:a14="http://schemas.microsoft.com/office/drawing/2010/main" xmlns="" w="9525">
+                  <a14:hiddenLine xmlns="" xmlns:a14="http://schemas.microsoft.com/office/drawing/2010/main" w="9525">
                     <a:solidFill>
                       <a:srgbClr val="000000"/>
                     </a:solidFill>
@@ -14540,7 +21400,7 @@
               </a:ln>
               <a:extLst>
                 <a:ext uri="{91240B29-F687-4f45-9708-019B960494DF}">
-                  <a14:hiddenLine xmlns:a14="http://schemas.microsoft.com/office/drawing/2010/main" xmlns="" w="9525">
+                  <a14:hiddenLine xmlns="" xmlns:a14="http://schemas.microsoft.com/office/drawing/2010/main" w="9525">
                     <a:solidFill>
                       <a:srgbClr val="000000"/>
                     </a:solidFill>
@@ -14630,7 +21490,7 @@
               </a:ln>
               <a:extLst>
                 <a:ext uri="{91240B29-F687-4f45-9708-019B960494DF}">
-                  <a14:hiddenLine xmlns:a14="http://schemas.microsoft.com/office/drawing/2010/main" xmlns="" w="9525">
+                  <a14:hiddenLine xmlns="" xmlns:a14="http://schemas.microsoft.com/office/drawing/2010/main" w="9525">
                     <a:solidFill>
                       <a:srgbClr val="000000"/>
                     </a:solidFill>
@@ -14720,7 +21580,7 @@
               </a:ln>
               <a:extLst>
                 <a:ext uri="{91240B29-F687-4f45-9708-019B960494DF}">
-                  <a14:hiddenLine xmlns:a14="http://schemas.microsoft.com/office/drawing/2010/main" xmlns="" w="9525">
+                  <a14:hiddenLine xmlns="" xmlns:a14="http://schemas.microsoft.com/office/drawing/2010/main" w="9525">
                     <a:solidFill>
                       <a:srgbClr val="000000"/>
                     </a:solidFill>
@@ -14782,7 +21642,7 @@
               </a:ln>
               <a:extLst>
                 <a:ext uri="{91240B29-F687-4f45-9708-019B960494DF}">
-                  <a14:hiddenLine xmlns:a14="http://schemas.microsoft.com/office/drawing/2010/main" xmlns="" w="9525">
+                  <a14:hiddenLine xmlns="" xmlns:a14="http://schemas.microsoft.com/office/drawing/2010/main" w="9525">
                     <a:solidFill>
                       <a:srgbClr val="000000"/>
                     </a:solidFill>
@@ -14892,7 +21752,7 @@
               </a:ln>
               <a:extLst>
                 <a:ext uri="{91240B29-F687-4f45-9708-019B960494DF}">
-                  <a14:hiddenLine xmlns:a14="http://schemas.microsoft.com/office/drawing/2010/main" xmlns="" w="9525">
+                  <a14:hiddenLine xmlns="" xmlns:a14="http://schemas.microsoft.com/office/drawing/2010/main" w="9525">
                     <a:solidFill>
                       <a:srgbClr val="000000"/>
                     </a:solidFill>
@@ -14976,7 +21836,7 @@
               </a:ln>
               <a:extLst>
                 <a:ext uri="{91240B29-F687-4f45-9708-019B960494DF}">
-                  <a14:hiddenLine xmlns:a14="http://schemas.microsoft.com/office/drawing/2010/main" xmlns="" w="9525">
+                  <a14:hiddenLine xmlns="" xmlns:a14="http://schemas.microsoft.com/office/drawing/2010/main" w="9525">
                     <a:solidFill>
                       <a:srgbClr val="000000"/>
                     </a:solidFill>
@@ -15038,7 +21898,7 @@
               </a:ln>
               <a:extLst>
                 <a:ext uri="{91240B29-F687-4f45-9708-019B960494DF}">
-                  <a14:hiddenLine xmlns:a14="http://schemas.microsoft.com/office/drawing/2010/main" xmlns="" w="9525">
+                  <a14:hiddenLine xmlns="" xmlns:a14="http://schemas.microsoft.com/office/drawing/2010/main" w="9525">
                     <a:solidFill>
                       <a:srgbClr val="000000"/>
                     </a:solidFill>
@@ -15100,7 +21960,7 @@
               </a:ln>
               <a:extLst>
                 <a:ext uri="{91240B29-F687-4f45-9708-019B960494DF}">
-                  <a14:hiddenLine xmlns:a14="http://schemas.microsoft.com/office/drawing/2010/main" xmlns="" w="9525">
+                  <a14:hiddenLine xmlns="" xmlns:a14="http://schemas.microsoft.com/office/drawing/2010/main" w="9525">
                     <a:solidFill>
                       <a:srgbClr val="000000"/>
                     </a:solidFill>
@@ -15190,7 +22050,7 @@
               </a:ln>
               <a:extLst>
                 <a:ext uri="{91240B29-F687-4f45-9708-019B960494DF}">
-                  <a14:hiddenLine xmlns:a14="http://schemas.microsoft.com/office/drawing/2010/main" xmlns="" w="9525">
+                  <a14:hiddenLine xmlns="" xmlns:a14="http://schemas.microsoft.com/office/drawing/2010/main" w="9525">
                     <a:solidFill>
                       <a:srgbClr val="000000"/>
                     </a:solidFill>
@@ -15224,7 +22084,7 @@
               </a:ln>
               <a:extLst>
                 <a:ext uri="{91240B29-F687-4f45-9708-019B960494DF}">
-                  <a14:hiddenLine xmlns:a14="http://schemas.microsoft.com/office/drawing/2010/main" xmlns="" w="9525">
+                  <a14:hiddenLine xmlns="" xmlns:a14="http://schemas.microsoft.com/office/drawing/2010/main" w="9525">
                     <a:solidFill>
                       <a:srgbClr val="000000"/>
                     </a:solidFill>
@@ -15289,7 +22149,7 @@
               </a:ln>
               <a:extLst>
                 <a:ext uri="{91240B29-F687-4f45-9708-019B960494DF}">
-                  <a14:hiddenLine xmlns:a14="http://schemas.microsoft.com/office/drawing/2010/main" xmlns="" w="9525">
+                  <a14:hiddenLine xmlns="" xmlns:a14="http://schemas.microsoft.com/office/drawing/2010/main" w="9525">
                     <a:solidFill>
                       <a:srgbClr val="000000"/>
                     </a:solidFill>
@@ -15379,7 +22239,7 @@
               </a:ln>
               <a:extLst>
                 <a:ext uri="{91240B29-F687-4f45-9708-019B960494DF}">
-                  <a14:hiddenLine xmlns:a14="http://schemas.microsoft.com/office/drawing/2010/main" xmlns="" w="9525">
+                  <a14:hiddenLine xmlns="" xmlns:a14="http://schemas.microsoft.com/office/drawing/2010/main" w="9525">
                     <a:solidFill>
                       <a:srgbClr val="000000"/>
                     </a:solidFill>
@@ -15441,7 +22301,7 @@
               </a:ln>
               <a:extLst>
                 <a:ext uri="{91240B29-F687-4f45-9708-019B960494DF}">
-                  <a14:hiddenLine xmlns:a14="http://schemas.microsoft.com/office/drawing/2010/main" xmlns="" w="9525">
+                  <a14:hiddenLine xmlns="" xmlns:a14="http://schemas.microsoft.com/office/drawing/2010/main" w="9525">
                     <a:solidFill>
                       <a:srgbClr val="000000"/>
                     </a:solidFill>
@@ -15531,7 +22391,7 @@
               </a:ln>
               <a:extLst>
                 <a:ext uri="{91240B29-F687-4f45-9708-019B960494DF}">
-                  <a14:hiddenLine xmlns:a14="http://schemas.microsoft.com/office/drawing/2010/main" xmlns="" w="9525">
+                  <a14:hiddenLine xmlns="" xmlns:a14="http://schemas.microsoft.com/office/drawing/2010/main" w="9525">
                     <a:solidFill>
                       <a:srgbClr val="000000"/>
                     </a:solidFill>
@@ -15596,7 +22456,7 @@
               </a:ln>
               <a:extLst>
                 <a:ext uri="{91240B29-F687-4f45-9708-019B960494DF}">
-                  <a14:hiddenLine xmlns:a14="http://schemas.microsoft.com/office/drawing/2010/main" xmlns="" w="9525">
+                  <a14:hiddenLine xmlns="" xmlns:a14="http://schemas.microsoft.com/office/drawing/2010/main" w="9525">
                     <a:solidFill>
                       <a:srgbClr val="000000"/>
                     </a:solidFill>
@@ -15658,7 +22518,7 @@
               </a:ln>
               <a:extLst>
                 <a:ext uri="{91240B29-F687-4f45-9708-019B960494DF}">
-                  <a14:hiddenLine xmlns:a14="http://schemas.microsoft.com/office/drawing/2010/main" xmlns="" w="9525">
+                  <a14:hiddenLine xmlns="" xmlns:a14="http://schemas.microsoft.com/office/drawing/2010/main" w="9525">
                     <a:solidFill>
                       <a:srgbClr val="000000"/>
                     </a:solidFill>
@@ -15748,7 +22608,7 @@
               </a:ln>
               <a:extLst>
                 <a:ext uri="{91240B29-F687-4f45-9708-019B960494DF}">
-                  <a14:hiddenLine xmlns:a14="http://schemas.microsoft.com/office/drawing/2010/main" xmlns="" w="9525">
+                  <a14:hiddenLine xmlns="" xmlns:a14="http://schemas.microsoft.com/office/drawing/2010/main" w="9525">
                     <a:solidFill>
                       <a:srgbClr val="000000"/>
                     </a:solidFill>
@@ -15838,7 +22698,7 @@
               </a:ln>
               <a:extLst>
                 <a:ext uri="{91240B29-F687-4f45-9708-019B960494DF}">
-                  <a14:hiddenLine xmlns:a14="http://schemas.microsoft.com/office/drawing/2010/main" xmlns="" w="9525">
+                  <a14:hiddenLine xmlns="" xmlns:a14="http://schemas.microsoft.com/office/drawing/2010/main" w="9525">
                     <a:solidFill>
                       <a:srgbClr val="000000"/>
                     </a:solidFill>
@@ -15903,7 +22763,7 @@
               </a:ln>
               <a:extLst>
                 <a:ext uri="{91240B29-F687-4f45-9708-019B960494DF}">
-                  <a14:hiddenLine xmlns:a14="http://schemas.microsoft.com/office/drawing/2010/main" xmlns="" w="9525">
+                  <a14:hiddenLine xmlns="" xmlns:a14="http://schemas.microsoft.com/office/drawing/2010/main" w="9525">
                     <a:solidFill>
                       <a:srgbClr val="000000"/>
                     </a:solidFill>
@@ -16023,7 +22883,7 @@
               </a:ln>
               <a:extLst>
                 <a:ext uri="{91240B29-F687-4f45-9708-019B960494DF}">
-                  <a14:hiddenLine xmlns:a14="http://schemas.microsoft.com/office/drawing/2010/main" xmlns="" w="9525">
+                  <a14:hiddenLine xmlns="" xmlns:a14="http://schemas.microsoft.com/office/drawing/2010/main" w="9525">
                     <a:solidFill>
                       <a:srgbClr val="000000"/>
                     </a:solidFill>
@@ -16121,7 +22981,7 @@
               </a:ln>
               <a:extLst>
                 <a:ext uri="{91240B29-F687-4f45-9708-019B960494DF}">
-                  <a14:hiddenLine xmlns:a14="http://schemas.microsoft.com/office/drawing/2010/main" xmlns="" w="9525">
+                  <a14:hiddenLine xmlns="" xmlns:a14="http://schemas.microsoft.com/office/drawing/2010/main" w="9525">
                     <a:solidFill>
                       <a:srgbClr val="000000"/>
                     </a:solidFill>
@@ -16236,7 +23096,7 @@
               </a:ln>
               <a:extLst>
                 <a:ext uri="{91240B29-F687-4f45-9708-019B960494DF}">
-                  <a14:hiddenLine xmlns:a14="http://schemas.microsoft.com/office/drawing/2010/main" xmlns="" w="9525">
+                  <a14:hiddenLine xmlns="" xmlns:a14="http://schemas.microsoft.com/office/drawing/2010/main" w="9525">
                     <a:solidFill>
                       <a:srgbClr val="000000"/>
                     </a:solidFill>
@@ -16326,7 +23186,7 @@
               </a:ln>
               <a:extLst>
                 <a:ext uri="{91240B29-F687-4f45-9708-019B960494DF}">
-                  <a14:hiddenLine xmlns:a14="http://schemas.microsoft.com/office/drawing/2010/main" xmlns="" w="9525">
+                  <a14:hiddenLine xmlns="" xmlns:a14="http://schemas.microsoft.com/office/drawing/2010/main" w="9525">
                     <a:solidFill>
                       <a:srgbClr val="000000"/>
                     </a:solidFill>
@@ -16391,7 +23251,7 @@
               </a:ln>
               <a:extLst>
                 <a:ext uri="{91240B29-F687-4f45-9708-019B960494DF}">
-                  <a14:hiddenLine xmlns:a14="http://schemas.microsoft.com/office/drawing/2010/main" xmlns="" w="9525">
+                  <a14:hiddenLine xmlns="" xmlns:a14="http://schemas.microsoft.com/office/drawing/2010/main" w="9525">
                     <a:solidFill>
                       <a:srgbClr val="000000"/>
                     </a:solidFill>
@@ -16481,7 +23341,7 @@
               </a:ln>
               <a:extLst>
                 <a:ext uri="{91240B29-F687-4f45-9708-019B960494DF}">
-                  <a14:hiddenLine xmlns:a14="http://schemas.microsoft.com/office/drawing/2010/main" xmlns="" w="9525">
+                  <a14:hiddenLine xmlns="" xmlns:a14="http://schemas.microsoft.com/office/drawing/2010/main" w="9525">
                     <a:solidFill>
                       <a:srgbClr val="000000"/>
                     </a:solidFill>
@@ -16549,7 +23409,7 @@
               </a:ln>
               <a:extLst>
                 <a:ext uri="{91240B29-F687-4f45-9708-019B960494DF}">
-                  <a14:hiddenLine xmlns:a14="http://schemas.microsoft.com/office/drawing/2010/main" xmlns="" w="9525">
+                  <a14:hiddenLine xmlns="" xmlns:a14="http://schemas.microsoft.com/office/drawing/2010/main" w="9525">
                     <a:solidFill>
                       <a:srgbClr val="000000"/>
                     </a:solidFill>
@@ -16639,7 +23499,7 @@
               </a:ln>
               <a:extLst>
                 <a:ext uri="{91240B29-F687-4f45-9708-019B960494DF}">
-                  <a14:hiddenLine xmlns:a14="http://schemas.microsoft.com/office/drawing/2010/main" xmlns="" w="9525">
+                  <a14:hiddenLine xmlns="" xmlns:a14="http://schemas.microsoft.com/office/drawing/2010/main" w="9525">
                     <a:solidFill>
                       <a:srgbClr val="000000"/>
                     </a:solidFill>
@@ -16707,7 +23567,7 @@
               </a:ln>
               <a:extLst>
                 <a:ext uri="{91240B29-F687-4f45-9708-019B960494DF}">
-                  <a14:hiddenLine xmlns:a14="http://schemas.microsoft.com/office/drawing/2010/main" xmlns="" w="9525">
+                  <a14:hiddenLine xmlns="" xmlns:a14="http://schemas.microsoft.com/office/drawing/2010/main" w="9525">
                     <a:solidFill>
                       <a:srgbClr val="000000"/>
                     </a:solidFill>
@@ -16797,7 +23657,7 @@
               </a:ln>
               <a:extLst>
                 <a:ext uri="{91240B29-F687-4f45-9708-019B960494DF}">
-                  <a14:hiddenLine xmlns:a14="http://schemas.microsoft.com/office/drawing/2010/main" xmlns="" w="9525">
+                  <a14:hiddenLine xmlns="" xmlns:a14="http://schemas.microsoft.com/office/drawing/2010/main" w="9525">
                     <a:solidFill>
                       <a:srgbClr val="000000"/>
                     </a:solidFill>
@@ -16831,7 +23691,7 @@
               </a:ln>
               <a:extLst>
                 <a:ext uri="{91240B29-F687-4f45-9708-019B960494DF}">
-                  <a14:hiddenLine xmlns:a14="http://schemas.microsoft.com/office/drawing/2010/main" xmlns="" w="9525">
+                  <a14:hiddenLine xmlns="" xmlns:a14="http://schemas.microsoft.com/office/drawing/2010/main" w="9525">
                     <a:solidFill>
                       <a:srgbClr val="000000"/>
                     </a:solidFill>
@@ -17949,6 +24809,102 @@
 </p:sld>
 </file>
 
+<file path=ppt/slides/slide10.xml><?xml version="1.0" encoding="utf-8"?>
+<p:sld xmlns:a="http://schemas.openxmlformats.org/drawingml/2006/main" xmlns:r="http://schemas.openxmlformats.org/officeDocument/2006/relationships" xmlns:p="http://schemas.openxmlformats.org/presentationml/2006/main">
+  <p:cSld>
+    <p:spTree>
+      <p:nvGrpSpPr>
+        <p:cNvPr id="1" name=""/>
+        <p:cNvGrpSpPr/>
+        <p:nvPr/>
+      </p:nvGrpSpPr>
+      <p:grpSpPr>
+        <a:xfrm>
+          <a:off x="0" y="0"/>
+          <a:ext cx="0" cy="0"/>
+          <a:chOff x="0" y="0"/>
+          <a:chExt cx="0" cy="0"/>
+        </a:xfrm>
+      </p:grpSpPr>
+      <p:sp>
+        <p:nvSpPr>
+          <p:cNvPr id="2" name="Titel 1">
+            <a:extLst>
+              <a:ext uri="{FF2B5EF4-FFF2-40B4-BE49-F238E27FC236}">
+                <a16:creationId xmlns:a16="http://schemas.microsoft.com/office/drawing/2014/main" id="{585B9611-381E-68AC-868D-0B8946195334}"/>
+              </a:ext>
+            </a:extLst>
+          </p:cNvPr>
+          <p:cNvSpPr>
+            <a:spLocks noGrp="1"/>
+          </p:cNvSpPr>
+          <p:nvPr>
+            <p:ph type="title"/>
+          </p:nvPr>
+        </p:nvSpPr>
+        <p:spPr>
+          <a:xfrm>
+            <a:off x="581192" y="702156"/>
+            <a:ext cx="11029616" cy="1013800"/>
+          </a:xfrm>
+        </p:spPr>
+        <p:txBody>
+          <a:bodyPr anchor="b">
+            <a:normAutofit/>
+          </a:bodyPr>
+          <a:lstStyle/>
+          <a:p>
+            <a:r>
+              <a:rPr lang="de-DE" dirty="0"/>
+              <a:t>Resources</a:t>
+            </a:r>
+          </a:p>
+        </p:txBody>
+      </p:sp>
+      <p:graphicFrame>
+        <p:nvGraphicFramePr>
+          <p:cNvPr id="7" name="Inhaltsplatzhalter 2">
+            <a:extLst>
+              <a:ext uri="{FF2B5EF4-FFF2-40B4-BE49-F238E27FC236}">
+                <a16:creationId xmlns:a16="http://schemas.microsoft.com/office/drawing/2014/main" id="{402F678D-B708-DDA4-21D3-015C5C65A06E}"/>
+              </a:ext>
+            </a:extLst>
+          </p:cNvPr>
+          <p:cNvGraphicFramePr>
+            <a:graphicFrameLocks noGrp="1"/>
+          </p:cNvGraphicFramePr>
+          <p:nvPr>
+            <p:ph idx="1"/>
+            <p:extLst>
+              <p:ext uri="{D42A27DB-BD31-4B8C-83A1-F6EECF244321}">
+                <p14:modId xmlns:p14="http://schemas.microsoft.com/office/powerpoint/2010/main" val="2446534223"/>
+              </p:ext>
+            </p:extLst>
+          </p:nvPr>
+        </p:nvGraphicFramePr>
+        <p:xfrm>
+          <a:off x="581192" y="2180496"/>
+          <a:ext cx="11029615" cy="3678303"/>
+        </p:xfrm>
+        <a:graphic>
+          <a:graphicData uri="http://schemas.openxmlformats.org/drawingml/2006/diagram">
+            <dgm:relIds xmlns:dgm="http://schemas.openxmlformats.org/drawingml/2006/diagram" xmlns:r="http://schemas.openxmlformats.org/officeDocument/2006/relationships" r:dm="rId2" r:lo="rId3" r:qs="rId4" r:cs="rId5"/>
+          </a:graphicData>
+        </a:graphic>
+      </p:graphicFrame>
+    </p:spTree>
+    <p:extLst>
+      <p:ext uri="{BB962C8B-B14F-4D97-AF65-F5344CB8AC3E}">
+        <p14:creationId xmlns:p14="http://schemas.microsoft.com/office/powerpoint/2010/main" val="782337795"/>
+      </p:ext>
+    </p:extLst>
+  </p:cSld>
+  <p:clrMapOvr>
+    <a:masterClrMapping/>
+  </p:clrMapOvr>
+</p:sld>
+</file>
+
 <file path=ppt/slides/slide2.xml><?xml version="1.0" encoding="utf-8"?>
 <p:sld xmlns:a="http://schemas.openxmlformats.org/drawingml/2006/main" xmlns:r="http://schemas.openxmlformats.org/officeDocument/2006/relationships" xmlns:p="http://schemas.openxmlformats.org/presentationml/2006/main">
   <p:cSld>
@@ -18144,7 +25100,7 @@
             </a:ln>
             <a:extLst>
               <a:ext uri="{91240B29-F687-4f45-9708-019B960494DF}">
-                <a14:hiddenLine xmlns:a16="http://schemas.microsoft.com/office/drawing/2014/main" xmlns:p14="http://schemas.microsoft.com/office/powerpoint/2010/main" xmlns:a14="http://schemas.microsoft.com/office/drawing/2010/main" xmlns="" w="9525">
+                <a14:hiddenLine xmlns="" xmlns:a14="http://schemas.microsoft.com/office/drawing/2010/main" xmlns:p14="http://schemas.microsoft.com/office/powerpoint/2010/main" xmlns:a16="http://schemas.microsoft.com/office/drawing/2014/main" w="9525">
                   <a:solidFill>
                     <a:srgbClr val="000000"/>
                   </a:solidFill>
@@ -18286,7 +25242,7 @@
             </a:ln>
             <a:extLst>
               <a:ext uri="{91240B29-F687-4f45-9708-019B960494DF}">
-                <a14:hiddenLine xmlns:a16="http://schemas.microsoft.com/office/drawing/2014/main" xmlns:p14="http://schemas.microsoft.com/office/powerpoint/2010/main" xmlns:a14="http://schemas.microsoft.com/office/drawing/2010/main" xmlns="" w="9525">
+                <a14:hiddenLine xmlns="" xmlns:a14="http://schemas.microsoft.com/office/drawing/2010/main" xmlns:p14="http://schemas.microsoft.com/office/powerpoint/2010/main" xmlns:a16="http://schemas.microsoft.com/office/drawing/2014/main" w="9525">
                   <a:solidFill>
                     <a:srgbClr val="000000"/>
                   </a:solidFill>
@@ -18428,7 +25384,7 @@
             </a:ln>
             <a:extLst>
               <a:ext uri="{91240B29-F687-4f45-9708-019B960494DF}">
-                <a14:hiddenLine xmlns:a16="http://schemas.microsoft.com/office/drawing/2014/main" xmlns:p14="http://schemas.microsoft.com/office/powerpoint/2010/main" xmlns:a14="http://schemas.microsoft.com/office/drawing/2010/main" xmlns="" w="9525">
+                <a14:hiddenLine xmlns="" xmlns:a14="http://schemas.microsoft.com/office/drawing/2010/main" xmlns:p14="http://schemas.microsoft.com/office/powerpoint/2010/main" xmlns:a16="http://schemas.microsoft.com/office/drawing/2014/main" w="9525">
                   <a:solidFill>
                     <a:srgbClr val="000000"/>
                   </a:solidFill>
@@ -18542,7 +25498,7 @@
             </a:ln>
             <a:extLst>
               <a:ext uri="{91240B29-F687-4f45-9708-019B960494DF}">
-                <a14:hiddenLine xmlns:a16="http://schemas.microsoft.com/office/drawing/2014/main" xmlns:p14="http://schemas.microsoft.com/office/powerpoint/2010/main" xmlns:a14="http://schemas.microsoft.com/office/drawing/2010/main" xmlns="" w="9525">
+                <a14:hiddenLine xmlns="" xmlns:a14="http://schemas.microsoft.com/office/drawing/2010/main" xmlns:p14="http://schemas.microsoft.com/office/powerpoint/2010/main" xmlns:a16="http://schemas.microsoft.com/office/drawing/2014/main" w="9525">
                   <a:solidFill>
                     <a:srgbClr val="000000"/>
                   </a:solidFill>
@@ -18684,7 +25640,7 @@
             </a:ln>
             <a:extLst>
               <a:ext uri="{91240B29-F687-4f45-9708-019B960494DF}">
-                <a14:hiddenLine xmlns:a16="http://schemas.microsoft.com/office/drawing/2014/main" xmlns:p14="http://schemas.microsoft.com/office/powerpoint/2010/main" xmlns:a14="http://schemas.microsoft.com/office/drawing/2010/main" xmlns="" w="9525">
+                <a14:hiddenLine xmlns="" xmlns:a14="http://schemas.microsoft.com/office/drawing/2010/main" xmlns:p14="http://schemas.microsoft.com/office/powerpoint/2010/main" xmlns:a16="http://schemas.microsoft.com/office/drawing/2014/main" w="9525">
                   <a:solidFill>
                     <a:srgbClr val="000000"/>
                   </a:solidFill>
@@ -18798,7 +25754,7 @@
             </a:ln>
             <a:extLst>
               <a:ext uri="{91240B29-F687-4f45-9708-019B960494DF}">
-                <a14:hiddenLine xmlns:a16="http://schemas.microsoft.com/office/drawing/2014/main" xmlns:p14="http://schemas.microsoft.com/office/powerpoint/2010/main" xmlns:a14="http://schemas.microsoft.com/office/drawing/2010/main" xmlns="" w="9525">
+                <a14:hiddenLine xmlns="" xmlns:a14="http://schemas.microsoft.com/office/drawing/2010/main" xmlns:p14="http://schemas.microsoft.com/office/powerpoint/2010/main" xmlns:a16="http://schemas.microsoft.com/office/drawing/2014/main" w="9525">
                   <a:solidFill>
                     <a:srgbClr val="000000"/>
                   </a:solidFill>
@@ -18912,7 +25868,7 @@
             </a:ln>
             <a:extLst>
               <a:ext uri="{91240B29-F687-4f45-9708-019B960494DF}">
-                <a14:hiddenLine xmlns:a16="http://schemas.microsoft.com/office/drawing/2014/main" xmlns:p14="http://schemas.microsoft.com/office/powerpoint/2010/main" xmlns:a14="http://schemas.microsoft.com/office/drawing/2010/main" xmlns="" w="9525">
+                <a14:hiddenLine xmlns="" xmlns:a14="http://schemas.microsoft.com/office/drawing/2010/main" xmlns:p14="http://schemas.microsoft.com/office/powerpoint/2010/main" xmlns:a16="http://schemas.microsoft.com/office/drawing/2014/main" w="9525">
                   <a:solidFill>
                     <a:srgbClr val="000000"/>
                   </a:solidFill>
@@ -19054,7 +26010,7 @@
             </a:ln>
             <a:extLst>
               <a:ext uri="{91240B29-F687-4f45-9708-019B960494DF}">
-                <a14:hiddenLine xmlns:a16="http://schemas.microsoft.com/office/drawing/2014/main" xmlns:p14="http://schemas.microsoft.com/office/powerpoint/2010/main" xmlns:a14="http://schemas.microsoft.com/office/drawing/2010/main" xmlns="" w="9525">
+                <a14:hiddenLine xmlns="" xmlns:a14="http://schemas.microsoft.com/office/drawing/2010/main" xmlns:p14="http://schemas.microsoft.com/office/powerpoint/2010/main" xmlns:a16="http://schemas.microsoft.com/office/drawing/2014/main" w="9525">
                   <a:solidFill>
                     <a:srgbClr val="000000"/>
                   </a:solidFill>
@@ -19196,7 +26152,7 @@
             </a:ln>
             <a:extLst>
               <a:ext uri="{91240B29-F687-4f45-9708-019B960494DF}">
-                <a14:hiddenLine xmlns:a16="http://schemas.microsoft.com/office/drawing/2014/main" xmlns:p14="http://schemas.microsoft.com/office/powerpoint/2010/main" xmlns:a14="http://schemas.microsoft.com/office/drawing/2010/main" xmlns="" w="9525">
+                <a14:hiddenLine xmlns="" xmlns:a14="http://schemas.microsoft.com/office/drawing/2010/main" xmlns:p14="http://schemas.microsoft.com/office/powerpoint/2010/main" xmlns:a16="http://schemas.microsoft.com/office/drawing/2014/main" w="9525">
                   <a:solidFill>
                     <a:srgbClr val="000000"/>
                   </a:solidFill>
@@ -19310,7 +26266,7 @@
             </a:ln>
             <a:extLst>
               <a:ext uri="{91240B29-F687-4f45-9708-019B960494DF}">
-                <a14:hiddenLine xmlns:a16="http://schemas.microsoft.com/office/drawing/2014/main" xmlns:p14="http://schemas.microsoft.com/office/powerpoint/2010/main" xmlns:a14="http://schemas.microsoft.com/office/drawing/2010/main" xmlns="" w="9525">
+                <a14:hiddenLine xmlns="" xmlns:a14="http://schemas.microsoft.com/office/drawing/2010/main" xmlns:p14="http://schemas.microsoft.com/office/powerpoint/2010/main" xmlns:a16="http://schemas.microsoft.com/office/drawing/2014/main" w="9525">
                   <a:solidFill>
                     <a:srgbClr val="000000"/>
                   </a:solidFill>
@@ -19472,7 +26428,7 @@
             </a:ln>
             <a:extLst>
               <a:ext uri="{91240B29-F687-4f45-9708-019B960494DF}">
-                <a14:hiddenLine xmlns:a16="http://schemas.microsoft.com/office/drawing/2014/main" xmlns:p14="http://schemas.microsoft.com/office/powerpoint/2010/main" xmlns:a14="http://schemas.microsoft.com/office/drawing/2010/main" xmlns="" w="9525">
+                <a14:hiddenLine xmlns="" xmlns:a14="http://schemas.microsoft.com/office/drawing/2010/main" xmlns:p14="http://schemas.microsoft.com/office/powerpoint/2010/main" xmlns:a16="http://schemas.microsoft.com/office/drawing/2014/main" w="9525">
                   <a:solidFill>
                     <a:srgbClr val="000000"/>
                   </a:solidFill>
@@ -19660,7 +26616,7 @@
             </a:ln>
             <a:extLst>
               <a:ext uri="{91240B29-F687-4f45-9708-019B960494DF}">
-                <a14:hiddenLine xmlns:a16="http://schemas.microsoft.com/office/drawing/2014/main" xmlns:p14="http://schemas.microsoft.com/office/powerpoint/2010/main" xmlns:a14="http://schemas.microsoft.com/office/drawing/2010/main" xmlns="" w="9525">
+                <a14:hiddenLine xmlns="" xmlns:a14="http://schemas.microsoft.com/office/drawing/2010/main" xmlns:p14="http://schemas.microsoft.com/office/powerpoint/2010/main" xmlns:a16="http://schemas.microsoft.com/office/drawing/2014/main" w="9525">
                   <a:solidFill>
                     <a:srgbClr val="000000"/>
                   </a:solidFill>
@@ -19774,7 +26730,7 @@
             </a:ln>
             <a:extLst>
               <a:ext uri="{91240B29-F687-4f45-9708-019B960494DF}">
-                <a14:hiddenLine xmlns:a16="http://schemas.microsoft.com/office/drawing/2014/main" xmlns:p14="http://schemas.microsoft.com/office/powerpoint/2010/main" xmlns:a14="http://schemas.microsoft.com/office/drawing/2010/main" xmlns="" w="9525">
+                <a14:hiddenLine xmlns="" xmlns:a14="http://schemas.microsoft.com/office/drawing/2010/main" xmlns:p14="http://schemas.microsoft.com/office/powerpoint/2010/main" xmlns:a16="http://schemas.microsoft.com/office/drawing/2014/main" w="9525">
                   <a:solidFill>
                     <a:srgbClr val="000000"/>
                   </a:solidFill>
@@ -19888,7 +26844,7 @@
             </a:ln>
             <a:extLst>
               <a:ext uri="{91240B29-F687-4f45-9708-019B960494DF}">
-                <a14:hiddenLine xmlns:a16="http://schemas.microsoft.com/office/drawing/2014/main" xmlns:p14="http://schemas.microsoft.com/office/powerpoint/2010/main" xmlns:a14="http://schemas.microsoft.com/office/drawing/2010/main" xmlns="" w="9525">
+                <a14:hiddenLine xmlns="" xmlns:a14="http://schemas.microsoft.com/office/drawing/2010/main" xmlns:p14="http://schemas.microsoft.com/office/powerpoint/2010/main" xmlns:a16="http://schemas.microsoft.com/office/drawing/2014/main" w="9525">
                   <a:solidFill>
                     <a:srgbClr val="000000"/>
                   </a:solidFill>
@@ -20030,7 +26986,7 @@
             </a:ln>
             <a:extLst>
               <a:ext uri="{91240B29-F687-4f45-9708-019B960494DF}">
-                <a14:hiddenLine xmlns:a16="http://schemas.microsoft.com/office/drawing/2014/main" xmlns:p14="http://schemas.microsoft.com/office/powerpoint/2010/main" xmlns:a14="http://schemas.microsoft.com/office/drawing/2010/main" xmlns="" w="9525">
+                <a14:hiddenLine xmlns="" xmlns:a14="http://schemas.microsoft.com/office/drawing/2010/main" xmlns:p14="http://schemas.microsoft.com/office/powerpoint/2010/main" xmlns:a16="http://schemas.microsoft.com/office/drawing/2014/main" w="9525">
                   <a:solidFill>
                     <a:srgbClr val="000000"/>
                   </a:solidFill>
@@ -20116,7 +27072,7 @@
             </a:ln>
             <a:extLst>
               <a:ext uri="{91240B29-F687-4f45-9708-019B960494DF}">
-                <a14:hiddenLine xmlns:a16="http://schemas.microsoft.com/office/drawing/2014/main" xmlns:p14="http://schemas.microsoft.com/office/powerpoint/2010/main" xmlns:a14="http://schemas.microsoft.com/office/drawing/2010/main" xmlns="" w="9525">
+                <a14:hiddenLine xmlns="" xmlns:a14="http://schemas.microsoft.com/office/drawing/2010/main" xmlns:p14="http://schemas.microsoft.com/office/powerpoint/2010/main" xmlns:a16="http://schemas.microsoft.com/office/drawing/2014/main" w="9525">
                   <a:solidFill>
                     <a:srgbClr val="000000"/>
                   </a:solidFill>
@@ -20233,7 +27189,7 @@
             </a:ln>
             <a:extLst>
               <a:ext uri="{91240B29-F687-4f45-9708-019B960494DF}">
-                <a14:hiddenLine xmlns:a16="http://schemas.microsoft.com/office/drawing/2014/main" xmlns:p14="http://schemas.microsoft.com/office/powerpoint/2010/main" xmlns:a14="http://schemas.microsoft.com/office/drawing/2010/main" xmlns="" w="9525">
+                <a14:hiddenLine xmlns="" xmlns:a14="http://schemas.microsoft.com/office/drawing/2010/main" xmlns:p14="http://schemas.microsoft.com/office/powerpoint/2010/main" xmlns:a16="http://schemas.microsoft.com/office/drawing/2014/main" w="9525">
                   <a:solidFill>
                     <a:srgbClr val="000000"/>
                   </a:solidFill>
@@ -20375,7 +27331,7 @@
             </a:ln>
             <a:extLst>
               <a:ext uri="{91240B29-F687-4f45-9708-019B960494DF}">
-                <a14:hiddenLine xmlns:a16="http://schemas.microsoft.com/office/drawing/2014/main" xmlns:p14="http://schemas.microsoft.com/office/powerpoint/2010/main" xmlns:a14="http://schemas.microsoft.com/office/drawing/2010/main" xmlns="" w="9525">
+                <a14:hiddenLine xmlns="" xmlns:a14="http://schemas.microsoft.com/office/drawing/2010/main" xmlns:p14="http://schemas.microsoft.com/office/powerpoint/2010/main" xmlns:a16="http://schemas.microsoft.com/office/drawing/2014/main" w="9525">
                   <a:solidFill>
                     <a:srgbClr val="000000"/>
                   </a:solidFill>
@@ -20489,7 +27445,7 @@
             </a:ln>
             <a:extLst>
               <a:ext uri="{91240B29-F687-4f45-9708-019B960494DF}">
-                <a14:hiddenLine xmlns:a16="http://schemas.microsoft.com/office/drawing/2014/main" xmlns:p14="http://schemas.microsoft.com/office/powerpoint/2010/main" xmlns:a14="http://schemas.microsoft.com/office/drawing/2010/main" xmlns="" w="9525">
+                <a14:hiddenLine xmlns="" xmlns:a14="http://schemas.microsoft.com/office/drawing/2010/main" xmlns:p14="http://schemas.microsoft.com/office/powerpoint/2010/main" xmlns:a16="http://schemas.microsoft.com/office/drawing/2014/main" w="9525">
                   <a:solidFill>
                     <a:srgbClr val="000000"/>
                   </a:solidFill>
@@ -20631,7 +27587,7 @@
             </a:ln>
             <a:extLst>
               <a:ext uri="{91240B29-F687-4f45-9708-019B960494DF}">
-                <a14:hiddenLine xmlns:a16="http://schemas.microsoft.com/office/drawing/2014/main" xmlns:p14="http://schemas.microsoft.com/office/powerpoint/2010/main" xmlns:a14="http://schemas.microsoft.com/office/drawing/2010/main" xmlns="" w="9525">
+                <a14:hiddenLine xmlns="" xmlns:a14="http://schemas.microsoft.com/office/drawing/2010/main" xmlns:p14="http://schemas.microsoft.com/office/powerpoint/2010/main" xmlns:a16="http://schemas.microsoft.com/office/drawing/2014/main" w="9525">
                   <a:solidFill>
                     <a:srgbClr val="000000"/>
                   </a:solidFill>
@@ -20748,7 +27704,7 @@
             </a:ln>
             <a:extLst>
               <a:ext uri="{91240B29-F687-4f45-9708-019B960494DF}">
-                <a14:hiddenLine xmlns:a16="http://schemas.microsoft.com/office/drawing/2014/main" xmlns:p14="http://schemas.microsoft.com/office/powerpoint/2010/main" xmlns:a14="http://schemas.microsoft.com/office/drawing/2010/main" xmlns="" w="9525">
+                <a14:hiddenLine xmlns="" xmlns:a14="http://schemas.microsoft.com/office/drawing/2010/main" xmlns:p14="http://schemas.microsoft.com/office/powerpoint/2010/main" xmlns:a16="http://schemas.microsoft.com/office/drawing/2014/main" w="9525">
                   <a:solidFill>
                     <a:srgbClr val="000000"/>
                   </a:solidFill>
@@ -20862,7 +27818,7 @@
             </a:ln>
             <a:extLst>
               <a:ext uri="{91240B29-F687-4f45-9708-019B960494DF}">
-                <a14:hiddenLine xmlns:a16="http://schemas.microsoft.com/office/drawing/2014/main" xmlns:p14="http://schemas.microsoft.com/office/powerpoint/2010/main" xmlns:a14="http://schemas.microsoft.com/office/drawing/2010/main" xmlns="" w="9525">
+                <a14:hiddenLine xmlns="" xmlns:a14="http://schemas.microsoft.com/office/drawing/2010/main" xmlns:p14="http://schemas.microsoft.com/office/powerpoint/2010/main" xmlns:a16="http://schemas.microsoft.com/office/drawing/2014/main" w="9525">
                   <a:solidFill>
                     <a:srgbClr val="000000"/>
                   </a:solidFill>
@@ -21004,7 +27960,7 @@
             </a:ln>
             <a:extLst>
               <a:ext uri="{91240B29-F687-4f45-9708-019B960494DF}">
-                <a14:hiddenLine xmlns:a16="http://schemas.microsoft.com/office/drawing/2014/main" xmlns:p14="http://schemas.microsoft.com/office/powerpoint/2010/main" xmlns:a14="http://schemas.microsoft.com/office/drawing/2010/main" xmlns="" w="9525">
+                <a14:hiddenLine xmlns="" xmlns:a14="http://schemas.microsoft.com/office/drawing/2010/main" xmlns:p14="http://schemas.microsoft.com/office/powerpoint/2010/main" xmlns:a16="http://schemas.microsoft.com/office/drawing/2014/main" w="9525">
                   <a:solidFill>
                     <a:srgbClr val="000000"/>
                   </a:solidFill>
@@ -21146,7 +28102,7 @@
             </a:ln>
             <a:extLst>
               <a:ext uri="{91240B29-F687-4f45-9708-019B960494DF}">
-                <a14:hiddenLine xmlns:a16="http://schemas.microsoft.com/office/drawing/2014/main" xmlns:p14="http://schemas.microsoft.com/office/powerpoint/2010/main" xmlns:a14="http://schemas.microsoft.com/office/drawing/2010/main" xmlns="" w="9525">
+                <a14:hiddenLine xmlns="" xmlns:a14="http://schemas.microsoft.com/office/drawing/2010/main" xmlns:p14="http://schemas.microsoft.com/office/powerpoint/2010/main" xmlns:a16="http://schemas.microsoft.com/office/drawing/2014/main" w="9525">
                   <a:solidFill>
                     <a:srgbClr val="000000"/>
                   </a:solidFill>
@@ -21263,7 +28219,7 @@
             </a:ln>
             <a:extLst>
               <a:ext uri="{91240B29-F687-4f45-9708-019B960494DF}">
-                <a14:hiddenLine xmlns:a16="http://schemas.microsoft.com/office/drawing/2014/main" xmlns:p14="http://schemas.microsoft.com/office/powerpoint/2010/main" xmlns:a14="http://schemas.microsoft.com/office/drawing/2010/main" xmlns="" w="9525">
+                <a14:hiddenLine xmlns="" xmlns:a14="http://schemas.microsoft.com/office/drawing/2010/main" xmlns:p14="http://schemas.microsoft.com/office/powerpoint/2010/main" xmlns:a16="http://schemas.microsoft.com/office/drawing/2014/main" w="9525">
                   <a:solidFill>
                     <a:srgbClr val="000000"/>
                   </a:solidFill>
@@ -21435,7 +28391,7 @@
             </a:ln>
             <a:extLst>
               <a:ext uri="{91240B29-F687-4f45-9708-019B960494DF}">
-                <a14:hiddenLine xmlns:a16="http://schemas.microsoft.com/office/drawing/2014/main" xmlns:p14="http://schemas.microsoft.com/office/powerpoint/2010/main" xmlns:a14="http://schemas.microsoft.com/office/drawing/2010/main" xmlns="" w="9525">
+                <a14:hiddenLine xmlns="" xmlns:a14="http://schemas.microsoft.com/office/drawing/2010/main" xmlns:p14="http://schemas.microsoft.com/office/powerpoint/2010/main" xmlns:a16="http://schemas.microsoft.com/office/drawing/2014/main" w="9525">
                   <a:solidFill>
                     <a:srgbClr val="000000"/>
                   </a:solidFill>
@@ -21894,9 +28850,16 @@
             <p:ph type="title"/>
           </p:nvPr>
         </p:nvSpPr>
-        <p:spPr/>
+        <p:spPr>
+          <a:xfrm>
+            <a:off x="581192" y="702156"/>
+            <a:ext cx="11029616" cy="1013800"/>
+          </a:xfrm>
+        </p:spPr>
         <p:txBody>
-          <a:bodyPr/>
+          <a:bodyPr anchor="b">
+            <a:normAutofit/>
+          </a:bodyPr>
           <a:lstStyle/>
           <a:p>
             <a:r>
@@ -21906,70 +28869,37 @@
           </a:p>
         </p:txBody>
       </p:sp>
-      <p:sp>
-        <p:nvSpPr>
-          <p:cNvPr id="3" name="Inhaltsplatzhalter 2">
+      <p:graphicFrame>
+        <p:nvGraphicFramePr>
+          <p:cNvPr id="5" name="Inhaltsplatzhalter 2">
             <a:extLst>
               <a:ext uri="{FF2B5EF4-FFF2-40B4-BE49-F238E27FC236}">
-                <a16:creationId xmlns:a16="http://schemas.microsoft.com/office/drawing/2014/main" id="{ACCF07E2-DB16-B794-A8F0-D31C00E085A2}"/>
+                <a16:creationId xmlns:a16="http://schemas.microsoft.com/office/drawing/2014/main" id="{97350D64-493D-FFD8-4AFB-5C8ADB0200F3}"/>
               </a:ext>
             </a:extLst>
           </p:cNvPr>
-          <p:cNvSpPr>
-            <a:spLocks noGrp="1"/>
-          </p:cNvSpPr>
+          <p:cNvGraphicFramePr>
+            <a:graphicFrameLocks noGrp="1"/>
+          </p:cNvGraphicFramePr>
           <p:nvPr>
             <p:ph idx="1"/>
+            <p:extLst>
+              <p:ext uri="{D42A27DB-BD31-4B8C-83A1-F6EECF244321}">
+                <p14:modId xmlns:p14="http://schemas.microsoft.com/office/powerpoint/2010/main" val="762221286"/>
+              </p:ext>
+            </p:extLst>
           </p:nvPr>
-        </p:nvSpPr>
-        <p:spPr/>
-        <p:txBody>
-          <a:bodyPr/>
-          <a:lstStyle/>
-          <a:p>
-            <a:r>
-              <a:rPr lang="de-DE" dirty="0"/>
-              <a:t>Intro </a:t>
-            </a:r>
-            <a:r>
-              <a:rPr lang="de-DE" dirty="0" err="1"/>
-              <a:t>into</a:t>
-            </a:r>
-            <a:r>
-              <a:rPr lang="de-DE" dirty="0"/>
-              <a:t> </a:t>
-            </a:r>
-            <a:r>
-              <a:rPr lang="de-DE" dirty="0" err="1"/>
-              <a:t>Kubernetes</a:t>
-            </a:r>
-            <a:r>
-              <a:rPr lang="de-DE" dirty="0"/>
-              <a:t> </a:t>
-            </a:r>
-          </a:p>
-          <a:p>
-            <a:r>
-              <a:rPr lang="de-DE" dirty="0"/>
-              <a:t>Intro </a:t>
-            </a:r>
-            <a:r>
-              <a:rPr lang="de-DE" dirty="0" err="1"/>
-              <a:t>into</a:t>
-            </a:r>
-            <a:r>
-              <a:rPr lang="de-DE" dirty="0"/>
-              <a:t> Operator</a:t>
-            </a:r>
-          </a:p>
-          <a:p>
-            <a:r>
-              <a:rPr lang="de-DE" dirty="0"/>
-              <a:t>Demo</a:t>
-            </a:r>
-          </a:p>
-        </p:txBody>
-      </p:sp>
+        </p:nvGraphicFramePr>
+        <p:xfrm>
+          <a:off x="581192" y="2180496"/>
+          <a:ext cx="11029615" cy="3678303"/>
+        </p:xfrm>
+        <a:graphic>
+          <a:graphicData uri="http://schemas.openxmlformats.org/drawingml/2006/diagram">
+            <dgm:relIds xmlns:dgm="http://schemas.openxmlformats.org/drawingml/2006/diagram" xmlns:r="http://schemas.openxmlformats.org/officeDocument/2006/relationships" r:dm="rId2" r:lo="rId3" r:qs="rId4" r:cs="rId5"/>
+          </a:graphicData>
+        </a:graphic>
+      </p:graphicFrame>
     </p:spTree>
     <p:extLst>
       <p:ext uri="{BB962C8B-B14F-4D97-AF65-F5344CB8AC3E}">
@@ -22016,9 +28946,16 @@
             <p:ph type="title"/>
           </p:nvPr>
         </p:nvSpPr>
-        <p:spPr/>
+        <p:spPr>
+          <a:xfrm>
+            <a:off x="581193" y="729658"/>
+            <a:ext cx="11029616" cy="988332"/>
+          </a:xfrm>
+        </p:spPr>
         <p:txBody>
-          <a:bodyPr/>
+          <a:bodyPr anchor="b">
+            <a:normAutofit/>
+          </a:bodyPr>
           <a:lstStyle/>
           <a:p>
             <a:r>
@@ -22058,139 +28995,226 @@
             <a:spLocks noGrp="1"/>
           </p:cNvSpPr>
           <p:nvPr>
-            <p:ph idx="1"/>
+            <p:ph sz="half" idx="1"/>
           </p:nvPr>
         </p:nvSpPr>
-        <p:spPr/>
+        <p:spPr>
+          <a:xfrm>
+            <a:off x="581193" y="2228003"/>
+            <a:ext cx="5422390" cy="3633047"/>
+          </a:xfrm>
+        </p:spPr>
         <p:txBody>
-          <a:bodyPr>
-            <a:normAutofit fontScale="92500" lnSpcReduction="10000"/>
+          <a:bodyPr anchor="ctr">
+            <a:normAutofit/>
           </a:bodyPr>
           <a:lstStyle/>
           <a:p>
-            <a:r>
-              <a:rPr lang="de-DE" dirty="0"/>
+            <a:pPr>
+              <a:lnSpc>
+                <a:spcPct val="90000"/>
+              </a:lnSpc>
+            </a:pPr>
+            <a:r>
+              <a:rPr lang="de-DE" sz="1500"/>
               <a:t>API-</a:t>
             </a:r>
             <a:r>
-              <a:rPr lang="de-DE" dirty="0" err="1"/>
+              <a:rPr lang="de-DE" sz="1500" err="1"/>
               <a:t>Based</a:t>
             </a:r>
-            <a:endParaRPr lang="de-DE" dirty="0"/>
-          </a:p>
-          <a:p>
-            <a:pPr lvl="1"/>
-            <a:r>
-              <a:rPr lang="de-DE" dirty="0"/>
+            <a:endParaRPr lang="de-DE" sz="1500"/>
+          </a:p>
+          <a:p>
+            <a:pPr lvl="1">
+              <a:lnSpc>
+                <a:spcPct val="90000"/>
+              </a:lnSpc>
+            </a:pPr>
+            <a:r>
+              <a:rPr lang="de-DE" sz="1500"/>
               <a:t>REST API</a:t>
             </a:r>
           </a:p>
           <a:p>
-            <a:r>
-              <a:rPr lang="de-DE" dirty="0"/>
+            <a:pPr>
+              <a:lnSpc>
+                <a:spcPct val="90000"/>
+              </a:lnSpc>
+            </a:pPr>
+            <a:r>
+              <a:rPr lang="de-DE" sz="1500"/>
               <a:t>Container </a:t>
             </a:r>
             <a:r>
-              <a:rPr lang="de-DE" dirty="0" err="1"/>
+              <a:rPr lang="de-DE" sz="1500" err="1"/>
               <a:t>orchestration</a:t>
             </a:r>
-            <a:endParaRPr lang="de-DE" dirty="0"/>
-          </a:p>
-          <a:p>
-            <a:pPr lvl="1"/>
-            <a:r>
-              <a:rPr lang="de-DE" dirty="0"/>
+            <a:endParaRPr lang="de-DE" sz="1500"/>
+          </a:p>
+          <a:p>
+            <a:pPr lvl="1">
+              <a:lnSpc>
+                <a:spcPct val="90000"/>
+              </a:lnSpc>
+            </a:pPr>
+            <a:r>
+              <a:rPr lang="de-DE" sz="1500"/>
               <a:t>Not </a:t>
             </a:r>
             <a:r>
-              <a:rPr lang="de-DE" dirty="0" err="1"/>
+              <a:rPr lang="de-DE" sz="1500" err="1"/>
               <a:t>only</a:t>
             </a:r>
             <a:r>
-              <a:rPr lang="de-DE" dirty="0"/>
+              <a:rPr lang="de-DE" sz="1500"/>
               <a:t> </a:t>
             </a:r>
             <a:r>
-              <a:rPr lang="de-DE" dirty="0" err="1"/>
+              <a:rPr lang="de-DE" sz="1500" err="1"/>
               <a:t>containerized</a:t>
             </a:r>
             <a:r>
-              <a:rPr lang="de-DE" dirty="0"/>
+              <a:rPr lang="de-DE" sz="1500"/>
               <a:t> </a:t>
             </a:r>
             <a:r>
-              <a:rPr lang="de-DE" dirty="0" err="1"/>
+              <a:rPr lang="de-DE" sz="1500" err="1"/>
               <a:t>applications</a:t>
             </a:r>
-            <a:endParaRPr lang="de-DE" dirty="0"/>
-          </a:p>
-          <a:p>
-            <a:r>
-              <a:rPr lang="de-DE" dirty="0" err="1"/>
+            <a:endParaRPr lang="de-DE" sz="1500"/>
+          </a:p>
+          <a:p>
+            <a:pPr>
+              <a:lnSpc>
+                <a:spcPct val="90000"/>
+              </a:lnSpc>
+            </a:pPr>
+            <a:r>
+              <a:rPr lang="de-DE" sz="1500" err="1"/>
               <a:t>Declaritive</a:t>
             </a:r>
             <a:r>
-              <a:rPr lang="de-DE" dirty="0"/>
+              <a:rPr lang="de-DE" sz="1500"/>
               <a:t> Model</a:t>
             </a:r>
           </a:p>
           <a:p>
-            <a:pPr lvl="1"/>
-            <a:r>
-              <a:rPr lang="de-DE" dirty="0"/>
+            <a:pPr lvl="1">
+              <a:lnSpc>
+                <a:spcPct val="90000"/>
+              </a:lnSpc>
+            </a:pPr>
+            <a:r>
+              <a:rPr lang="de-DE" sz="1500"/>
               <a:t>YAML and JSON</a:t>
             </a:r>
           </a:p>
           <a:p>
-            <a:r>
-              <a:rPr lang="de-DE" dirty="0"/>
+            <a:pPr>
+              <a:lnSpc>
+                <a:spcPct val="90000"/>
+              </a:lnSpc>
+            </a:pPr>
+            <a:r>
+              <a:rPr lang="de-DE" sz="1500"/>
               <a:t>Self-</a:t>
             </a:r>
             <a:r>
-              <a:rPr lang="de-DE" dirty="0" err="1"/>
+              <a:rPr lang="de-DE" sz="1500" err="1"/>
               <a:t>healing</a:t>
             </a:r>
             <a:r>
-              <a:rPr lang="de-DE" dirty="0"/>
+              <a:rPr lang="de-DE" sz="1500"/>
               <a:t> </a:t>
             </a:r>
           </a:p>
           <a:p>
-            <a:pPr lvl="1"/>
-            <a:r>
-              <a:rPr lang="de-DE" dirty="0" err="1"/>
+            <a:pPr lvl="1">
+              <a:lnSpc>
+                <a:spcPct val="90000"/>
+              </a:lnSpc>
+            </a:pPr>
+            <a:r>
+              <a:rPr lang="de-DE" sz="1500" err="1"/>
               <a:t>Reconciling</a:t>
             </a:r>
-            <a:endParaRPr lang="de-DE" dirty="0"/>
-          </a:p>
-          <a:p>
-            <a:r>
-              <a:rPr lang="de-DE" dirty="0"/>
+            <a:endParaRPr lang="de-DE" sz="1500"/>
+          </a:p>
+          <a:p>
+            <a:pPr>
+              <a:lnSpc>
+                <a:spcPct val="90000"/>
+              </a:lnSpc>
+            </a:pPr>
+            <a:r>
+              <a:rPr lang="de-DE" sz="1500"/>
               <a:t>High-</a:t>
             </a:r>
             <a:r>
-              <a:rPr lang="de-DE" dirty="0" err="1"/>
+              <a:rPr lang="de-DE" sz="1500" err="1"/>
               <a:t>Availability</a:t>
             </a:r>
-            <a:endParaRPr lang="de-DE" dirty="0"/>
-          </a:p>
-          <a:p>
-            <a:pPr lvl="1"/>
-            <a:r>
-              <a:rPr lang="de-DE" dirty="0"/>
+            <a:endParaRPr lang="de-DE" sz="1500"/>
+          </a:p>
+          <a:p>
+            <a:pPr lvl="1">
+              <a:lnSpc>
+                <a:spcPct val="90000"/>
+              </a:lnSpc>
+            </a:pPr>
+            <a:r>
+              <a:rPr lang="de-DE" sz="1500"/>
               <a:t>Load </a:t>
             </a:r>
             <a:r>
-              <a:rPr lang="de-DE" dirty="0" err="1"/>
+              <a:rPr lang="de-DE" sz="1500" err="1"/>
               <a:t>Balancing</a:t>
             </a:r>
-            <a:endParaRPr lang="de-DE" dirty="0"/>
-          </a:p>
-          <a:p>
-            <a:endParaRPr lang="de-DE" dirty="0"/>
+            <a:endParaRPr lang="de-DE" sz="1500"/>
+          </a:p>
+          <a:p>
+            <a:pPr>
+              <a:lnSpc>
+                <a:spcPct val="90000"/>
+              </a:lnSpc>
+            </a:pPr>
+            <a:endParaRPr lang="de-DE" sz="1500"/>
           </a:p>
         </p:txBody>
       </p:sp>
+      <p:pic>
+        <p:nvPicPr>
+          <p:cNvPr id="7" name="Grafik 6" descr="Ein Bild, das Screenshot, Kleidung, Animierter Cartoon, Animation enthält.&#10;&#10;KI-generierte Inhalte können fehlerhaft sein.">
+            <a:extLst>
+              <a:ext uri="{FF2B5EF4-FFF2-40B4-BE49-F238E27FC236}">
+                <a16:creationId xmlns:a16="http://schemas.microsoft.com/office/drawing/2014/main" id="{ABD22048-EFA7-918C-426F-882715360C40}"/>
+              </a:ext>
+            </a:extLst>
+          </p:cNvPr>
+          <p:cNvPicPr>
+            <a:picLocks noChangeAspect="1"/>
+          </p:cNvPicPr>
+          <p:nvPr/>
+        </p:nvPicPr>
+        <p:blipFill>
+          <a:blip r:embed="rId2"/>
+          <a:srcRect b="11550"/>
+          <a:stretch>
+            <a:fillRect/>
+          </a:stretch>
+        </p:blipFill>
+        <p:spPr>
+          <a:xfrm>
+            <a:off x="6188417" y="2228003"/>
+            <a:ext cx="5422392" cy="3633047"/>
+          </a:xfrm>
+          <a:prstGeom prst="rect">
+            <a:avLst/>
+          </a:prstGeom>
+          <a:noFill/>
+        </p:spPr>
+      </p:pic>
     </p:spTree>
     <p:extLst>
       <p:ext uri="{BB962C8B-B14F-4D97-AF65-F5344CB8AC3E}">
@@ -22237,9 +29261,16 @@
             <p:ph type="title"/>
           </p:nvPr>
         </p:nvSpPr>
-        <p:spPr/>
+        <p:spPr>
+          <a:xfrm>
+            <a:off x="581193" y="729658"/>
+            <a:ext cx="11029616" cy="988332"/>
+          </a:xfrm>
+        </p:spPr>
         <p:txBody>
-          <a:bodyPr/>
+          <a:bodyPr anchor="b">
+            <a:normAutofit/>
+          </a:bodyPr>
           <a:lstStyle/>
           <a:p>
             <a:r>
@@ -22266,6 +29297,38 @@
           </a:p>
         </p:txBody>
       </p:sp>
+      <p:pic>
+        <p:nvPicPr>
+          <p:cNvPr id="5" name="Grafik 4" descr="Ein Bild, das Screenshot, Animierter Cartoon, Animation, Grafiken enthält.&#10;&#10;KI-generierte Inhalte können fehlerhaft sein.">
+            <a:extLst>
+              <a:ext uri="{FF2B5EF4-FFF2-40B4-BE49-F238E27FC236}">
+                <a16:creationId xmlns:a16="http://schemas.microsoft.com/office/drawing/2014/main" id="{0764477F-AE88-FEAE-4BA8-4AC19983D3D4}"/>
+              </a:ext>
+            </a:extLst>
+          </p:cNvPr>
+          <p:cNvPicPr>
+            <a:picLocks noChangeAspect="1"/>
+          </p:cNvPicPr>
+          <p:nvPr/>
+        </p:nvPicPr>
+        <p:blipFill>
+          <a:blip r:embed="rId2"/>
+          <a:srcRect t="10844" b="706"/>
+          <a:stretch>
+            <a:fillRect/>
+          </a:stretch>
+        </p:blipFill>
+        <p:spPr>
+          <a:xfrm>
+            <a:off x="581193" y="2228003"/>
+            <a:ext cx="5422390" cy="3633047"/>
+          </a:xfrm>
+          <a:prstGeom prst="rect">
+            <a:avLst/>
+          </a:prstGeom>
+          <a:noFill/>
+        </p:spPr>
+      </p:pic>
       <p:sp>
         <p:nvSpPr>
           <p:cNvPr id="3" name="Inhaltsplatzhalter 2">
@@ -22279,12 +29342,19 @@
             <a:spLocks noGrp="1"/>
           </p:cNvSpPr>
           <p:nvPr>
-            <p:ph idx="1"/>
+            <p:ph sz="half" idx="2"/>
           </p:nvPr>
         </p:nvSpPr>
-        <p:spPr/>
+        <p:spPr>
+          <a:xfrm>
+            <a:off x="6188417" y="2228003"/>
+            <a:ext cx="5422392" cy="3633047"/>
+          </a:xfrm>
+        </p:spPr>
         <p:txBody>
-          <a:bodyPr/>
+          <a:bodyPr anchor="ctr">
+            <a:normAutofit/>
+          </a:bodyPr>
           <a:lstStyle/>
           <a:p>
             <a:r>
@@ -22359,31 +29429,31 @@
           <a:p>
             <a:pPr lvl="1"/>
             <a:r>
-              <a:rPr lang="de-DE" dirty="0"/>
+              <a:rPr lang="de-DE" sz="1800"/>
               <a:t>Source </a:t>
             </a:r>
             <a:r>
-              <a:rPr lang="de-DE" dirty="0" err="1"/>
+              <a:rPr lang="de-DE" sz="1800" err="1"/>
               <a:t>of</a:t>
             </a:r>
             <a:r>
-              <a:rPr lang="de-DE" dirty="0"/>
+              <a:rPr lang="de-DE" sz="1800"/>
               <a:t> </a:t>
             </a:r>
             <a:r>
-              <a:rPr lang="de-DE" dirty="0" err="1"/>
+              <a:rPr lang="de-DE" sz="1800" err="1"/>
               <a:t>Thruth</a:t>
             </a:r>
             <a:r>
-              <a:rPr lang="de-DE" dirty="0"/>
+              <a:rPr lang="de-DE" sz="1800"/>
               <a:t>, Cloud Providers, Database, </a:t>
             </a:r>
             <a:r>
-              <a:rPr lang="de-DE" dirty="0" err="1"/>
+              <a:rPr lang="de-DE" sz="1800" err="1"/>
               <a:t>Logging</a:t>
             </a:r>
             <a:r>
-              <a:rPr lang="de-DE" dirty="0"/>
+              <a:rPr lang="de-DE" sz="1800"/>
               <a:t>, Monitoring</a:t>
             </a:r>
           </a:p>
@@ -22544,7 +29614,7 @@
             </a:r>
             <a:r>
               <a:rPr lang="de-DE" dirty="0" err="1"/>
-              <a:t>device</a:t>
+              <a:t>devices</a:t>
             </a:r>
             <a:endParaRPr lang="de-DE" dirty="0"/>
           </a:p>
@@ -22604,8 +29674,20 @@
           <a:p>
             <a:pPr lvl="1"/>
             <a:r>
+              <a:rPr lang="de-DE" dirty="0"/>
+              <a:t>GET </a:t>
+            </a:r>
+            <a:r>
               <a:rPr lang="de-DE" dirty="0" err="1"/>
-              <a:t>Get</a:t>
+              <a:t>the</a:t>
+            </a:r>
+            <a:r>
+              <a:rPr lang="de-DE" dirty="0"/>
+              <a:t> NAME </a:t>
+            </a:r>
+            <a:r>
+              <a:rPr lang="de-DE" dirty="0" err="1"/>
+              <a:t>of</a:t>
             </a:r>
             <a:r>
               <a:rPr lang="de-DE" dirty="0"/>
@@ -22617,11 +29699,31 @@
             </a:r>
             <a:r>
               <a:rPr lang="de-DE" dirty="0"/>
-              <a:t> NAME </a:t>
+              <a:t> </a:t>
             </a:r>
             <a:r>
               <a:rPr lang="de-DE" dirty="0" err="1"/>
-              <a:t>of</a:t>
+              <a:t>device</a:t>
+            </a:r>
+            <a:endParaRPr lang="de-DE" dirty="0"/>
+          </a:p>
+          <a:p>
+            <a:pPr lvl="1"/>
+            <a:r>
+              <a:rPr lang="de-DE" dirty="0"/>
+              <a:t>SET </a:t>
+            </a:r>
+            <a:r>
+              <a:rPr lang="de-DE" dirty="0" err="1"/>
+              <a:t>value</a:t>
+            </a:r>
+            <a:r>
+              <a:rPr lang="de-DE" dirty="0"/>
+              <a:t> in </a:t>
+            </a:r>
+            <a:r>
+              <a:rPr lang="de-DE" dirty="0" err="1"/>
+              <a:t>the</a:t>
             </a:r>
             <a:r>
               <a:rPr lang="de-DE" dirty="0"/>
@@ -22629,7 +29731,46 @@
             </a:r>
             <a:r>
               <a:rPr lang="de-DE" dirty="0" err="1"/>
-              <a:t>the</a:t>
+              <a:t>configuration</a:t>
+            </a:r>
+            <a:endParaRPr lang="de-DE" dirty="0"/>
+          </a:p>
+          <a:p>
+            <a:pPr lvl="1"/>
+            <a:r>
+              <a:rPr lang="de-DE" dirty="0"/>
+              <a:t>(Not possible so </a:t>
+            </a:r>
+            <a:r>
+              <a:rPr lang="de-DE" dirty="0" err="1"/>
+              <a:t>far</a:t>
+            </a:r>
+            <a:r>
+              <a:rPr lang="de-DE" dirty="0"/>
+              <a:t>)</a:t>
+            </a:r>
+          </a:p>
+          <a:p>
+            <a:pPr lvl="2"/>
+            <a:r>
+              <a:rPr lang="de-DE" dirty="0"/>
+              <a:t>DELETE </a:t>
+            </a:r>
+            <a:r>
+              <a:rPr lang="de-DE" dirty="0" err="1"/>
+              <a:t>values</a:t>
+            </a:r>
+            <a:endParaRPr lang="de-DE" dirty="0"/>
+          </a:p>
+          <a:p>
+            <a:pPr lvl="2"/>
+            <a:r>
+              <a:rPr lang="de-DE" dirty="0"/>
+              <a:t>SUBSCRIBE </a:t>
+            </a:r>
+            <a:r>
+              <a:rPr lang="de-DE" dirty="0" err="1"/>
+              <a:t>to</a:t>
             </a:r>
             <a:r>
               <a:rPr lang="de-DE" dirty="0"/>
@@ -22637,40 +29778,8 @@
             </a:r>
             <a:r>
               <a:rPr lang="de-DE" dirty="0" err="1"/>
-              <a:t>device</a:t>
-            </a:r>
-            <a:endParaRPr lang="de-DE" dirty="0"/>
-          </a:p>
-          <a:p>
-            <a:pPr lvl="1"/>
-            <a:r>
-              <a:rPr lang="de-DE" dirty="0"/>
-              <a:t>Set </a:t>
-            </a:r>
-            <a:r>
-              <a:rPr lang="de-DE" dirty="0" err="1"/>
-              <a:t>value</a:t>
-            </a:r>
-            <a:r>
-              <a:rPr lang="de-DE" dirty="0"/>
-              <a:t> in </a:t>
-            </a:r>
-            <a:r>
-              <a:rPr lang="de-DE" dirty="0" err="1"/>
-              <a:t>the</a:t>
-            </a:r>
-            <a:r>
-              <a:rPr lang="de-DE" dirty="0"/>
-              <a:t> </a:t>
-            </a:r>
-            <a:r>
-              <a:rPr lang="de-DE" dirty="0" err="1"/>
-              <a:t>configuration</a:t>
-            </a:r>
-            <a:endParaRPr lang="de-DE" dirty="0"/>
-          </a:p>
-          <a:p>
-            <a:pPr lvl="1"/>
+              <a:t>telemetry</a:t>
+            </a:r>
             <a:endParaRPr lang="de-DE" dirty="0"/>
           </a:p>
           <a:p>
@@ -22979,7 +30088,7 @@
         </p:blipFill>
         <p:spPr>
           <a:xfrm>
-            <a:off x="4407374" y="2192406"/>
+            <a:off x="4407374" y="2192404"/>
             <a:ext cx="3377252" cy="4221565"/>
           </a:xfrm>
         </p:spPr>
@@ -23089,7 +30198,7 @@
         <p:spPr>
           <a:xfrm>
             <a:off x="581192" y="2259724"/>
-            <a:ext cx="3433760" cy="1477328"/>
+            <a:ext cx="3433760" cy="2585323"/>
           </a:xfrm>
           <a:prstGeom prst="rect">
             <a:avLst/>
@@ -23167,10 +30276,38 @@
               <a:rPr lang="de-DE" dirty="0" err="1"/>
               <a:t>area</a:t>
             </a:r>
+            <a:endParaRPr lang="de-DE" dirty="0"/>
+          </a:p>
+          <a:p>
+            <a:pPr marL="285750" indent="-285750">
+              <a:buFont typeface="Arial" panose="020B0604020202020204" pitchFamily="34" charset="0"/>
+              <a:buChar char="•"/>
+            </a:pPr>
+            <a:endParaRPr lang="de-DE" dirty="0"/>
+          </a:p>
+          <a:p>
+            <a:pPr marL="285750" indent="-285750">
+              <a:buFont typeface="Arial" panose="020B0604020202020204" pitchFamily="34" charset="0"/>
+              <a:buChar char="•"/>
+            </a:pPr>
             <a:r>
               <a:rPr lang="de-DE" dirty="0"/>
-              <a:t>?</a:t>
-            </a:r>
+              <a:t>Food and Drinks</a:t>
+            </a:r>
+          </a:p>
+          <a:p>
+            <a:pPr marL="285750" indent="-285750">
+              <a:buFont typeface="Arial" panose="020B0604020202020204" pitchFamily="34" charset="0"/>
+              <a:buChar char="•"/>
+            </a:pPr>
+            <a:endParaRPr lang="de-DE" dirty="0"/>
+          </a:p>
+          <a:p>
+            <a:pPr marL="285750" indent="-285750">
+              <a:buFont typeface="Arial" panose="020B0604020202020204" pitchFamily="34" charset="0"/>
+              <a:buChar char="•"/>
+            </a:pPr>
+            <a:endParaRPr lang="de-DE" dirty="0"/>
           </a:p>
         </p:txBody>
       </p:sp>
@@ -23484,15 +30621,45 @@
               <a:rPr lang="de-DE" dirty="0">
                 <a:hlinkClick r:id="rId2"/>
               </a:rPr>
-              <a:t>https://github.com/floehden/gofrm59/presentation</a:t>
+              <a:t>https://github.com/floehden/gofrm59</a:t>
             </a:r>
             <a:r>
               <a:rPr lang="de-DE" dirty="0"/>
-              <a:t>/</a:t>
+              <a:t> </a:t>
             </a:r>
           </a:p>
         </p:txBody>
       </p:sp>
+      <p:pic>
+        <p:nvPicPr>
+          <p:cNvPr id="4" name="Grafik 3">
+            <a:extLst>
+              <a:ext uri="{FF2B5EF4-FFF2-40B4-BE49-F238E27FC236}">
+                <a16:creationId xmlns:a16="http://schemas.microsoft.com/office/drawing/2014/main" id="{A6F0F225-C4C5-6036-D01B-9DB310FA0081}"/>
+              </a:ext>
+            </a:extLst>
+          </p:cNvPr>
+          <p:cNvPicPr>
+            <a:picLocks noChangeAspect="1"/>
+          </p:cNvPicPr>
+          <p:nvPr/>
+        </p:nvPicPr>
+        <p:blipFill>
+          <a:blip r:embed="rId3"/>
+          <a:stretch>
+            <a:fillRect/>
+          </a:stretch>
+        </p:blipFill>
+        <p:spPr>
+          <a:xfrm>
+            <a:off x="9871738" y="5257047"/>
+            <a:ext cx="2068930" cy="1405811"/>
+          </a:xfrm>
+          <a:prstGeom prst="rect">
+            <a:avLst/>
+          </a:prstGeom>
+        </p:spPr>
+      </p:pic>
     </p:spTree>
     <p:extLst>
       <p:ext uri="{BB962C8B-B14F-4D97-AF65-F5344CB8AC3E}">

--- a/ConfigNDThrougk8s.pptx
+++ b/ConfigNDThrougk8s.pptx
@@ -30198,7 +30198,7 @@
         <p:spPr>
           <a:xfrm>
             <a:off x="581192" y="2259724"/>
-            <a:ext cx="3433760" cy="2585323"/>
+            <a:ext cx="3433760" cy="2862322"/>
           </a:xfrm>
           <a:prstGeom prst="rect">
             <a:avLst/>
@@ -30300,6 +30300,17 @@
               <a:buFont typeface="Arial" panose="020B0604020202020204" pitchFamily="34" charset="0"/>
               <a:buChar char="•"/>
             </a:pPr>
+            <a:endParaRPr lang="de-DE" dirty="0"/>
+          </a:p>
+          <a:p>
+            <a:pPr marL="285750" indent="-285750">
+              <a:buFont typeface="Arial" panose="020B0604020202020204" pitchFamily="34" charset="0"/>
+              <a:buChar char="•"/>
+            </a:pPr>
+            <a:r>
+              <a:rPr lang="de-DE"/>
+              <a:t>In Neu-Isenburg</a:t>
+            </a:r>
             <a:endParaRPr lang="de-DE" dirty="0"/>
           </a:p>
           <a:p>
